--- a/images/images.pptx
+++ b/images/images.pptx
@@ -5,11 +5,18 @@
     <p:sldMasterId id="2147483660" r:id="rId1"/>
   </p:sldMasterIdLst>
   <p:notesMasterIdLst>
-    <p:notesMasterId r:id="rId4"/>
+    <p:notesMasterId r:id="rId11"/>
   </p:notesMasterIdLst>
   <p:sldIdLst>
     <p:sldId id="256" r:id="rId2"/>
     <p:sldId id="257" r:id="rId3"/>
+    <p:sldId id="262" r:id="rId4"/>
+    <p:sldId id="263" r:id="rId5"/>
+    <p:sldId id="264" r:id="rId6"/>
+    <p:sldId id="265" r:id="rId7"/>
+    <p:sldId id="258" r:id="rId8"/>
+    <p:sldId id="259" r:id="rId9"/>
+    <p:sldId id="260" r:id="rId10"/>
   </p:sldIdLst>
   <p:sldSz cx="9906000" cy="6858000" type="A4"/>
   <p:notesSz cx="6797675" cy="9874250"/>
@@ -108,6 +115,11 @@
       </a:defRPr>
     </a:lvl9pPr>
   </p:defaultTextStyle>
+  <p:extLst>
+    <p:ext uri="{EFAFB233-063F-42B5-8137-9DF3F51BA10A}">
+      <p15:sldGuideLst xmlns:p15="http://schemas.microsoft.com/office/powerpoint/2012/main"/>
+    </p:ext>
+  </p:extLst>
 </p:presentation>
 </file>
 
@@ -193,7 +205,7 @@
           <a:p>
             <a:fld id="{53839B6E-A109-4446-A588-EA233B4D4E04}" type="datetimeFigureOut">
               <a:rPr lang="en-US" smtClean="0"/>
-              <a:t>5/13/2016</a:t>
+              <a:t>5/18/2016</a:t>
             </a:fld>
             <a:endParaRPr lang="en-US"/>
           </a:p>
@@ -592,7 +604,7 @@
           <a:p>
             <a:fld id="{92E94611-3D8C-4AC4-91D2-FCDBAF062134}" type="datetimeFigureOut">
               <a:rPr lang="en-US" smtClean="0"/>
-              <a:t>5/13/2016</a:t>
+              <a:t>5/18/2016</a:t>
             </a:fld>
             <a:endParaRPr lang="en-US"/>
           </a:p>
@@ -762,7 +774,7 @@
           <a:p>
             <a:fld id="{92E94611-3D8C-4AC4-91D2-FCDBAF062134}" type="datetimeFigureOut">
               <a:rPr lang="en-US" smtClean="0"/>
-              <a:t>5/13/2016</a:t>
+              <a:t>5/18/2016</a:t>
             </a:fld>
             <a:endParaRPr lang="en-US"/>
           </a:p>
@@ -942,7 +954,7 @@
           <a:p>
             <a:fld id="{92E94611-3D8C-4AC4-91D2-FCDBAF062134}" type="datetimeFigureOut">
               <a:rPr lang="en-US" smtClean="0"/>
-              <a:t>5/13/2016</a:t>
+              <a:t>5/18/2016</a:t>
             </a:fld>
             <a:endParaRPr lang="en-US"/>
           </a:p>
@@ -1112,7 +1124,7 @@
           <a:p>
             <a:fld id="{92E94611-3D8C-4AC4-91D2-FCDBAF062134}" type="datetimeFigureOut">
               <a:rPr lang="en-US" smtClean="0"/>
-              <a:t>5/13/2016</a:t>
+              <a:t>5/18/2016</a:t>
             </a:fld>
             <a:endParaRPr lang="en-US"/>
           </a:p>
@@ -1356,7 +1368,7 @@
           <a:p>
             <a:fld id="{92E94611-3D8C-4AC4-91D2-FCDBAF062134}" type="datetimeFigureOut">
               <a:rPr lang="en-US" smtClean="0"/>
-              <a:t>5/13/2016</a:t>
+              <a:t>5/18/2016</a:t>
             </a:fld>
             <a:endParaRPr lang="en-US"/>
           </a:p>
@@ -1588,7 +1600,7 @@
           <a:p>
             <a:fld id="{92E94611-3D8C-4AC4-91D2-FCDBAF062134}" type="datetimeFigureOut">
               <a:rPr lang="en-US" smtClean="0"/>
-              <a:t>5/13/2016</a:t>
+              <a:t>5/18/2016</a:t>
             </a:fld>
             <a:endParaRPr lang="en-US"/>
           </a:p>
@@ -1955,7 +1967,7 @@
           <a:p>
             <a:fld id="{92E94611-3D8C-4AC4-91D2-FCDBAF062134}" type="datetimeFigureOut">
               <a:rPr lang="en-US" smtClean="0"/>
-              <a:t>5/13/2016</a:t>
+              <a:t>5/18/2016</a:t>
             </a:fld>
             <a:endParaRPr lang="en-US"/>
           </a:p>
@@ -2073,7 +2085,7 @@
           <a:p>
             <a:fld id="{92E94611-3D8C-4AC4-91D2-FCDBAF062134}" type="datetimeFigureOut">
               <a:rPr lang="en-US" smtClean="0"/>
-              <a:t>5/13/2016</a:t>
+              <a:t>5/18/2016</a:t>
             </a:fld>
             <a:endParaRPr lang="en-US"/>
           </a:p>
@@ -2168,7 +2180,7 @@
           <a:p>
             <a:fld id="{92E94611-3D8C-4AC4-91D2-FCDBAF062134}" type="datetimeFigureOut">
               <a:rPr lang="en-US" smtClean="0"/>
-              <a:t>5/13/2016</a:t>
+              <a:t>5/18/2016</a:t>
             </a:fld>
             <a:endParaRPr lang="en-US"/>
           </a:p>
@@ -2445,7 +2457,7 @@
           <a:p>
             <a:fld id="{92E94611-3D8C-4AC4-91D2-FCDBAF062134}" type="datetimeFigureOut">
               <a:rPr lang="en-US" smtClean="0"/>
-              <a:t>5/13/2016</a:t>
+              <a:t>5/18/2016</a:t>
             </a:fld>
             <a:endParaRPr lang="en-US"/>
           </a:p>
@@ -2702,7 +2714,7 @@
           <a:p>
             <a:fld id="{92E94611-3D8C-4AC4-91D2-FCDBAF062134}" type="datetimeFigureOut">
               <a:rPr lang="en-US" smtClean="0"/>
-              <a:t>5/13/2016</a:t>
+              <a:t>5/18/2016</a:t>
             </a:fld>
             <a:endParaRPr lang="en-US"/>
           </a:p>
@@ -2915,7 +2927,7 @@
           <a:p>
             <a:fld id="{92E94611-3D8C-4AC4-91D2-FCDBAF062134}" type="datetimeFigureOut">
               <a:rPr lang="en-US" smtClean="0"/>
-              <a:t>5/13/2016</a:t>
+              <a:t>5/18/2016</a:t>
             </a:fld>
             <a:endParaRPr lang="en-US"/>
           </a:p>
@@ -5251,6 +5263,5627 @@
     <p:extLst>
       <p:ext uri="{BB962C8B-B14F-4D97-AF65-F5344CB8AC3E}">
         <p14:creationId xmlns:p14="http://schemas.microsoft.com/office/powerpoint/2010/main" val="2707016868"/>
+      </p:ext>
+    </p:extLst>
+  </p:cSld>
+  <p:clrMapOvr>
+    <a:masterClrMapping/>
+  </p:clrMapOvr>
+</p:sld>
+</file>
+
+<file path=ppt/slides/slide3.xml><?xml version="1.0" encoding="utf-8"?>
+<p:sld xmlns:a="http://schemas.openxmlformats.org/drawingml/2006/main" xmlns:r="http://schemas.openxmlformats.org/officeDocument/2006/relationships" xmlns:p="http://schemas.openxmlformats.org/presentationml/2006/main">
+  <p:cSld>
+    <p:spTree>
+      <p:nvGrpSpPr>
+        <p:cNvPr id="1" name=""/>
+        <p:cNvGrpSpPr/>
+        <p:nvPr/>
+      </p:nvGrpSpPr>
+      <p:grpSpPr>
+        <a:xfrm>
+          <a:off x="0" y="0"/>
+          <a:ext cx="0" cy="0"/>
+          <a:chOff x="0" y="0"/>
+          <a:chExt cx="0" cy="0"/>
+        </a:xfrm>
+      </p:grpSpPr>
+      <p:sp>
+        <p:nvSpPr>
+          <p:cNvPr id="4" name="Oval 3"/>
+          <p:cNvSpPr/>
+          <p:nvPr/>
+        </p:nvSpPr>
+        <p:spPr>
+          <a:xfrm>
+            <a:off x="483080" y="284670"/>
+            <a:ext cx="3240000" cy="3240000"/>
+          </a:xfrm>
+          <a:prstGeom prst="ellipse">
+            <a:avLst/>
+          </a:prstGeom>
+          <a:noFill/>
+          <a:ln>
+            <a:solidFill>
+              <a:schemeClr val="bg2">
+                <a:lumMod val="90000"/>
+              </a:schemeClr>
+            </a:solidFill>
+          </a:ln>
+        </p:spPr>
+        <p:style>
+          <a:lnRef idx="2">
+            <a:schemeClr val="accent1">
+              <a:shade val="50000"/>
+            </a:schemeClr>
+          </a:lnRef>
+          <a:fillRef idx="1">
+            <a:schemeClr val="accent1"/>
+          </a:fillRef>
+          <a:effectRef idx="0">
+            <a:schemeClr val="accent1"/>
+          </a:effectRef>
+          <a:fontRef idx="minor">
+            <a:schemeClr val="lt1"/>
+          </a:fontRef>
+        </p:style>
+        <p:txBody>
+          <a:bodyPr rtlCol="0" anchor="ctr"/>
+          <a:lstStyle/>
+          <a:p>
+            <a:pPr algn="ctr"/>
+            <a:endParaRPr lang="en-US"/>
+          </a:p>
+        </p:txBody>
+      </p:sp>
+      <p:sp>
+        <p:nvSpPr>
+          <p:cNvPr id="12" name="Oval 11"/>
+          <p:cNvSpPr/>
+          <p:nvPr/>
+        </p:nvSpPr>
+        <p:spPr>
+          <a:xfrm>
+            <a:off x="1737320" y="1538910"/>
+            <a:ext cx="731520" cy="731520"/>
+          </a:xfrm>
+          <a:prstGeom prst="ellipse">
+            <a:avLst/>
+          </a:prstGeom>
+          <a:solidFill>
+            <a:schemeClr val="tx1"/>
+          </a:solidFill>
+          <a:ln>
+            <a:noFill/>
+          </a:ln>
+        </p:spPr>
+        <p:style>
+          <a:lnRef idx="2">
+            <a:schemeClr val="accent1">
+              <a:shade val="50000"/>
+            </a:schemeClr>
+          </a:lnRef>
+          <a:fillRef idx="1">
+            <a:schemeClr val="accent1"/>
+          </a:fillRef>
+          <a:effectRef idx="0">
+            <a:schemeClr val="accent1"/>
+          </a:effectRef>
+          <a:fontRef idx="minor">
+            <a:schemeClr val="lt1"/>
+          </a:fontRef>
+        </p:style>
+        <p:txBody>
+          <a:bodyPr rtlCol="0" anchor="ctr"/>
+          <a:lstStyle/>
+          <a:p>
+            <a:pPr algn="ctr"/>
+            <a:endParaRPr lang="en-US"/>
+          </a:p>
+        </p:txBody>
+      </p:sp>
+      <p:sp>
+        <p:nvSpPr>
+          <p:cNvPr id="13" name="Oval 12"/>
+          <p:cNvSpPr/>
+          <p:nvPr/>
+        </p:nvSpPr>
+        <p:spPr>
+          <a:xfrm>
+            <a:off x="1965920" y="500310"/>
+            <a:ext cx="274320" cy="822960"/>
+          </a:xfrm>
+          <a:prstGeom prst="ellipse">
+            <a:avLst/>
+          </a:prstGeom>
+          <a:solidFill>
+            <a:schemeClr val="tx1"/>
+          </a:solidFill>
+          <a:ln>
+            <a:noFill/>
+          </a:ln>
+        </p:spPr>
+        <p:style>
+          <a:lnRef idx="2">
+            <a:schemeClr val="accent1">
+              <a:shade val="50000"/>
+            </a:schemeClr>
+          </a:lnRef>
+          <a:fillRef idx="1">
+            <a:schemeClr val="accent1"/>
+          </a:fillRef>
+          <a:effectRef idx="0">
+            <a:schemeClr val="accent1"/>
+          </a:effectRef>
+          <a:fontRef idx="minor">
+            <a:schemeClr val="lt1"/>
+          </a:fontRef>
+        </p:style>
+        <p:txBody>
+          <a:bodyPr rtlCol="0" anchor="ctr"/>
+          <a:lstStyle/>
+          <a:p>
+            <a:pPr algn="ctr"/>
+            <a:endParaRPr lang="en-US"/>
+          </a:p>
+        </p:txBody>
+      </p:sp>
+      <p:sp>
+        <p:nvSpPr>
+          <p:cNvPr id="15" name="Oval 14"/>
+          <p:cNvSpPr/>
+          <p:nvPr/>
+        </p:nvSpPr>
+        <p:spPr>
+          <a:xfrm>
+            <a:off x="842446" y="1721790"/>
+            <a:ext cx="365760" cy="365760"/>
+          </a:xfrm>
+          <a:prstGeom prst="ellipse">
+            <a:avLst/>
+          </a:prstGeom>
+          <a:solidFill>
+            <a:schemeClr val="tx1"/>
+          </a:solidFill>
+          <a:ln>
+            <a:noFill/>
+          </a:ln>
+        </p:spPr>
+        <p:style>
+          <a:lnRef idx="2">
+            <a:schemeClr val="accent1">
+              <a:shade val="50000"/>
+            </a:schemeClr>
+          </a:lnRef>
+          <a:fillRef idx="1">
+            <a:schemeClr val="accent1"/>
+          </a:fillRef>
+          <a:effectRef idx="0">
+            <a:schemeClr val="accent1"/>
+          </a:effectRef>
+          <a:fontRef idx="minor">
+            <a:schemeClr val="lt1"/>
+          </a:fontRef>
+        </p:style>
+        <p:txBody>
+          <a:bodyPr rtlCol="0" anchor="ctr"/>
+          <a:lstStyle/>
+          <a:p>
+            <a:pPr algn="ctr"/>
+            <a:endParaRPr lang="en-US"/>
+          </a:p>
+        </p:txBody>
+      </p:sp>
+      <p:sp>
+        <p:nvSpPr>
+          <p:cNvPr id="16" name="Oval 15"/>
+          <p:cNvSpPr/>
+          <p:nvPr/>
+        </p:nvSpPr>
+        <p:spPr>
+          <a:xfrm>
+            <a:off x="3000200" y="1721790"/>
+            <a:ext cx="365760" cy="365760"/>
+          </a:xfrm>
+          <a:prstGeom prst="ellipse">
+            <a:avLst/>
+          </a:prstGeom>
+          <a:solidFill>
+            <a:schemeClr val="tx1"/>
+          </a:solidFill>
+          <a:ln>
+            <a:noFill/>
+          </a:ln>
+        </p:spPr>
+        <p:style>
+          <a:lnRef idx="2">
+            <a:schemeClr val="accent1">
+              <a:shade val="50000"/>
+            </a:schemeClr>
+          </a:lnRef>
+          <a:fillRef idx="1">
+            <a:schemeClr val="accent1"/>
+          </a:fillRef>
+          <a:effectRef idx="0">
+            <a:schemeClr val="accent1"/>
+          </a:effectRef>
+          <a:fontRef idx="minor">
+            <a:schemeClr val="lt1"/>
+          </a:fontRef>
+        </p:style>
+        <p:txBody>
+          <a:bodyPr rtlCol="0" anchor="ctr"/>
+          <a:lstStyle/>
+          <a:p>
+            <a:pPr algn="ctr"/>
+            <a:endParaRPr lang="en-US"/>
+          </a:p>
+        </p:txBody>
+      </p:sp>
+      <p:sp>
+        <p:nvSpPr>
+          <p:cNvPr id="19" name="Oval 18"/>
+          <p:cNvSpPr/>
+          <p:nvPr/>
+        </p:nvSpPr>
+        <p:spPr>
+          <a:xfrm>
+            <a:off x="483080" y="284670"/>
+            <a:ext cx="3240000" cy="3240000"/>
+          </a:xfrm>
+          <a:prstGeom prst="ellipse">
+            <a:avLst/>
+          </a:prstGeom>
+          <a:noFill/>
+        </p:spPr>
+        <p:style>
+          <a:lnRef idx="2">
+            <a:schemeClr val="accent1">
+              <a:shade val="50000"/>
+            </a:schemeClr>
+          </a:lnRef>
+          <a:fillRef idx="1">
+            <a:schemeClr val="accent1"/>
+          </a:fillRef>
+          <a:effectRef idx="0">
+            <a:schemeClr val="accent1"/>
+          </a:effectRef>
+          <a:fontRef idx="minor">
+            <a:schemeClr val="lt1"/>
+          </a:fontRef>
+        </p:style>
+        <p:txBody>
+          <a:bodyPr rtlCol="0" anchor="ctr"/>
+          <a:lstStyle/>
+          <a:p>
+            <a:pPr algn="ctr"/>
+            <a:endParaRPr lang="en-US"/>
+          </a:p>
+        </p:txBody>
+      </p:sp>
+      <p:cxnSp>
+        <p:nvCxnSpPr>
+          <p:cNvPr id="22" name="Straight Connector 21"/>
+          <p:cNvCxnSpPr>
+            <a:stCxn id="19" idx="2"/>
+            <a:endCxn id="19" idx="6"/>
+          </p:cNvCxnSpPr>
+          <p:nvPr/>
+        </p:nvCxnSpPr>
+        <p:spPr>
+          <a:xfrm>
+            <a:off x="483080" y="1904670"/>
+            <a:ext cx="3240000" cy="0"/>
+          </a:xfrm>
+          <a:prstGeom prst="line">
+            <a:avLst/>
+          </a:prstGeom>
+        </p:spPr>
+        <p:style>
+          <a:lnRef idx="1">
+            <a:schemeClr val="accent1"/>
+          </a:lnRef>
+          <a:fillRef idx="0">
+            <a:schemeClr val="accent1"/>
+          </a:fillRef>
+          <a:effectRef idx="0">
+            <a:schemeClr val="accent1"/>
+          </a:effectRef>
+          <a:fontRef idx="minor">
+            <a:schemeClr val="tx1"/>
+          </a:fontRef>
+        </p:style>
+      </p:cxnSp>
+      <p:cxnSp>
+        <p:nvCxnSpPr>
+          <p:cNvPr id="27" name="Straight Connector 26"/>
+          <p:cNvCxnSpPr>
+            <a:stCxn id="19" idx="0"/>
+            <a:endCxn id="19" idx="4"/>
+          </p:cNvCxnSpPr>
+          <p:nvPr/>
+        </p:nvCxnSpPr>
+        <p:spPr>
+          <a:xfrm>
+            <a:off x="2103080" y="284670"/>
+            <a:ext cx="0" cy="3240000"/>
+          </a:xfrm>
+          <a:prstGeom prst="line">
+            <a:avLst/>
+          </a:prstGeom>
+        </p:spPr>
+        <p:style>
+          <a:lnRef idx="1">
+            <a:schemeClr val="accent1"/>
+          </a:lnRef>
+          <a:fillRef idx="0">
+            <a:schemeClr val="accent1"/>
+          </a:fillRef>
+          <a:effectRef idx="0">
+            <a:schemeClr val="accent1"/>
+          </a:effectRef>
+          <a:fontRef idx="minor">
+            <a:schemeClr val="tx1"/>
+          </a:fontRef>
+        </p:style>
+      </p:cxnSp>
+      <p:sp>
+        <p:nvSpPr>
+          <p:cNvPr id="28" name="Oval 27"/>
+          <p:cNvSpPr/>
+          <p:nvPr/>
+        </p:nvSpPr>
+        <p:spPr>
+          <a:xfrm>
+            <a:off x="1023080" y="824670"/>
+            <a:ext cx="2160000" cy="2160000"/>
+          </a:xfrm>
+          <a:prstGeom prst="ellipse">
+            <a:avLst/>
+          </a:prstGeom>
+          <a:noFill/>
+          <a:ln>
+            <a:solidFill>
+              <a:schemeClr val="accent6">
+                <a:lumMod val="75000"/>
+              </a:schemeClr>
+            </a:solidFill>
+          </a:ln>
+        </p:spPr>
+        <p:style>
+          <a:lnRef idx="2">
+            <a:schemeClr val="accent1">
+              <a:shade val="50000"/>
+            </a:schemeClr>
+          </a:lnRef>
+          <a:fillRef idx="1">
+            <a:schemeClr val="accent1"/>
+          </a:fillRef>
+          <a:effectRef idx="0">
+            <a:schemeClr val="accent1"/>
+          </a:effectRef>
+          <a:fontRef idx="minor">
+            <a:schemeClr val="lt1"/>
+          </a:fontRef>
+        </p:style>
+        <p:txBody>
+          <a:bodyPr rtlCol="0" anchor="ctr"/>
+          <a:lstStyle/>
+          <a:p>
+            <a:pPr algn="ctr"/>
+            <a:endParaRPr lang="en-US"/>
+          </a:p>
+        </p:txBody>
+      </p:sp>
+      <p:sp>
+        <p:nvSpPr>
+          <p:cNvPr id="43" name="Oval 42"/>
+          <p:cNvSpPr/>
+          <p:nvPr/>
+        </p:nvSpPr>
+        <p:spPr>
+          <a:xfrm>
+            <a:off x="2700079" y="2453310"/>
+            <a:ext cx="365760" cy="365760"/>
+          </a:xfrm>
+          <a:prstGeom prst="ellipse">
+            <a:avLst/>
+          </a:prstGeom>
+          <a:solidFill>
+            <a:schemeClr val="tx1"/>
+          </a:solidFill>
+          <a:ln>
+            <a:noFill/>
+          </a:ln>
+        </p:spPr>
+        <p:style>
+          <a:lnRef idx="2">
+            <a:schemeClr val="accent1">
+              <a:shade val="50000"/>
+            </a:schemeClr>
+          </a:lnRef>
+          <a:fillRef idx="1">
+            <a:schemeClr val="accent1"/>
+          </a:fillRef>
+          <a:effectRef idx="0">
+            <a:schemeClr val="accent1"/>
+          </a:effectRef>
+          <a:fontRef idx="minor">
+            <a:schemeClr val="lt1"/>
+          </a:fontRef>
+        </p:style>
+        <p:txBody>
+          <a:bodyPr rtlCol="0" anchor="ctr"/>
+          <a:lstStyle/>
+          <a:p>
+            <a:pPr algn="ctr"/>
+            <a:endParaRPr lang="en-US"/>
+          </a:p>
+        </p:txBody>
+      </p:sp>
+      <p:sp>
+        <p:nvSpPr>
+          <p:cNvPr id="44" name="Oval 43"/>
+          <p:cNvSpPr/>
+          <p:nvPr/>
+        </p:nvSpPr>
+        <p:spPr>
+          <a:xfrm>
+            <a:off x="1130452" y="2440350"/>
+            <a:ext cx="365760" cy="365760"/>
+          </a:xfrm>
+          <a:prstGeom prst="ellipse">
+            <a:avLst/>
+          </a:prstGeom>
+          <a:solidFill>
+            <a:schemeClr val="tx1"/>
+          </a:solidFill>
+          <a:ln>
+            <a:noFill/>
+          </a:ln>
+        </p:spPr>
+        <p:style>
+          <a:lnRef idx="2">
+            <a:schemeClr val="accent1">
+              <a:shade val="50000"/>
+            </a:schemeClr>
+          </a:lnRef>
+          <a:fillRef idx="1">
+            <a:schemeClr val="accent1"/>
+          </a:fillRef>
+          <a:effectRef idx="0">
+            <a:schemeClr val="accent1"/>
+          </a:effectRef>
+          <a:fontRef idx="minor">
+            <a:schemeClr val="lt1"/>
+          </a:fontRef>
+        </p:style>
+        <p:txBody>
+          <a:bodyPr rtlCol="0" anchor="ctr"/>
+          <a:lstStyle/>
+          <a:p>
+            <a:pPr algn="ctr"/>
+            <a:endParaRPr lang="en-US"/>
+          </a:p>
+        </p:txBody>
+      </p:sp>
+      <p:sp>
+        <p:nvSpPr>
+          <p:cNvPr id="45" name="Oval 44"/>
+          <p:cNvSpPr/>
+          <p:nvPr/>
+        </p:nvSpPr>
+        <p:spPr>
+          <a:xfrm>
+            <a:off x="4983036" y="284670"/>
+            <a:ext cx="3240000" cy="3240000"/>
+          </a:xfrm>
+          <a:prstGeom prst="ellipse">
+            <a:avLst/>
+          </a:prstGeom>
+          <a:noFill/>
+          <a:ln>
+            <a:solidFill>
+              <a:schemeClr val="bg2">
+                <a:lumMod val="90000"/>
+              </a:schemeClr>
+            </a:solidFill>
+          </a:ln>
+        </p:spPr>
+        <p:style>
+          <a:lnRef idx="2">
+            <a:schemeClr val="accent1">
+              <a:shade val="50000"/>
+            </a:schemeClr>
+          </a:lnRef>
+          <a:fillRef idx="1">
+            <a:schemeClr val="accent1"/>
+          </a:fillRef>
+          <a:effectRef idx="0">
+            <a:schemeClr val="accent1"/>
+          </a:effectRef>
+          <a:fontRef idx="minor">
+            <a:schemeClr val="lt1"/>
+          </a:fontRef>
+        </p:style>
+        <p:txBody>
+          <a:bodyPr rtlCol="0" anchor="ctr"/>
+          <a:lstStyle/>
+          <a:p>
+            <a:pPr algn="ctr"/>
+            <a:endParaRPr lang="en-US"/>
+          </a:p>
+        </p:txBody>
+      </p:sp>
+      <p:sp>
+        <p:nvSpPr>
+          <p:cNvPr id="46" name="Oval 45"/>
+          <p:cNvSpPr/>
+          <p:nvPr/>
+        </p:nvSpPr>
+        <p:spPr>
+          <a:xfrm>
+            <a:off x="6237276" y="1538910"/>
+            <a:ext cx="731520" cy="731520"/>
+          </a:xfrm>
+          <a:prstGeom prst="ellipse">
+            <a:avLst/>
+          </a:prstGeom>
+          <a:solidFill>
+            <a:schemeClr val="tx1"/>
+          </a:solidFill>
+          <a:ln>
+            <a:noFill/>
+          </a:ln>
+        </p:spPr>
+        <p:style>
+          <a:lnRef idx="2">
+            <a:schemeClr val="accent1">
+              <a:shade val="50000"/>
+            </a:schemeClr>
+          </a:lnRef>
+          <a:fillRef idx="1">
+            <a:schemeClr val="accent1"/>
+          </a:fillRef>
+          <a:effectRef idx="0">
+            <a:schemeClr val="accent1"/>
+          </a:effectRef>
+          <a:fontRef idx="minor">
+            <a:schemeClr val="lt1"/>
+          </a:fontRef>
+        </p:style>
+        <p:txBody>
+          <a:bodyPr rtlCol="0" anchor="ctr"/>
+          <a:lstStyle/>
+          <a:p>
+            <a:pPr algn="ctr"/>
+            <a:endParaRPr lang="en-US"/>
+          </a:p>
+        </p:txBody>
+      </p:sp>
+      <p:sp>
+        <p:nvSpPr>
+          <p:cNvPr id="47" name="Oval 46"/>
+          <p:cNvSpPr/>
+          <p:nvPr/>
+        </p:nvSpPr>
+        <p:spPr>
+          <a:xfrm>
+            <a:off x="6465876" y="500310"/>
+            <a:ext cx="274320" cy="822960"/>
+          </a:xfrm>
+          <a:prstGeom prst="ellipse">
+            <a:avLst/>
+          </a:prstGeom>
+          <a:solidFill>
+            <a:schemeClr val="tx1"/>
+          </a:solidFill>
+          <a:ln>
+            <a:noFill/>
+          </a:ln>
+        </p:spPr>
+        <p:style>
+          <a:lnRef idx="2">
+            <a:schemeClr val="accent1">
+              <a:shade val="50000"/>
+            </a:schemeClr>
+          </a:lnRef>
+          <a:fillRef idx="1">
+            <a:schemeClr val="accent1"/>
+          </a:fillRef>
+          <a:effectRef idx="0">
+            <a:schemeClr val="accent1"/>
+          </a:effectRef>
+          <a:fontRef idx="minor">
+            <a:schemeClr val="lt1"/>
+          </a:fontRef>
+        </p:style>
+        <p:txBody>
+          <a:bodyPr rtlCol="0" anchor="ctr"/>
+          <a:lstStyle/>
+          <a:p>
+            <a:pPr algn="ctr"/>
+            <a:endParaRPr lang="en-US"/>
+          </a:p>
+        </p:txBody>
+      </p:sp>
+      <p:sp>
+        <p:nvSpPr>
+          <p:cNvPr id="48" name="Oval 47"/>
+          <p:cNvSpPr/>
+          <p:nvPr/>
+        </p:nvSpPr>
+        <p:spPr>
+          <a:xfrm>
+            <a:off x="5342402" y="1721790"/>
+            <a:ext cx="365760" cy="365760"/>
+          </a:xfrm>
+          <a:prstGeom prst="ellipse">
+            <a:avLst/>
+          </a:prstGeom>
+          <a:solidFill>
+            <a:schemeClr val="tx1"/>
+          </a:solidFill>
+          <a:ln>
+            <a:noFill/>
+          </a:ln>
+        </p:spPr>
+        <p:style>
+          <a:lnRef idx="2">
+            <a:schemeClr val="accent1">
+              <a:shade val="50000"/>
+            </a:schemeClr>
+          </a:lnRef>
+          <a:fillRef idx="1">
+            <a:schemeClr val="accent1"/>
+          </a:fillRef>
+          <a:effectRef idx="0">
+            <a:schemeClr val="accent1"/>
+          </a:effectRef>
+          <a:fontRef idx="minor">
+            <a:schemeClr val="lt1"/>
+          </a:fontRef>
+        </p:style>
+        <p:txBody>
+          <a:bodyPr rtlCol="0" anchor="ctr"/>
+          <a:lstStyle/>
+          <a:p>
+            <a:pPr algn="ctr"/>
+            <a:endParaRPr lang="en-US"/>
+          </a:p>
+        </p:txBody>
+      </p:sp>
+      <p:sp>
+        <p:nvSpPr>
+          <p:cNvPr id="49" name="Oval 48"/>
+          <p:cNvSpPr/>
+          <p:nvPr/>
+        </p:nvSpPr>
+        <p:spPr>
+          <a:xfrm>
+            <a:off x="7500156" y="1721790"/>
+            <a:ext cx="365760" cy="365760"/>
+          </a:xfrm>
+          <a:prstGeom prst="ellipse">
+            <a:avLst/>
+          </a:prstGeom>
+          <a:solidFill>
+            <a:schemeClr val="tx1"/>
+          </a:solidFill>
+          <a:ln>
+            <a:noFill/>
+          </a:ln>
+        </p:spPr>
+        <p:style>
+          <a:lnRef idx="2">
+            <a:schemeClr val="accent1">
+              <a:shade val="50000"/>
+            </a:schemeClr>
+          </a:lnRef>
+          <a:fillRef idx="1">
+            <a:schemeClr val="accent1"/>
+          </a:fillRef>
+          <a:effectRef idx="0">
+            <a:schemeClr val="accent1"/>
+          </a:effectRef>
+          <a:fontRef idx="minor">
+            <a:schemeClr val="lt1"/>
+          </a:fontRef>
+        </p:style>
+        <p:txBody>
+          <a:bodyPr rtlCol="0" anchor="ctr"/>
+          <a:lstStyle/>
+          <a:p>
+            <a:pPr algn="ctr"/>
+            <a:endParaRPr lang="en-US"/>
+          </a:p>
+        </p:txBody>
+      </p:sp>
+      <p:sp>
+        <p:nvSpPr>
+          <p:cNvPr id="50" name="Oval 49"/>
+          <p:cNvSpPr/>
+          <p:nvPr/>
+        </p:nvSpPr>
+        <p:spPr>
+          <a:xfrm>
+            <a:off x="4983036" y="284670"/>
+            <a:ext cx="3240000" cy="3240000"/>
+          </a:xfrm>
+          <a:prstGeom prst="ellipse">
+            <a:avLst/>
+          </a:prstGeom>
+          <a:noFill/>
+        </p:spPr>
+        <p:style>
+          <a:lnRef idx="2">
+            <a:schemeClr val="accent1">
+              <a:shade val="50000"/>
+            </a:schemeClr>
+          </a:lnRef>
+          <a:fillRef idx="1">
+            <a:schemeClr val="accent1"/>
+          </a:fillRef>
+          <a:effectRef idx="0">
+            <a:schemeClr val="accent1"/>
+          </a:effectRef>
+          <a:fontRef idx="minor">
+            <a:schemeClr val="lt1"/>
+          </a:fontRef>
+        </p:style>
+        <p:txBody>
+          <a:bodyPr rtlCol="0" anchor="ctr"/>
+          <a:lstStyle/>
+          <a:p>
+            <a:pPr algn="ctr"/>
+            <a:endParaRPr lang="en-US"/>
+          </a:p>
+        </p:txBody>
+      </p:sp>
+      <p:cxnSp>
+        <p:nvCxnSpPr>
+          <p:cNvPr id="51" name="Straight Connector 50"/>
+          <p:cNvCxnSpPr>
+            <a:stCxn id="50" idx="2"/>
+            <a:endCxn id="50" idx="6"/>
+          </p:cNvCxnSpPr>
+          <p:nvPr/>
+        </p:nvCxnSpPr>
+        <p:spPr>
+          <a:xfrm>
+            <a:off x="4983036" y="1904670"/>
+            <a:ext cx="3240000" cy="0"/>
+          </a:xfrm>
+          <a:prstGeom prst="line">
+            <a:avLst/>
+          </a:prstGeom>
+        </p:spPr>
+        <p:style>
+          <a:lnRef idx="1">
+            <a:schemeClr val="accent1"/>
+          </a:lnRef>
+          <a:fillRef idx="0">
+            <a:schemeClr val="accent1"/>
+          </a:fillRef>
+          <a:effectRef idx="0">
+            <a:schemeClr val="accent1"/>
+          </a:effectRef>
+          <a:fontRef idx="minor">
+            <a:schemeClr val="tx1"/>
+          </a:fontRef>
+        </p:style>
+      </p:cxnSp>
+      <p:cxnSp>
+        <p:nvCxnSpPr>
+          <p:cNvPr id="52" name="Straight Connector 51"/>
+          <p:cNvCxnSpPr>
+            <a:stCxn id="50" idx="0"/>
+            <a:endCxn id="50" idx="4"/>
+          </p:cNvCxnSpPr>
+          <p:nvPr/>
+        </p:nvCxnSpPr>
+        <p:spPr>
+          <a:xfrm>
+            <a:off x="6603036" y="284670"/>
+            <a:ext cx="0" cy="3240000"/>
+          </a:xfrm>
+          <a:prstGeom prst="line">
+            <a:avLst/>
+          </a:prstGeom>
+        </p:spPr>
+        <p:style>
+          <a:lnRef idx="1">
+            <a:schemeClr val="accent1"/>
+          </a:lnRef>
+          <a:fillRef idx="0">
+            <a:schemeClr val="accent1"/>
+          </a:fillRef>
+          <a:effectRef idx="0">
+            <a:schemeClr val="accent1"/>
+          </a:effectRef>
+          <a:fontRef idx="minor">
+            <a:schemeClr val="tx1"/>
+          </a:fontRef>
+        </p:style>
+      </p:cxnSp>
+      <p:sp>
+        <p:nvSpPr>
+          <p:cNvPr id="53" name="Oval 52"/>
+          <p:cNvSpPr/>
+          <p:nvPr/>
+        </p:nvSpPr>
+        <p:spPr>
+          <a:xfrm>
+            <a:off x="5523036" y="824670"/>
+            <a:ext cx="2160000" cy="2160000"/>
+          </a:xfrm>
+          <a:prstGeom prst="ellipse">
+            <a:avLst/>
+          </a:prstGeom>
+          <a:noFill/>
+          <a:ln>
+            <a:solidFill>
+              <a:schemeClr val="accent6">
+                <a:lumMod val="75000"/>
+              </a:schemeClr>
+            </a:solidFill>
+          </a:ln>
+        </p:spPr>
+        <p:style>
+          <a:lnRef idx="2">
+            <a:schemeClr val="accent1">
+              <a:shade val="50000"/>
+            </a:schemeClr>
+          </a:lnRef>
+          <a:fillRef idx="1">
+            <a:schemeClr val="accent1"/>
+          </a:fillRef>
+          <a:effectRef idx="0">
+            <a:schemeClr val="accent1"/>
+          </a:effectRef>
+          <a:fontRef idx="minor">
+            <a:schemeClr val="lt1"/>
+          </a:fontRef>
+        </p:style>
+        <p:txBody>
+          <a:bodyPr rtlCol="0" anchor="ctr"/>
+          <a:lstStyle/>
+          <a:p>
+            <a:pPr algn="ctr"/>
+            <a:endParaRPr lang="en-US"/>
+          </a:p>
+        </p:txBody>
+      </p:sp>
+      <p:sp>
+        <p:nvSpPr>
+          <p:cNvPr id="54" name="Oval 53"/>
+          <p:cNvSpPr/>
+          <p:nvPr/>
+        </p:nvSpPr>
+        <p:spPr>
+          <a:xfrm>
+            <a:off x="7200035" y="2453310"/>
+            <a:ext cx="365760" cy="365760"/>
+          </a:xfrm>
+          <a:prstGeom prst="ellipse">
+            <a:avLst/>
+          </a:prstGeom>
+          <a:solidFill>
+            <a:schemeClr val="tx1"/>
+          </a:solidFill>
+          <a:ln>
+            <a:noFill/>
+          </a:ln>
+        </p:spPr>
+        <p:style>
+          <a:lnRef idx="2">
+            <a:schemeClr val="accent1">
+              <a:shade val="50000"/>
+            </a:schemeClr>
+          </a:lnRef>
+          <a:fillRef idx="1">
+            <a:schemeClr val="accent1"/>
+          </a:fillRef>
+          <a:effectRef idx="0">
+            <a:schemeClr val="accent1"/>
+          </a:effectRef>
+          <a:fontRef idx="minor">
+            <a:schemeClr val="lt1"/>
+          </a:fontRef>
+        </p:style>
+        <p:txBody>
+          <a:bodyPr rtlCol="0" anchor="ctr"/>
+          <a:lstStyle/>
+          <a:p>
+            <a:pPr algn="ctr"/>
+            <a:endParaRPr lang="en-US"/>
+          </a:p>
+        </p:txBody>
+      </p:sp>
+      <p:sp>
+        <p:nvSpPr>
+          <p:cNvPr id="55" name="Oval 54"/>
+          <p:cNvSpPr/>
+          <p:nvPr/>
+        </p:nvSpPr>
+        <p:spPr>
+          <a:xfrm>
+            <a:off x="5630408" y="2440350"/>
+            <a:ext cx="365760" cy="365760"/>
+          </a:xfrm>
+          <a:prstGeom prst="ellipse">
+            <a:avLst/>
+          </a:prstGeom>
+          <a:solidFill>
+            <a:schemeClr val="tx1"/>
+          </a:solidFill>
+          <a:ln>
+            <a:noFill/>
+          </a:ln>
+        </p:spPr>
+        <p:style>
+          <a:lnRef idx="2">
+            <a:schemeClr val="accent1">
+              <a:shade val="50000"/>
+            </a:schemeClr>
+          </a:lnRef>
+          <a:fillRef idx="1">
+            <a:schemeClr val="accent1"/>
+          </a:fillRef>
+          <a:effectRef idx="0">
+            <a:schemeClr val="accent1"/>
+          </a:effectRef>
+          <a:fontRef idx="minor">
+            <a:schemeClr val="lt1"/>
+          </a:fontRef>
+        </p:style>
+        <p:txBody>
+          <a:bodyPr rtlCol="0" anchor="ctr"/>
+          <a:lstStyle/>
+          <a:p>
+            <a:pPr algn="ctr"/>
+            <a:endParaRPr lang="en-US"/>
+          </a:p>
+        </p:txBody>
+      </p:sp>
+      <p:sp>
+        <p:nvSpPr>
+          <p:cNvPr id="56" name="Oval 55"/>
+          <p:cNvSpPr/>
+          <p:nvPr/>
+        </p:nvSpPr>
+        <p:spPr>
+          <a:xfrm>
+            <a:off x="7200035" y="990271"/>
+            <a:ext cx="365760" cy="365760"/>
+          </a:xfrm>
+          <a:prstGeom prst="ellipse">
+            <a:avLst/>
+          </a:prstGeom>
+          <a:solidFill>
+            <a:schemeClr val="tx1"/>
+          </a:solidFill>
+          <a:ln>
+            <a:noFill/>
+          </a:ln>
+        </p:spPr>
+        <p:style>
+          <a:lnRef idx="2">
+            <a:schemeClr val="accent1">
+              <a:shade val="50000"/>
+            </a:schemeClr>
+          </a:lnRef>
+          <a:fillRef idx="1">
+            <a:schemeClr val="accent1"/>
+          </a:fillRef>
+          <a:effectRef idx="0">
+            <a:schemeClr val="accent1"/>
+          </a:effectRef>
+          <a:fontRef idx="minor">
+            <a:schemeClr val="lt1"/>
+          </a:fontRef>
+        </p:style>
+        <p:txBody>
+          <a:bodyPr rtlCol="0" anchor="ctr"/>
+          <a:lstStyle/>
+          <a:p>
+            <a:pPr algn="ctr"/>
+            <a:endParaRPr lang="en-US"/>
+          </a:p>
+        </p:txBody>
+      </p:sp>
+      <p:sp>
+        <p:nvSpPr>
+          <p:cNvPr id="57" name="Oval 56"/>
+          <p:cNvSpPr/>
+          <p:nvPr/>
+        </p:nvSpPr>
+        <p:spPr>
+          <a:xfrm>
+            <a:off x="5630408" y="977311"/>
+            <a:ext cx="365760" cy="365760"/>
+          </a:xfrm>
+          <a:prstGeom prst="ellipse">
+            <a:avLst/>
+          </a:prstGeom>
+          <a:solidFill>
+            <a:schemeClr val="tx1"/>
+          </a:solidFill>
+          <a:ln>
+            <a:noFill/>
+          </a:ln>
+        </p:spPr>
+        <p:style>
+          <a:lnRef idx="2">
+            <a:schemeClr val="accent1">
+              <a:shade val="50000"/>
+            </a:schemeClr>
+          </a:lnRef>
+          <a:fillRef idx="1">
+            <a:schemeClr val="accent1"/>
+          </a:fillRef>
+          <a:effectRef idx="0">
+            <a:schemeClr val="accent1"/>
+          </a:effectRef>
+          <a:fontRef idx="minor">
+            <a:schemeClr val="lt1"/>
+          </a:fontRef>
+        </p:style>
+        <p:txBody>
+          <a:bodyPr rtlCol="0" anchor="ctr"/>
+          <a:lstStyle/>
+          <a:p>
+            <a:pPr algn="ctr"/>
+            <a:endParaRPr lang="en-US"/>
+          </a:p>
+        </p:txBody>
+      </p:sp>
+      <p:sp>
+        <p:nvSpPr>
+          <p:cNvPr id="58" name="Oval 57"/>
+          <p:cNvSpPr/>
+          <p:nvPr/>
+        </p:nvSpPr>
+        <p:spPr>
+          <a:xfrm>
+            <a:off x="2823036" y="3520349"/>
+            <a:ext cx="3240000" cy="3240000"/>
+          </a:xfrm>
+          <a:prstGeom prst="ellipse">
+            <a:avLst/>
+          </a:prstGeom>
+          <a:noFill/>
+          <a:ln>
+            <a:solidFill>
+              <a:schemeClr val="bg2">
+                <a:lumMod val="90000"/>
+              </a:schemeClr>
+            </a:solidFill>
+          </a:ln>
+        </p:spPr>
+        <p:style>
+          <a:lnRef idx="2">
+            <a:schemeClr val="accent1">
+              <a:shade val="50000"/>
+            </a:schemeClr>
+          </a:lnRef>
+          <a:fillRef idx="1">
+            <a:schemeClr val="accent1"/>
+          </a:fillRef>
+          <a:effectRef idx="0">
+            <a:schemeClr val="accent1"/>
+          </a:effectRef>
+          <a:fontRef idx="minor">
+            <a:schemeClr val="lt1"/>
+          </a:fontRef>
+        </p:style>
+        <p:txBody>
+          <a:bodyPr rtlCol="0" anchor="ctr"/>
+          <a:lstStyle/>
+          <a:p>
+            <a:pPr algn="ctr"/>
+            <a:endParaRPr lang="en-US"/>
+          </a:p>
+        </p:txBody>
+      </p:sp>
+      <p:sp>
+        <p:nvSpPr>
+          <p:cNvPr id="59" name="Oval 58"/>
+          <p:cNvSpPr/>
+          <p:nvPr/>
+        </p:nvSpPr>
+        <p:spPr>
+          <a:xfrm>
+            <a:off x="4077276" y="4774589"/>
+            <a:ext cx="731520" cy="731520"/>
+          </a:xfrm>
+          <a:prstGeom prst="ellipse">
+            <a:avLst/>
+          </a:prstGeom>
+          <a:solidFill>
+            <a:schemeClr val="tx1"/>
+          </a:solidFill>
+          <a:ln>
+            <a:noFill/>
+          </a:ln>
+        </p:spPr>
+        <p:style>
+          <a:lnRef idx="2">
+            <a:schemeClr val="accent1">
+              <a:shade val="50000"/>
+            </a:schemeClr>
+          </a:lnRef>
+          <a:fillRef idx="1">
+            <a:schemeClr val="accent1"/>
+          </a:fillRef>
+          <a:effectRef idx="0">
+            <a:schemeClr val="accent1"/>
+          </a:effectRef>
+          <a:fontRef idx="minor">
+            <a:schemeClr val="lt1"/>
+          </a:fontRef>
+        </p:style>
+        <p:txBody>
+          <a:bodyPr rtlCol="0" anchor="ctr"/>
+          <a:lstStyle/>
+          <a:p>
+            <a:pPr algn="ctr"/>
+            <a:endParaRPr lang="en-US"/>
+          </a:p>
+        </p:txBody>
+      </p:sp>
+      <p:sp>
+        <p:nvSpPr>
+          <p:cNvPr id="60" name="Oval 59"/>
+          <p:cNvSpPr/>
+          <p:nvPr/>
+        </p:nvSpPr>
+        <p:spPr>
+          <a:xfrm>
+            <a:off x="4305876" y="3735989"/>
+            <a:ext cx="274320" cy="822960"/>
+          </a:xfrm>
+          <a:prstGeom prst="ellipse">
+            <a:avLst/>
+          </a:prstGeom>
+          <a:solidFill>
+            <a:schemeClr val="tx1"/>
+          </a:solidFill>
+          <a:ln>
+            <a:noFill/>
+          </a:ln>
+        </p:spPr>
+        <p:style>
+          <a:lnRef idx="2">
+            <a:schemeClr val="accent1">
+              <a:shade val="50000"/>
+            </a:schemeClr>
+          </a:lnRef>
+          <a:fillRef idx="1">
+            <a:schemeClr val="accent1"/>
+          </a:fillRef>
+          <a:effectRef idx="0">
+            <a:schemeClr val="accent1"/>
+          </a:effectRef>
+          <a:fontRef idx="minor">
+            <a:schemeClr val="lt1"/>
+          </a:fontRef>
+        </p:style>
+        <p:txBody>
+          <a:bodyPr rtlCol="0" anchor="ctr"/>
+          <a:lstStyle/>
+          <a:p>
+            <a:pPr algn="ctr"/>
+            <a:endParaRPr lang="en-US"/>
+          </a:p>
+        </p:txBody>
+      </p:sp>
+      <p:sp>
+        <p:nvSpPr>
+          <p:cNvPr id="61" name="Oval 60"/>
+          <p:cNvSpPr/>
+          <p:nvPr/>
+        </p:nvSpPr>
+        <p:spPr>
+          <a:xfrm>
+            <a:off x="3182402" y="4957469"/>
+            <a:ext cx="365760" cy="365760"/>
+          </a:xfrm>
+          <a:prstGeom prst="ellipse">
+            <a:avLst/>
+          </a:prstGeom>
+          <a:solidFill>
+            <a:schemeClr val="tx1"/>
+          </a:solidFill>
+          <a:ln>
+            <a:noFill/>
+          </a:ln>
+        </p:spPr>
+        <p:style>
+          <a:lnRef idx="2">
+            <a:schemeClr val="accent1">
+              <a:shade val="50000"/>
+            </a:schemeClr>
+          </a:lnRef>
+          <a:fillRef idx="1">
+            <a:schemeClr val="accent1"/>
+          </a:fillRef>
+          <a:effectRef idx="0">
+            <a:schemeClr val="accent1"/>
+          </a:effectRef>
+          <a:fontRef idx="minor">
+            <a:schemeClr val="lt1"/>
+          </a:fontRef>
+        </p:style>
+        <p:txBody>
+          <a:bodyPr rtlCol="0" anchor="ctr"/>
+          <a:lstStyle/>
+          <a:p>
+            <a:pPr algn="ctr"/>
+            <a:endParaRPr lang="en-US"/>
+          </a:p>
+        </p:txBody>
+      </p:sp>
+      <p:sp>
+        <p:nvSpPr>
+          <p:cNvPr id="62" name="Oval 61"/>
+          <p:cNvSpPr/>
+          <p:nvPr/>
+        </p:nvSpPr>
+        <p:spPr>
+          <a:xfrm>
+            <a:off x="5340156" y="4957469"/>
+            <a:ext cx="365760" cy="365760"/>
+          </a:xfrm>
+          <a:prstGeom prst="ellipse">
+            <a:avLst/>
+          </a:prstGeom>
+          <a:solidFill>
+            <a:schemeClr val="tx1"/>
+          </a:solidFill>
+          <a:ln>
+            <a:noFill/>
+          </a:ln>
+        </p:spPr>
+        <p:style>
+          <a:lnRef idx="2">
+            <a:schemeClr val="accent1">
+              <a:shade val="50000"/>
+            </a:schemeClr>
+          </a:lnRef>
+          <a:fillRef idx="1">
+            <a:schemeClr val="accent1"/>
+          </a:fillRef>
+          <a:effectRef idx="0">
+            <a:schemeClr val="accent1"/>
+          </a:effectRef>
+          <a:fontRef idx="minor">
+            <a:schemeClr val="lt1"/>
+          </a:fontRef>
+        </p:style>
+        <p:txBody>
+          <a:bodyPr rtlCol="0" anchor="ctr"/>
+          <a:lstStyle/>
+          <a:p>
+            <a:pPr algn="ctr"/>
+            <a:endParaRPr lang="en-US"/>
+          </a:p>
+        </p:txBody>
+      </p:sp>
+      <p:sp>
+        <p:nvSpPr>
+          <p:cNvPr id="63" name="Oval 62"/>
+          <p:cNvSpPr/>
+          <p:nvPr/>
+        </p:nvSpPr>
+        <p:spPr>
+          <a:xfrm>
+            <a:off x="2823036" y="3520349"/>
+            <a:ext cx="3240000" cy="3240000"/>
+          </a:xfrm>
+          <a:prstGeom prst="ellipse">
+            <a:avLst/>
+          </a:prstGeom>
+          <a:noFill/>
+        </p:spPr>
+        <p:style>
+          <a:lnRef idx="2">
+            <a:schemeClr val="accent1">
+              <a:shade val="50000"/>
+            </a:schemeClr>
+          </a:lnRef>
+          <a:fillRef idx="1">
+            <a:schemeClr val="accent1"/>
+          </a:fillRef>
+          <a:effectRef idx="0">
+            <a:schemeClr val="accent1"/>
+          </a:effectRef>
+          <a:fontRef idx="minor">
+            <a:schemeClr val="lt1"/>
+          </a:fontRef>
+        </p:style>
+        <p:txBody>
+          <a:bodyPr rtlCol="0" anchor="ctr"/>
+          <a:lstStyle/>
+          <a:p>
+            <a:pPr algn="ctr"/>
+            <a:endParaRPr lang="en-US"/>
+          </a:p>
+        </p:txBody>
+      </p:sp>
+      <p:cxnSp>
+        <p:nvCxnSpPr>
+          <p:cNvPr id="64" name="Straight Connector 63"/>
+          <p:cNvCxnSpPr>
+            <a:stCxn id="63" idx="2"/>
+            <a:endCxn id="63" idx="6"/>
+          </p:cNvCxnSpPr>
+          <p:nvPr/>
+        </p:nvCxnSpPr>
+        <p:spPr>
+          <a:xfrm>
+            <a:off x="2823036" y="5140349"/>
+            <a:ext cx="3240000" cy="0"/>
+          </a:xfrm>
+          <a:prstGeom prst="line">
+            <a:avLst/>
+          </a:prstGeom>
+        </p:spPr>
+        <p:style>
+          <a:lnRef idx="1">
+            <a:schemeClr val="accent1"/>
+          </a:lnRef>
+          <a:fillRef idx="0">
+            <a:schemeClr val="accent1"/>
+          </a:fillRef>
+          <a:effectRef idx="0">
+            <a:schemeClr val="accent1"/>
+          </a:effectRef>
+          <a:fontRef idx="minor">
+            <a:schemeClr val="tx1"/>
+          </a:fontRef>
+        </p:style>
+      </p:cxnSp>
+      <p:cxnSp>
+        <p:nvCxnSpPr>
+          <p:cNvPr id="65" name="Straight Connector 64"/>
+          <p:cNvCxnSpPr>
+            <a:stCxn id="63" idx="0"/>
+            <a:endCxn id="63" idx="4"/>
+          </p:cNvCxnSpPr>
+          <p:nvPr/>
+        </p:nvCxnSpPr>
+        <p:spPr>
+          <a:xfrm>
+            <a:off x="4443036" y="3520349"/>
+            <a:ext cx="0" cy="3240000"/>
+          </a:xfrm>
+          <a:prstGeom prst="line">
+            <a:avLst/>
+          </a:prstGeom>
+        </p:spPr>
+        <p:style>
+          <a:lnRef idx="1">
+            <a:schemeClr val="accent1"/>
+          </a:lnRef>
+          <a:fillRef idx="0">
+            <a:schemeClr val="accent1"/>
+          </a:fillRef>
+          <a:effectRef idx="0">
+            <a:schemeClr val="accent1"/>
+          </a:effectRef>
+          <a:fontRef idx="minor">
+            <a:schemeClr val="tx1"/>
+          </a:fontRef>
+        </p:style>
+      </p:cxnSp>
+      <p:sp>
+        <p:nvSpPr>
+          <p:cNvPr id="66" name="Oval 65"/>
+          <p:cNvSpPr/>
+          <p:nvPr/>
+        </p:nvSpPr>
+        <p:spPr>
+          <a:xfrm>
+            <a:off x="3363036" y="4060349"/>
+            <a:ext cx="2160000" cy="2160000"/>
+          </a:xfrm>
+          <a:prstGeom prst="ellipse">
+            <a:avLst/>
+          </a:prstGeom>
+          <a:noFill/>
+          <a:ln>
+            <a:solidFill>
+              <a:schemeClr val="accent6">
+                <a:lumMod val="75000"/>
+              </a:schemeClr>
+            </a:solidFill>
+          </a:ln>
+        </p:spPr>
+        <p:style>
+          <a:lnRef idx="2">
+            <a:schemeClr val="accent1">
+              <a:shade val="50000"/>
+            </a:schemeClr>
+          </a:lnRef>
+          <a:fillRef idx="1">
+            <a:schemeClr val="accent1"/>
+          </a:fillRef>
+          <a:effectRef idx="0">
+            <a:schemeClr val="accent1"/>
+          </a:effectRef>
+          <a:fontRef idx="minor">
+            <a:schemeClr val="lt1"/>
+          </a:fontRef>
+        </p:style>
+        <p:txBody>
+          <a:bodyPr rtlCol="0" anchor="ctr"/>
+          <a:lstStyle/>
+          <a:p>
+            <a:pPr algn="ctr"/>
+            <a:endParaRPr lang="en-US"/>
+          </a:p>
+        </p:txBody>
+      </p:sp>
+      <p:sp>
+        <p:nvSpPr>
+          <p:cNvPr id="67" name="Oval 66"/>
+          <p:cNvSpPr/>
+          <p:nvPr/>
+        </p:nvSpPr>
+        <p:spPr>
+          <a:xfrm>
+            <a:off x="5040035" y="5688989"/>
+            <a:ext cx="365760" cy="365760"/>
+          </a:xfrm>
+          <a:prstGeom prst="ellipse">
+            <a:avLst/>
+          </a:prstGeom>
+          <a:solidFill>
+            <a:schemeClr val="tx1"/>
+          </a:solidFill>
+          <a:ln>
+            <a:noFill/>
+          </a:ln>
+        </p:spPr>
+        <p:style>
+          <a:lnRef idx="2">
+            <a:schemeClr val="accent1">
+              <a:shade val="50000"/>
+            </a:schemeClr>
+          </a:lnRef>
+          <a:fillRef idx="1">
+            <a:schemeClr val="accent1"/>
+          </a:fillRef>
+          <a:effectRef idx="0">
+            <a:schemeClr val="accent1"/>
+          </a:effectRef>
+          <a:fontRef idx="minor">
+            <a:schemeClr val="lt1"/>
+          </a:fontRef>
+        </p:style>
+        <p:txBody>
+          <a:bodyPr rtlCol="0" anchor="ctr"/>
+          <a:lstStyle/>
+          <a:p>
+            <a:pPr algn="ctr"/>
+            <a:endParaRPr lang="en-US"/>
+          </a:p>
+        </p:txBody>
+      </p:sp>
+      <p:sp>
+        <p:nvSpPr>
+          <p:cNvPr id="68" name="Oval 67"/>
+          <p:cNvSpPr/>
+          <p:nvPr/>
+        </p:nvSpPr>
+        <p:spPr>
+          <a:xfrm>
+            <a:off x="3470408" y="5676029"/>
+            <a:ext cx="365760" cy="365760"/>
+          </a:xfrm>
+          <a:prstGeom prst="ellipse">
+            <a:avLst/>
+          </a:prstGeom>
+          <a:solidFill>
+            <a:schemeClr val="tx1"/>
+          </a:solidFill>
+          <a:ln>
+            <a:noFill/>
+          </a:ln>
+        </p:spPr>
+        <p:style>
+          <a:lnRef idx="2">
+            <a:schemeClr val="accent1">
+              <a:shade val="50000"/>
+            </a:schemeClr>
+          </a:lnRef>
+          <a:fillRef idx="1">
+            <a:schemeClr val="accent1"/>
+          </a:fillRef>
+          <a:effectRef idx="0">
+            <a:schemeClr val="accent1"/>
+          </a:effectRef>
+          <a:fontRef idx="minor">
+            <a:schemeClr val="lt1"/>
+          </a:fontRef>
+        </p:style>
+        <p:txBody>
+          <a:bodyPr rtlCol="0" anchor="ctr"/>
+          <a:lstStyle/>
+          <a:p>
+            <a:pPr algn="ctr"/>
+            <a:endParaRPr lang="en-US"/>
+          </a:p>
+        </p:txBody>
+      </p:sp>
+      <p:sp>
+        <p:nvSpPr>
+          <p:cNvPr id="69" name="Oval 68"/>
+          <p:cNvSpPr/>
+          <p:nvPr/>
+        </p:nvSpPr>
+        <p:spPr>
+          <a:xfrm>
+            <a:off x="5040035" y="4225950"/>
+            <a:ext cx="365760" cy="365760"/>
+          </a:xfrm>
+          <a:prstGeom prst="ellipse">
+            <a:avLst/>
+          </a:prstGeom>
+          <a:solidFill>
+            <a:schemeClr val="tx1"/>
+          </a:solidFill>
+          <a:ln>
+            <a:noFill/>
+          </a:ln>
+        </p:spPr>
+        <p:style>
+          <a:lnRef idx="2">
+            <a:schemeClr val="accent1">
+              <a:shade val="50000"/>
+            </a:schemeClr>
+          </a:lnRef>
+          <a:fillRef idx="1">
+            <a:schemeClr val="accent1"/>
+          </a:fillRef>
+          <a:effectRef idx="0">
+            <a:schemeClr val="accent1"/>
+          </a:effectRef>
+          <a:fontRef idx="minor">
+            <a:schemeClr val="lt1"/>
+          </a:fontRef>
+        </p:style>
+        <p:txBody>
+          <a:bodyPr rtlCol="0" anchor="ctr"/>
+          <a:lstStyle/>
+          <a:p>
+            <a:pPr algn="ctr"/>
+            <a:endParaRPr lang="en-US"/>
+          </a:p>
+        </p:txBody>
+      </p:sp>
+      <p:sp>
+        <p:nvSpPr>
+          <p:cNvPr id="70" name="Oval 69"/>
+          <p:cNvSpPr/>
+          <p:nvPr/>
+        </p:nvSpPr>
+        <p:spPr>
+          <a:xfrm>
+            <a:off x="3470408" y="4212990"/>
+            <a:ext cx="365760" cy="365760"/>
+          </a:xfrm>
+          <a:prstGeom prst="ellipse">
+            <a:avLst/>
+          </a:prstGeom>
+          <a:solidFill>
+            <a:schemeClr val="tx1"/>
+          </a:solidFill>
+          <a:ln>
+            <a:noFill/>
+          </a:ln>
+        </p:spPr>
+        <p:style>
+          <a:lnRef idx="2">
+            <a:schemeClr val="accent1">
+              <a:shade val="50000"/>
+            </a:schemeClr>
+          </a:lnRef>
+          <a:fillRef idx="1">
+            <a:schemeClr val="accent1"/>
+          </a:fillRef>
+          <a:effectRef idx="0">
+            <a:schemeClr val="accent1"/>
+          </a:effectRef>
+          <a:fontRef idx="minor">
+            <a:schemeClr val="lt1"/>
+          </a:fontRef>
+        </p:style>
+        <p:txBody>
+          <a:bodyPr rtlCol="0" anchor="ctr"/>
+          <a:lstStyle/>
+          <a:p>
+            <a:pPr algn="ctr"/>
+            <a:endParaRPr lang="en-US"/>
+          </a:p>
+        </p:txBody>
+      </p:sp>
+      <p:sp>
+        <p:nvSpPr>
+          <p:cNvPr id="71" name="Oval 70"/>
+          <p:cNvSpPr/>
+          <p:nvPr/>
+        </p:nvSpPr>
+        <p:spPr>
+          <a:xfrm>
+            <a:off x="4260156" y="6053260"/>
+            <a:ext cx="365760" cy="365760"/>
+          </a:xfrm>
+          <a:prstGeom prst="ellipse">
+            <a:avLst/>
+          </a:prstGeom>
+          <a:solidFill>
+            <a:schemeClr val="tx1"/>
+          </a:solidFill>
+          <a:ln>
+            <a:noFill/>
+          </a:ln>
+        </p:spPr>
+        <p:style>
+          <a:lnRef idx="2">
+            <a:schemeClr val="accent1">
+              <a:shade val="50000"/>
+            </a:schemeClr>
+          </a:lnRef>
+          <a:fillRef idx="1">
+            <a:schemeClr val="accent1"/>
+          </a:fillRef>
+          <a:effectRef idx="0">
+            <a:schemeClr val="accent1"/>
+          </a:effectRef>
+          <a:fontRef idx="minor">
+            <a:schemeClr val="lt1"/>
+          </a:fontRef>
+        </p:style>
+        <p:txBody>
+          <a:bodyPr rtlCol="0" anchor="ctr"/>
+          <a:lstStyle/>
+          <a:p>
+            <a:pPr algn="ctr"/>
+            <a:endParaRPr lang="en-US"/>
+          </a:p>
+        </p:txBody>
+      </p:sp>
+    </p:spTree>
+    <p:extLst>
+      <p:ext uri="{BB962C8B-B14F-4D97-AF65-F5344CB8AC3E}">
+        <p14:creationId xmlns:p14="http://schemas.microsoft.com/office/powerpoint/2010/main" val="510886243"/>
+      </p:ext>
+    </p:extLst>
+  </p:cSld>
+  <p:clrMapOvr>
+    <a:masterClrMapping/>
+  </p:clrMapOvr>
+</p:sld>
+</file>
+
+<file path=ppt/slides/slide4.xml><?xml version="1.0" encoding="utf-8"?>
+<p:sld xmlns:a="http://schemas.openxmlformats.org/drawingml/2006/main" xmlns:r="http://schemas.openxmlformats.org/officeDocument/2006/relationships" xmlns:p="http://schemas.openxmlformats.org/presentationml/2006/main">
+  <p:cSld>
+    <p:spTree>
+      <p:nvGrpSpPr>
+        <p:cNvPr id="1" name=""/>
+        <p:cNvGrpSpPr/>
+        <p:nvPr/>
+      </p:nvGrpSpPr>
+      <p:grpSpPr>
+        <a:xfrm>
+          <a:off x="0" y="0"/>
+          <a:ext cx="0" cy="0"/>
+          <a:chOff x="0" y="0"/>
+          <a:chExt cx="0" cy="0"/>
+        </a:xfrm>
+      </p:grpSpPr>
+      <p:sp>
+        <p:nvSpPr>
+          <p:cNvPr id="4" name="Oval 3"/>
+          <p:cNvSpPr/>
+          <p:nvPr/>
+        </p:nvSpPr>
+        <p:spPr>
+          <a:xfrm>
+            <a:off x="483080" y="284670"/>
+            <a:ext cx="3240000" cy="3240000"/>
+          </a:xfrm>
+          <a:prstGeom prst="ellipse">
+            <a:avLst/>
+          </a:prstGeom>
+          <a:noFill/>
+          <a:ln>
+            <a:solidFill>
+              <a:schemeClr val="bg2">
+                <a:lumMod val="90000"/>
+              </a:schemeClr>
+            </a:solidFill>
+          </a:ln>
+        </p:spPr>
+        <p:style>
+          <a:lnRef idx="2">
+            <a:schemeClr val="accent1">
+              <a:shade val="50000"/>
+            </a:schemeClr>
+          </a:lnRef>
+          <a:fillRef idx="1">
+            <a:schemeClr val="accent1"/>
+          </a:fillRef>
+          <a:effectRef idx="0">
+            <a:schemeClr val="accent1"/>
+          </a:effectRef>
+          <a:fontRef idx="minor">
+            <a:schemeClr val="lt1"/>
+          </a:fontRef>
+        </p:style>
+        <p:txBody>
+          <a:bodyPr rtlCol="0" anchor="ctr"/>
+          <a:lstStyle/>
+          <a:p>
+            <a:pPr algn="ctr"/>
+            <a:endParaRPr lang="en-US"/>
+          </a:p>
+        </p:txBody>
+      </p:sp>
+      <p:sp>
+        <p:nvSpPr>
+          <p:cNvPr id="12" name="Oval 11"/>
+          <p:cNvSpPr/>
+          <p:nvPr/>
+        </p:nvSpPr>
+        <p:spPr>
+          <a:xfrm>
+            <a:off x="1737320" y="1538910"/>
+            <a:ext cx="731520" cy="731520"/>
+          </a:xfrm>
+          <a:prstGeom prst="ellipse">
+            <a:avLst/>
+          </a:prstGeom>
+          <a:solidFill>
+            <a:schemeClr val="tx1"/>
+          </a:solidFill>
+          <a:ln>
+            <a:noFill/>
+          </a:ln>
+        </p:spPr>
+        <p:style>
+          <a:lnRef idx="2">
+            <a:schemeClr val="accent1">
+              <a:shade val="50000"/>
+            </a:schemeClr>
+          </a:lnRef>
+          <a:fillRef idx="1">
+            <a:schemeClr val="accent1"/>
+          </a:fillRef>
+          <a:effectRef idx="0">
+            <a:schemeClr val="accent1"/>
+          </a:effectRef>
+          <a:fontRef idx="minor">
+            <a:schemeClr val="lt1"/>
+          </a:fontRef>
+        </p:style>
+        <p:txBody>
+          <a:bodyPr rtlCol="0" anchor="ctr"/>
+          <a:lstStyle/>
+          <a:p>
+            <a:pPr algn="ctr"/>
+            <a:endParaRPr lang="en-US"/>
+          </a:p>
+        </p:txBody>
+      </p:sp>
+      <p:sp>
+        <p:nvSpPr>
+          <p:cNvPr id="13" name="Oval 12"/>
+          <p:cNvSpPr/>
+          <p:nvPr/>
+        </p:nvSpPr>
+        <p:spPr>
+          <a:xfrm>
+            <a:off x="1965920" y="500310"/>
+            <a:ext cx="274320" cy="822960"/>
+          </a:xfrm>
+          <a:prstGeom prst="ellipse">
+            <a:avLst/>
+          </a:prstGeom>
+          <a:solidFill>
+            <a:schemeClr val="tx1"/>
+          </a:solidFill>
+          <a:ln>
+            <a:noFill/>
+          </a:ln>
+        </p:spPr>
+        <p:style>
+          <a:lnRef idx="2">
+            <a:schemeClr val="accent1">
+              <a:shade val="50000"/>
+            </a:schemeClr>
+          </a:lnRef>
+          <a:fillRef idx="1">
+            <a:schemeClr val="accent1"/>
+          </a:fillRef>
+          <a:effectRef idx="0">
+            <a:schemeClr val="accent1"/>
+          </a:effectRef>
+          <a:fontRef idx="minor">
+            <a:schemeClr val="lt1"/>
+          </a:fontRef>
+        </p:style>
+        <p:txBody>
+          <a:bodyPr rtlCol="0" anchor="ctr"/>
+          <a:lstStyle/>
+          <a:p>
+            <a:pPr algn="ctr"/>
+            <a:endParaRPr lang="en-US"/>
+          </a:p>
+        </p:txBody>
+      </p:sp>
+      <p:sp>
+        <p:nvSpPr>
+          <p:cNvPr id="15" name="Oval 14"/>
+          <p:cNvSpPr/>
+          <p:nvPr/>
+        </p:nvSpPr>
+        <p:spPr>
+          <a:xfrm>
+            <a:off x="842446" y="1721790"/>
+            <a:ext cx="365760" cy="365760"/>
+          </a:xfrm>
+          <a:prstGeom prst="ellipse">
+            <a:avLst/>
+          </a:prstGeom>
+          <a:solidFill>
+            <a:schemeClr val="tx1"/>
+          </a:solidFill>
+          <a:ln>
+            <a:noFill/>
+          </a:ln>
+        </p:spPr>
+        <p:style>
+          <a:lnRef idx="2">
+            <a:schemeClr val="accent1">
+              <a:shade val="50000"/>
+            </a:schemeClr>
+          </a:lnRef>
+          <a:fillRef idx="1">
+            <a:schemeClr val="accent1"/>
+          </a:fillRef>
+          <a:effectRef idx="0">
+            <a:schemeClr val="accent1"/>
+          </a:effectRef>
+          <a:fontRef idx="minor">
+            <a:schemeClr val="lt1"/>
+          </a:fontRef>
+        </p:style>
+        <p:txBody>
+          <a:bodyPr rtlCol="0" anchor="ctr"/>
+          <a:lstStyle/>
+          <a:p>
+            <a:pPr algn="ctr"/>
+            <a:endParaRPr lang="en-US"/>
+          </a:p>
+        </p:txBody>
+      </p:sp>
+      <p:sp>
+        <p:nvSpPr>
+          <p:cNvPr id="16" name="Oval 15"/>
+          <p:cNvSpPr/>
+          <p:nvPr/>
+        </p:nvSpPr>
+        <p:spPr>
+          <a:xfrm>
+            <a:off x="3000200" y="1721790"/>
+            <a:ext cx="365760" cy="365760"/>
+          </a:xfrm>
+          <a:prstGeom prst="ellipse">
+            <a:avLst/>
+          </a:prstGeom>
+          <a:solidFill>
+            <a:schemeClr val="tx1"/>
+          </a:solidFill>
+          <a:ln>
+            <a:noFill/>
+          </a:ln>
+        </p:spPr>
+        <p:style>
+          <a:lnRef idx="2">
+            <a:schemeClr val="accent1">
+              <a:shade val="50000"/>
+            </a:schemeClr>
+          </a:lnRef>
+          <a:fillRef idx="1">
+            <a:schemeClr val="accent1"/>
+          </a:fillRef>
+          <a:effectRef idx="0">
+            <a:schemeClr val="accent1"/>
+          </a:effectRef>
+          <a:fontRef idx="minor">
+            <a:schemeClr val="lt1"/>
+          </a:fontRef>
+        </p:style>
+        <p:txBody>
+          <a:bodyPr rtlCol="0" anchor="ctr"/>
+          <a:lstStyle/>
+          <a:p>
+            <a:pPr algn="ctr"/>
+            <a:endParaRPr lang="en-US"/>
+          </a:p>
+        </p:txBody>
+      </p:sp>
+      <p:sp>
+        <p:nvSpPr>
+          <p:cNvPr id="43" name="Oval 42"/>
+          <p:cNvSpPr/>
+          <p:nvPr/>
+        </p:nvSpPr>
+        <p:spPr>
+          <a:xfrm>
+            <a:off x="2700079" y="2453310"/>
+            <a:ext cx="365760" cy="365760"/>
+          </a:xfrm>
+          <a:prstGeom prst="ellipse">
+            <a:avLst/>
+          </a:prstGeom>
+          <a:solidFill>
+            <a:schemeClr val="tx1"/>
+          </a:solidFill>
+          <a:ln>
+            <a:noFill/>
+          </a:ln>
+        </p:spPr>
+        <p:style>
+          <a:lnRef idx="2">
+            <a:schemeClr val="accent1">
+              <a:shade val="50000"/>
+            </a:schemeClr>
+          </a:lnRef>
+          <a:fillRef idx="1">
+            <a:schemeClr val="accent1"/>
+          </a:fillRef>
+          <a:effectRef idx="0">
+            <a:schemeClr val="accent1"/>
+          </a:effectRef>
+          <a:fontRef idx="minor">
+            <a:schemeClr val="lt1"/>
+          </a:fontRef>
+        </p:style>
+        <p:txBody>
+          <a:bodyPr rtlCol="0" anchor="ctr"/>
+          <a:lstStyle/>
+          <a:p>
+            <a:pPr algn="ctr"/>
+            <a:endParaRPr lang="en-US"/>
+          </a:p>
+        </p:txBody>
+      </p:sp>
+      <p:sp>
+        <p:nvSpPr>
+          <p:cNvPr id="44" name="Oval 43"/>
+          <p:cNvSpPr/>
+          <p:nvPr/>
+        </p:nvSpPr>
+        <p:spPr>
+          <a:xfrm>
+            <a:off x="1130452" y="2440350"/>
+            <a:ext cx="365760" cy="365760"/>
+          </a:xfrm>
+          <a:prstGeom prst="ellipse">
+            <a:avLst/>
+          </a:prstGeom>
+          <a:solidFill>
+            <a:schemeClr val="tx1"/>
+          </a:solidFill>
+          <a:ln>
+            <a:noFill/>
+          </a:ln>
+        </p:spPr>
+        <p:style>
+          <a:lnRef idx="2">
+            <a:schemeClr val="accent1">
+              <a:shade val="50000"/>
+            </a:schemeClr>
+          </a:lnRef>
+          <a:fillRef idx="1">
+            <a:schemeClr val="accent1"/>
+          </a:fillRef>
+          <a:effectRef idx="0">
+            <a:schemeClr val="accent1"/>
+          </a:effectRef>
+          <a:fontRef idx="minor">
+            <a:schemeClr val="lt1"/>
+          </a:fontRef>
+        </p:style>
+        <p:txBody>
+          <a:bodyPr rtlCol="0" anchor="ctr"/>
+          <a:lstStyle/>
+          <a:p>
+            <a:pPr algn="ctr"/>
+            <a:endParaRPr lang="en-US"/>
+          </a:p>
+        </p:txBody>
+      </p:sp>
+      <p:sp>
+        <p:nvSpPr>
+          <p:cNvPr id="45" name="Oval 44"/>
+          <p:cNvSpPr/>
+          <p:nvPr/>
+        </p:nvSpPr>
+        <p:spPr>
+          <a:xfrm>
+            <a:off x="4983036" y="284670"/>
+            <a:ext cx="3240000" cy="3240000"/>
+          </a:xfrm>
+          <a:prstGeom prst="ellipse">
+            <a:avLst/>
+          </a:prstGeom>
+          <a:noFill/>
+          <a:ln>
+            <a:solidFill>
+              <a:schemeClr val="bg2">
+                <a:lumMod val="90000"/>
+              </a:schemeClr>
+            </a:solidFill>
+          </a:ln>
+        </p:spPr>
+        <p:style>
+          <a:lnRef idx="2">
+            <a:schemeClr val="accent1">
+              <a:shade val="50000"/>
+            </a:schemeClr>
+          </a:lnRef>
+          <a:fillRef idx="1">
+            <a:schemeClr val="accent1"/>
+          </a:fillRef>
+          <a:effectRef idx="0">
+            <a:schemeClr val="accent1"/>
+          </a:effectRef>
+          <a:fontRef idx="minor">
+            <a:schemeClr val="lt1"/>
+          </a:fontRef>
+        </p:style>
+        <p:txBody>
+          <a:bodyPr rtlCol="0" anchor="ctr"/>
+          <a:lstStyle/>
+          <a:p>
+            <a:pPr algn="ctr"/>
+            <a:endParaRPr lang="en-US"/>
+          </a:p>
+        </p:txBody>
+      </p:sp>
+      <p:sp>
+        <p:nvSpPr>
+          <p:cNvPr id="46" name="Oval 45"/>
+          <p:cNvSpPr/>
+          <p:nvPr/>
+        </p:nvSpPr>
+        <p:spPr>
+          <a:xfrm>
+            <a:off x="6237276" y="1538910"/>
+            <a:ext cx="731520" cy="731520"/>
+          </a:xfrm>
+          <a:prstGeom prst="ellipse">
+            <a:avLst/>
+          </a:prstGeom>
+          <a:solidFill>
+            <a:schemeClr val="tx1"/>
+          </a:solidFill>
+          <a:ln>
+            <a:noFill/>
+          </a:ln>
+        </p:spPr>
+        <p:style>
+          <a:lnRef idx="2">
+            <a:schemeClr val="accent1">
+              <a:shade val="50000"/>
+            </a:schemeClr>
+          </a:lnRef>
+          <a:fillRef idx="1">
+            <a:schemeClr val="accent1"/>
+          </a:fillRef>
+          <a:effectRef idx="0">
+            <a:schemeClr val="accent1"/>
+          </a:effectRef>
+          <a:fontRef idx="minor">
+            <a:schemeClr val="lt1"/>
+          </a:fontRef>
+        </p:style>
+        <p:txBody>
+          <a:bodyPr rtlCol="0" anchor="ctr"/>
+          <a:lstStyle/>
+          <a:p>
+            <a:pPr algn="ctr"/>
+            <a:endParaRPr lang="en-US"/>
+          </a:p>
+        </p:txBody>
+      </p:sp>
+      <p:sp>
+        <p:nvSpPr>
+          <p:cNvPr id="47" name="Oval 46"/>
+          <p:cNvSpPr/>
+          <p:nvPr/>
+        </p:nvSpPr>
+        <p:spPr>
+          <a:xfrm>
+            <a:off x="6465876" y="500310"/>
+            <a:ext cx="274320" cy="822960"/>
+          </a:xfrm>
+          <a:prstGeom prst="ellipse">
+            <a:avLst/>
+          </a:prstGeom>
+          <a:solidFill>
+            <a:schemeClr val="tx1"/>
+          </a:solidFill>
+          <a:ln>
+            <a:noFill/>
+          </a:ln>
+        </p:spPr>
+        <p:style>
+          <a:lnRef idx="2">
+            <a:schemeClr val="accent1">
+              <a:shade val="50000"/>
+            </a:schemeClr>
+          </a:lnRef>
+          <a:fillRef idx="1">
+            <a:schemeClr val="accent1"/>
+          </a:fillRef>
+          <a:effectRef idx="0">
+            <a:schemeClr val="accent1"/>
+          </a:effectRef>
+          <a:fontRef idx="minor">
+            <a:schemeClr val="lt1"/>
+          </a:fontRef>
+        </p:style>
+        <p:txBody>
+          <a:bodyPr rtlCol="0" anchor="ctr"/>
+          <a:lstStyle/>
+          <a:p>
+            <a:pPr algn="ctr"/>
+            <a:endParaRPr lang="en-US"/>
+          </a:p>
+        </p:txBody>
+      </p:sp>
+      <p:sp>
+        <p:nvSpPr>
+          <p:cNvPr id="48" name="Oval 47"/>
+          <p:cNvSpPr/>
+          <p:nvPr/>
+        </p:nvSpPr>
+        <p:spPr>
+          <a:xfrm>
+            <a:off x="5342402" y="1721790"/>
+            <a:ext cx="365760" cy="365760"/>
+          </a:xfrm>
+          <a:prstGeom prst="ellipse">
+            <a:avLst/>
+          </a:prstGeom>
+          <a:solidFill>
+            <a:schemeClr val="tx1"/>
+          </a:solidFill>
+          <a:ln>
+            <a:noFill/>
+          </a:ln>
+        </p:spPr>
+        <p:style>
+          <a:lnRef idx="2">
+            <a:schemeClr val="accent1">
+              <a:shade val="50000"/>
+            </a:schemeClr>
+          </a:lnRef>
+          <a:fillRef idx="1">
+            <a:schemeClr val="accent1"/>
+          </a:fillRef>
+          <a:effectRef idx="0">
+            <a:schemeClr val="accent1"/>
+          </a:effectRef>
+          <a:fontRef idx="minor">
+            <a:schemeClr val="lt1"/>
+          </a:fontRef>
+        </p:style>
+        <p:txBody>
+          <a:bodyPr rtlCol="0" anchor="ctr"/>
+          <a:lstStyle/>
+          <a:p>
+            <a:pPr algn="ctr"/>
+            <a:endParaRPr lang="en-US"/>
+          </a:p>
+        </p:txBody>
+      </p:sp>
+      <p:sp>
+        <p:nvSpPr>
+          <p:cNvPr id="49" name="Oval 48"/>
+          <p:cNvSpPr/>
+          <p:nvPr/>
+        </p:nvSpPr>
+        <p:spPr>
+          <a:xfrm>
+            <a:off x="7500156" y="1721790"/>
+            <a:ext cx="365760" cy="365760"/>
+          </a:xfrm>
+          <a:prstGeom prst="ellipse">
+            <a:avLst/>
+          </a:prstGeom>
+          <a:solidFill>
+            <a:schemeClr val="tx1"/>
+          </a:solidFill>
+          <a:ln>
+            <a:noFill/>
+          </a:ln>
+        </p:spPr>
+        <p:style>
+          <a:lnRef idx="2">
+            <a:schemeClr val="accent1">
+              <a:shade val="50000"/>
+            </a:schemeClr>
+          </a:lnRef>
+          <a:fillRef idx="1">
+            <a:schemeClr val="accent1"/>
+          </a:fillRef>
+          <a:effectRef idx="0">
+            <a:schemeClr val="accent1"/>
+          </a:effectRef>
+          <a:fontRef idx="minor">
+            <a:schemeClr val="lt1"/>
+          </a:fontRef>
+        </p:style>
+        <p:txBody>
+          <a:bodyPr rtlCol="0" anchor="ctr"/>
+          <a:lstStyle/>
+          <a:p>
+            <a:pPr algn="ctr"/>
+            <a:endParaRPr lang="en-US"/>
+          </a:p>
+        </p:txBody>
+      </p:sp>
+      <p:sp>
+        <p:nvSpPr>
+          <p:cNvPr id="54" name="Oval 53"/>
+          <p:cNvSpPr/>
+          <p:nvPr/>
+        </p:nvSpPr>
+        <p:spPr>
+          <a:xfrm>
+            <a:off x="7200035" y="2453310"/>
+            <a:ext cx="365760" cy="365760"/>
+          </a:xfrm>
+          <a:prstGeom prst="ellipse">
+            <a:avLst/>
+          </a:prstGeom>
+          <a:solidFill>
+            <a:schemeClr val="tx1"/>
+          </a:solidFill>
+          <a:ln>
+            <a:noFill/>
+          </a:ln>
+        </p:spPr>
+        <p:style>
+          <a:lnRef idx="2">
+            <a:schemeClr val="accent1">
+              <a:shade val="50000"/>
+            </a:schemeClr>
+          </a:lnRef>
+          <a:fillRef idx="1">
+            <a:schemeClr val="accent1"/>
+          </a:fillRef>
+          <a:effectRef idx="0">
+            <a:schemeClr val="accent1"/>
+          </a:effectRef>
+          <a:fontRef idx="minor">
+            <a:schemeClr val="lt1"/>
+          </a:fontRef>
+        </p:style>
+        <p:txBody>
+          <a:bodyPr rtlCol="0" anchor="ctr"/>
+          <a:lstStyle/>
+          <a:p>
+            <a:pPr algn="ctr"/>
+            <a:endParaRPr lang="en-US"/>
+          </a:p>
+        </p:txBody>
+      </p:sp>
+      <p:sp>
+        <p:nvSpPr>
+          <p:cNvPr id="55" name="Oval 54"/>
+          <p:cNvSpPr/>
+          <p:nvPr/>
+        </p:nvSpPr>
+        <p:spPr>
+          <a:xfrm>
+            <a:off x="5630408" y="2440350"/>
+            <a:ext cx="365760" cy="365760"/>
+          </a:xfrm>
+          <a:prstGeom prst="ellipse">
+            <a:avLst/>
+          </a:prstGeom>
+          <a:solidFill>
+            <a:schemeClr val="tx1"/>
+          </a:solidFill>
+          <a:ln>
+            <a:noFill/>
+          </a:ln>
+        </p:spPr>
+        <p:style>
+          <a:lnRef idx="2">
+            <a:schemeClr val="accent1">
+              <a:shade val="50000"/>
+            </a:schemeClr>
+          </a:lnRef>
+          <a:fillRef idx="1">
+            <a:schemeClr val="accent1"/>
+          </a:fillRef>
+          <a:effectRef idx="0">
+            <a:schemeClr val="accent1"/>
+          </a:effectRef>
+          <a:fontRef idx="minor">
+            <a:schemeClr val="lt1"/>
+          </a:fontRef>
+        </p:style>
+        <p:txBody>
+          <a:bodyPr rtlCol="0" anchor="ctr"/>
+          <a:lstStyle/>
+          <a:p>
+            <a:pPr algn="ctr"/>
+            <a:endParaRPr lang="en-US"/>
+          </a:p>
+        </p:txBody>
+      </p:sp>
+      <p:sp>
+        <p:nvSpPr>
+          <p:cNvPr id="56" name="Oval 55"/>
+          <p:cNvSpPr/>
+          <p:nvPr/>
+        </p:nvSpPr>
+        <p:spPr>
+          <a:xfrm>
+            <a:off x="7200035" y="990271"/>
+            <a:ext cx="365760" cy="365760"/>
+          </a:xfrm>
+          <a:prstGeom prst="ellipse">
+            <a:avLst/>
+          </a:prstGeom>
+          <a:solidFill>
+            <a:schemeClr val="tx1"/>
+          </a:solidFill>
+          <a:ln>
+            <a:noFill/>
+          </a:ln>
+        </p:spPr>
+        <p:style>
+          <a:lnRef idx="2">
+            <a:schemeClr val="accent1">
+              <a:shade val="50000"/>
+            </a:schemeClr>
+          </a:lnRef>
+          <a:fillRef idx="1">
+            <a:schemeClr val="accent1"/>
+          </a:fillRef>
+          <a:effectRef idx="0">
+            <a:schemeClr val="accent1"/>
+          </a:effectRef>
+          <a:fontRef idx="minor">
+            <a:schemeClr val="lt1"/>
+          </a:fontRef>
+        </p:style>
+        <p:txBody>
+          <a:bodyPr rtlCol="0" anchor="ctr"/>
+          <a:lstStyle/>
+          <a:p>
+            <a:pPr algn="ctr"/>
+            <a:endParaRPr lang="en-US"/>
+          </a:p>
+        </p:txBody>
+      </p:sp>
+      <p:sp>
+        <p:nvSpPr>
+          <p:cNvPr id="57" name="Oval 56"/>
+          <p:cNvSpPr/>
+          <p:nvPr/>
+        </p:nvSpPr>
+        <p:spPr>
+          <a:xfrm>
+            <a:off x="5630408" y="977311"/>
+            <a:ext cx="365760" cy="365760"/>
+          </a:xfrm>
+          <a:prstGeom prst="ellipse">
+            <a:avLst/>
+          </a:prstGeom>
+          <a:solidFill>
+            <a:schemeClr val="tx1"/>
+          </a:solidFill>
+          <a:ln>
+            <a:noFill/>
+          </a:ln>
+        </p:spPr>
+        <p:style>
+          <a:lnRef idx="2">
+            <a:schemeClr val="accent1">
+              <a:shade val="50000"/>
+            </a:schemeClr>
+          </a:lnRef>
+          <a:fillRef idx="1">
+            <a:schemeClr val="accent1"/>
+          </a:fillRef>
+          <a:effectRef idx="0">
+            <a:schemeClr val="accent1"/>
+          </a:effectRef>
+          <a:fontRef idx="minor">
+            <a:schemeClr val="lt1"/>
+          </a:fontRef>
+        </p:style>
+        <p:txBody>
+          <a:bodyPr rtlCol="0" anchor="ctr"/>
+          <a:lstStyle/>
+          <a:p>
+            <a:pPr algn="ctr"/>
+            <a:endParaRPr lang="en-US"/>
+          </a:p>
+        </p:txBody>
+      </p:sp>
+      <p:sp>
+        <p:nvSpPr>
+          <p:cNvPr id="58" name="Oval 57"/>
+          <p:cNvSpPr/>
+          <p:nvPr/>
+        </p:nvSpPr>
+        <p:spPr>
+          <a:xfrm>
+            <a:off x="2823036" y="3520349"/>
+            <a:ext cx="3240000" cy="3240000"/>
+          </a:xfrm>
+          <a:prstGeom prst="ellipse">
+            <a:avLst/>
+          </a:prstGeom>
+          <a:noFill/>
+          <a:ln>
+            <a:solidFill>
+              <a:schemeClr val="bg2">
+                <a:lumMod val="90000"/>
+              </a:schemeClr>
+            </a:solidFill>
+          </a:ln>
+        </p:spPr>
+        <p:style>
+          <a:lnRef idx="2">
+            <a:schemeClr val="accent1">
+              <a:shade val="50000"/>
+            </a:schemeClr>
+          </a:lnRef>
+          <a:fillRef idx="1">
+            <a:schemeClr val="accent1"/>
+          </a:fillRef>
+          <a:effectRef idx="0">
+            <a:schemeClr val="accent1"/>
+          </a:effectRef>
+          <a:fontRef idx="minor">
+            <a:schemeClr val="lt1"/>
+          </a:fontRef>
+        </p:style>
+        <p:txBody>
+          <a:bodyPr rtlCol="0" anchor="ctr"/>
+          <a:lstStyle/>
+          <a:p>
+            <a:pPr algn="ctr"/>
+            <a:endParaRPr lang="en-US"/>
+          </a:p>
+        </p:txBody>
+      </p:sp>
+      <p:sp>
+        <p:nvSpPr>
+          <p:cNvPr id="59" name="Oval 58"/>
+          <p:cNvSpPr/>
+          <p:nvPr/>
+        </p:nvSpPr>
+        <p:spPr>
+          <a:xfrm>
+            <a:off x="4077276" y="4774589"/>
+            <a:ext cx="731520" cy="731520"/>
+          </a:xfrm>
+          <a:prstGeom prst="ellipse">
+            <a:avLst/>
+          </a:prstGeom>
+          <a:solidFill>
+            <a:schemeClr val="tx1"/>
+          </a:solidFill>
+          <a:ln>
+            <a:noFill/>
+          </a:ln>
+        </p:spPr>
+        <p:style>
+          <a:lnRef idx="2">
+            <a:schemeClr val="accent1">
+              <a:shade val="50000"/>
+            </a:schemeClr>
+          </a:lnRef>
+          <a:fillRef idx="1">
+            <a:schemeClr val="accent1"/>
+          </a:fillRef>
+          <a:effectRef idx="0">
+            <a:schemeClr val="accent1"/>
+          </a:effectRef>
+          <a:fontRef idx="minor">
+            <a:schemeClr val="lt1"/>
+          </a:fontRef>
+        </p:style>
+        <p:txBody>
+          <a:bodyPr rtlCol="0" anchor="ctr"/>
+          <a:lstStyle/>
+          <a:p>
+            <a:pPr algn="ctr"/>
+            <a:endParaRPr lang="en-US"/>
+          </a:p>
+        </p:txBody>
+      </p:sp>
+      <p:sp>
+        <p:nvSpPr>
+          <p:cNvPr id="60" name="Oval 59"/>
+          <p:cNvSpPr/>
+          <p:nvPr/>
+        </p:nvSpPr>
+        <p:spPr>
+          <a:xfrm>
+            <a:off x="4305876" y="3735989"/>
+            <a:ext cx="274320" cy="822960"/>
+          </a:xfrm>
+          <a:prstGeom prst="ellipse">
+            <a:avLst/>
+          </a:prstGeom>
+          <a:solidFill>
+            <a:schemeClr val="tx1"/>
+          </a:solidFill>
+          <a:ln>
+            <a:noFill/>
+          </a:ln>
+        </p:spPr>
+        <p:style>
+          <a:lnRef idx="2">
+            <a:schemeClr val="accent1">
+              <a:shade val="50000"/>
+            </a:schemeClr>
+          </a:lnRef>
+          <a:fillRef idx="1">
+            <a:schemeClr val="accent1"/>
+          </a:fillRef>
+          <a:effectRef idx="0">
+            <a:schemeClr val="accent1"/>
+          </a:effectRef>
+          <a:fontRef idx="minor">
+            <a:schemeClr val="lt1"/>
+          </a:fontRef>
+        </p:style>
+        <p:txBody>
+          <a:bodyPr rtlCol="0" anchor="ctr"/>
+          <a:lstStyle/>
+          <a:p>
+            <a:pPr algn="ctr"/>
+            <a:endParaRPr lang="en-US"/>
+          </a:p>
+        </p:txBody>
+      </p:sp>
+      <p:sp>
+        <p:nvSpPr>
+          <p:cNvPr id="61" name="Oval 60"/>
+          <p:cNvSpPr/>
+          <p:nvPr/>
+        </p:nvSpPr>
+        <p:spPr>
+          <a:xfrm>
+            <a:off x="3182402" y="4957469"/>
+            <a:ext cx="365760" cy="365760"/>
+          </a:xfrm>
+          <a:prstGeom prst="ellipse">
+            <a:avLst/>
+          </a:prstGeom>
+          <a:solidFill>
+            <a:schemeClr val="tx1"/>
+          </a:solidFill>
+          <a:ln>
+            <a:noFill/>
+          </a:ln>
+        </p:spPr>
+        <p:style>
+          <a:lnRef idx="2">
+            <a:schemeClr val="accent1">
+              <a:shade val="50000"/>
+            </a:schemeClr>
+          </a:lnRef>
+          <a:fillRef idx="1">
+            <a:schemeClr val="accent1"/>
+          </a:fillRef>
+          <a:effectRef idx="0">
+            <a:schemeClr val="accent1"/>
+          </a:effectRef>
+          <a:fontRef idx="minor">
+            <a:schemeClr val="lt1"/>
+          </a:fontRef>
+        </p:style>
+        <p:txBody>
+          <a:bodyPr rtlCol="0" anchor="ctr"/>
+          <a:lstStyle/>
+          <a:p>
+            <a:pPr algn="ctr"/>
+            <a:endParaRPr lang="en-US"/>
+          </a:p>
+        </p:txBody>
+      </p:sp>
+      <p:sp>
+        <p:nvSpPr>
+          <p:cNvPr id="62" name="Oval 61"/>
+          <p:cNvSpPr/>
+          <p:nvPr/>
+        </p:nvSpPr>
+        <p:spPr>
+          <a:xfrm>
+            <a:off x="5340156" y="4957469"/>
+            <a:ext cx="365760" cy="365760"/>
+          </a:xfrm>
+          <a:prstGeom prst="ellipse">
+            <a:avLst/>
+          </a:prstGeom>
+          <a:solidFill>
+            <a:schemeClr val="tx1"/>
+          </a:solidFill>
+          <a:ln>
+            <a:noFill/>
+          </a:ln>
+        </p:spPr>
+        <p:style>
+          <a:lnRef idx="2">
+            <a:schemeClr val="accent1">
+              <a:shade val="50000"/>
+            </a:schemeClr>
+          </a:lnRef>
+          <a:fillRef idx="1">
+            <a:schemeClr val="accent1"/>
+          </a:fillRef>
+          <a:effectRef idx="0">
+            <a:schemeClr val="accent1"/>
+          </a:effectRef>
+          <a:fontRef idx="minor">
+            <a:schemeClr val="lt1"/>
+          </a:fontRef>
+        </p:style>
+        <p:txBody>
+          <a:bodyPr rtlCol="0" anchor="ctr"/>
+          <a:lstStyle/>
+          <a:p>
+            <a:pPr algn="ctr"/>
+            <a:endParaRPr lang="en-US"/>
+          </a:p>
+        </p:txBody>
+      </p:sp>
+      <p:sp>
+        <p:nvSpPr>
+          <p:cNvPr id="67" name="Oval 66"/>
+          <p:cNvSpPr/>
+          <p:nvPr/>
+        </p:nvSpPr>
+        <p:spPr>
+          <a:xfrm>
+            <a:off x="5040035" y="5688989"/>
+            <a:ext cx="365760" cy="365760"/>
+          </a:xfrm>
+          <a:prstGeom prst="ellipse">
+            <a:avLst/>
+          </a:prstGeom>
+          <a:solidFill>
+            <a:schemeClr val="tx1"/>
+          </a:solidFill>
+          <a:ln>
+            <a:noFill/>
+          </a:ln>
+        </p:spPr>
+        <p:style>
+          <a:lnRef idx="2">
+            <a:schemeClr val="accent1">
+              <a:shade val="50000"/>
+            </a:schemeClr>
+          </a:lnRef>
+          <a:fillRef idx="1">
+            <a:schemeClr val="accent1"/>
+          </a:fillRef>
+          <a:effectRef idx="0">
+            <a:schemeClr val="accent1"/>
+          </a:effectRef>
+          <a:fontRef idx="minor">
+            <a:schemeClr val="lt1"/>
+          </a:fontRef>
+        </p:style>
+        <p:txBody>
+          <a:bodyPr rtlCol="0" anchor="ctr"/>
+          <a:lstStyle/>
+          <a:p>
+            <a:pPr algn="ctr"/>
+            <a:endParaRPr lang="en-US"/>
+          </a:p>
+        </p:txBody>
+      </p:sp>
+      <p:sp>
+        <p:nvSpPr>
+          <p:cNvPr id="68" name="Oval 67"/>
+          <p:cNvSpPr/>
+          <p:nvPr/>
+        </p:nvSpPr>
+        <p:spPr>
+          <a:xfrm>
+            <a:off x="3470408" y="5676029"/>
+            <a:ext cx="365760" cy="365760"/>
+          </a:xfrm>
+          <a:prstGeom prst="ellipse">
+            <a:avLst/>
+          </a:prstGeom>
+          <a:solidFill>
+            <a:schemeClr val="tx1"/>
+          </a:solidFill>
+          <a:ln>
+            <a:noFill/>
+          </a:ln>
+        </p:spPr>
+        <p:style>
+          <a:lnRef idx="2">
+            <a:schemeClr val="accent1">
+              <a:shade val="50000"/>
+            </a:schemeClr>
+          </a:lnRef>
+          <a:fillRef idx="1">
+            <a:schemeClr val="accent1"/>
+          </a:fillRef>
+          <a:effectRef idx="0">
+            <a:schemeClr val="accent1"/>
+          </a:effectRef>
+          <a:fontRef idx="minor">
+            <a:schemeClr val="lt1"/>
+          </a:fontRef>
+        </p:style>
+        <p:txBody>
+          <a:bodyPr rtlCol="0" anchor="ctr"/>
+          <a:lstStyle/>
+          <a:p>
+            <a:pPr algn="ctr"/>
+            <a:endParaRPr lang="en-US"/>
+          </a:p>
+        </p:txBody>
+      </p:sp>
+      <p:sp>
+        <p:nvSpPr>
+          <p:cNvPr id="69" name="Oval 68"/>
+          <p:cNvSpPr/>
+          <p:nvPr/>
+        </p:nvSpPr>
+        <p:spPr>
+          <a:xfrm>
+            <a:off x="5040035" y="4225950"/>
+            <a:ext cx="365760" cy="365760"/>
+          </a:xfrm>
+          <a:prstGeom prst="ellipse">
+            <a:avLst/>
+          </a:prstGeom>
+          <a:solidFill>
+            <a:schemeClr val="tx1"/>
+          </a:solidFill>
+          <a:ln>
+            <a:noFill/>
+          </a:ln>
+        </p:spPr>
+        <p:style>
+          <a:lnRef idx="2">
+            <a:schemeClr val="accent1">
+              <a:shade val="50000"/>
+            </a:schemeClr>
+          </a:lnRef>
+          <a:fillRef idx="1">
+            <a:schemeClr val="accent1"/>
+          </a:fillRef>
+          <a:effectRef idx="0">
+            <a:schemeClr val="accent1"/>
+          </a:effectRef>
+          <a:fontRef idx="minor">
+            <a:schemeClr val="lt1"/>
+          </a:fontRef>
+        </p:style>
+        <p:txBody>
+          <a:bodyPr rtlCol="0" anchor="ctr"/>
+          <a:lstStyle/>
+          <a:p>
+            <a:pPr algn="ctr"/>
+            <a:endParaRPr lang="en-US"/>
+          </a:p>
+        </p:txBody>
+      </p:sp>
+      <p:sp>
+        <p:nvSpPr>
+          <p:cNvPr id="70" name="Oval 69"/>
+          <p:cNvSpPr/>
+          <p:nvPr/>
+        </p:nvSpPr>
+        <p:spPr>
+          <a:xfrm>
+            <a:off x="3470408" y="4212990"/>
+            <a:ext cx="365760" cy="365760"/>
+          </a:xfrm>
+          <a:prstGeom prst="ellipse">
+            <a:avLst/>
+          </a:prstGeom>
+          <a:solidFill>
+            <a:schemeClr val="tx1"/>
+          </a:solidFill>
+          <a:ln>
+            <a:noFill/>
+          </a:ln>
+        </p:spPr>
+        <p:style>
+          <a:lnRef idx="2">
+            <a:schemeClr val="accent1">
+              <a:shade val="50000"/>
+            </a:schemeClr>
+          </a:lnRef>
+          <a:fillRef idx="1">
+            <a:schemeClr val="accent1"/>
+          </a:fillRef>
+          <a:effectRef idx="0">
+            <a:schemeClr val="accent1"/>
+          </a:effectRef>
+          <a:fontRef idx="minor">
+            <a:schemeClr val="lt1"/>
+          </a:fontRef>
+        </p:style>
+        <p:txBody>
+          <a:bodyPr rtlCol="0" anchor="ctr"/>
+          <a:lstStyle/>
+          <a:p>
+            <a:pPr algn="ctr"/>
+            <a:endParaRPr lang="en-US"/>
+          </a:p>
+        </p:txBody>
+      </p:sp>
+      <p:sp>
+        <p:nvSpPr>
+          <p:cNvPr id="71" name="Oval 70"/>
+          <p:cNvSpPr/>
+          <p:nvPr/>
+        </p:nvSpPr>
+        <p:spPr>
+          <a:xfrm>
+            <a:off x="4260156" y="6053260"/>
+            <a:ext cx="365760" cy="365760"/>
+          </a:xfrm>
+          <a:prstGeom prst="ellipse">
+            <a:avLst/>
+          </a:prstGeom>
+          <a:solidFill>
+            <a:schemeClr val="tx1"/>
+          </a:solidFill>
+          <a:ln>
+            <a:noFill/>
+          </a:ln>
+        </p:spPr>
+        <p:style>
+          <a:lnRef idx="2">
+            <a:schemeClr val="accent1">
+              <a:shade val="50000"/>
+            </a:schemeClr>
+          </a:lnRef>
+          <a:fillRef idx="1">
+            <a:schemeClr val="accent1"/>
+          </a:fillRef>
+          <a:effectRef idx="0">
+            <a:schemeClr val="accent1"/>
+          </a:effectRef>
+          <a:fontRef idx="minor">
+            <a:schemeClr val="lt1"/>
+          </a:fontRef>
+        </p:style>
+        <p:txBody>
+          <a:bodyPr rtlCol="0" anchor="ctr"/>
+          <a:lstStyle/>
+          <a:p>
+            <a:pPr algn="ctr"/>
+            <a:endParaRPr lang="en-US"/>
+          </a:p>
+        </p:txBody>
+      </p:sp>
+    </p:spTree>
+    <p:extLst>
+      <p:ext uri="{BB962C8B-B14F-4D97-AF65-F5344CB8AC3E}">
+        <p14:creationId xmlns:p14="http://schemas.microsoft.com/office/powerpoint/2010/main" val="878232130"/>
+      </p:ext>
+    </p:extLst>
+  </p:cSld>
+  <p:clrMapOvr>
+    <a:masterClrMapping/>
+  </p:clrMapOvr>
+</p:sld>
+</file>
+
+<file path=ppt/slides/slide5.xml><?xml version="1.0" encoding="utf-8"?>
+<p:sld xmlns:a="http://schemas.openxmlformats.org/drawingml/2006/main" xmlns:r="http://schemas.openxmlformats.org/officeDocument/2006/relationships" xmlns:p="http://schemas.openxmlformats.org/presentationml/2006/main">
+  <p:cSld>
+    <p:spTree>
+      <p:nvGrpSpPr>
+        <p:cNvPr id="1" name=""/>
+        <p:cNvGrpSpPr/>
+        <p:nvPr/>
+      </p:nvGrpSpPr>
+      <p:grpSpPr>
+        <a:xfrm>
+          <a:off x="0" y="0"/>
+          <a:ext cx="0" cy="0"/>
+          <a:chOff x="0" y="0"/>
+          <a:chExt cx="0" cy="0"/>
+        </a:xfrm>
+      </p:grpSpPr>
+      <p:sp>
+        <p:nvSpPr>
+          <p:cNvPr id="4" name="Oval 3"/>
+          <p:cNvSpPr/>
+          <p:nvPr/>
+        </p:nvSpPr>
+        <p:spPr>
+          <a:xfrm>
+            <a:off x="483080" y="284670"/>
+            <a:ext cx="3240000" cy="3240000"/>
+          </a:xfrm>
+          <a:prstGeom prst="ellipse">
+            <a:avLst/>
+          </a:prstGeom>
+          <a:noFill/>
+          <a:ln>
+            <a:solidFill>
+              <a:schemeClr val="bg2">
+                <a:lumMod val="90000"/>
+              </a:schemeClr>
+            </a:solidFill>
+          </a:ln>
+        </p:spPr>
+        <p:style>
+          <a:lnRef idx="2">
+            <a:schemeClr val="accent1">
+              <a:shade val="50000"/>
+            </a:schemeClr>
+          </a:lnRef>
+          <a:fillRef idx="1">
+            <a:schemeClr val="accent1"/>
+          </a:fillRef>
+          <a:effectRef idx="0">
+            <a:schemeClr val="accent1"/>
+          </a:effectRef>
+          <a:fontRef idx="minor">
+            <a:schemeClr val="lt1"/>
+          </a:fontRef>
+        </p:style>
+        <p:txBody>
+          <a:bodyPr rtlCol="0" anchor="ctr"/>
+          <a:lstStyle/>
+          <a:p>
+            <a:pPr algn="ctr"/>
+            <a:endParaRPr lang="en-US"/>
+          </a:p>
+        </p:txBody>
+      </p:sp>
+      <p:sp>
+        <p:nvSpPr>
+          <p:cNvPr id="12" name="Oval 11"/>
+          <p:cNvSpPr/>
+          <p:nvPr/>
+        </p:nvSpPr>
+        <p:spPr>
+          <a:xfrm>
+            <a:off x="1737320" y="1538910"/>
+            <a:ext cx="731520" cy="731520"/>
+          </a:xfrm>
+          <a:prstGeom prst="ellipse">
+            <a:avLst/>
+          </a:prstGeom>
+          <a:solidFill>
+            <a:schemeClr val="tx1"/>
+          </a:solidFill>
+          <a:ln>
+            <a:noFill/>
+          </a:ln>
+        </p:spPr>
+        <p:style>
+          <a:lnRef idx="2">
+            <a:schemeClr val="accent1">
+              <a:shade val="50000"/>
+            </a:schemeClr>
+          </a:lnRef>
+          <a:fillRef idx="1">
+            <a:schemeClr val="accent1"/>
+          </a:fillRef>
+          <a:effectRef idx="0">
+            <a:schemeClr val="accent1"/>
+          </a:effectRef>
+          <a:fontRef idx="minor">
+            <a:schemeClr val="lt1"/>
+          </a:fontRef>
+        </p:style>
+        <p:txBody>
+          <a:bodyPr rtlCol="0" anchor="ctr"/>
+          <a:lstStyle/>
+          <a:p>
+            <a:pPr algn="ctr"/>
+            <a:endParaRPr lang="en-US"/>
+          </a:p>
+        </p:txBody>
+      </p:sp>
+      <p:sp>
+        <p:nvSpPr>
+          <p:cNvPr id="13" name="Oval 12"/>
+          <p:cNvSpPr/>
+          <p:nvPr/>
+        </p:nvSpPr>
+        <p:spPr>
+          <a:xfrm>
+            <a:off x="1965920" y="500310"/>
+            <a:ext cx="274320" cy="822960"/>
+          </a:xfrm>
+          <a:prstGeom prst="ellipse">
+            <a:avLst/>
+          </a:prstGeom>
+          <a:solidFill>
+            <a:schemeClr val="tx1"/>
+          </a:solidFill>
+          <a:ln>
+            <a:noFill/>
+          </a:ln>
+        </p:spPr>
+        <p:style>
+          <a:lnRef idx="2">
+            <a:schemeClr val="accent1">
+              <a:shade val="50000"/>
+            </a:schemeClr>
+          </a:lnRef>
+          <a:fillRef idx="1">
+            <a:schemeClr val="accent1"/>
+          </a:fillRef>
+          <a:effectRef idx="0">
+            <a:schemeClr val="accent1"/>
+          </a:effectRef>
+          <a:fontRef idx="minor">
+            <a:schemeClr val="lt1"/>
+          </a:fontRef>
+        </p:style>
+        <p:txBody>
+          <a:bodyPr rtlCol="0" anchor="ctr"/>
+          <a:lstStyle/>
+          <a:p>
+            <a:pPr algn="ctr"/>
+            <a:endParaRPr lang="en-US"/>
+          </a:p>
+        </p:txBody>
+      </p:sp>
+      <p:sp>
+        <p:nvSpPr>
+          <p:cNvPr id="15" name="Oval 14"/>
+          <p:cNvSpPr/>
+          <p:nvPr/>
+        </p:nvSpPr>
+        <p:spPr>
+          <a:xfrm>
+            <a:off x="842446" y="1721790"/>
+            <a:ext cx="365760" cy="365760"/>
+          </a:xfrm>
+          <a:prstGeom prst="ellipse">
+            <a:avLst/>
+          </a:prstGeom>
+          <a:solidFill>
+            <a:schemeClr val="tx1"/>
+          </a:solidFill>
+          <a:ln>
+            <a:noFill/>
+          </a:ln>
+        </p:spPr>
+        <p:style>
+          <a:lnRef idx="2">
+            <a:schemeClr val="accent1">
+              <a:shade val="50000"/>
+            </a:schemeClr>
+          </a:lnRef>
+          <a:fillRef idx="1">
+            <a:schemeClr val="accent1"/>
+          </a:fillRef>
+          <a:effectRef idx="0">
+            <a:schemeClr val="accent1"/>
+          </a:effectRef>
+          <a:fontRef idx="minor">
+            <a:schemeClr val="lt1"/>
+          </a:fontRef>
+        </p:style>
+        <p:txBody>
+          <a:bodyPr rtlCol="0" anchor="ctr"/>
+          <a:lstStyle/>
+          <a:p>
+            <a:pPr algn="ctr"/>
+            <a:endParaRPr lang="en-US"/>
+          </a:p>
+        </p:txBody>
+      </p:sp>
+      <p:sp>
+        <p:nvSpPr>
+          <p:cNvPr id="16" name="Oval 15"/>
+          <p:cNvSpPr/>
+          <p:nvPr/>
+        </p:nvSpPr>
+        <p:spPr>
+          <a:xfrm>
+            <a:off x="3000200" y="1721790"/>
+            <a:ext cx="365760" cy="365760"/>
+          </a:xfrm>
+          <a:prstGeom prst="ellipse">
+            <a:avLst/>
+          </a:prstGeom>
+          <a:solidFill>
+            <a:schemeClr val="tx1"/>
+          </a:solidFill>
+          <a:ln>
+            <a:noFill/>
+          </a:ln>
+        </p:spPr>
+        <p:style>
+          <a:lnRef idx="2">
+            <a:schemeClr val="accent1">
+              <a:shade val="50000"/>
+            </a:schemeClr>
+          </a:lnRef>
+          <a:fillRef idx="1">
+            <a:schemeClr val="accent1"/>
+          </a:fillRef>
+          <a:effectRef idx="0">
+            <a:schemeClr val="accent1"/>
+          </a:effectRef>
+          <a:fontRef idx="minor">
+            <a:schemeClr val="lt1"/>
+          </a:fontRef>
+        </p:style>
+        <p:txBody>
+          <a:bodyPr rtlCol="0" anchor="ctr"/>
+          <a:lstStyle/>
+          <a:p>
+            <a:pPr algn="ctr"/>
+            <a:endParaRPr lang="en-US"/>
+          </a:p>
+        </p:txBody>
+      </p:sp>
+      <p:sp>
+        <p:nvSpPr>
+          <p:cNvPr id="19" name="Oval 18"/>
+          <p:cNvSpPr/>
+          <p:nvPr/>
+        </p:nvSpPr>
+        <p:spPr>
+          <a:xfrm>
+            <a:off x="483080" y="284670"/>
+            <a:ext cx="3240000" cy="3240000"/>
+          </a:xfrm>
+          <a:prstGeom prst="ellipse">
+            <a:avLst/>
+          </a:prstGeom>
+          <a:noFill/>
+        </p:spPr>
+        <p:style>
+          <a:lnRef idx="2">
+            <a:schemeClr val="accent1">
+              <a:shade val="50000"/>
+            </a:schemeClr>
+          </a:lnRef>
+          <a:fillRef idx="1">
+            <a:schemeClr val="accent1"/>
+          </a:fillRef>
+          <a:effectRef idx="0">
+            <a:schemeClr val="accent1"/>
+          </a:effectRef>
+          <a:fontRef idx="minor">
+            <a:schemeClr val="lt1"/>
+          </a:fontRef>
+        </p:style>
+        <p:txBody>
+          <a:bodyPr rtlCol="0" anchor="ctr"/>
+          <a:lstStyle/>
+          <a:p>
+            <a:pPr algn="ctr"/>
+            <a:endParaRPr lang="en-US"/>
+          </a:p>
+        </p:txBody>
+      </p:sp>
+      <p:cxnSp>
+        <p:nvCxnSpPr>
+          <p:cNvPr id="22" name="Straight Connector 21"/>
+          <p:cNvCxnSpPr>
+            <a:stCxn id="19" idx="2"/>
+            <a:endCxn id="19" idx="6"/>
+          </p:cNvCxnSpPr>
+          <p:nvPr/>
+        </p:nvCxnSpPr>
+        <p:spPr>
+          <a:xfrm>
+            <a:off x="483080" y="1904670"/>
+            <a:ext cx="3240000" cy="0"/>
+          </a:xfrm>
+          <a:prstGeom prst="line">
+            <a:avLst/>
+          </a:prstGeom>
+        </p:spPr>
+        <p:style>
+          <a:lnRef idx="1">
+            <a:schemeClr val="accent1"/>
+          </a:lnRef>
+          <a:fillRef idx="0">
+            <a:schemeClr val="accent1"/>
+          </a:fillRef>
+          <a:effectRef idx="0">
+            <a:schemeClr val="accent1"/>
+          </a:effectRef>
+          <a:fontRef idx="minor">
+            <a:schemeClr val="tx1"/>
+          </a:fontRef>
+        </p:style>
+      </p:cxnSp>
+      <p:cxnSp>
+        <p:nvCxnSpPr>
+          <p:cNvPr id="27" name="Straight Connector 26"/>
+          <p:cNvCxnSpPr>
+            <a:stCxn id="19" idx="0"/>
+            <a:endCxn id="19" idx="4"/>
+          </p:cNvCxnSpPr>
+          <p:nvPr/>
+        </p:nvCxnSpPr>
+        <p:spPr>
+          <a:xfrm>
+            <a:off x="2103080" y="284670"/>
+            <a:ext cx="0" cy="3240000"/>
+          </a:xfrm>
+          <a:prstGeom prst="line">
+            <a:avLst/>
+          </a:prstGeom>
+        </p:spPr>
+        <p:style>
+          <a:lnRef idx="1">
+            <a:schemeClr val="accent1"/>
+          </a:lnRef>
+          <a:fillRef idx="0">
+            <a:schemeClr val="accent1"/>
+          </a:fillRef>
+          <a:effectRef idx="0">
+            <a:schemeClr val="accent1"/>
+          </a:effectRef>
+          <a:fontRef idx="minor">
+            <a:schemeClr val="tx1"/>
+          </a:fontRef>
+        </p:style>
+      </p:cxnSp>
+      <p:sp>
+        <p:nvSpPr>
+          <p:cNvPr id="28" name="Oval 27"/>
+          <p:cNvSpPr/>
+          <p:nvPr/>
+        </p:nvSpPr>
+        <p:spPr>
+          <a:xfrm>
+            <a:off x="1023080" y="824670"/>
+            <a:ext cx="2160000" cy="2160000"/>
+          </a:xfrm>
+          <a:prstGeom prst="ellipse">
+            <a:avLst/>
+          </a:prstGeom>
+          <a:noFill/>
+          <a:ln>
+            <a:solidFill>
+              <a:schemeClr val="accent6">
+                <a:lumMod val="75000"/>
+              </a:schemeClr>
+            </a:solidFill>
+          </a:ln>
+        </p:spPr>
+        <p:style>
+          <a:lnRef idx="2">
+            <a:schemeClr val="accent1">
+              <a:shade val="50000"/>
+            </a:schemeClr>
+          </a:lnRef>
+          <a:fillRef idx="1">
+            <a:schemeClr val="accent1"/>
+          </a:fillRef>
+          <a:effectRef idx="0">
+            <a:schemeClr val="accent1"/>
+          </a:effectRef>
+          <a:fontRef idx="minor">
+            <a:schemeClr val="lt1"/>
+          </a:fontRef>
+        </p:style>
+        <p:txBody>
+          <a:bodyPr rtlCol="0" anchor="ctr"/>
+          <a:lstStyle/>
+          <a:p>
+            <a:pPr algn="ctr"/>
+            <a:endParaRPr lang="en-US"/>
+          </a:p>
+        </p:txBody>
+      </p:sp>
+      <p:sp>
+        <p:nvSpPr>
+          <p:cNvPr id="43" name="Oval 42"/>
+          <p:cNvSpPr/>
+          <p:nvPr/>
+        </p:nvSpPr>
+        <p:spPr>
+          <a:xfrm>
+            <a:off x="2700079" y="2453310"/>
+            <a:ext cx="365760" cy="365760"/>
+          </a:xfrm>
+          <a:prstGeom prst="ellipse">
+            <a:avLst/>
+          </a:prstGeom>
+          <a:solidFill>
+            <a:schemeClr val="tx1"/>
+          </a:solidFill>
+          <a:ln>
+            <a:noFill/>
+          </a:ln>
+        </p:spPr>
+        <p:style>
+          <a:lnRef idx="2">
+            <a:schemeClr val="accent1">
+              <a:shade val="50000"/>
+            </a:schemeClr>
+          </a:lnRef>
+          <a:fillRef idx="1">
+            <a:schemeClr val="accent1"/>
+          </a:fillRef>
+          <a:effectRef idx="0">
+            <a:schemeClr val="accent1"/>
+          </a:effectRef>
+          <a:fontRef idx="minor">
+            <a:schemeClr val="lt1"/>
+          </a:fontRef>
+        </p:style>
+        <p:txBody>
+          <a:bodyPr rtlCol="0" anchor="ctr"/>
+          <a:lstStyle/>
+          <a:p>
+            <a:pPr algn="ctr"/>
+            <a:endParaRPr lang="en-US"/>
+          </a:p>
+        </p:txBody>
+      </p:sp>
+      <p:sp>
+        <p:nvSpPr>
+          <p:cNvPr id="44" name="Oval 43"/>
+          <p:cNvSpPr/>
+          <p:nvPr/>
+        </p:nvSpPr>
+        <p:spPr>
+          <a:xfrm>
+            <a:off x="1130452" y="2440350"/>
+            <a:ext cx="365760" cy="365760"/>
+          </a:xfrm>
+          <a:prstGeom prst="ellipse">
+            <a:avLst/>
+          </a:prstGeom>
+          <a:solidFill>
+            <a:schemeClr val="tx1"/>
+          </a:solidFill>
+          <a:ln>
+            <a:noFill/>
+          </a:ln>
+        </p:spPr>
+        <p:style>
+          <a:lnRef idx="2">
+            <a:schemeClr val="accent1">
+              <a:shade val="50000"/>
+            </a:schemeClr>
+          </a:lnRef>
+          <a:fillRef idx="1">
+            <a:schemeClr val="accent1"/>
+          </a:fillRef>
+          <a:effectRef idx="0">
+            <a:schemeClr val="accent1"/>
+          </a:effectRef>
+          <a:fontRef idx="minor">
+            <a:schemeClr val="lt1"/>
+          </a:fontRef>
+        </p:style>
+        <p:txBody>
+          <a:bodyPr rtlCol="0" anchor="ctr"/>
+          <a:lstStyle/>
+          <a:p>
+            <a:pPr algn="ctr"/>
+            <a:endParaRPr lang="en-US"/>
+          </a:p>
+        </p:txBody>
+      </p:sp>
+      <p:sp>
+        <p:nvSpPr>
+          <p:cNvPr id="58" name="Oval 57"/>
+          <p:cNvSpPr/>
+          <p:nvPr/>
+        </p:nvSpPr>
+        <p:spPr>
+          <a:xfrm>
+            <a:off x="2823036" y="3520349"/>
+            <a:ext cx="3240000" cy="3240000"/>
+          </a:xfrm>
+          <a:prstGeom prst="ellipse">
+            <a:avLst/>
+          </a:prstGeom>
+          <a:noFill/>
+          <a:ln>
+            <a:solidFill>
+              <a:schemeClr val="bg2">
+                <a:lumMod val="90000"/>
+              </a:schemeClr>
+            </a:solidFill>
+          </a:ln>
+        </p:spPr>
+        <p:style>
+          <a:lnRef idx="2">
+            <a:schemeClr val="accent1">
+              <a:shade val="50000"/>
+            </a:schemeClr>
+          </a:lnRef>
+          <a:fillRef idx="1">
+            <a:schemeClr val="accent1"/>
+          </a:fillRef>
+          <a:effectRef idx="0">
+            <a:schemeClr val="accent1"/>
+          </a:effectRef>
+          <a:fontRef idx="minor">
+            <a:schemeClr val="lt1"/>
+          </a:fontRef>
+        </p:style>
+        <p:txBody>
+          <a:bodyPr rtlCol="0" anchor="ctr"/>
+          <a:lstStyle/>
+          <a:p>
+            <a:pPr algn="ctr"/>
+            <a:endParaRPr lang="en-US"/>
+          </a:p>
+        </p:txBody>
+      </p:sp>
+      <p:sp>
+        <p:nvSpPr>
+          <p:cNvPr id="59" name="Oval 58"/>
+          <p:cNvSpPr/>
+          <p:nvPr/>
+        </p:nvSpPr>
+        <p:spPr>
+          <a:xfrm>
+            <a:off x="4077276" y="4774589"/>
+            <a:ext cx="731520" cy="731520"/>
+          </a:xfrm>
+          <a:prstGeom prst="ellipse">
+            <a:avLst/>
+          </a:prstGeom>
+          <a:solidFill>
+            <a:schemeClr val="tx1"/>
+          </a:solidFill>
+          <a:ln>
+            <a:noFill/>
+          </a:ln>
+        </p:spPr>
+        <p:style>
+          <a:lnRef idx="2">
+            <a:schemeClr val="accent1">
+              <a:shade val="50000"/>
+            </a:schemeClr>
+          </a:lnRef>
+          <a:fillRef idx="1">
+            <a:schemeClr val="accent1"/>
+          </a:fillRef>
+          <a:effectRef idx="0">
+            <a:schemeClr val="accent1"/>
+          </a:effectRef>
+          <a:fontRef idx="minor">
+            <a:schemeClr val="lt1"/>
+          </a:fontRef>
+        </p:style>
+        <p:txBody>
+          <a:bodyPr rtlCol="0" anchor="ctr"/>
+          <a:lstStyle/>
+          <a:p>
+            <a:pPr algn="ctr"/>
+            <a:endParaRPr lang="en-US"/>
+          </a:p>
+        </p:txBody>
+      </p:sp>
+      <p:sp>
+        <p:nvSpPr>
+          <p:cNvPr id="60" name="Oval 59"/>
+          <p:cNvSpPr/>
+          <p:nvPr/>
+        </p:nvSpPr>
+        <p:spPr>
+          <a:xfrm>
+            <a:off x="4305876" y="3735989"/>
+            <a:ext cx="274320" cy="822960"/>
+          </a:xfrm>
+          <a:prstGeom prst="ellipse">
+            <a:avLst/>
+          </a:prstGeom>
+          <a:solidFill>
+            <a:schemeClr val="tx1"/>
+          </a:solidFill>
+          <a:ln>
+            <a:noFill/>
+          </a:ln>
+        </p:spPr>
+        <p:style>
+          <a:lnRef idx="2">
+            <a:schemeClr val="accent1">
+              <a:shade val="50000"/>
+            </a:schemeClr>
+          </a:lnRef>
+          <a:fillRef idx="1">
+            <a:schemeClr val="accent1"/>
+          </a:fillRef>
+          <a:effectRef idx="0">
+            <a:schemeClr val="accent1"/>
+          </a:effectRef>
+          <a:fontRef idx="minor">
+            <a:schemeClr val="lt1"/>
+          </a:fontRef>
+        </p:style>
+        <p:txBody>
+          <a:bodyPr rtlCol="0" anchor="ctr"/>
+          <a:lstStyle/>
+          <a:p>
+            <a:pPr algn="ctr"/>
+            <a:endParaRPr lang="en-US"/>
+          </a:p>
+        </p:txBody>
+      </p:sp>
+      <p:sp>
+        <p:nvSpPr>
+          <p:cNvPr id="63" name="Oval 62"/>
+          <p:cNvSpPr/>
+          <p:nvPr/>
+        </p:nvSpPr>
+        <p:spPr>
+          <a:xfrm>
+            <a:off x="2823036" y="3520349"/>
+            <a:ext cx="3240000" cy="3240000"/>
+          </a:xfrm>
+          <a:prstGeom prst="ellipse">
+            <a:avLst/>
+          </a:prstGeom>
+          <a:noFill/>
+        </p:spPr>
+        <p:style>
+          <a:lnRef idx="2">
+            <a:schemeClr val="accent1">
+              <a:shade val="50000"/>
+            </a:schemeClr>
+          </a:lnRef>
+          <a:fillRef idx="1">
+            <a:schemeClr val="accent1"/>
+          </a:fillRef>
+          <a:effectRef idx="0">
+            <a:schemeClr val="accent1"/>
+          </a:effectRef>
+          <a:fontRef idx="minor">
+            <a:schemeClr val="lt1"/>
+          </a:fontRef>
+        </p:style>
+        <p:txBody>
+          <a:bodyPr rtlCol="0" anchor="ctr"/>
+          <a:lstStyle/>
+          <a:p>
+            <a:pPr algn="ctr"/>
+            <a:endParaRPr lang="en-US"/>
+          </a:p>
+        </p:txBody>
+      </p:sp>
+      <p:cxnSp>
+        <p:nvCxnSpPr>
+          <p:cNvPr id="64" name="Straight Connector 63"/>
+          <p:cNvCxnSpPr>
+            <a:stCxn id="63" idx="2"/>
+            <a:endCxn id="63" idx="6"/>
+          </p:cNvCxnSpPr>
+          <p:nvPr/>
+        </p:nvCxnSpPr>
+        <p:spPr>
+          <a:xfrm>
+            <a:off x="2823036" y="5140349"/>
+            <a:ext cx="3240000" cy="0"/>
+          </a:xfrm>
+          <a:prstGeom prst="line">
+            <a:avLst/>
+          </a:prstGeom>
+        </p:spPr>
+        <p:style>
+          <a:lnRef idx="1">
+            <a:schemeClr val="accent1"/>
+          </a:lnRef>
+          <a:fillRef idx="0">
+            <a:schemeClr val="accent1"/>
+          </a:fillRef>
+          <a:effectRef idx="0">
+            <a:schemeClr val="accent1"/>
+          </a:effectRef>
+          <a:fontRef idx="minor">
+            <a:schemeClr val="tx1"/>
+          </a:fontRef>
+        </p:style>
+      </p:cxnSp>
+      <p:cxnSp>
+        <p:nvCxnSpPr>
+          <p:cNvPr id="65" name="Straight Connector 64"/>
+          <p:cNvCxnSpPr>
+            <a:stCxn id="63" idx="0"/>
+            <a:endCxn id="63" idx="4"/>
+          </p:cNvCxnSpPr>
+          <p:nvPr/>
+        </p:nvCxnSpPr>
+        <p:spPr>
+          <a:xfrm>
+            <a:off x="4443036" y="3520349"/>
+            <a:ext cx="0" cy="3240000"/>
+          </a:xfrm>
+          <a:prstGeom prst="line">
+            <a:avLst/>
+          </a:prstGeom>
+        </p:spPr>
+        <p:style>
+          <a:lnRef idx="1">
+            <a:schemeClr val="accent1"/>
+          </a:lnRef>
+          <a:fillRef idx="0">
+            <a:schemeClr val="accent1"/>
+          </a:fillRef>
+          <a:effectRef idx="0">
+            <a:schemeClr val="accent1"/>
+          </a:effectRef>
+          <a:fontRef idx="minor">
+            <a:schemeClr val="tx1"/>
+          </a:fontRef>
+        </p:style>
+      </p:cxnSp>
+      <p:sp>
+        <p:nvSpPr>
+          <p:cNvPr id="66" name="Oval 65"/>
+          <p:cNvSpPr/>
+          <p:nvPr/>
+        </p:nvSpPr>
+        <p:spPr>
+          <a:xfrm>
+            <a:off x="3363036" y="4060349"/>
+            <a:ext cx="2160000" cy="2160000"/>
+          </a:xfrm>
+          <a:prstGeom prst="ellipse">
+            <a:avLst/>
+          </a:prstGeom>
+          <a:noFill/>
+          <a:ln>
+            <a:solidFill>
+              <a:schemeClr val="accent6">
+                <a:lumMod val="75000"/>
+              </a:schemeClr>
+            </a:solidFill>
+          </a:ln>
+        </p:spPr>
+        <p:style>
+          <a:lnRef idx="2">
+            <a:schemeClr val="accent1">
+              <a:shade val="50000"/>
+            </a:schemeClr>
+          </a:lnRef>
+          <a:fillRef idx="1">
+            <a:schemeClr val="accent1"/>
+          </a:fillRef>
+          <a:effectRef idx="0">
+            <a:schemeClr val="accent1"/>
+          </a:effectRef>
+          <a:fontRef idx="minor">
+            <a:schemeClr val="lt1"/>
+          </a:fontRef>
+        </p:style>
+        <p:txBody>
+          <a:bodyPr rtlCol="0" anchor="ctr"/>
+          <a:lstStyle/>
+          <a:p>
+            <a:pPr algn="ctr"/>
+            <a:endParaRPr lang="en-US"/>
+          </a:p>
+        </p:txBody>
+      </p:sp>
+      <p:sp>
+        <p:nvSpPr>
+          <p:cNvPr id="71" name="Oval 70"/>
+          <p:cNvSpPr/>
+          <p:nvPr/>
+        </p:nvSpPr>
+        <p:spPr>
+          <a:xfrm>
+            <a:off x="4260156" y="6053260"/>
+            <a:ext cx="365760" cy="365760"/>
+          </a:xfrm>
+          <a:prstGeom prst="ellipse">
+            <a:avLst/>
+          </a:prstGeom>
+          <a:solidFill>
+            <a:schemeClr val="tx1"/>
+          </a:solidFill>
+          <a:ln>
+            <a:noFill/>
+          </a:ln>
+        </p:spPr>
+        <p:style>
+          <a:lnRef idx="2">
+            <a:schemeClr val="accent1">
+              <a:shade val="50000"/>
+            </a:schemeClr>
+          </a:lnRef>
+          <a:fillRef idx="1">
+            <a:schemeClr val="accent1"/>
+          </a:fillRef>
+          <a:effectRef idx="0">
+            <a:schemeClr val="accent1"/>
+          </a:effectRef>
+          <a:fontRef idx="minor">
+            <a:schemeClr val="lt1"/>
+          </a:fontRef>
+        </p:style>
+        <p:txBody>
+          <a:bodyPr rtlCol="0" anchor="ctr"/>
+          <a:lstStyle/>
+          <a:p>
+            <a:pPr algn="ctr"/>
+            <a:endParaRPr lang="en-US"/>
+          </a:p>
+        </p:txBody>
+      </p:sp>
+      <p:sp>
+        <p:nvSpPr>
+          <p:cNvPr id="40" name="Oval 39"/>
+          <p:cNvSpPr/>
+          <p:nvPr/>
+        </p:nvSpPr>
+        <p:spPr>
+          <a:xfrm>
+            <a:off x="1920200" y="2806110"/>
+            <a:ext cx="365760" cy="365760"/>
+          </a:xfrm>
+          <a:prstGeom prst="ellipse">
+            <a:avLst/>
+          </a:prstGeom>
+          <a:solidFill>
+            <a:schemeClr val="tx1"/>
+          </a:solidFill>
+          <a:ln>
+            <a:noFill/>
+          </a:ln>
+        </p:spPr>
+        <p:style>
+          <a:lnRef idx="2">
+            <a:schemeClr val="accent1">
+              <a:shade val="50000"/>
+            </a:schemeClr>
+          </a:lnRef>
+          <a:fillRef idx="1">
+            <a:schemeClr val="accent1"/>
+          </a:fillRef>
+          <a:effectRef idx="0">
+            <a:schemeClr val="accent1"/>
+          </a:effectRef>
+          <a:fontRef idx="minor">
+            <a:schemeClr val="lt1"/>
+          </a:fontRef>
+        </p:style>
+        <p:txBody>
+          <a:bodyPr rtlCol="0" anchor="ctr"/>
+          <a:lstStyle/>
+          <a:p>
+            <a:pPr algn="ctr"/>
+            <a:endParaRPr lang="en-US"/>
+          </a:p>
+        </p:txBody>
+      </p:sp>
+    </p:spTree>
+    <p:extLst>
+      <p:ext uri="{BB962C8B-B14F-4D97-AF65-F5344CB8AC3E}">
+        <p14:creationId xmlns:p14="http://schemas.microsoft.com/office/powerpoint/2010/main" val="1988676966"/>
+      </p:ext>
+    </p:extLst>
+  </p:cSld>
+  <p:clrMapOvr>
+    <a:masterClrMapping/>
+  </p:clrMapOvr>
+</p:sld>
+</file>
+
+<file path=ppt/slides/slide6.xml><?xml version="1.0" encoding="utf-8"?>
+<p:sld xmlns:a="http://schemas.openxmlformats.org/drawingml/2006/main" xmlns:r="http://schemas.openxmlformats.org/officeDocument/2006/relationships" xmlns:p="http://schemas.openxmlformats.org/presentationml/2006/main">
+  <p:cSld>
+    <p:spTree>
+      <p:nvGrpSpPr>
+        <p:cNvPr id="1" name=""/>
+        <p:cNvGrpSpPr/>
+        <p:nvPr/>
+      </p:nvGrpSpPr>
+      <p:grpSpPr>
+        <a:xfrm>
+          <a:off x="0" y="0"/>
+          <a:ext cx="0" cy="0"/>
+          <a:chOff x="0" y="0"/>
+          <a:chExt cx="0" cy="0"/>
+        </a:xfrm>
+      </p:grpSpPr>
+      <p:sp>
+        <p:nvSpPr>
+          <p:cNvPr id="4" name="Oval 3"/>
+          <p:cNvSpPr/>
+          <p:nvPr/>
+        </p:nvSpPr>
+        <p:spPr>
+          <a:xfrm>
+            <a:off x="483080" y="284670"/>
+            <a:ext cx="3240000" cy="3240000"/>
+          </a:xfrm>
+          <a:prstGeom prst="ellipse">
+            <a:avLst/>
+          </a:prstGeom>
+          <a:noFill/>
+          <a:ln>
+            <a:solidFill>
+              <a:schemeClr val="bg2">
+                <a:lumMod val="90000"/>
+              </a:schemeClr>
+            </a:solidFill>
+          </a:ln>
+        </p:spPr>
+        <p:style>
+          <a:lnRef idx="2">
+            <a:schemeClr val="accent1">
+              <a:shade val="50000"/>
+            </a:schemeClr>
+          </a:lnRef>
+          <a:fillRef idx="1">
+            <a:schemeClr val="accent1"/>
+          </a:fillRef>
+          <a:effectRef idx="0">
+            <a:schemeClr val="accent1"/>
+          </a:effectRef>
+          <a:fontRef idx="minor">
+            <a:schemeClr val="lt1"/>
+          </a:fontRef>
+        </p:style>
+        <p:txBody>
+          <a:bodyPr rtlCol="0" anchor="ctr"/>
+          <a:lstStyle/>
+          <a:p>
+            <a:pPr algn="ctr"/>
+            <a:endParaRPr lang="en-US"/>
+          </a:p>
+        </p:txBody>
+      </p:sp>
+      <p:sp>
+        <p:nvSpPr>
+          <p:cNvPr id="12" name="Oval 11"/>
+          <p:cNvSpPr/>
+          <p:nvPr/>
+        </p:nvSpPr>
+        <p:spPr>
+          <a:xfrm>
+            <a:off x="1737320" y="1538910"/>
+            <a:ext cx="731520" cy="731520"/>
+          </a:xfrm>
+          <a:prstGeom prst="ellipse">
+            <a:avLst/>
+          </a:prstGeom>
+          <a:solidFill>
+            <a:schemeClr val="tx1"/>
+          </a:solidFill>
+          <a:ln>
+            <a:noFill/>
+          </a:ln>
+        </p:spPr>
+        <p:style>
+          <a:lnRef idx="2">
+            <a:schemeClr val="accent1">
+              <a:shade val="50000"/>
+            </a:schemeClr>
+          </a:lnRef>
+          <a:fillRef idx="1">
+            <a:schemeClr val="accent1"/>
+          </a:fillRef>
+          <a:effectRef idx="0">
+            <a:schemeClr val="accent1"/>
+          </a:effectRef>
+          <a:fontRef idx="minor">
+            <a:schemeClr val="lt1"/>
+          </a:fontRef>
+        </p:style>
+        <p:txBody>
+          <a:bodyPr rtlCol="0" anchor="ctr"/>
+          <a:lstStyle/>
+          <a:p>
+            <a:pPr algn="ctr"/>
+            <a:endParaRPr lang="en-US"/>
+          </a:p>
+        </p:txBody>
+      </p:sp>
+      <p:sp>
+        <p:nvSpPr>
+          <p:cNvPr id="13" name="Oval 12"/>
+          <p:cNvSpPr/>
+          <p:nvPr/>
+        </p:nvSpPr>
+        <p:spPr>
+          <a:xfrm>
+            <a:off x="1965920" y="500310"/>
+            <a:ext cx="274320" cy="822960"/>
+          </a:xfrm>
+          <a:prstGeom prst="ellipse">
+            <a:avLst/>
+          </a:prstGeom>
+          <a:solidFill>
+            <a:schemeClr val="tx1"/>
+          </a:solidFill>
+          <a:ln>
+            <a:noFill/>
+          </a:ln>
+        </p:spPr>
+        <p:style>
+          <a:lnRef idx="2">
+            <a:schemeClr val="accent1">
+              <a:shade val="50000"/>
+            </a:schemeClr>
+          </a:lnRef>
+          <a:fillRef idx="1">
+            <a:schemeClr val="accent1"/>
+          </a:fillRef>
+          <a:effectRef idx="0">
+            <a:schemeClr val="accent1"/>
+          </a:effectRef>
+          <a:fontRef idx="minor">
+            <a:schemeClr val="lt1"/>
+          </a:fontRef>
+        </p:style>
+        <p:txBody>
+          <a:bodyPr rtlCol="0" anchor="ctr"/>
+          <a:lstStyle/>
+          <a:p>
+            <a:pPr algn="ctr"/>
+            <a:endParaRPr lang="en-US"/>
+          </a:p>
+        </p:txBody>
+      </p:sp>
+      <p:sp>
+        <p:nvSpPr>
+          <p:cNvPr id="15" name="Oval 14"/>
+          <p:cNvSpPr/>
+          <p:nvPr/>
+        </p:nvSpPr>
+        <p:spPr>
+          <a:xfrm>
+            <a:off x="842446" y="1721790"/>
+            <a:ext cx="365760" cy="365760"/>
+          </a:xfrm>
+          <a:prstGeom prst="ellipse">
+            <a:avLst/>
+          </a:prstGeom>
+          <a:solidFill>
+            <a:schemeClr val="tx1"/>
+          </a:solidFill>
+          <a:ln>
+            <a:noFill/>
+          </a:ln>
+        </p:spPr>
+        <p:style>
+          <a:lnRef idx="2">
+            <a:schemeClr val="accent1">
+              <a:shade val="50000"/>
+            </a:schemeClr>
+          </a:lnRef>
+          <a:fillRef idx="1">
+            <a:schemeClr val="accent1"/>
+          </a:fillRef>
+          <a:effectRef idx="0">
+            <a:schemeClr val="accent1"/>
+          </a:effectRef>
+          <a:fontRef idx="minor">
+            <a:schemeClr val="lt1"/>
+          </a:fontRef>
+        </p:style>
+        <p:txBody>
+          <a:bodyPr rtlCol="0" anchor="ctr"/>
+          <a:lstStyle/>
+          <a:p>
+            <a:pPr algn="ctr"/>
+            <a:endParaRPr lang="en-US"/>
+          </a:p>
+        </p:txBody>
+      </p:sp>
+      <p:sp>
+        <p:nvSpPr>
+          <p:cNvPr id="16" name="Oval 15"/>
+          <p:cNvSpPr/>
+          <p:nvPr/>
+        </p:nvSpPr>
+        <p:spPr>
+          <a:xfrm>
+            <a:off x="3000200" y="1721790"/>
+            <a:ext cx="365760" cy="365760"/>
+          </a:xfrm>
+          <a:prstGeom prst="ellipse">
+            <a:avLst/>
+          </a:prstGeom>
+          <a:solidFill>
+            <a:schemeClr val="tx1"/>
+          </a:solidFill>
+          <a:ln>
+            <a:noFill/>
+          </a:ln>
+        </p:spPr>
+        <p:style>
+          <a:lnRef idx="2">
+            <a:schemeClr val="accent1">
+              <a:shade val="50000"/>
+            </a:schemeClr>
+          </a:lnRef>
+          <a:fillRef idx="1">
+            <a:schemeClr val="accent1"/>
+          </a:fillRef>
+          <a:effectRef idx="0">
+            <a:schemeClr val="accent1"/>
+          </a:effectRef>
+          <a:fontRef idx="minor">
+            <a:schemeClr val="lt1"/>
+          </a:fontRef>
+        </p:style>
+        <p:txBody>
+          <a:bodyPr rtlCol="0" anchor="ctr"/>
+          <a:lstStyle/>
+          <a:p>
+            <a:pPr algn="ctr"/>
+            <a:endParaRPr lang="en-US"/>
+          </a:p>
+        </p:txBody>
+      </p:sp>
+      <p:sp>
+        <p:nvSpPr>
+          <p:cNvPr id="43" name="Oval 42"/>
+          <p:cNvSpPr/>
+          <p:nvPr/>
+        </p:nvSpPr>
+        <p:spPr>
+          <a:xfrm>
+            <a:off x="2700079" y="2453310"/>
+            <a:ext cx="365760" cy="365760"/>
+          </a:xfrm>
+          <a:prstGeom prst="ellipse">
+            <a:avLst/>
+          </a:prstGeom>
+          <a:solidFill>
+            <a:schemeClr val="tx1"/>
+          </a:solidFill>
+          <a:ln>
+            <a:noFill/>
+          </a:ln>
+        </p:spPr>
+        <p:style>
+          <a:lnRef idx="2">
+            <a:schemeClr val="accent1">
+              <a:shade val="50000"/>
+            </a:schemeClr>
+          </a:lnRef>
+          <a:fillRef idx="1">
+            <a:schemeClr val="accent1"/>
+          </a:fillRef>
+          <a:effectRef idx="0">
+            <a:schemeClr val="accent1"/>
+          </a:effectRef>
+          <a:fontRef idx="minor">
+            <a:schemeClr val="lt1"/>
+          </a:fontRef>
+        </p:style>
+        <p:txBody>
+          <a:bodyPr rtlCol="0" anchor="ctr"/>
+          <a:lstStyle/>
+          <a:p>
+            <a:pPr algn="ctr"/>
+            <a:endParaRPr lang="en-US"/>
+          </a:p>
+        </p:txBody>
+      </p:sp>
+      <p:sp>
+        <p:nvSpPr>
+          <p:cNvPr id="44" name="Oval 43"/>
+          <p:cNvSpPr/>
+          <p:nvPr/>
+        </p:nvSpPr>
+        <p:spPr>
+          <a:xfrm>
+            <a:off x="1130452" y="2440350"/>
+            <a:ext cx="365760" cy="365760"/>
+          </a:xfrm>
+          <a:prstGeom prst="ellipse">
+            <a:avLst/>
+          </a:prstGeom>
+          <a:solidFill>
+            <a:schemeClr val="tx1"/>
+          </a:solidFill>
+          <a:ln>
+            <a:noFill/>
+          </a:ln>
+        </p:spPr>
+        <p:style>
+          <a:lnRef idx="2">
+            <a:schemeClr val="accent1">
+              <a:shade val="50000"/>
+            </a:schemeClr>
+          </a:lnRef>
+          <a:fillRef idx="1">
+            <a:schemeClr val="accent1"/>
+          </a:fillRef>
+          <a:effectRef idx="0">
+            <a:schemeClr val="accent1"/>
+          </a:effectRef>
+          <a:fontRef idx="minor">
+            <a:schemeClr val="lt1"/>
+          </a:fontRef>
+        </p:style>
+        <p:txBody>
+          <a:bodyPr rtlCol="0" anchor="ctr"/>
+          <a:lstStyle/>
+          <a:p>
+            <a:pPr algn="ctr"/>
+            <a:endParaRPr lang="en-US"/>
+          </a:p>
+        </p:txBody>
+      </p:sp>
+      <p:sp>
+        <p:nvSpPr>
+          <p:cNvPr id="58" name="Oval 57"/>
+          <p:cNvSpPr/>
+          <p:nvPr/>
+        </p:nvSpPr>
+        <p:spPr>
+          <a:xfrm>
+            <a:off x="2823036" y="3520349"/>
+            <a:ext cx="3240000" cy="3240000"/>
+          </a:xfrm>
+          <a:prstGeom prst="ellipse">
+            <a:avLst/>
+          </a:prstGeom>
+          <a:noFill/>
+          <a:ln>
+            <a:solidFill>
+              <a:schemeClr val="bg2">
+                <a:lumMod val="90000"/>
+              </a:schemeClr>
+            </a:solidFill>
+          </a:ln>
+        </p:spPr>
+        <p:style>
+          <a:lnRef idx="2">
+            <a:schemeClr val="accent1">
+              <a:shade val="50000"/>
+            </a:schemeClr>
+          </a:lnRef>
+          <a:fillRef idx="1">
+            <a:schemeClr val="accent1"/>
+          </a:fillRef>
+          <a:effectRef idx="0">
+            <a:schemeClr val="accent1"/>
+          </a:effectRef>
+          <a:fontRef idx="minor">
+            <a:schemeClr val="lt1"/>
+          </a:fontRef>
+        </p:style>
+        <p:txBody>
+          <a:bodyPr rtlCol="0" anchor="ctr"/>
+          <a:lstStyle/>
+          <a:p>
+            <a:pPr algn="ctr"/>
+            <a:endParaRPr lang="en-US"/>
+          </a:p>
+        </p:txBody>
+      </p:sp>
+      <p:sp>
+        <p:nvSpPr>
+          <p:cNvPr id="59" name="Oval 58"/>
+          <p:cNvSpPr/>
+          <p:nvPr/>
+        </p:nvSpPr>
+        <p:spPr>
+          <a:xfrm>
+            <a:off x="4077276" y="4774589"/>
+            <a:ext cx="731520" cy="731520"/>
+          </a:xfrm>
+          <a:prstGeom prst="ellipse">
+            <a:avLst/>
+          </a:prstGeom>
+          <a:solidFill>
+            <a:schemeClr val="tx1"/>
+          </a:solidFill>
+          <a:ln>
+            <a:noFill/>
+          </a:ln>
+        </p:spPr>
+        <p:style>
+          <a:lnRef idx="2">
+            <a:schemeClr val="accent1">
+              <a:shade val="50000"/>
+            </a:schemeClr>
+          </a:lnRef>
+          <a:fillRef idx="1">
+            <a:schemeClr val="accent1"/>
+          </a:fillRef>
+          <a:effectRef idx="0">
+            <a:schemeClr val="accent1"/>
+          </a:effectRef>
+          <a:fontRef idx="minor">
+            <a:schemeClr val="lt1"/>
+          </a:fontRef>
+        </p:style>
+        <p:txBody>
+          <a:bodyPr rtlCol="0" anchor="ctr"/>
+          <a:lstStyle/>
+          <a:p>
+            <a:pPr algn="ctr"/>
+            <a:endParaRPr lang="en-US"/>
+          </a:p>
+        </p:txBody>
+      </p:sp>
+      <p:sp>
+        <p:nvSpPr>
+          <p:cNvPr id="60" name="Oval 59"/>
+          <p:cNvSpPr/>
+          <p:nvPr/>
+        </p:nvSpPr>
+        <p:spPr>
+          <a:xfrm>
+            <a:off x="4305876" y="3735989"/>
+            <a:ext cx="274320" cy="822960"/>
+          </a:xfrm>
+          <a:prstGeom prst="ellipse">
+            <a:avLst/>
+          </a:prstGeom>
+          <a:solidFill>
+            <a:schemeClr val="tx1"/>
+          </a:solidFill>
+          <a:ln>
+            <a:noFill/>
+          </a:ln>
+        </p:spPr>
+        <p:style>
+          <a:lnRef idx="2">
+            <a:schemeClr val="accent1">
+              <a:shade val="50000"/>
+            </a:schemeClr>
+          </a:lnRef>
+          <a:fillRef idx="1">
+            <a:schemeClr val="accent1"/>
+          </a:fillRef>
+          <a:effectRef idx="0">
+            <a:schemeClr val="accent1"/>
+          </a:effectRef>
+          <a:fontRef idx="minor">
+            <a:schemeClr val="lt1"/>
+          </a:fontRef>
+        </p:style>
+        <p:txBody>
+          <a:bodyPr rtlCol="0" anchor="ctr"/>
+          <a:lstStyle/>
+          <a:p>
+            <a:pPr algn="ctr"/>
+            <a:endParaRPr lang="en-US"/>
+          </a:p>
+        </p:txBody>
+      </p:sp>
+      <p:sp>
+        <p:nvSpPr>
+          <p:cNvPr id="71" name="Oval 70"/>
+          <p:cNvSpPr/>
+          <p:nvPr/>
+        </p:nvSpPr>
+        <p:spPr>
+          <a:xfrm>
+            <a:off x="4260156" y="6053260"/>
+            <a:ext cx="365760" cy="365760"/>
+          </a:xfrm>
+          <a:prstGeom prst="ellipse">
+            <a:avLst/>
+          </a:prstGeom>
+          <a:solidFill>
+            <a:schemeClr val="tx1"/>
+          </a:solidFill>
+          <a:ln>
+            <a:noFill/>
+          </a:ln>
+        </p:spPr>
+        <p:style>
+          <a:lnRef idx="2">
+            <a:schemeClr val="accent1">
+              <a:shade val="50000"/>
+            </a:schemeClr>
+          </a:lnRef>
+          <a:fillRef idx="1">
+            <a:schemeClr val="accent1"/>
+          </a:fillRef>
+          <a:effectRef idx="0">
+            <a:schemeClr val="accent1"/>
+          </a:effectRef>
+          <a:fontRef idx="minor">
+            <a:schemeClr val="lt1"/>
+          </a:fontRef>
+        </p:style>
+        <p:txBody>
+          <a:bodyPr rtlCol="0" anchor="ctr"/>
+          <a:lstStyle/>
+          <a:p>
+            <a:pPr algn="ctr"/>
+            <a:endParaRPr lang="en-US"/>
+          </a:p>
+        </p:txBody>
+      </p:sp>
+      <p:sp>
+        <p:nvSpPr>
+          <p:cNvPr id="40" name="Oval 39"/>
+          <p:cNvSpPr/>
+          <p:nvPr/>
+        </p:nvSpPr>
+        <p:spPr>
+          <a:xfrm>
+            <a:off x="1920200" y="2806110"/>
+            <a:ext cx="365760" cy="365760"/>
+          </a:xfrm>
+          <a:prstGeom prst="ellipse">
+            <a:avLst/>
+          </a:prstGeom>
+          <a:solidFill>
+            <a:schemeClr val="tx1"/>
+          </a:solidFill>
+          <a:ln>
+            <a:noFill/>
+          </a:ln>
+        </p:spPr>
+        <p:style>
+          <a:lnRef idx="2">
+            <a:schemeClr val="accent1">
+              <a:shade val="50000"/>
+            </a:schemeClr>
+          </a:lnRef>
+          <a:fillRef idx="1">
+            <a:schemeClr val="accent1"/>
+          </a:fillRef>
+          <a:effectRef idx="0">
+            <a:schemeClr val="accent1"/>
+          </a:effectRef>
+          <a:fontRef idx="minor">
+            <a:schemeClr val="lt1"/>
+          </a:fontRef>
+        </p:style>
+        <p:txBody>
+          <a:bodyPr rtlCol="0" anchor="ctr"/>
+          <a:lstStyle/>
+          <a:p>
+            <a:pPr algn="ctr"/>
+            <a:endParaRPr lang="en-US"/>
+          </a:p>
+        </p:txBody>
+      </p:sp>
+    </p:spTree>
+    <p:extLst>
+      <p:ext uri="{BB962C8B-B14F-4D97-AF65-F5344CB8AC3E}">
+        <p14:creationId xmlns:p14="http://schemas.microsoft.com/office/powerpoint/2010/main" val="4013266408"/>
+      </p:ext>
+    </p:extLst>
+  </p:cSld>
+  <p:clrMapOvr>
+    <a:masterClrMapping/>
+  </p:clrMapOvr>
+</p:sld>
+</file>
+
+<file path=ppt/slides/slide7.xml><?xml version="1.0" encoding="utf-8"?>
+<p:sld xmlns:a="http://schemas.openxmlformats.org/drawingml/2006/main" xmlns:r="http://schemas.openxmlformats.org/officeDocument/2006/relationships" xmlns:p="http://schemas.openxmlformats.org/presentationml/2006/main">
+  <p:cSld>
+    <p:spTree>
+      <p:nvGrpSpPr>
+        <p:cNvPr id="1" name=""/>
+        <p:cNvGrpSpPr/>
+        <p:nvPr/>
+      </p:nvGrpSpPr>
+      <p:grpSpPr>
+        <a:xfrm>
+          <a:off x="0" y="0"/>
+          <a:ext cx="0" cy="0"/>
+          <a:chOff x="0" y="0"/>
+          <a:chExt cx="0" cy="0"/>
+        </a:xfrm>
+      </p:grpSpPr>
+      <p:sp>
+        <p:nvSpPr>
+          <p:cNvPr id="2" name="Rectangle 1"/>
+          <p:cNvSpPr/>
+          <p:nvPr/>
+        </p:nvSpPr>
+        <p:spPr>
+          <a:xfrm>
+            <a:off x="1970117" y="906087"/>
+            <a:ext cx="1080000" cy="1080000"/>
+          </a:xfrm>
+          <a:prstGeom prst="rect">
+            <a:avLst/>
+          </a:prstGeom>
+          <a:noFill/>
+          <a:ln w="76200">
+            <a:solidFill>
+              <a:schemeClr val="tx1"/>
+            </a:solidFill>
+          </a:ln>
+        </p:spPr>
+        <p:style>
+          <a:lnRef idx="2">
+            <a:schemeClr val="accent1">
+              <a:shade val="50000"/>
+            </a:schemeClr>
+          </a:lnRef>
+          <a:fillRef idx="1">
+            <a:schemeClr val="accent1"/>
+          </a:fillRef>
+          <a:effectRef idx="0">
+            <a:schemeClr val="accent1"/>
+          </a:effectRef>
+          <a:fontRef idx="minor">
+            <a:schemeClr val="lt1"/>
+          </a:fontRef>
+        </p:style>
+        <p:txBody>
+          <a:bodyPr rtlCol="0" anchor="ctr"/>
+          <a:lstStyle/>
+          <a:p>
+            <a:pPr algn="ctr"/>
+            <a:endParaRPr lang="en-US"/>
+          </a:p>
+        </p:txBody>
+      </p:sp>
+      <p:sp>
+        <p:nvSpPr>
+          <p:cNvPr id="3" name="5-Point Star 2"/>
+          <p:cNvSpPr/>
+          <p:nvPr/>
+        </p:nvSpPr>
+        <p:spPr>
+          <a:xfrm>
+            <a:off x="1970117" y="906087"/>
+            <a:ext cx="1080000" cy="1080000"/>
+          </a:xfrm>
+          <a:prstGeom prst="star5">
+            <a:avLst/>
+          </a:prstGeom>
+          <a:solidFill>
+            <a:schemeClr val="tx1"/>
+          </a:solidFill>
+          <a:ln>
+            <a:noFill/>
+          </a:ln>
+        </p:spPr>
+        <p:style>
+          <a:lnRef idx="2">
+            <a:schemeClr val="accent1">
+              <a:shade val="50000"/>
+            </a:schemeClr>
+          </a:lnRef>
+          <a:fillRef idx="1">
+            <a:schemeClr val="accent1"/>
+          </a:fillRef>
+          <a:effectRef idx="0">
+            <a:schemeClr val="accent1"/>
+          </a:effectRef>
+          <a:fontRef idx="minor">
+            <a:schemeClr val="lt1"/>
+          </a:fontRef>
+        </p:style>
+        <p:txBody>
+          <a:bodyPr rtlCol="0" anchor="ctr"/>
+          <a:lstStyle/>
+          <a:p>
+            <a:pPr algn="ctr"/>
+            <a:endParaRPr lang="en-US" dirty="0"/>
+          </a:p>
+        </p:txBody>
+      </p:sp>
+      <p:sp>
+        <p:nvSpPr>
+          <p:cNvPr id="4" name="Rectangle 3"/>
+          <p:cNvSpPr/>
+          <p:nvPr/>
+        </p:nvSpPr>
+        <p:spPr>
+          <a:xfrm>
+            <a:off x="4624648" y="906087"/>
+            <a:ext cx="1080000" cy="1080000"/>
+          </a:xfrm>
+          <a:prstGeom prst="rect">
+            <a:avLst/>
+          </a:prstGeom>
+          <a:noFill/>
+          <a:ln w="76200">
+            <a:solidFill>
+              <a:schemeClr val="tx1"/>
+            </a:solidFill>
+          </a:ln>
+        </p:spPr>
+        <p:style>
+          <a:lnRef idx="2">
+            <a:schemeClr val="accent1">
+              <a:shade val="50000"/>
+            </a:schemeClr>
+          </a:lnRef>
+          <a:fillRef idx="1">
+            <a:schemeClr val="accent1"/>
+          </a:fillRef>
+          <a:effectRef idx="0">
+            <a:schemeClr val="accent1"/>
+          </a:effectRef>
+          <a:fontRef idx="minor">
+            <a:schemeClr val="lt1"/>
+          </a:fontRef>
+        </p:style>
+        <p:txBody>
+          <a:bodyPr rtlCol="0" anchor="ctr"/>
+          <a:lstStyle/>
+          <a:p>
+            <a:pPr algn="ctr"/>
+            <a:endParaRPr lang="en-US"/>
+          </a:p>
+        </p:txBody>
+      </p:sp>
+      <p:sp>
+        <p:nvSpPr>
+          <p:cNvPr id="5" name="5-Point Star 4"/>
+          <p:cNvSpPr/>
+          <p:nvPr/>
+        </p:nvSpPr>
+        <p:spPr>
+          <a:xfrm>
+            <a:off x="4624648" y="906087"/>
+            <a:ext cx="1080000" cy="1080000"/>
+          </a:xfrm>
+          <a:prstGeom prst="star5">
+            <a:avLst/>
+          </a:prstGeom>
+          <a:solidFill>
+            <a:schemeClr val="tx1"/>
+          </a:solidFill>
+          <a:ln>
+            <a:noFill/>
+          </a:ln>
+        </p:spPr>
+        <p:style>
+          <a:lnRef idx="2">
+            <a:schemeClr val="accent1">
+              <a:shade val="50000"/>
+            </a:schemeClr>
+          </a:lnRef>
+          <a:fillRef idx="1">
+            <a:schemeClr val="accent1"/>
+          </a:fillRef>
+          <a:effectRef idx="0">
+            <a:schemeClr val="accent1"/>
+          </a:effectRef>
+          <a:fontRef idx="minor">
+            <a:schemeClr val="lt1"/>
+          </a:fontRef>
+        </p:style>
+        <p:txBody>
+          <a:bodyPr rtlCol="0" anchor="ctr"/>
+          <a:lstStyle/>
+          <a:p>
+            <a:pPr algn="ctr"/>
+            <a:endParaRPr lang="en-US" dirty="0"/>
+          </a:p>
+        </p:txBody>
+      </p:sp>
+      <p:sp>
+        <p:nvSpPr>
+          <p:cNvPr id="6" name="Rectangle 5"/>
+          <p:cNvSpPr/>
+          <p:nvPr/>
+        </p:nvSpPr>
+        <p:spPr>
+          <a:xfrm>
+            <a:off x="1970117" y="3311236"/>
+            <a:ext cx="1080000" cy="1080000"/>
+          </a:xfrm>
+          <a:prstGeom prst="rect">
+            <a:avLst/>
+          </a:prstGeom>
+          <a:noFill/>
+          <a:ln w="76200">
+            <a:solidFill>
+              <a:schemeClr val="tx1"/>
+            </a:solidFill>
+          </a:ln>
+        </p:spPr>
+        <p:style>
+          <a:lnRef idx="2">
+            <a:schemeClr val="accent1">
+              <a:shade val="50000"/>
+            </a:schemeClr>
+          </a:lnRef>
+          <a:fillRef idx="1">
+            <a:schemeClr val="accent1"/>
+          </a:fillRef>
+          <a:effectRef idx="0">
+            <a:schemeClr val="accent1"/>
+          </a:effectRef>
+          <a:fontRef idx="minor">
+            <a:schemeClr val="lt1"/>
+          </a:fontRef>
+        </p:style>
+        <p:txBody>
+          <a:bodyPr rtlCol="0" anchor="ctr"/>
+          <a:lstStyle/>
+          <a:p>
+            <a:pPr algn="ctr"/>
+            <a:endParaRPr lang="en-US"/>
+          </a:p>
+        </p:txBody>
+      </p:sp>
+      <p:sp>
+        <p:nvSpPr>
+          <p:cNvPr id="7" name="5-Point Star 6"/>
+          <p:cNvSpPr/>
+          <p:nvPr/>
+        </p:nvSpPr>
+        <p:spPr>
+          <a:xfrm>
+            <a:off x="1970117" y="3311236"/>
+            <a:ext cx="1080000" cy="1080000"/>
+          </a:xfrm>
+          <a:prstGeom prst="star5">
+            <a:avLst/>
+          </a:prstGeom>
+          <a:solidFill>
+            <a:schemeClr val="tx1"/>
+          </a:solidFill>
+          <a:ln>
+            <a:noFill/>
+          </a:ln>
+        </p:spPr>
+        <p:style>
+          <a:lnRef idx="2">
+            <a:schemeClr val="accent1">
+              <a:shade val="50000"/>
+            </a:schemeClr>
+          </a:lnRef>
+          <a:fillRef idx="1">
+            <a:schemeClr val="accent1"/>
+          </a:fillRef>
+          <a:effectRef idx="0">
+            <a:schemeClr val="accent1"/>
+          </a:effectRef>
+          <a:fontRef idx="minor">
+            <a:schemeClr val="lt1"/>
+          </a:fontRef>
+        </p:style>
+        <p:txBody>
+          <a:bodyPr rtlCol="0" anchor="ctr"/>
+          <a:lstStyle/>
+          <a:p>
+            <a:pPr algn="ctr"/>
+            <a:endParaRPr lang="en-US" dirty="0"/>
+          </a:p>
+        </p:txBody>
+      </p:sp>
+      <p:sp>
+        <p:nvSpPr>
+          <p:cNvPr id="8" name="Rectangle 7"/>
+          <p:cNvSpPr/>
+          <p:nvPr/>
+        </p:nvSpPr>
+        <p:spPr>
+          <a:xfrm>
+            <a:off x="4624648" y="3311236"/>
+            <a:ext cx="1080000" cy="1080000"/>
+          </a:xfrm>
+          <a:prstGeom prst="rect">
+            <a:avLst/>
+          </a:prstGeom>
+          <a:noFill/>
+          <a:ln w="76200">
+            <a:solidFill>
+              <a:schemeClr val="tx1"/>
+            </a:solidFill>
+          </a:ln>
+        </p:spPr>
+        <p:style>
+          <a:lnRef idx="2">
+            <a:schemeClr val="accent1">
+              <a:shade val="50000"/>
+            </a:schemeClr>
+          </a:lnRef>
+          <a:fillRef idx="1">
+            <a:schemeClr val="accent1"/>
+          </a:fillRef>
+          <a:effectRef idx="0">
+            <a:schemeClr val="accent1"/>
+          </a:effectRef>
+          <a:fontRef idx="minor">
+            <a:schemeClr val="lt1"/>
+          </a:fontRef>
+        </p:style>
+        <p:txBody>
+          <a:bodyPr rtlCol="0" anchor="ctr"/>
+          <a:lstStyle/>
+          <a:p>
+            <a:pPr algn="ctr"/>
+            <a:endParaRPr lang="en-US"/>
+          </a:p>
+        </p:txBody>
+      </p:sp>
+      <p:sp>
+        <p:nvSpPr>
+          <p:cNvPr id="9" name="5-Point Star 8"/>
+          <p:cNvSpPr/>
+          <p:nvPr/>
+        </p:nvSpPr>
+        <p:spPr>
+          <a:xfrm>
+            <a:off x="4624648" y="3311236"/>
+            <a:ext cx="1080000" cy="1080000"/>
+          </a:xfrm>
+          <a:prstGeom prst="star5">
+            <a:avLst/>
+          </a:prstGeom>
+          <a:solidFill>
+            <a:schemeClr val="tx1"/>
+          </a:solidFill>
+          <a:ln>
+            <a:noFill/>
+          </a:ln>
+        </p:spPr>
+        <p:style>
+          <a:lnRef idx="2">
+            <a:schemeClr val="accent1">
+              <a:shade val="50000"/>
+            </a:schemeClr>
+          </a:lnRef>
+          <a:fillRef idx="1">
+            <a:schemeClr val="accent1"/>
+          </a:fillRef>
+          <a:effectRef idx="0">
+            <a:schemeClr val="accent1"/>
+          </a:effectRef>
+          <a:fontRef idx="minor">
+            <a:schemeClr val="lt1"/>
+          </a:fontRef>
+        </p:style>
+        <p:txBody>
+          <a:bodyPr rtlCol="0" anchor="ctr"/>
+          <a:lstStyle/>
+          <a:p>
+            <a:pPr algn="ctr"/>
+            <a:endParaRPr lang="en-US" dirty="0"/>
+          </a:p>
+        </p:txBody>
+      </p:sp>
+    </p:spTree>
+    <p:extLst>
+      <p:ext uri="{BB962C8B-B14F-4D97-AF65-F5344CB8AC3E}">
+        <p14:creationId xmlns:p14="http://schemas.microsoft.com/office/powerpoint/2010/main" val="2198001155"/>
+      </p:ext>
+    </p:extLst>
+  </p:cSld>
+  <p:clrMapOvr>
+    <a:masterClrMapping/>
+  </p:clrMapOvr>
+</p:sld>
+</file>
+
+<file path=ppt/slides/slide8.xml><?xml version="1.0" encoding="utf-8"?>
+<p:sld xmlns:a="http://schemas.openxmlformats.org/drawingml/2006/main" xmlns:r="http://schemas.openxmlformats.org/officeDocument/2006/relationships" xmlns:p="http://schemas.openxmlformats.org/presentationml/2006/main">
+  <p:cSld>
+    <p:spTree>
+      <p:nvGrpSpPr>
+        <p:cNvPr id="1" name=""/>
+        <p:cNvGrpSpPr/>
+        <p:nvPr/>
+      </p:nvGrpSpPr>
+      <p:grpSpPr>
+        <a:xfrm>
+          <a:off x="0" y="0"/>
+          <a:ext cx="0" cy="0"/>
+          <a:chOff x="0" y="0"/>
+          <a:chExt cx="0" cy="0"/>
+        </a:xfrm>
+      </p:grpSpPr>
+      <p:sp>
+        <p:nvSpPr>
+          <p:cNvPr id="2" name="Plus 1"/>
+          <p:cNvSpPr/>
+          <p:nvPr/>
+        </p:nvSpPr>
+        <p:spPr>
+          <a:xfrm>
+            <a:off x="6820266" y="833717"/>
+            <a:ext cx="1828800" cy="1828800"/>
+          </a:xfrm>
+          <a:prstGeom prst="mathPlus">
+            <a:avLst/>
+          </a:prstGeom>
+          <a:solidFill>
+            <a:schemeClr val="tx1"/>
+          </a:solidFill>
+          <a:ln>
+            <a:solidFill>
+              <a:schemeClr val="tx1"/>
+            </a:solidFill>
+          </a:ln>
+        </p:spPr>
+        <p:style>
+          <a:lnRef idx="2">
+            <a:schemeClr val="accent1">
+              <a:shade val="50000"/>
+            </a:schemeClr>
+          </a:lnRef>
+          <a:fillRef idx="1">
+            <a:schemeClr val="accent1"/>
+          </a:fillRef>
+          <a:effectRef idx="0">
+            <a:schemeClr val="accent1"/>
+          </a:effectRef>
+          <a:fontRef idx="minor">
+            <a:schemeClr val="lt1"/>
+          </a:fontRef>
+        </p:style>
+        <p:txBody>
+          <a:bodyPr rtlCol="0" anchor="ctr"/>
+          <a:lstStyle/>
+          <a:p>
+            <a:pPr algn="ctr"/>
+            <a:endParaRPr lang="en-US"/>
+          </a:p>
+        </p:txBody>
+      </p:sp>
+      <p:sp>
+        <p:nvSpPr>
+          <p:cNvPr id="4" name="Rectangle 3"/>
+          <p:cNvSpPr/>
+          <p:nvPr/>
+        </p:nvSpPr>
+        <p:spPr>
+          <a:xfrm>
+            <a:off x="7040879" y="1064028"/>
+            <a:ext cx="1363287" cy="1354975"/>
+          </a:xfrm>
+          <a:prstGeom prst="rect">
+            <a:avLst/>
+          </a:prstGeom>
+          <a:noFill/>
+          <a:ln w="3175">
+            <a:solidFill>
+              <a:schemeClr val="tx1"/>
+            </a:solidFill>
+          </a:ln>
+        </p:spPr>
+        <p:style>
+          <a:lnRef idx="2">
+            <a:schemeClr val="accent1">
+              <a:shade val="50000"/>
+            </a:schemeClr>
+          </a:lnRef>
+          <a:fillRef idx="1">
+            <a:schemeClr val="accent1"/>
+          </a:fillRef>
+          <a:effectRef idx="0">
+            <a:schemeClr val="accent1"/>
+          </a:effectRef>
+          <a:fontRef idx="minor">
+            <a:schemeClr val="lt1"/>
+          </a:fontRef>
+        </p:style>
+        <p:txBody>
+          <a:bodyPr rtlCol="0" anchor="ctr"/>
+          <a:lstStyle/>
+          <a:p>
+            <a:pPr algn="ctr"/>
+            <a:endParaRPr lang="en-US"/>
+          </a:p>
+        </p:txBody>
+      </p:sp>
+      <p:sp>
+        <p:nvSpPr>
+          <p:cNvPr id="5" name="Plus 4"/>
+          <p:cNvSpPr/>
+          <p:nvPr/>
+        </p:nvSpPr>
+        <p:spPr>
+          <a:xfrm>
+            <a:off x="3532909" y="1279833"/>
+            <a:ext cx="1371600" cy="1463040"/>
+          </a:xfrm>
+          <a:prstGeom prst="mathPlus">
+            <a:avLst/>
+          </a:prstGeom>
+          <a:solidFill>
+            <a:schemeClr val="tx1"/>
+          </a:solidFill>
+          <a:ln>
+            <a:solidFill>
+              <a:schemeClr val="tx1"/>
+            </a:solidFill>
+          </a:ln>
+        </p:spPr>
+        <p:style>
+          <a:lnRef idx="2">
+            <a:schemeClr val="accent1">
+              <a:shade val="50000"/>
+            </a:schemeClr>
+          </a:lnRef>
+          <a:fillRef idx="1">
+            <a:schemeClr val="accent1"/>
+          </a:fillRef>
+          <a:effectRef idx="0">
+            <a:schemeClr val="accent1"/>
+          </a:effectRef>
+          <a:fontRef idx="minor">
+            <a:schemeClr val="lt1"/>
+          </a:fontRef>
+        </p:style>
+        <p:txBody>
+          <a:bodyPr rtlCol="0" anchor="ctr"/>
+          <a:lstStyle/>
+          <a:p>
+            <a:pPr algn="ctr"/>
+            <a:endParaRPr lang="en-US"/>
+          </a:p>
+        </p:txBody>
+      </p:sp>
+      <p:sp>
+        <p:nvSpPr>
+          <p:cNvPr id="6" name="Rectangle 5"/>
+          <p:cNvSpPr/>
+          <p:nvPr/>
+        </p:nvSpPr>
+        <p:spPr>
+          <a:xfrm>
+            <a:off x="3678709" y="1471353"/>
+            <a:ext cx="1080000" cy="1080000"/>
+          </a:xfrm>
+          <a:prstGeom prst="rect">
+            <a:avLst/>
+          </a:prstGeom>
+          <a:noFill/>
+          <a:ln w="76200">
+            <a:solidFill>
+              <a:schemeClr val="tx1"/>
+            </a:solidFill>
+          </a:ln>
+        </p:spPr>
+        <p:style>
+          <a:lnRef idx="2">
+            <a:schemeClr val="accent1">
+              <a:shade val="50000"/>
+            </a:schemeClr>
+          </a:lnRef>
+          <a:fillRef idx="1">
+            <a:schemeClr val="accent1"/>
+          </a:fillRef>
+          <a:effectRef idx="0">
+            <a:schemeClr val="accent1"/>
+          </a:effectRef>
+          <a:fontRef idx="minor">
+            <a:schemeClr val="lt1"/>
+          </a:fontRef>
+        </p:style>
+        <p:txBody>
+          <a:bodyPr rtlCol="0" anchor="ctr"/>
+          <a:lstStyle/>
+          <a:p>
+            <a:pPr algn="ctr"/>
+            <a:endParaRPr lang="en-US"/>
+          </a:p>
+        </p:txBody>
+      </p:sp>
+      <p:sp>
+        <p:nvSpPr>
+          <p:cNvPr id="9" name="Plus 8"/>
+          <p:cNvSpPr/>
+          <p:nvPr/>
+        </p:nvSpPr>
+        <p:spPr>
+          <a:xfrm>
+            <a:off x="2015509" y="2662517"/>
+            <a:ext cx="1371600" cy="1463040"/>
+          </a:xfrm>
+          <a:prstGeom prst="mathPlus">
+            <a:avLst/>
+          </a:prstGeom>
+          <a:solidFill>
+            <a:schemeClr val="tx1"/>
+          </a:solidFill>
+          <a:ln>
+            <a:solidFill>
+              <a:schemeClr val="tx1"/>
+            </a:solidFill>
+          </a:ln>
+        </p:spPr>
+        <p:style>
+          <a:lnRef idx="2">
+            <a:schemeClr val="accent1">
+              <a:shade val="50000"/>
+            </a:schemeClr>
+          </a:lnRef>
+          <a:fillRef idx="1">
+            <a:schemeClr val="accent1"/>
+          </a:fillRef>
+          <a:effectRef idx="0">
+            <a:schemeClr val="accent1"/>
+          </a:effectRef>
+          <a:fontRef idx="minor">
+            <a:schemeClr val="lt1"/>
+          </a:fontRef>
+        </p:style>
+        <p:txBody>
+          <a:bodyPr rtlCol="0" anchor="ctr"/>
+          <a:lstStyle/>
+          <a:p>
+            <a:pPr algn="ctr"/>
+            <a:endParaRPr lang="en-US"/>
+          </a:p>
+        </p:txBody>
+      </p:sp>
+      <p:sp>
+        <p:nvSpPr>
+          <p:cNvPr id="10" name="Rectangle 9"/>
+          <p:cNvSpPr/>
+          <p:nvPr/>
+        </p:nvSpPr>
+        <p:spPr>
+          <a:xfrm>
+            <a:off x="2161309" y="2854037"/>
+            <a:ext cx="1080000" cy="1080000"/>
+          </a:xfrm>
+          <a:prstGeom prst="rect">
+            <a:avLst/>
+          </a:prstGeom>
+          <a:noFill/>
+          <a:ln w="76200">
+            <a:solidFill>
+              <a:schemeClr val="tx1"/>
+            </a:solidFill>
+          </a:ln>
+        </p:spPr>
+        <p:style>
+          <a:lnRef idx="2">
+            <a:schemeClr val="accent1">
+              <a:shade val="50000"/>
+            </a:schemeClr>
+          </a:lnRef>
+          <a:fillRef idx="1">
+            <a:schemeClr val="accent1"/>
+          </a:fillRef>
+          <a:effectRef idx="0">
+            <a:schemeClr val="accent1"/>
+          </a:effectRef>
+          <a:fontRef idx="minor">
+            <a:schemeClr val="lt1"/>
+          </a:fontRef>
+        </p:style>
+        <p:txBody>
+          <a:bodyPr rtlCol="0" anchor="ctr"/>
+          <a:lstStyle/>
+          <a:p>
+            <a:pPr algn="ctr"/>
+            <a:endParaRPr lang="en-US"/>
+          </a:p>
+        </p:txBody>
+      </p:sp>
+      <p:sp>
+        <p:nvSpPr>
+          <p:cNvPr id="11" name="Plus 10"/>
+          <p:cNvSpPr/>
+          <p:nvPr/>
+        </p:nvSpPr>
+        <p:spPr>
+          <a:xfrm>
+            <a:off x="3532909" y="2662517"/>
+            <a:ext cx="1371600" cy="1463040"/>
+          </a:xfrm>
+          <a:prstGeom prst="mathPlus">
+            <a:avLst/>
+          </a:prstGeom>
+          <a:solidFill>
+            <a:schemeClr val="tx1"/>
+          </a:solidFill>
+          <a:ln>
+            <a:solidFill>
+              <a:schemeClr val="tx1"/>
+            </a:solidFill>
+          </a:ln>
+        </p:spPr>
+        <p:style>
+          <a:lnRef idx="2">
+            <a:schemeClr val="accent1">
+              <a:shade val="50000"/>
+            </a:schemeClr>
+          </a:lnRef>
+          <a:fillRef idx="1">
+            <a:schemeClr val="accent1"/>
+          </a:fillRef>
+          <a:effectRef idx="0">
+            <a:schemeClr val="accent1"/>
+          </a:effectRef>
+          <a:fontRef idx="minor">
+            <a:schemeClr val="lt1"/>
+          </a:fontRef>
+        </p:style>
+        <p:txBody>
+          <a:bodyPr rtlCol="0" anchor="ctr"/>
+          <a:lstStyle/>
+          <a:p>
+            <a:pPr algn="ctr"/>
+            <a:endParaRPr lang="en-US"/>
+          </a:p>
+        </p:txBody>
+      </p:sp>
+      <p:sp>
+        <p:nvSpPr>
+          <p:cNvPr id="12" name="Rectangle 11"/>
+          <p:cNvSpPr/>
+          <p:nvPr/>
+        </p:nvSpPr>
+        <p:spPr>
+          <a:xfrm>
+            <a:off x="3678709" y="2854037"/>
+            <a:ext cx="1080000" cy="1080000"/>
+          </a:xfrm>
+          <a:prstGeom prst="rect">
+            <a:avLst/>
+          </a:prstGeom>
+          <a:noFill/>
+          <a:ln w="76200">
+            <a:solidFill>
+              <a:schemeClr val="tx1"/>
+            </a:solidFill>
+          </a:ln>
+        </p:spPr>
+        <p:style>
+          <a:lnRef idx="2">
+            <a:schemeClr val="accent1">
+              <a:shade val="50000"/>
+            </a:schemeClr>
+          </a:lnRef>
+          <a:fillRef idx="1">
+            <a:schemeClr val="accent1"/>
+          </a:fillRef>
+          <a:effectRef idx="0">
+            <a:schemeClr val="accent1"/>
+          </a:effectRef>
+          <a:fontRef idx="minor">
+            <a:schemeClr val="lt1"/>
+          </a:fontRef>
+        </p:style>
+        <p:txBody>
+          <a:bodyPr rtlCol="0" anchor="ctr"/>
+          <a:lstStyle/>
+          <a:p>
+            <a:pPr algn="ctr"/>
+            <a:endParaRPr lang="en-US"/>
+          </a:p>
+        </p:txBody>
+      </p:sp>
+    </p:spTree>
+    <p:extLst>
+      <p:ext uri="{BB962C8B-B14F-4D97-AF65-F5344CB8AC3E}">
+        <p14:creationId xmlns:p14="http://schemas.microsoft.com/office/powerpoint/2010/main" val="3808636436"/>
+      </p:ext>
+    </p:extLst>
+  </p:cSld>
+  <p:clrMapOvr>
+    <a:masterClrMapping/>
+  </p:clrMapOvr>
+</p:sld>
+</file>
+
+<file path=ppt/slides/slide9.xml><?xml version="1.0" encoding="utf-8"?>
+<p:sld xmlns:a="http://schemas.openxmlformats.org/drawingml/2006/main" xmlns:r="http://schemas.openxmlformats.org/officeDocument/2006/relationships" xmlns:p="http://schemas.openxmlformats.org/presentationml/2006/main">
+  <p:cSld>
+    <p:spTree>
+      <p:nvGrpSpPr>
+        <p:cNvPr id="1" name=""/>
+        <p:cNvGrpSpPr/>
+        <p:nvPr/>
+      </p:nvGrpSpPr>
+      <p:grpSpPr>
+        <a:xfrm>
+          <a:off x="0" y="0"/>
+          <a:ext cx="0" cy="0"/>
+          <a:chOff x="0" y="0"/>
+          <a:chExt cx="0" cy="0"/>
+        </a:xfrm>
+      </p:grpSpPr>
+      <p:sp>
+        <p:nvSpPr>
+          <p:cNvPr id="2" name="Plus 1"/>
+          <p:cNvSpPr/>
+          <p:nvPr/>
+        </p:nvSpPr>
+        <p:spPr>
+          <a:xfrm>
+            <a:off x="6820266" y="833717"/>
+            <a:ext cx="1828800" cy="1828800"/>
+          </a:xfrm>
+          <a:prstGeom prst="mathPlus">
+            <a:avLst/>
+          </a:prstGeom>
+          <a:solidFill>
+            <a:schemeClr val="tx1"/>
+          </a:solidFill>
+          <a:ln>
+            <a:solidFill>
+              <a:schemeClr val="tx1"/>
+            </a:solidFill>
+          </a:ln>
+        </p:spPr>
+        <p:style>
+          <a:lnRef idx="2">
+            <a:schemeClr val="accent1">
+              <a:shade val="50000"/>
+            </a:schemeClr>
+          </a:lnRef>
+          <a:fillRef idx="1">
+            <a:schemeClr val="accent1"/>
+          </a:fillRef>
+          <a:effectRef idx="0">
+            <a:schemeClr val="accent1"/>
+          </a:effectRef>
+          <a:fontRef idx="minor">
+            <a:schemeClr val="lt1"/>
+          </a:fontRef>
+        </p:style>
+        <p:txBody>
+          <a:bodyPr rtlCol="0" anchor="ctr"/>
+          <a:lstStyle/>
+          <a:p>
+            <a:pPr algn="ctr"/>
+            <a:endParaRPr lang="en-US"/>
+          </a:p>
+        </p:txBody>
+      </p:sp>
+      <p:sp>
+        <p:nvSpPr>
+          <p:cNvPr id="4" name="Rectangle 3"/>
+          <p:cNvSpPr/>
+          <p:nvPr/>
+        </p:nvSpPr>
+        <p:spPr>
+          <a:xfrm>
+            <a:off x="7040879" y="1064028"/>
+            <a:ext cx="1363287" cy="1354975"/>
+          </a:xfrm>
+          <a:prstGeom prst="rect">
+            <a:avLst/>
+          </a:prstGeom>
+          <a:noFill/>
+          <a:ln w="3175">
+            <a:solidFill>
+              <a:schemeClr val="tx1"/>
+            </a:solidFill>
+          </a:ln>
+        </p:spPr>
+        <p:style>
+          <a:lnRef idx="2">
+            <a:schemeClr val="accent1">
+              <a:shade val="50000"/>
+            </a:schemeClr>
+          </a:lnRef>
+          <a:fillRef idx="1">
+            <a:schemeClr val="accent1"/>
+          </a:fillRef>
+          <a:effectRef idx="0">
+            <a:schemeClr val="accent1"/>
+          </a:effectRef>
+          <a:fontRef idx="minor">
+            <a:schemeClr val="lt1"/>
+          </a:fontRef>
+        </p:style>
+        <p:txBody>
+          <a:bodyPr rtlCol="0" anchor="ctr"/>
+          <a:lstStyle/>
+          <a:p>
+            <a:pPr algn="ctr"/>
+            <a:endParaRPr lang="en-US"/>
+          </a:p>
+        </p:txBody>
+      </p:sp>
+      <p:sp>
+        <p:nvSpPr>
+          <p:cNvPr id="13" name="Plus 12"/>
+          <p:cNvSpPr/>
+          <p:nvPr/>
+        </p:nvSpPr>
+        <p:spPr>
+          <a:xfrm>
+            <a:off x="4678353" y="833717"/>
+            <a:ext cx="1828800" cy="1828800"/>
+          </a:xfrm>
+          <a:prstGeom prst="mathPlus">
+            <a:avLst/>
+          </a:prstGeom>
+          <a:solidFill>
+            <a:schemeClr val="tx1"/>
+          </a:solidFill>
+          <a:ln>
+            <a:solidFill>
+              <a:schemeClr val="tx1"/>
+            </a:solidFill>
+          </a:ln>
+        </p:spPr>
+        <p:style>
+          <a:lnRef idx="2">
+            <a:schemeClr val="accent1">
+              <a:shade val="50000"/>
+            </a:schemeClr>
+          </a:lnRef>
+          <a:fillRef idx="1">
+            <a:schemeClr val="accent1"/>
+          </a:fillRef>
+          <a:effectRef idx="0">
+            <a:schemeClr val="accent1"/>
+          </a:effectRef>
+          <a:fontRef idx="minor">
+            <a:schemeClr val="lt1"/>
+          </a:fontRef>
+        </p:style>
+        <p:txBody>
+          <a:bodyPr rtlCol="0" anchor="ctr"/>
+          <a:lstStyle/>
+          <a:p>
+            <a:pPr algn="ctr"/>
+            <a:endParaRPr lang="en-US"/>
+          </a:p>
+        </p:txBody>
+      </p:sp>
+      <p:sp>
+        <p:nvSpPr>
+          <p:cNvPr id="14" name="Rectangle 13"/>
+          <p:cNvSpPr/>
+          <p:nvPr/>
+        </p:nvSpPr>
+        <p:spPr>
+          <a:xfrm>
+            <a:off x="4898966" y="1064028"/>
+            <a:ext cx="1363287" cy="1354975"/>
+          </a:xfrm>
+          <a:prstGeom prst="rect">
+            <a:avLst/>
+          </a:prstGeom>
+          <a:noFill/>
+          <a:ln w="3175">
+            <a:solidFill>
+              <a:schemeClr val="tx1"/>
+            </a:solidFill>
+          </a:ln>
+        </p:spPr>
+        <p:style>
+          <a:lnRef idx="2">
+            <a:schemeClr val="accent1">
+              <a:shade val="50000"/>
+            </a:schemeClr>
+          </a:lnRef>
+          <a:fillRef idx="1">
+            <a:schemeClr val="accent1"/>
+          </a:fillRef>
+          <a:effectRef idx="0">
+            <a:schemeClr val="accent1"/>
+          </a:effectRef>
+          <a:fontRef idx="minor">
+            <a:schemeClr val="lt1"/>
+          </a:fontRef>
+        </p:style>
+        <p:txBody>
+          <a:bodyPr rtlCol="0" anchor="ctr"/>
+          <a:lstStyle/>
+          <a:p>
+            <a:pPr algn="ctr"/>
+            <a:endParaRPr lang="en-US"/>
+          </a:p>
+        </p:txBody>
+      </p:sp>
+      <p:sp>
+        <p:nvSpPr>
+          <p:cNvPr id="15" name="Plus 14"/>
+          <p:cNvSpPr/>
+          <p:nvPr/>
+        </p:nvSpPr>
+        <p:spPr>
+          <a:xfrm>
+            <a:off x="4678353" y="2490721"/>
+            <a:ext cx="1828800" cy="1828800"/>
+          </a:xfrm>
+          <a:prstGeom prst="mathPlus">
+            <a:avLst/>
+          </a:prstGeom>
+          <a:solidFill>
+            <a:schemeClr val="tx1"/>
+          </a:solidFill>
+          <a:ln>
+            <a:solidFill>
+              <a:schemeClr val="tx1"/>
+            </a:solidFill>
+          </a:ln>
+        </p:spPr>
+        <p:style>
+          <a:lnRef idx="2">
+            <a:schemeClr val="accent1">
+              <a:shade val="50000"/>
+            </a:schemeClr>
+          </a:lnRef>
+          <a:fillRef idx="1">
+            <a:schemeClr val="accent1"/>
+          </a:fillRef>
+          <a:effectRef idx="0">
+            <a:schemeClr val="accent1"/>
+          </a:effectRef>
+          <a:fontRef idx="minor">
+            <a:schemeClr val="lt1"/>
+          </a:fontRef>
+        </p:style>
+        <p:txBody>
+          <a:bodyPr rtlCol="0" anchor="ctr"/>
+          <a:lstStyle/>
+          <a:p>
+            <a:pPr algn="ctr"/>
+            <a:endParaRPr lang="en-US"/>
+          </a:p>
+        </p:txBody>
+      </p:sp>
+      <p:sp>
+        <p:nvSpPr>
+          <p:cNvPr id="16" name="Rectangle 15"/>
+          <p:cNvSpPr/>
+          <p:nvPr/>
+        </p:nvSpPr>
+        <p:spPr>
+          <a:xfrm>
+            <a:off x="4898966" y="2721032"/>
+            <a:ext cx="1363287" cy="1354975"/>
+          </a:xfrm>
+          <a:prstGeom prst="rect">
+            <a:avLst/>
+          </a:prstGeom>
+          <a:noFill/>
+          <a:ln w="3175">
+            <a:solidFill>
+              <a:schemeClr val="tx1"/>
+            </a:solidFill>
+          </a:ln>
+        </p:spPr>
+        <p:style>
+          <a:lnRef idx="2">
+            <a:schemeClr val="accent1">
+              <a:shade val="50000"/>
+            </a:schemeClr>
+          </a:lnRef>
+          <a:fillRef idx="1">
+            <a:schemeClr val="accent1"/>
+          </a:fillRef>
+          <a:effectRef idx="0">
+            <a:schemeClr val="accent1"/>
+          </a:effectRef>
+          <a:fontRef idx="minor">
+            <a:schemeClr val="lt1"/>
+          </a:fontRef>
+        </p:style>
+        <p:txBody>
+          <a:bodyPr rtlCol="0" anchor="ctr"/>
+          <a:lstStyle/>
+          <a:p>
+            <a:pPr algn="ctr"/>
+            <a:endParaRPr lang="en-US"/>
+          </a:p>
+        </p:txBody>
+      </p:sp>
+      <p:sp>
+        <p:nvSpPr>
+          <p:cNvPr id="17" name="Plus 16"/>
+          <p:cNvSpPr/>
+          <p:nvPr/>
+        </p:nvSpPr>
+        <p:spPr>
+          <a:xfrm>
+            <a:off x="6820266" y="2490721"/>
+            <a:ext cx="1828800" cy="1828800"/>
+          </a:xfrm>
+          <a:prstGeom prst="mathPlus">
+            <a:avLst/>
+          </a:prstGeom>
+          <a:solidFill>
+            <a:schemeClr val="tx1"/>
+          </a:solidFill>
+          <a:ln>
+            <a:solidFill>
+              <a:schemeClr val="tx1"/>
+            </a:solidFill>
+          </a:ln>
+        </p:spPr>
+        <p:style>
+          <a:lnRef idx="2">
+            <a:schemeClr val="accent1">
+              <a:shade val="50000"/>
+            </a:schemeClr>
+          </a:lnRef>
+          <a:fillRef idx="1">
+            <a:schemeClr val="accent1"/>
+          </a:fillRef>
+          <a:effectRef idx="0">
+            <a:schemeClr val="accent1"/>
+          </a:effectRef>
+          <a:fontRef idx="minor">
+            <a:schemeClr val="lt1"/>
+          </a:fontRef>
+        </p:style>
+        <p:txBody>
+          <a:bodyPr rtlCol="0" anchor="ctr"/>
+          <a:lstStyle/>
+          <a:p>
+            <a:pPr algn="ctr"/>
+            <a:endParaRPr lang="en-US"/>
+          </a:p>
+        </p:txBody>
+      </p:sp>
+      <p:sp>
+        <p:nvSpPr>
+          <p:cNvPr id="18" name="Rectangle 17"/>
+          <p:cNvSpPr/>
+          <p:nvPr/>
+        </p:nvSpPr>
+        <p:spPr>
+          <a:xfrm>
+            <a:off x="7040879" y="2721032"/>
+            <a:ext cx="1363287" cy="1354975"/>
+          </a:xfrm>
+          <a:prstGeom prst="rect">
+            <a:avLst/>
+          </a:prstGeom>
+          <a:noFill/>
+          <a:ln w="3175">
+            <a:solidFill>
+              <a:schemeClr val="tx1"/>
+            </a:solidFill>
+          </a:ln>
+        </p:spPr>
+        <p:style>
+          <a:lnRef idx="2">
+            <a:schemeClr val="accent1">
+              <a:shade val="50000"/>
+            </a:schemeClr>
+          </a:lnRef>
+          <a:fillRef idx="1">
+            <a:schemeClr val="accent1"/>
+          </a:fillRef>
+          <a:effectRef idx="0">
+            <a:schemeClr val="accent1"/>
+          </a:effectRef>
+          <a:fontRef idx="minor">
+            <a:schemeClr val="lt1"/>
+          </a:fontRef>
+        </p:style>
+        <p:txBody>
+          <a:bodyPr rtlCol="0" anchor="ctr"/>
+          <a:lstStyle/>
+          <a:p>
+            <a:pPr algn="ctr"/>
+            <a:endParaRPr lang="en-US"/>
+          </a:p>
+        </p:txBody>
+      </p:sp>
+    </p:spTree>
+    <p:extLst>
+      <p:ext uri="{BB962C8B-B14F-4D97-AF65-F5344CB8AC3E}">
+        <p14:creationId xmlns:p14="http://schemas.microsoft.com/office/powerpoint/2010/main" val="2056815163"/>
       </p:ext>
     </p:extLst>
   </p:cSld>

--- a/images/images.pptx
+++ b/images/images.pptx
@@ -5,7 +5,7 @@
     <p:sldMasterId id="2147483660" r:id="rId1"/>
   </p:sldMasterIdLst>
   <p:notesMasterIdLst>
-    <p:notesMasterId r:id="rId11"/>
+    <p:notesMasterId r:id="rId13"/>
   </p:notesMasterIdLst>
   <p:sldIdLst>
     <p:sldId id="256" r:id="rId2"/>
@@ -17,6 +17,8 @@
     <p:sldId id="258" r:id="rId8"/>
     <p:sldId id="259" r:id="rId9"/>
     <p:sldId id="260" r:id="rId10"/>
+    <p:sldId id="266" r:id="rId11"/>
+    <p:sldId id="267" r:id="rId12"/>
   </p:sldIdLst>
   <p:sldSz cx="9906000" cy="6858000" type="A4"/>
   <p:notesSz cx="6797675" cy="9874250"/>
@@ -205,7 +207,7 @@
           <a:p>
             <a:fld id="{53839B6E-A109-4446-A588-EA233B4D4E04}" type="datetimeFigureOut">
               <a:rPr lang="en-US" smtClean="0"/>
-              <a:t>5/18/2016</a:t>
+              <a:t>5/20/2016</a:t>
             </a:fld>
             <a:endParaRPr lang="en-US"/>
           </a:p>
@@ -604,7 +606,7 @@
           <a:p>
             <a:fld id="{92E94611-3D8C-4AC4-91D2-FCDBAF062134}" type="datetimeFigureOut">
               <a:rPr lang="en-US" smtClean="0"/>
-              <a:t>5/18/2016</a:t>
+              <a:t>5/20/2016</a:t>
             </a:fld>
             <a:endParaRPr lang="en-US"/>
           </a:p>
@@ -774,7 +776,7 @@
           <a:p>
             <a:fld id="{92E94611-3D8C-4AC4-91D2-FCDBAF062134}" type="datetimeFigureOut">
               <a:rPr lang="en-US" smtClean="0"/>
-              <a:t>5/18/2016</a:t>
+              <a:t>5/20/2016</a:t>
             </a:fld>
             <a:endParaRPr lang="en-US"/>
           </a:p>
@@ -954,7 +956,7 @@
           <a:p>
             <a:fld id="{92E94611-3D8C-4AC4-91D2-FCDBAF062134}" type="datetimeFigureOut">
               <a:rPr lang="en-US" smtClean="0"/>
-              <a:t>5/18/2016</a:t>
+              <a:t>5/20/2016</a:t>
             </a:fld>
             <a:endParaRPr lang="en-US"/>
           </a:p>
@@ -1124,7 +1126,7 @@
           <a:p>
             <a:fld id="{92E94611-3D8C-4AC4-91D2-FCDBAF062134}" type="datetimeFigureOut">
               <a:rPr lang="en-US" smtClean="0"/>
-              <a:t>5/18/2016</a:t>
+              <a:t>5/20/2016</a:t>
             </a:fld>
             <a:endParaRPr lang="en-US"/>
           </a:p>
@@ -1368,7 +1370,7 @@
           <a:p>
             <a:fld id="{92E94611-3D8C-4AC4-91D2-FCDBAF062134}" type="datetimeFigureOut">
               <a:rPr lang="en-US" smtClean="0"/>
-              <a:t>5/18/2016</a:t>
+              <a:t>5/20/2016</a:t>
             </a:fld>
             <a:endParaRPr lang="en-US"/>
           </a:p>
@@ -1600,7 +1602,7 @@
           <a:p>
             <a:fld id="{92E94611-3D8C-4AC4-91D2-FCDBAF062134}" type="datetimeFigureOut">
               <a:rPr lang="en-US" smtClean="0"/>
-              <a:t>5/18/2016</a:t>
+              <a:t>5/20/2016</a:t>
             </a:fld>
             <a:endParaRPr lang="en-US"/>
           </a:p>
@@ -1967,7 +1969,7 @@
           <a:p>
             <a:fld id="{92E94611-3D8C-4AC4-91D2-FCDBAF062134}" type="datetimeFigureOut">
               <a:rPr lang="en-US" smtClean="0"/>
-              <a:t>5/18/2016</a:t>
+              <a:t>5/20/2016</a:t>
             </a:fld>
             <a:endParaRPr lang="en-US"/>
           </a:p>
@@ -2085,7 +2087,7 @@
           <a:p>
             <a:fld id="{92E94611-3D8C-4AC4-91D2-FCDBAF062134}" type="datetimeFigureOut">
               <a:rPr lang="en-US" smtClean="0"/>
-              <a:t>5/18/2016</a:t>
+              <a:t>5/20/2016</a:t>
             </a:fld>
             <a:endParaRPr lang="en-US"/>
           </a:p>
@@ -2180,7 +2182,7 @@
           <a:p>
             <a:fld id="{92E94611-3D8C-4AC4-91D2-FCDBAF062134}" type="datetimeFigureOut">
               <a:rPr lang="en-US" smtClean="0"/>
-              <a:t>5/18/2016</a:t>
+              <a:t>5/20/2016</a:t>
             </a:fld>
             <a:endParaRPr lang="en-US"/>
           </a:p>
@@ -2457,7 +2459,7 @@
           <a:p>
             <a:fld id="{92E94611-3D8C-4AC4-91D2-FCDBAF062134}" type="datetimeFigureOut">
               <a:rPr lang="en-US" smtClean="0"/>
-              <a:t>5/18/2016</a:t>
+              <a:t>5/20/2016</a:t>
             </a:fld>
             <a:endParaRPr lang="en-US"/>
           </a:p>
@@ -2714,7 +2716,7 @@
           <a:p>
             <a:fld id="{92E94611-3D8C-4AC4-91D2-FCDBAF062134}" type="datetimeFigureOut">
               <a:rPr lang="en-US" smtClean="0"/>
-              <a:t>5/18/2016</a:t>
+              <a:t>5/20/2016</a:t>
             </a:fld>
             <a:endParaRPr lang="en-US"/>
           </a:p>
@@ -2927,7 +2929,7 @@
           <a:p>
             <a:fld id="{92E94611-3D8C-4AC4-91D2-FCDBAF062134}" type="datetimeFigureOut">
               <a:rPr lang="en-US" smtClean="0"/>
-              <a:t>5/18/2016</a:t>
+              <a:t>5/20/2016</a:t>
             </a:fld>
             <a:endParaRPr lang="en-US"/>
           </a:p>
@@ -4445,6 +4447,1176 @@
     <p:extLst>
       <p:ext uri="{BB962C8B-B14F-4D97-AF65-F5344CB8AC3E}">
         <p14:creationId xmlns:p14="http://schemas.microsoft.com/office/powerpoint/2010/main" val="215762477"/>
+      </p:ext>
+    </p:extLst>
+  </p:cSld>
+  <p:clrMapOvr>
+    <a:masterClrMapping/>
+  </p:clrMapOvr>
+</p:sld>
+</file>
+
+<file path=ppt/slides/slide10.xml><?xml version="1.0" encoding="utf-8"?>
+<p:sld xmlns:a="http://schemas.openxmlformats.org/drawingml/2006/main" xmlns:r="http://schemas.openxmlformats.org/officeDocument/2006/relationships" xmlns:p="http://schemas.openxmlformats.org/presentationml/2006/main">
+  <p:cSld>
+    <p:spTree>
+      <p:nvGrpSpPr>
+        <p:cNvPr id="1" name=""/>
+        <p:cNvGrpSpPr/>
+        <p:nvPr/>
+      </p:nvGrpSpPr>
+      <p:grpSpPr>
+        <a:xfrm>
+          <a:off x="0" y="0"/>
+          <a:ext cx="0" cy="0"/>
+          <a:chOff x="0" y="0"/>
+          <a:chExt cx="0" cy="0"/>
+        </a:xfrm>
+      </p:grpSpPr>
+      <p:sp>
+        <p:nvSpPr>
+          <p:cNvPr id="2" name="TextBox 1"/>
+          <p:cNvSpPr txBox="1"/>
+          <p:nvPr/>
+        </p:nvSpPr>
+        <p:spPr>
+          <a:xfrm>
+            <a:off x="7401464" y="129396"/>
+            <a:ext cx="974498" cy="369332"/>
+          </a:xfrm>
+          <a:prstGeom prst="rect">
+            <a:avLst/>
+          </a:prstGeom>
+          <a:noFill/>
+        </p:spPr>
+        <p:txBody>
+          <a:bodyPr wrap="none" rtlCol="0">
+            <a:spAutoFit/>
+          </a:bodyPr>
+          <a:lstStyle/>
+          <a:p>
+            <a:r>
+              <a:rPr lang="en-US" dirty="0" smtClean="0"/>
+              <a:t>FOR CDs</a:t>
+            </a:r>
+            <a:endParaRPr lang="en-US" dirty="0"/>
+          </a:p>
+        </p:txBody>
+      </p:sp>
+      <p:sp>
+        <p:nvSpPr>
+          <p:cNvPr id="18" name="Oval 17"/>
+          <p:cNvSpPr/>
+          <p:nvPr/>
+        </p:nvSpPr>
+        <p:spPr>
+          <a:xfrm>
+            <a:off x="6151353" y="3767812"/>
+            <a:ext cx="731520" cy="731520"/>
+          </a:xfrm>
+          <a:prstGeom prst="ellipse">
+            <a:avLst/>
+          </a:prstGeom>
+          <a:solidFill>
+            <a:schemeClr val="tx1"/>
+          </a:solidFill>
+          <a:ln>
+            <a:noFill/>
+          </a:ln>
+        </p:spPr>
+        <p:style>
+          <a:lnRef idx="2">
+            <a:schemeClr val="accent1">
+              <a:shade val="50000"/>
+            </a:schemeClr>
+          </a:lnRef>
+          <a:fillRef idx="1">
+            <a:schemeClr val="accent1"/>
+          </a:fillRef>
+          <a:effectRef idx="0">
+            <a:schemeClr val="accent1"/>
+          </a:effectRef>
+          <a:fontRef idx="minor">
+            <a:schemeClr val="lt1"/>
+          </a:fontRef>
+        </p:style>
+        <p:txBody>
+          <a:bodyPr rtlCol="0" anchor="ctr"/>
+          <a:lstStyle/>
+          <a:p>
+            <a:pPr algn="ctr"/>
+            <a:endParaRPr lang="en-US"/>
+          </a:p>
+        </p:txBody>
+      </p:sp>
+      <p:sp>
+        <p:nvSpPr>
+          <p:cNvPr id="19" name="Oval 18"/>
+          <p:cNvSpPr/>
+          <p:nvPr/>
+        </p:nvSpPr>
+        <p:spPr>
+          <a:xfrm>
+            <a:off x="6392957" y="2366894"/>
+            <a:ext cx="274320" cy="822960"/>
+          </a:xfrm>
+          <a:prstGeom prst="ellipse">
+            <a:avLst/>
+          </a:prstGeom>
+          <a:solidFill>
+            <a:schemeClr val="tx1"/>
+          </a:solidFill>
+          <a:ln>
+            <a:noFill/>
+          </a:ln>
+        </p:spPr>
+        <p:style>
+          <a:lnRef idx="2">
+            <a:schemeClr val="accent1">
+              <a:shade val="50000"/>
+            </a:schemeClr>
+          </a:lnRef>
+          <a:fillRef idx="1">
+            <a:schemeClr val="accent1"/>
+          </a:fillRef>
+          <a:effectRef idx="0">
+            <a:schemeClr val="accent1"/>
+          </a:effectRef>
+          <a:fontRef idx="minor">
+            <a:schemeClr val="lt1"/>
+          </a:fontRef>
+        </p:style>
+        <p:txBody>
+          <a:bodyPr rtlCol="0" anchor="ctr"/>
+          <a:lstStyle/>
+          <a:p>
+            <a:pPr algn="ctr"/>
+            <a:endParaRPr lang="en-US"/>
+          </a:p>
+        </p:txBody>
+      </p:sp>
+      <p:sp>
+        <p:nvSpPr>
+          <p:cNvPr id="22" name="Oval 21"/>
+          <p:cNvSpPr/>
+          <p:nvPr/>
+        </p:nvSpPr>
+        <p:spPr>
+          <a:xfrm>
+            <a:off x="4362359" y="1973572"/>
+            <a:ext cx="4320000" cy="4320000"/>
+          </a:xfrm>
+          <a:prstGeom prst="ellipse">
+            <a:avLst/>
+          </a:prstGeom>
+          <a:noFill/>
+        </p:spPr>
+        <p:style>
+          <a:lnRef idx="2">
+            <a:schemeClr val="accent1">
+              <a:shade val="50000"/>
+            </a:schemeClr>
+          </a:lnRef>
+          <a:fillRef idx="1">
+            <a:schemeClr val="accent1"/>
+          </a:fillRef>
+          <a:effectRef idx="0">
+            <a:schemeClr val="accent1"/>
+          </a:effectRef>
+          <a:fontRef idx="minor">
+            <a:schemeClr val="lt1"/>
+          </a:fontRef>
+        </p:style>
+        <p:txBody>
+          <a:bodyPr rtlCol="0" anchor="ctr"/>
+          <a:lstStyle/>
+          <a:p>
+            <a:pPr algn="ctr"/>
+            <a:endParaRPr lang="en-US"/>
+          </a:p>
+        </p:txBody>
+      </p:sp>
+      <p:cxnSp>
+        <p:nvCxnSpPr>
+          <p:cNvPr id="23" name="Straight Connector 22"/>
+          <p:cNvCxnSpPr>
+            <a:stCxn id="22" idx="2"/>
+            <a:endCxn id="22" idx="6"/>
+          </p:cNvCxnSpPr>
+          <p:nvPr/>
+        </p:nvCxnSpPr>
+        <p:spPr>
+          <a:xfrm>
+            <a:off x="4362359" y="4133572"/>
+            <a:ext cx="4320000" cy="0"/>
+          </a:xfrm>
+          <a:prstGeom prst="line">
+            <a:avLst/>
+          </a:prstGeom>
+        </p:spPr>
+        <p:style>
+          <a:lnRef idx="1">
+            <a:schemeClr val="accent1"/>
+          </a:lnRef>
+          <a:fillRef idx="0">
+            <a:schemeClr val="accent1"/>
+          </a:fillRef>
+          <a:effectRef idx="0">
+            <a:schemeClr val="accent1"/>
+          </a:effectRef>
+          <a:fontRef idx="minor">
+            <a:schemeClr val="tx1"/>
+          </a:fontRef>
+        </p:style>
+      </p:cxnSp>
+      <p:cxnSp>
+        <p:nvCxnSpPr>
+          <p:cNvPr id="24" name="Straight Connector 23"/>
+          <p:cNvCxnSpPr>
+            <a:stCxn id="22" idx="0"/>
+            <a:endCxn id="22" idx="4"/>
+          </p:cNvCxnSpPr>
+          <p:nvPr/>
+        </p:nvCxnSpPr>
+        <p:spPr>
+          <a:xfrm>
+            <a:off x="6522359" y="1973572"/>
+            <a:ext cx="0" cy="4320000"/>
+          </a:xfrm>
+          <a:prstGeom prst="line">
+            <a:avLst/>
+          </a:prstGeom>
+        </p:spPr>
+        <p:style>
+          <a:lnRef idx="1">
+            <a:schemeClr val="accent1"/>
+          </a:lnRef>
+          <a:fillRef idx="0">
+            <a:schemeClr val="accent1"/>
+          </a:fillRef>
+          <a:effectRef idx="0">
+            <a:schemeClr val="accent1"/>
+          </a:effectRef>
+          <a:fontRef idx="minor">
+            <a:schemeClr val="tx1"/>
+          </a:fontRef>
+        </p:style>
+      </p:cxnSp>
+      <p:sp>
+        <p:nvSpPr>
+          <p:cNvPr id="25" name="Oval 24"/>
+          <p:cNvSpPr/>
+          <p:nvPr/>
+        </p:nvSpPr>
+        <p:spPr>
+          <a:xfrm>
+            <a:off x="5145513" y="2761972"/>
+            <a:ext cx="2743200" cy="2743200"/>
+          </a:xfrm>
+          <a:prstGeom prst="ellipse">
+            <a:avLst/>
+          </a:prstGeom>
+          <a:noFill/>
+          <a:ln>
+            <a:solidFill>
+              <a:schemeClr val="accent6">
+                <a:lumMod val="75000"/>
+              </a:schemeClr>
+            </a:solidFill>
+          </a:ln>
+        </p:spPr>
+        <p:style>
+          <a:lnRef idx="2">
+            <a:schemeClr val="accent1">
+              <a:shade val="50000"/>
+            </a:schemeClr>
+          </a:lnRef>
+          <a:fillRef idx="1">
+            <a:schemeClr val="accent1"/>
+          </a:fillRef>
+          <a:effectRef idx="0">
+            <a:schemeClr val="accent1"/>
+          </a:effectRef>
+          <a:fontRef idx="minor">
+            <a:schemeClr val="lt1"/>
+          </a:fontRef>
+        </p:style>
+        <p:txBody>
+          <a:bodyPr rtlCol="0" anchor="ctr"/>
+          <a:lstStyle/>
+          <a:p>
+            <a:pPr algn="ctr"/>
+            <a:endParaRPr lang="en-US"/>
+          </a:p>
+        </p:txBody>
+      </p:sp>
+      <p:sp>
+        <p:nvSpPr>
+          <p:cNvPr id="36" name="Oval 35"/>
+          <p:cNvSpPr/>
+          <p:nvPr/>
+        </p:nvSpPr>
+        <p:spPr>
+          <a:xfrm>
+            <a:off x="6334233" y="5322292"/>
+            <a:ext cx="365760" cy="365760"/>
+          </a:xfrm>
+          <a:prstGeom prst="ellipse">
+            <a:avLst/>
+          </a:prstGeom>
+          <a:solidFill>
+            <a:schemeClr val="tx1"/>
+          </a:solidFill>
+          <a:ln>
+            <a:noFill/>
+          </a:ln>
+        </p:spPr>
+        <p:style>
+          <a:lnRef idx="2">
+            <a:schemeClr val="accent1">
+              <a:shade val="50000"/>
+            </a:schemeClr>
+          </a:lnRef>
+          <a:fillRef idx="1">
+            <a:schemeClr val="accent1"/>
+          </a:fillRef>
+          <a:effectRef idx="0">
+            <a:schemeClr val="accent1"/>
+          </a:effectRef>
+          <a:fontRef idx="minor">
+            <a:schemeClr val="lt1"/>
+          </a:fontRef>
+        </p:style>
+        <p:txBody>
+          <a:bodyPr rtlCol="0" anchor="ctr"/>
+          <a:lstStyle/>
+          <a:p>
+            <a:pPr algn="ctr"/>
+            <a:endParaRPr lang="en-US"/>
+          </a:p>
+        </p:txBody>
+      </p:sp>
+      <p:sp>
+        <p:nvSpPr>
+          <p:cNvPr id="39" name="Oval 38"/>
+          <p:cNvSpPr/>
+          <p:nvPr/>
+        </p:nvSpPr>
+        <p:spPr>
+          <a:xfrm>
+            <a:off x="1920171" y="1923636"/>
+            <a:ext cx="731520" cy="731520"/>
+          </a:xfrm>
+          <a:prstGeom prst="ellipse">
+            <a:avLst/>
+          </a:prstGeom>
+          <a:solidFill>
+            <a:schemeClr val="tx1"/>
+          </a:solidFill>
+          <a:ln>
+            <a:noFill/>
+          </a:ln>
+        </p:spPr>
+        <p:style>
+          <a:lnRef idx="2">
+            <a:schemeClr val="accent1">
+              <a:shade val="50000"/>
+            </a:schemeClr>
+          </a:lnRef>
+          <a:fillRef idx="1">
+            <a:schemeClr val="accent1"/>
+          </a:fillRef>
+          <a:effectRef idx="0">
+            <a:schemeClr val="accent1"/>
+          </a:effectRef>
+          <a:fontRef idx="minor">
+            <a:schemeClr val="lt1"/>
+          </a:fontRef>
+        </p:style>
+        <p:txBody>
+          <a:bodyPr rtlCol="0" anchor="ctr"/>
+          <a:lstStyle/>
+          <a:p>
+            <a:pPr algn="ctr"/>
+            <a:endParaRPr lang="en-US"/>
+          </a:p>
+        </p:txBody>
+      </p:sp>
+      <p:sp>
+        <p:nvSpPr>
+          <p:cNvPr id="41" name="Oval 40"/>
+          <p:cNvSpPr/>
+          <p:nvPr/>
+        </p:nvSpPr>
+        <p:spPr>
+          <a:xfrm>
+            <a:off x="2161775" y="522718"/>
+            <a:ext cx="274320" cy="822960"/>
+          </a:xfrm>
+          <a:prstGeom prst="ellipse">
+            <a:avLst/>
+          </a:prstGeom>
+          <a:solidFill>
+            <a:schemeClr val="tx1"/>
+          </a:solidFill>
+          <a:ln>
+            <a:noFill/>
+          </a:ln>
+        </p:spPr>
+        <p:style>
+          <a:lnRef idx="2">
+            <a:schemeClr val="accent1">
+              <a:shade val="50000"/>
+            </a:schemeClr>
+          </a:lnRef>
+          <a:fillRef idx="1">
+            <a:schemeClr val="accent1"/>
+          </a:fillRef>
+          <a:effectRef idx="0">
+            <a:schemeClr val="accent1"/>
+          </a:effectRef>
+          <a:fontRef idx="minor">
+            <a:schemeClr val="lt1"/>
+          </a:fontRef>
+        </p:style>
+        <p:txBody>
+          <a:bodyPr rtlCol="0" anchor="ctr"/>
+          <a:lstStyle/>
+          <a:p>
+            <a:pPr algn="ctr"/>
+            <a:endParaRPr lang="en-US"/>
+          </a:p>
+        </p:txBody>
+      </p:sp>
+      <p:sp>
+        <p:nvSpPr>
+          <p:cNvPr id="42" name="Oval 41"/>
+          <p:cNvSpPr/>
+          <p:nvPr/>
+        </p:nvSpPr>
+        <p:spPr>
+          <a:xfrm>
+            <a:off x="131177" y="129396"/>
+            <a:ext cx="4320000" cy="4320000"/>
+          </a:xfrm>
+          <a:prstGeom prst="ellipse">
+            <a:avLst/>
+          </a:prstGeom>
+          <a:noFill/>
+        </p:spPr>
+        <p:style>
+          <a:lnRef idx="2">
+            <a:schemeClr val="accent1">
+              <a:shade val="50000"/>
+            </a:schemeClr>
+          </a:lnRef>
+          <a:fillRef idx="1">
+            <a:schemeClr val="accent1"/>
+          </a:fillRef>
+          <a:effectRef idx="0">
+            <a:schemeClr val="accent1"/>
+          </a:effectRef>
+          <a:fontRef idx="minor">
+            <a:schemeClr val="lt1"/>
+          </a:fontRef>
+        </p:style>
+        <p:txBody>
+          <a:bodyPr rtlCol="0" anchor="ctr"/>
+          <a:lstStyle/>
+          <a:p>
+            <a:pPr algn="ctr"/>
+            <a:endParaRPr lang="en-US"/>
+          </a:p>
+        </p:txBody>
+      </p:sp>
+      <p:cxnSp>
+        <p:nvCxnSpPr>
+          <p:cNvPr id="45" name="Straight Connector 44"/>
+          <p:cNvCxnSpPr>
+            <a:stCxn id="42" idx="2"/>
+            <a:endCxn id="42" idx="6"/>
+          </p:cNvCxnSpPr>
+          <p:nvPr/>
+        </p:nvCxnSpPr>
+        <p:spPr>
+          <a:xfrm>
+            <a:off x="131177" y="2289396"/>
+            <a:ext cx="4320000" cy="0"/>
+          </a:xfrm>
+          <a:prstGeom prst="line">
+            <a:avLst/>
+          </a:prstGeom>
+        </p:spPr>
+        <p:style>
+          <a:lnRef idx="1">
+            <a:schemeClr val="accent1"/>
+          </a:lnRef>
+          <a:fillRef idx="0">
+            <a:schemeClr val="accent1"/>
+          </a:fillRef>
+          <a:effectRef idx="0">
+            <a:schemeClr val="accent1"/>
+          </a:effectRef>
+          <a:fontRef idx="minor">
+            <a:schemeClr val="tx1"/>
+          </a:fontRef>
+        </p:style>
+      </p:cxnSp>
+      <p:cxnSp>
+        <p:nvCxnSpPr>
+          <p:cNvPr id="46" name="Straight Connector 45"/>
+          <p:cNvCxnSpPr>
+            <a:stCxn id="42" idx="0"/>
+            <a:endCxn id="42" idx="4"/>
+          </p:cNvCxnSpPr>
+          <p:nvPr/>
+        </p:nvCxnSpPr>
+        <p:spPr>
+          <a:xfrm>
+            <a:off x="2291177" y="129396"/>
+            <a:ext cx="0" cy="4320000"/>
+          </a:xfrm>
+          <a:prstGeom prst="line">
+            <a:avLst/>
+          </a:prstGeom>
+        </p:spPr>
+        <p:style>
+          <a:lnRef idx="1">
+            <a:schemeClr val="accent1"/>
+          </a:lnRef>
+          <a:fillRef idx="0">
+            <a:schemeClr val="accent1"/>
+          </a:fillRef>
+          <a:effectRef idx="0">
+            <a:schemeClr val="accent1"/>
+          </a:effectRef>
+          <a:fontRef idx="minor">
+            <a:schemeClr val="tx1"/>
+          </a:fontRef>
+        </p:style>
+      </p:cxnSp>
+      <p:sp>
+        <p:nvSpPr>
+          <p:cNvPr id="47" name="Oval 46"/>
+          <p:cNvSpPr/>
+          <p:nvPr/>
+        </p:nvSpPr>
+        <p:spPr>
+          <a:xfrm>
+            <a:off x="914331" y="917796"/>
+            <a:ext cx="2743200" cy="2743200"/>
+          </a:xfrm>
+          <a:prstGeom prst="ellipse">
+            <a:avLst/>
+          </a:prstGeom>
+          <a:noFill/>
+          <a:ln>
+            <a:solidFill>
+              <a:schemeClr val="accent6">
+                <a:lumMod val="75000"/>
+              </a:schemeClr>
+            </a:solidFill>
+          </a:ln>
+        </p:spPr>
+        <p:style>
+          <a:lnRef idx="2">
+            <a:schemeClr val="accent1">
+              <a:shade val="50000"/>
+            </a:schemeClr>
+          </a:lnRef>
+          <a:fillRef idx="1">
+            <a:schemeClr val="accent1"/>
+          </a:fillRef>
+          <a:effectRef idx="0">
+            <a:schemeClr val="accent1"/>
+          </a:effectRef>
+          <a:fontRef idx="minor">
+            <a:schemeClr val="lt1"/>
+          </a:fontRef>
+        </p:style>
+        <p:txBody>
+          <a:bodyPr rtlCol="0" anchor="ctr"/>
+          <a:lstStyle/>
+          <a:p>
+            <a:pPr algn="ctr"/>
+            <a:endParaRPr lang="en-US"/>
+          </a:p>
+        </p:txBody>
+      </p:sp>
+      <p:sp>
+        <p:nvSpPr>
+          <p:cNvPr id="48" name="Oval 47"/>
+          <p:cNvSpPr/>
+          <p:nvPr/>
+        </p:nvSpPr>
+        <p:spPr>
+          <a:xfrm>
+            <a:off x="3456059" y="2106516"/>
+            <a:ext cx="365760" cy="365760"/>
+          </a:xfrm>
+          <a:prstGeom prst="ellipse">
+            <a:avLst/>
+          </a:prstGeom>
+          <a:solidFill>
+            <a:schemeClr val="tx1"/>
+          </a:solidFill>
+          <a:ln>
+            <a:noFill/>
+          </a:ln>
+        </p:spPr>
+        <p:style>
+          <a:lnRef idx="2">
+            <a:schemeClr val="accent1">
+              <a:shade val="50000"/>
+            </a:schemeClr>
+          </a:lnRef>
+          <a:fillRef idx="1">
+            <a:schemeClr val="accent1"/>
+          </a:fillRef>
+          <a:effectRef idx="0">
+            <a:schemeClr val="accent1"/>
+          </a:effectRef>
+          <a:fontRef idx="minor">
+            <a:schemeClr val="lt1"/>
+          </a:fontRef>
+        </p:style>
+        <p:txBody>
+          <a:bodyPr rtlCol="0" anchor="ctr"/>
+          <a:lstStyle/>
+          <a:p>
+            <a:pPr algn="ctr"/>
+            <a:endParaRPr lang="en-US"/>
+          </a:p>
+        </p:txBody>
+      </p:sp>
+      <p:sp>
+        <p:nvSpPr>
+          <p:cNvPr id="49" name="Oval 48"/>
+          <p:cNvSpPr/>
+          <p:nvPr/>
+        </p:nvSpPr>
+        <p:spPr>
+          <a:xfrm>
+            <a:off x="764211" y="2106516"/>
+            <a:ext cx="365760" cy="365760"/>
+          </a:xfrm>
+          <a:prstGeom prst="ellipse">
+            <a:avLst/>
+          </a:prstGeom>
+          <a:solidFill>
+            <a:schemeClr val="tx1"/>
+          </a:solidFill>
+          <a:ln>
+            <a:noFill/>
+          </a:ln>
+        </p:spPr>
+        <p:style>
+          <a:lnRef idx="2">
+            <a:schemeClr val="accent1">
+              <a:shade val="50000"/>
+            </a:schemeClr>
+          </a:lnRef>
+          <a:fillRef idx="1">
+            <a:schemeClr val="accent1"/>
+          </a:fillRef>
+          <a:effectRef idx="0">
+            <a:schemeClr val="accent1"/>
+          </a:effectRef>
+          <a:fontRef idx="minor">
+            <a:schemeClr val="lt1"/>
+          </a:fontRef>
+        </p:style>
+        <p:txBody>
+          <a:bodyPr rtlCol="0" anchor="ctr"/>
+          <a:lstStyle/>
+          <a:p>
+            <a:pPr algn="ctr"/>
+            <a:endParaRPr lang="en-US"/>
+          </a:p>
+        </p:txBody>
+      </p:sp>
+    </p:spTree>
+    <p:extLst>
+      <p:ext uri="{BB962C8B-B14F-4D97-AF65-F5344CB8AC3E}">
+        <p14:creationId xmlns:p14="http://schemas.microsoft.com/office/powerpoint/2010/main" val="1140870023"/>
+      </p:ext>
+    </p:extLst>
+  </p:cSld>
+  <p:clrMapOvr>
+    <a:masterClrMapping/>
+  </p:clrMapOvr>
+</p:sld>
+</file>
+
+<file path=ppt/slides/slide11.xml><?xml version="1.0" encoding="utf-8"?>
+<p:sld xmlns:a="http://schemas.openxmlformats.org/drawingml/2006/main" xmlns:r="http://schemas.openxmlformats.org/officeDocument/2006/relationships" xmlns:p="http://schemas.openxmlformats.org/presentationml/2006/main">
+  <p:cSld>
+    <p:spTree>
+      <p:nvGrpSpPr>
+        <p:cNvPr id="1" name=""/>
+        <p:cNvGrpSpPr/>
+        <p:nvPr/>
+      </p:nvGrpSpPr>
+      <p:grpSpPr>
+        <a:xfrm>
+          <a:off x="0" y="0"/>
+          <a:ext cx="0" cy="0"/>
+          <a:chOff x="0" y="0"/>
+          <a:chExt cx="0" cy="0"/>
+        </a:xfrm>
+      </p:grpSpPr>
+      <p:sp>
+        <p:nvSpPr>
+          <p:cNvPr id="2" name="TextBox 1"/>
+          <p:cNvSpPr txBox="1"/>
+          <p:nvPr/>
+        </p:nvSpPr>
+        <p:spPr>
+          <a:xfrm>
+            <a:off x="7401464" y="129396"/>
+            <a:ext cx="974498" cy="369332"/>
+          </a:xfrm>
+          <a:prstGeom prst="rect">
+            <a:avLst/>
+          </a:prstGeom>
+          <a:noFill/>
+        </p:spPr>
+        <p:txBody>
+          <a:bodyPr wrap="none" rtlCol="0">
+            <a:spAutoFit/>
+          </a:bodyPr>
+          <a:lstStyle/>
+          <a:p>
+            <a:r>
+              <a:rPr lang="en-US" dirty="0" smtClean="0"/>
+              <a:t>FOR CDs</a:t>
+            </a:r>
+            <a:endParaRPr lang="en-US" dirty="0"/>
+          </a:p>
+        </p:txBody>
+      </p:sp>
+      <p:sp>
+        <p:nvSpPr>
+          <p:cNvPr id="18" name="Oval 17"/>
+          <p:cNvSpPr/>
+          <p:nvPr/>
+        </p:nvSpPr>
+        <p:spPr>
+          <a:xfrm>
+            <a:off x="6151353" y="3767812"/>
+            <a:ext cx="731520" cy="731520"/>
+          </a:xfrm>
+          <a:prstGeom prst="ellipse">
+            <a:avLst/>
+          </a:prstGeom>
+          <a:solidFill>
+            <a:schemeClr val="tx1"/>
+          </a:solidFill>
+          <a:ln>
+            <a:noFill/>
+          </a:ln>
+        </p:spPr>
+        <p:style>
+          <a:lnRef idx="2">
+            <a:schemeClr val="accent1">
+              <a:shade val="50000"/>
+            </a:schemeClr>
+          </a:lnRef>
+          <a:fillRef idx="1">
+            <a:schemeClr val="accent1"/>
+          </a:fillRef>
+          <a:effectRef idx="0">
+            <a:schemeClr val="accent1"/>
+          </a:effectRef>
+          <a:fontRef idx="minor">
+            <a:schemeClr val="lt1"/>
+          </a:fontRef>
+        </p:style>
+        <p:txBody>
+          <a:bodyPr rtlCol="0" anchor="ctr"/>
+          <a:lstStyle/>
+          <a:p>
+            <a:pPr algn="ctr"/>
+            <a:endParaRPr lang="en-US"/>
+          </a:p>
+        </p:txBody>
+      </p:sp>
+      <p:sp>
+        <p:nvSpPr>
+          <p:cNvPr id="19" name="Oval 18"/>
+          <p:cNvSpPr/>
+          <p:nvPr/>
+        </p:nvSpPr>
+        <p:spPr>
+          <a:xfrm>
+            <a:off x="6392957" y="2366894"/>
+            <a:ext cx="274320" cy="822960"/>
+          </a:xfrm>
+          <a:prstGeom prst="ellipse">
+            <a:avLst/>
+          </a:prstGeom>
+          <a:solidFill>
+            <a:schemeClr val="tx1"/>
+          </a:solidFill>
+          <a:ln>
+            <a:noFill/>
+          </a:ln>
+        </p:spPr>
+        <p:style>
+          <a:lnRef idx="2">
+            <a:schemeClr val="accent1">
+              <a:shade val="50000"/>
+            </a:schemeClr>
+          </a:lnRef>
+          <a:fillRef idx="1">
+            <a:schemeClr val="accent1"/>
+          </a:fillRef>
+          <a:effectRef idx="0">
+            <a:schemeClr val="accent1"/>
+          </a:effectRef>
+          <a:fontRef idx="minor">
+            <a:schemeClr val="lt1"/>
+          </a:fontRef>
+        </p:style>
+        <p:txBody>
+          <a:bodyPr rtlCol="0" anchor="ctr"/>
+          <a:lstStyle/>
+          <a:p>
+            <a:pPr algn="ctr"/>
+            <a:endParaRPr lang="en-US"/>
+          </a:p>
+        </p:txBody>
+      </p:sp>
+      <p:sp>
+        <p:nvSpPr>
+          <p:cNvPr id="22" name="Oval 21"/>
+          <p:cNvSpPr/>
+          <p:nvPr/>
+        </p:nvSpPr>
+        <p:spPr>
+          <a:xfrm>
+            <a:off x="4362359" y="1973572"/>
+            <a:ext cx="4320000" cy="4320000"/>
+          </a:xfrm>
+          <a:prstGeom prst="ellipse">
+            <a:avLst/>
+          </a:prstGeom>
+          <a:noFill/>
+          <a:ln>
+            <a:solidFill>
+              <a:schemeClr val="bg1">
+                <a:lumMod val="85000"/>
+              </a:schemeClr>
+            </a:solidFill>
+          </a:ln>
+        </p:spPr>
+        <p:style>
+          <a:lnRef idx="2">
+            <a:schemeClr val="accent1">
+              <a:shade val="50000"/>
+            </a:schemeClr>
+          </a:lnRef>
+          <a:fillRef idx="1">
+            <a:schemeClr val="accent1"/>
+          </a:fillRef>
+          <a:effectRef idx="0">
+            <a:schemeClr val="accent1"/>
+          </a:effectRef>
+          <a:fontRef idx="minor">
+            <a:schemeClr val="lt1"/>
+          </a:fontRef>
+        </p:style>
+        <p:txBody>
+          <a:bodyPr rtlCol="0" anchor="ctr"/>
+          <a:lstStyle/>
+          <a:p>
+            <a:pPr algn="ctr"/>
+            <a:endParaRPr lang="en-US"/>
+          </a:p>
+        </p:txBody>
+      </p:sp>
+      <p:sp>
+        <p:nvSpPr>
+          <p:cNvPr id="36" name="Oval 35"/>
+          <p:cNvSpPr/>
+          <p:nvPr/>
+        </p:nvSpPr>
+        <p:spPr>
+          <a:xfrm>
+            <a:off x="6334233" y="5322292"/>
+            <a:ext cx="365760" cy="365760"/>
+          </a:xfrm>
+          <a:prstGeom prst="ellipse">
+            <a:avLst/>
+          </a:prstGeom>
+          <a:solidFill>
+            <a:schemeClr val="tx1"/>
+          </a:solidFill>
+          <a:ln>
+            <a:noFill/>
+          </a:ln>
+        </p:spPr>
+        <p:style>
+          <a:lnRef idx="2">
+            <a:schemeClr val="accent1">
+              <a:shade val="50000"/>
+            </a:schemeClr>
+          </a:lnRef>
+          <a:fillRef idx="1">
+            <a:schemeClr val="accent1"/>
+          </a:fillRef>
+          <a:effectRef idx="0">
+            <a:schemeClr val="accent1"/>
+          </a:effectRef>
+          <a:fontRef idx="minor">
+            <a:schemeClr val="lt1"/>
+          </a:fontRef>
+        </p:style>
+        <p:txBody>
+          <a:bodyPr rtlCol="0" anchor="ctr"/>
+          <a:lstStyle/>
+          <a:p>
+            <a:pPr algn="ctr"/>
+            <a:endParaRPr lang="en-US"/>
+          </a:p>
+        </p:txBody>
+      </p:sp>
+      <p:sp>
+        <p:nvSpPr>
+          <p:cNvPr id="39" name="Oval 38"/>
+          <p:cNvSpPr/>
+          <p:nvPr/>
+        </p:nvSpPr>
+        <p:spPr>
+          <a:xfrm>
+            <a:off x="1920171" y="1923636"/>
+            <a:ext cx="731520" cy="731520"/>
+          </a:xfrm>
+          <a:prstGeom prst="ellipse">
+            <a:avLst/>
+          </a:prstGeom>
+          <a:solidFill>
+            <a:schemeClr val="tx1"/>
+          </a:solidFill>
+          <a:ln>
+            <a:noFill/>
+          </a:ln>
+        </p:spPr>
+        <p:style>
+          <a:lnRef idx="2">
+            <a:schemeClr val="accent1">
+              <a:shade val="50000"/>
+            </a:schemeClr>
+          </a:lnRef>
+          <a:fillRef idx="1">
+            <a:schemeClr val="accent1"/>
+          </a:fillRef>
+          <a:effectRef idx="0">
+            <a:schemeClr val="accent1"/>
+          </a:effectRef>
+          <a:fontRef idx="minor">
+            <a:schemeClr val="lt1"/>
+          </a:fontRef>
+        </p:style>
+        <p:txBody>
+          <a:bodyPr rtlCol="0" anchor="ctr"/>
+          <a:lstStyle/>
+          <a:p>
+            <a:pPr algn="ctr"/>
+            <a:endParaRPr lang="en-US"/>
+          </a:p>
+        </p:txBody>
+      </p:sp>
+      <p:sp>
+        <p:nvSpPr>
+          <p:cNvPr id="41" name="Oval 40"/>
+          <p:cNvSpPr/>
+          <p:nvPr/>
+        </p:nvSpPr>
+        <p:spPr>
+          <a:xfrm>
+            <a:off x="2161775" y="522718"/>
+            <a:ext cx="274320" cy="822960"/>
+          </a:xfrm>
+          <a:prstGeom prst="ellipse">
+            <a:avLst/>
+          </a:prstGeom>
+          <a:solidFill>
+            <a:schemeClr val="tx1"/>
+          </a:solidFill>
+          <a:ln>
+            <a:noFill/>
+          </a:ln>
+        </p:spPr>
+        <p:style>
+          <a:lnRef idx="2">
+            <a:schemeClr val="accent1">
+              <a:shade val="50000"/>
+            </a:schemeClr>
+          </a:lnRef>
+          <a:fillRef idx="1">
+            <a:schemeClr val="accent1"/>
+          </a:fillRef>
+          <a:effectRef idx="0">
+            <a:schemeClr val="accent1"/>
+          </a:effectRef>
+          <a:fontRef idx="minor">
+            <a:schemeClr val="lt1"/>
+          </a:fontRef>
+        </p:style>
+        <p:txBody>
+          <a:bodyPr rtlCol="0" anchor="ctr"/>
+          <a:lstStyle/>
+          <a:p>
+            <a:pPr algn="ctr"/>
+            <a:endParaRPr lang="en-US"/>
+          </a:p>
+        </p:txBody>
+      </p:sp>
+      <p:sp>
+        <p:nvSpPr>
+          <p:cNvPr id="42" name="Oval 41"/>
+          <p:cNvSpPr/>
+          <p:nvPr/>
+        </p:nvSpPr>
+        <p:spPr>
+          <a:xfrm>
+            <a:off x="131177" y="129396"/>
+            <a:ext cx="4320000" cy="4320000"/>
+          </a:xfrm>
+          <a:prstGeom prst="ellipse">
+            <a:avLst/>
+          </a:prstGeom>
+          <a:noFill/>
+          <a:ln>
+            <a:solidFill>
+              <a:schemeClr val="bg1">
+                <a:lumMod val="85000"/>
+              </a:schemeClr>
+            </a:solidFill>
+          </a:ln>
+        </p:spPr>
+        <p:style>
+          <a:lnRef idx="2">
+            <a:schemeClr val="accent1">
+              <a:shade val="50000"/>
+            </a:schemeClr>
+          </a:lnRef>
+          <a:fillRef idx="1">
+            <a:schemeClr val="accent1"/>
+          </a:fillRef>
+          <a:effectRef idx="0">
+            <a:schemeClr val="accent1"/>
+          </a:effectRef>
+          <a:fontRef idx="minor">
+            <a:schemeClr val="lt1"/>
+          </a:fontRef>
+        </p:style>
+        <p:txBody>
+          <a:bodyPr rtlCol="0" anchor="ctr"/>
+          <a:lstStyle/>
+          <a:p>
+            <a:pPr algn="ctr"/>
+            <a:endParaRPr lang="en-US"/>
+          </a:p>
+        </p:txBody>
+      </p:sp>
+      <p:sp>
+        <p:nvSpPr>
+          <p:cNvPr id="17" name="Oval 16"/>
+          <p:cNvSpPr/>
+          <p:nvPr/>
+        </p:nvSpPr>
+        <p:spPr>
+          <a:xfrm>
+            <a:off x="3456059" y="2106516"/>
+            <a:ext cx="365760" cy="365760"/>
+          </a:xfrm>
+          <a:prstGeom prst="ellipse">
+            <a:avLst/>
+          </a:prstGeom>
+          <a:solidFill>
+            <a:schemeClr val="tx1"/>
+          </a:solidFill>
+          <a:ln>
+            <a:noFill/>
+          </a:ln>
+        </p:spPr>
+        <p:style>
+          <a:lnRef idx="2">
+            <a:schemeClr val="accent1">
+              <a:shade val="50000"/>
+            </a:schemeClr>
+          </a:lnRef>
+          <a:fillRef idx="1">
+            <a:schemeClr val="accent1"/>
+          </a:fillRef>
+          <a:effectRef idx="0">
+            <a:schemeClr val="accent1"/>
+          </a:effectRef>
+          <a:fontRef idx="minor">
+            <a:schemeClr val="lt1"/>
+          </a:fontRef>
+        </p:style>
+        <p:txBody>
+          <a:bodyPr rtlCol="0" anchor="ctr"/>
+          <a:lstStyle/>
+          <a:p>
+            <a:pPr algn="ctr"/>
+            <a:endParaRPr lang="en-US"/>
+          </a:p>
+        </p:txBody>
+      </p:sp>
+      <p:sp>
+        <p:nvSpPr>
+          <p:cNvPr id="20" name="Oval 19"/>
+          <p:cNvSpPr/>
+          <p:nvPr/>
+        </p:nvSpPr>
+        <p:spPr>
+          <a:xfrm>
+            <a:off x="764211" y="2106516"/>
+            <a:ext cx="365760" cy="365760"/>
+          </a:xfrm>
+          <a:prstGeom prst="ellipse">
+            <a:avLst/>
+          </a:prstGeom>
+          <a:solidFill>
+            <a:schemeClr val="tx1"/>
+          </a:solidFill>
+          <a:ln>
+            <a:noFill/>
+          </a:ln>
+        </p:spPr>
+        <p:style>
+          <a:lnRef idx="2">
+            <a:schemeClr val="accent1">
+              <a:shade val="50000"/>
+            </a:schemeClr>
+          </a:lnRef>
+          <a:fillRef idx="1">
+            <a:schemeClr val="accent1"/>
+          </a:fillRef>
+          <a:effectRef idx="0">
+            <a:schemeClr val="accent1"/>
+          </a:effectRef>
+          <a:fontRef idx="minor">
+            <a:schemeClr val="lt1"/>
+          </a:fontRef>
+        </p:style>
+        <p:txBody>
+          <a:bodyPr rtlCol="0" anchor="ctr"/>
+          <a:lstStyle/>
+          <a:p>
+            <a:pPr algn="ctr"/>
+            <a:endParaRPr lang="en-US"/>
+          </a:p>
+        </p:txBody>
+      </p:sp>
+    </p:spTree>
+    <p:extLst>
+      <p:ext uri="{BB962C8B-B14F-4D97-AF65-F5344CB8AC3E}">
+        <p14:creationId xmlns:p14="http://schemas.microsoft.com/office/powerpoint/2010/main" val="2064107572"/>
       </p:ext>
     </p:extLst>
   </p:cSld>

--- a/images/images.pptx
+++ b/images/images.pptx
@@ -5,7 +5,7 @@
     <p:sldMasterId id="2147483660" r:id="rId1"/>
   </p:sldMasterIdLst>
   <p:notesMasterIdLst>
-    <p:notesMasterId r:id="rId13"/>
+    <p:notesMasterId r:id="rId18"/>
   </p:notesMasterIdLst>
   <p:sldIdLst>
     <p:sldId id="256" r:id="rId2"/>
@@ -17,8 +17,13 @@
     <p:sldId id="258" r:id="rId8"/>
     <p:sldId id="259" r:id="rId9"/>
     <p:sldId id="260" r:id="rId10"/>
-    <p:sldId id="266" r:id="rId11"/>
-    <p:sldId id="267" r:id="rId12"/>
+    <p:sldId id="268" r:id="rId11"/>
+    <p:sldId id="266" r:id="rId12"/>
+    <p:sldId id="269" r:id="rId13"/>
+    <p:sldId id="270" r:id="rId14"/>
+    <p:sldId id="271" r:id="rId15"/>
+    <p:sldId id="272" r:id="rId16"/>
+    <p:sldId id="273" r:id="rId17"/>
   </p:sldIdLst>
   <p:sldSz cx="9906000" cy="6858000" type="A4"/>
   <p:notesSz cx="6797675" cy="9874250"/>
@@ -207,7 +212,7 @@
           <a:p>
             <a:fld id="{53839B6E-A109-4446-A588-EA233B4D4E04}" type="datetimeFigureOut">
               <a:rPr lang="en-US" smtClean="0"/>
-              <a:t>5/20/2016</a:t>
+              <a:t>5/24/2016</a:t>
             </a:fld>
             <a:endParaRPr lang="en-US"/>
           </a:p>
@@ -606,7 +611,7 @@
           <a:p>
             <a:fld id="{92E94611-3D8C-4AC4-91D2-FCDBAF062134}" type="datetimeFigureOut">
               <a:rPr lang="en-US" smtClean="0"/>
-              <a:t>5/20/2016</a:t>
+              <a:t>5/24/2016</a:t>
             </a:fld>
             <a:endParaRPr lang="en-US"/>
           </a:p>
@@ -776,7 +781,7 @@
           <a:p>
             <a:fld id="{92E94611-3D8C-4AC4-91D2-FCDBAF062134}" type="datetimeFigureOut">
               <a:rPr lang="en-US" smtClean="0"/>
-              <a:t>5/20/2016</a:t>
+              <a:t>5/24/2016</a:t>
             </a:fld>
             <a:endParaRPr lang="en-US"/>
           </a:p>
@@ -956,7 +961,7 @@
           <a:p>
             <a:fld id="{92E94611-3D8C-4AC4-91D2-FCDBAF062134}" type="datetimeFigureOut">
               <a:rPr lang="en-US" smtClean="0"/>
-              <a:t>5/20/2016</a:t>
+              <a:t>5/24/2016</a:t>
             </a:fld>
             <a:endParaRPr lang="en-US"/>
           </a:p>
@@ -1126,7 +1131,7 @@
           <a:p>
             <a:fld id="{92E94611-3D8C-4AC4-91D2-FCDBAF062134}" type="datetimeFigureOut">
               <a:rPr lang="en-US" smtClean="0"/>
-              <a:t>5/20/2016</a:t>
+              <a:t>5/24/2016</a:t>
             </a:fld>
             <a:endParaRPr lang="en-US"/>
           </a:p>
@@ -1370,7 +1375,7 @@
           <a:p>
             <a:fld id="{92E94611-3D8C-4AC4-91D2-FCDBAF062134}" type="datetimeFigureOut">
               <a:rPr lang="en-US" smtClean="0"/>
-              <a:t>5/20/2016</a:t>
+              <a:t>5/24/2016</a:t>
             </a:fld>
             <a:endParaRPr lang="en-US"/>
           </a:p>
@@ -1602,7 +1607,7 @@
           <a:p>
             <a:fld id="{92E94611-3D8C-4AC4-91D2-FCDBAF062134}" type="datetimeFigureOut">
               <a:rPr lang="en-US" smtClean="0"/>
-              <a:t>5/20/2016</a:t>
+              <a:t>5/24/2016</a:t>
             </a:fld>
             <a:endParaRPr lang="en-US"/>
           </a:p>
@@ -1969,7 +1974,7 @@
           <a:p>
             <a:fld id="{92E94611-3D8C-4AC4-91D2-FCDBAF062134}" type="datetimeFigureOut">
               <a:rPr lang="en-US" smtClean="0"/>
-              <a:t>5/20/2016</a:t>
+              <a:t>5/24/2016</a:t>
             </a:fld>
             <a:endParaRPr lang="en-US"/>
           </a:p>
@@ -2087,7 +2092,7 @@
           <a:p>
             <a:fld id="{92E94611-3D8C-4AC4-91D2-FCDBAF062134}" type="datetimeFigureOut">
               <a:rPr lang="en-US" smtClean="0"/>
-              <a:t>5/20/2016</a:t>
+              <a:t>5/24/2016</a:t>
             </a:fld>
             <a:endParaRPr lang="en-US"/>
           </a:p>
@@ -2182,7 +2187,7 @@
           <a:p>
             <a:fld id="{92E94611-3D8C-4AC4-91D2-FCDBAF062134}" type="datetimeFigureOut">
               <a:rPr lang="en-US" smtClean="0"/>
-              <a:t>5/20/2016</a:t>
+              <a:t>5/24/2016</a:t>
             </a:fld>
             <a:endParaRPr lang="en-US"/>
           </a:p>
@@ -2459,7 +2464,7 @@
           <a:p>
             <a:fld id="{92E94611-3D8C-4AC4-91D2-FCDBAF062134}" type="datetimeFigureOut">
               <a:rPr lang="en-US" smtClean="0"/>
-              <a:t>5/20/2016</a:t>
+              <a:t>5/24/2016</a:t>
             </a:fld>
             <a:endParaRPr lang="en-US"/>
           </a:p>
@@ -2716,7 +2721,7 @@
           <a:p>
             <a:fld id="{92E94611-3D8C-4AC4-91D2-FCDBAF062134}" type="datetimeFigureOut">
               <a:rPr lang="en-US" smtClean="0"/>
-              <a:t>5/20/2016</a:t>
+              <a:t>5/24/2016</a:t>
             </a:fld>
             <a:endParaRPr lang="en-US"/>
           </a:p>
@@ -2929,7 +2934,7 @@
           <a:p>
             <a:fld id="{92E94611-3D8C-4AC4-91D2-FCDBAF062134}" type="datetimeFigureOut">
               <a:rPr lang="en-US" smtClean="0"/>
-              <a:t>5/20/2016</a:t>
+              <a:t>5/24/2016</a:t>
             </a:fld>
             <a:endParaRPr lang="en-US"/>
           </a:p>
@@ -4473,672 +4478,147 @@
           <a:chExt cx="0" cy="0"/>
         </a:xfrm>
       </p:grpSpPr>
-      <p:sp>
-        <p:nvSpPr>
-          <p:cNvPr id="2" name="TextBox 1"/>
-          <p:cNvSpPr txBox="1"/>
-          <p:nvPr/>
-        </p:nvSpPr>
-        <p:spPr>
-          <a:xfrm>
-            <a:off x="7401464" y="129396"/>
-            <a:ext cx="974498" cy="369332"/>
-          </a:xfrm>
-          <a:prstGeom prst="rect">
-            <a:avLst/>
-          </a:prstGeom>
-          <a:noFill/>
-        </p:spPr>
-        <p:txBody>
-          <a:bodyPr wrap="none" rtlCol="0">
-            <a:spAutoFit/>
-          </a:bodyPr>
-          <a:lstStyle/>
-          <a:p>
-            <a:r>
-              <a:rPr lang="en-US" dirty="0" smtClean="0"/>
-              <a:t>FOR CDs</a:t>
-            </a:r>
-            <a:endParaRPr lang="en-US" dirty="0"/>
-          </a:p>
-        </p:txBody>
-      </p:sp>
-      <p:sp>
-        <p:nvSpPr>
-          <p:cNvPr id="18" name="Oval 17"/>
-          <p:cNvSpPr/>
-          <p:nvPr/>
-        </p:nvSpPr>
-        <p:spPr>
-          <a:xfrm>
-            <a:off x="6151353" y="3767812"/>
-            <a:ext cx="731520" cy="731520"/>
-          </a:xfrm>
-          <a:prstGeom prst="ellipse">
-            <a:avLst/>
-          </a:prstGeom>
-          <a:solidFill>
-            <a:schemeClr val="tx1"/>
-          </a:solidFill>
-          <a:ln>
+      <p:grpSp>
+        <p:nvGrpSpPr>
+          <p:cNvPr id="7" name="Group 6"/>
+          <p:cNvGrpSpPr/>
+          <p:nvPr/>
+        </p:nvGrpSpPr>
+        <p:grpSpPr>
+          <a:xfrm>
+            <a:off x="2216989" y="2424023"/>
+            <a:ext cx="2124000" cy="2124000"/>
+            <a:chOff x="2216989" y="2424023"/>
+            <a:chExt cx="2124000" cy="2124000"/>
+          </a:xfrm>
+        </p:grpSpPr>
+        <p:sp>
+          <p:nvSpPr>
+            <p:cNvPr id="2" name="Rectangle 1"/>
+            <p:cNvSpPr/>
+            <p:nvPr/>
+          </p:nvSpPr>
+          <p:spPr>
+            <a:xfrm>
+              <a:off x="2216989" y="2424023"/>
+              <a:ext cx="2124000" cy="2124000"/>
+            </a:xfrm>
+            <a:prstGeom prst="rect">
+              <a:avLst/>
+            </a:prstGeom>
             <a:noFill/>
-          </a:ln>
-        </p:spPr>
-        <p:style>
-          <a:lnRef idx="2">
-            <a:schemeClr val="accent1">
-              <a:shade val="50000"/>
-            </a:schemeClr>
-          </a:lnRef>
-          <a:fillRef idx="1">
-            <a:schemeClr val="accent1"/>
-          </a:fillRef>
-          <a:effectRef idx="0">
-            <a:schemeClr val="accent1"/>
-          </a:effectRef>
-          <a:fontRef idx="minor">
-            <a:schemeClr val="lt1"/>
-          </a:fontRef>
-        </p:style>
-        <p:txBody>
-          <a:bodyPr rtlCol="0" anchor="ctr"/>
-          <a:lstStyle/>
-          <a:p>
-            <a:pPr algn="ctr"/>
-            <a:endParaRPr lang="en-US"/>
-          </a:p>
-        </p:txBody>
-      </p:sp>
-      <p:sp>
-        <p:nvSpPr>
-          <p:cNvPr id="19" name="Oval 18"/>
-          <p:cNvSpPr/>
-          <p:nvPr/>
-        </p:nvSpPr>
-        <p:spPr>
-          <a:xfrm>
-            <a:off x="6392957" y="2366894"/>
-            <a:ext cx="274320" cy="822960"/>
-          </a:xfrm>
-          <a:prstGeom prst="ellipse">
-            <a:avLst/>
-          </a:prstGeom>
-          <a:solidFill>
-            <a:schemeClr val="tx1"/>
-          </a:solidFill>
-          <a:ln>
-            <a:noFill/>
-          </a:ln>
-        </p:spPr>
-        <p:style>
-          <a:lnRef idx="2">
-            <a:schemeClr val="accent1">
-              <a:shade val="50000"/>
-            </a:schemeClr>
-          </a:lnRef>
-          <a:fillRef idx="1">
-            <a:schemeClr val="accent1"/>
-          </a:fillRef>
-          <a:effectRef idx="0">
-            <a:schemeClr val="accent1"/>
-          </a:effectRef>
-          <a:fontRef idx="minor">
-            <a:schemeClr val="lt1"/>
-          </a:fontRef>
-        </p:style>
-        <p:txBody>
-          <a:bodyPr rtlCol="0" anchor="ctr"/>
-          <a:lstStyle/>
-          <a:p>
-            <a:pPr algn="ctr"/>
-            <a:endParaRPr lang="en-US"/>
-          </a:p>
-        </p:txBody>
-      </p:sp>
-      <p:sp>
-        <p:nvSpPr>
-          <p:cNvPr id="22" name="Oval 21"/>
-          <p:cNvSpPr/>
-          <p:nvPr/>
-        </p:nvSpPr>
-        <p:spPr>
-          <a:xfrm>
-            <a:off x="4362359" y="1973572"/>
-            <a:ext cx="4320000" cy="4320000"/>
-          </a:xfrm>
-          <a:prstGeom prst="ellipse">
-            <a:avLst/>
-          </a:prstGeom>
-          <a:noFill/>
-        </p:spPr>
-        <p:style>
-          <a:lnRef idx="2">
-            <a:schemeClr val="accent1">
-              <a:shade val="50000"/>
-            </a:schemeClr>
-          </a:lnRef>
-          <a:fillRef idx="1">
-            <a:schemeClr val="accent1"/>
-          </a:fillRef>
-          <a:effectRef idx="0">
-            <a:schemeClr val="accent1"/>
-          </a:effectRef>
-          <a:fontRef idx="minor">
-            <a:schemeClr val="lt1"/>
-          </a:fontRef>
-        </p:style>
-        <p:txBody>
-          <a:bodyPr rtlCol="0" anchor="ctr"/>
-          <a:lstStyle/>
-          <a:p>
-            <a:pPr algn="ctr"/>
-            <a:endParaRPr lang="en-US"/>
-          </a:p>
-        </p:txBody>
-      </p:sp>
-      <p:cxnSp>
-        <p:nvCxnSpPr>
-          <p:cNvPr id="23" name="Straight Connector 22"/>
-          <p:cNvCxnSpPr>
-            <a:stCxn id="22" idx="2"/>
-            <a:endCxn id="22" idx="6"/>
-          </p:cNvCxnSpPr>
-          <p:nvPr/>
-        </p:nvCxnSpPr>
-        <p:spPr>
-          <a:xfrm>
-            <a:off x="4362359" y="4133572"/>
-            <a:ext cx="4320000" cy="0"/>
-          </a:xfrm>
-          <a:prstGeom prst="line">
-            <a:avLst/>
-          </a:prstGeom>
-        </p:spPr>
-        <p:style>
-          <a:lnRef idx="1">
-            <a:schemeClr val="accent1"/>
-          </a:lnRef>
-          <a:fillRef idx="0">
-            <a:schemeClr val="accent1"/>
-          </a:fillRef>
-          <a:effectRef idx="0">
-            <a:schemeClr val="accent1"/>
-          </a:effectRef>
-          <a:fontRef idx="minor">
-            <a:schemeClr val="tx1"/>
-          </a:fontRef>
-        </p:style>
-      </p:cxnSp>
-      <p:cxnSp>
-        <p:nvCxnSpPr>
-          <p:cNvPr id="24" name="Straight Connector 23"/>
-          <p:cNvCxnSpPr>
-            <a:stCxn id="22" idx="0"/>
-            <a:endCxn id="22" idx="4"/>
-          </p:cNvCxnSpPr>
-          <p:nvPr/>
-        </p:nvCxnSpPr>
-        <p:spPr>
-          <a:xfrm>
-            <a:off x="6522359" y="1973572"/>
-            <a:ext cx="0" cy="4320000"/>
-          </a:xfrm>
-          <a:prstGeom prst="line">
-            <a:avLst/>
-          </a:prstGeom>
-        </p:spPr>
-        <p:style>
-          <a:lnRef idx="1">
-            <a:schemeClr val="accent1"/>
-          </a:lnRef>
-          <a:fillRef idx="0">
-            <a:schemeClr val="accent1"/>
-          </a:fillRef>
-          <a:effectRef idx="0">
-            <a:schemeClr val="accent1"/>
-          </a:effectRef>
-          <a:fontRef idx="minor">
-            <a:schemeClr val="tx1"/>
-          </a:fontRef>
-        </p:style>
-      </p:cxnSp>
-      <p:sp>
-        <p:nvSpPr>
-          <p:cNvPr id="25" name="Oval 24"/>
-          <p:cNvSpPr/>
-          <p:nvPr/>
-        </p:nvSpPr>
-        <p:spPr>
-          <a:xfrm>
-            <a:off x="5145513" y="2761972"/>
-            <a:ext cx="2743200" cy="2743200"/>
-          </a:xfrm>
-          <a:prstGeom prst="ellipse">
-            <a:avLst/>
-          </a:prstGeom>
-          <a:noFill/>
-          <a:ln>
-            <a:solidFill>
-              <a:schemeClr val="accent6">
-                <a:lumMod val="75000"/>
+            <a:ln>
+              <a:solidFill>
+                <a:srgbClr val="FF0000"/>
+              </a:solidFill>
+            </a:ln>
+          </p:spPr>
+          <p:style>
+            <a:lnRef idx="2">
+              <a:schemeClr val="accent1">
+                <a:shade val="50000"/>
               </a:schemeClr>
-            </a:solidFill>
-          </a:ln>
-        </p:spPr>
-        <p:style>
-          <a:lnRef idx="2">
-            <a:schemeClr val="accent1">
-              <a:shade val="50000"/>
-            </a:schemeClr>
-          </a:lnRef>
-          <a:fillRef idx="1">
-            <a:schemeClr val="accent1"/>
-          </a:fillRef>
-          <a:effectRef idx="0">
-            <a:schemeClr val="accent1"/>
-          </a:effectRef>
-          <a:fontRef idx="minor">
-            <a:schemeClr val="lt1"/>
-          </a:fontRef>
-        </p:style>
-        <p:txBody>
-          <a:bodyPr rtlCol="0" anchor="ctr"/>
-          <a:lstStyle/>
-          <a:p>
-            <a:pPr algn="ctr"/>
-            <a:endParaRPr lang="en-US"/>
-          </a:p>
-        </p:txBody>
-      </p:sp>
-      <p:sp>
-        <p:nvSpPr>
-          <p:cNvPr id="36" name="Oval 35"/>
-          <p:cNvSpPr/>
-          <p:nvPr/>
-        </p:nvSpPr>
-        <p:spPr>
-          <a:xfrm>
-            <a:off x="6334233" y="5322292"/>
-            <a:ext cx="365760" cy="365760"/>
-          </a:xfrm>
-          <a:prstGeom prst="ellipse">
-            <a:avLst/>
-          </a:prstGeom>
-          <a:solidFill>
-            <a:schemeClr val="tx1"/>
-          </a:solidFill>
-          <a:ln>
-            <a:noFill/>
-          </a:ln>
-        </p:spPr>
-        <p:style>
-          <a:lnRef idx="2">
-            <a:schemeClr val="accent1">
-              <a:shade val="50000"/>
-            </a:schemeClr>
-          </a:lnRef>
-          <a:fillRef idx="1">
-            <a:schemeClr val="accent1"/>
-          </a:fillRef>
-          <a:effectRef idx="0">
-            <a:schemeClr val="accent1"/>
-          </a:effectRef>
-          <a:fontRef idx="minor">
-            <a:schemeClr val="lt1"/>
-          </a:fontRef>
-        </p:style>
-        <p:txBody>
-          <a:bodyPr rtlCol="0" anchor="ctr"/>
-          <a:lstStyle/>
-          <a:p>
-            <a:pPr algn="ctr"/>
-            <a:endParaRPr lang="en-US"/>
-          </a:p>
-        </p:txBody>
-      </p:sp>
-      <p:sp>
-        <p:nvSpPr>
-          <p:cNvPr id="39" name="Oval 38"/>
-          <p:cNvSpPr/>
-          <p:nvPr/>
-        </p:nvSpPr>
-        <p:spPr>
-          <a:xfrm>
-            <a:off x="1920171" y="1923636"/>
-            <a:ext cx="731520" cy="731520"/>
-          </a:xfrm>
-          <a:prstGeom prst="ellipse">
-            <a:avLst/>
-          </a:prstGeom>
-          <a:solidFill>
-            <a:schemeClr val="tx1"/>
-          </a:solidFill>
-          <a:ln>
-            <a:noFill/>
-          </a:ln>
-        </p:spPr>
-        <p:style>
-          <a:lnRef idx="2">
-            <a:schemeClr val="accent1">
-              <a:shade val="50000"/>
-            </a:schemeClr>
-          </a:lnRef>
-          <a:fillRef idx="1">
-            <a:schemeClr val="accent1"/>
-          </a:fillRef>
-          <a:effectRef idx="0">
-            <a:schemeClr val="accent1"/>
-          </a:effectRef>
-          <a:fontRef idx="minor">
-            <a:schemeClr val="lt1"/>
-          </a:fontRef>
-        </p:style>
-        <p:txBody>
-          <a:bodyPr rtlCol="0" anchor="ctr"/>
-          <a:lstStyle/>
-          <a:p>
-            <a:pPr algn="ctr"/>
-            <a:endParaRPr lang="en-US"/>
-          </a:p>
-        </p:txBody>
-      </p:sp>
-      <p:sp>
-        <p:nvSpPr>
-          <p:cNvPr id="41" name="Oval 40"/>
-          <p:cNvSpPr/>
-          <p:nvPr/>
-        </p:nvSpPr>
-        <p:spPr>
-          <a:xfrm>
-            <a:off x="2161775" y="522718"/>
-            <a:ext cx="274320" cy="822960"/>
-          </a:xfrm>
-          <a:prstGeom prst="ellipse">
-            <a:avLst/>
-          </a:prstGeom>
-          <a:solidFill>
-            <a:schemeClr val="tx1"/>
-          </a:solidFill>
-          <a:ln>
-            <a:noFill/>
-          </a:ln>
-        </p:spPr>
-        <p:style>
-          <a:lnRef idx="2">
-            <a:schemeClr val="accent1">
-              <a:shade val="50000"/>
-            </a:schemeClr>
-          </a:lnRef>
-          <a:fillRef idx="1">
-            <a:schemeClr val="accent1"/>
-          </a:fillRef>
-          <a:effectRef idx="0">
-            <a:schemeClr val="accent1"/>
-          </a:effectRef>
-          <a:fontRef idx="minor">
-            <a:schemeClr val="lt1"/>
-          </a:fontRef>
-        </p:style>
-        <p:txBody>
-          <a:bodyPr rtlCol="0" anchor="ctr"/>
-          <a:lstStyle/>
-          <a:p>
-            <a:pPr algn="ctr"/>
-            <a:endParaRPr lang="en-US"/>
-          </a:p>
-        </p:txBody>
-      </p:sp>
-      <p:sp>
-        <p:nvSpPr>
-          <p:cNvPr id="42" name="Oval 41"/>
-          <p:cNvSpPr/>
-          <p:nvPr/>
-        </p:nvSpPr>
-        <p:spPr>
-          <a:xfrm>
-            <a:off x="131177" y="129396"/>
-            <a:ext cx="4320000" cy="4320000"/>
-          </a:xfrm>
-          <a:prstGeom prst="ellipse">
-            <a:avLst/>
-          </a:prstGeom>
-          <a:noFill/>
-        </p:spPr>
-        <p:style>
-          <a:lnRef idx="2">
-            <a:schemeClr val="accent1">
-              <a:shade val="50000"/>
-            </a:schemeClr>
-          </a:lnRef>
-          <a:fillRef idx="1">
-            <a:schemeClr val="accent1"/>
-          </a:fillRef>
-          <a:effectRef idx="0">
-            <a:schemeClr val="accent1"/>
-          </a:effectRef>
-          <a:fontRef idx="minor">
-            <a:schemeClr val="lt1"/>
-          </a:fontRef>
-        </p:style>
-        <p:txBody>
-          <a:bodyPr rtlCol="0" anchor="ctr"/>
-          <a:lstStyle/>
-          <a:p>
-            <a:pPr algn="ctr"/>
-            <a:endParaRPr lang="en-US"/>
-          </a:p>
-        </p:txBody>
-      </p:sp>
-      <p:cxnSp>
-        <p:nvCxnSpPr>
-          <p:cNvPr id="45" name="Straight Connector 44"/>
-          <p:cNvCxnSpPr>
-            <a:stCxn id="42" idx="2"/>
-            <a:endCxn id="42" idx="6"/>
-          </p:cNvCxnSpPr>
-          <p:nvPr/>
-        </p:nvCxnSpPr>
-        <p:spPr>
-          <a:xfrm>
-            <a:off x="131177" y="2289396"/>
-            <a:ext cx="4320000" cy="0"/>
-          </a:xfrm>
-          <a:prstGeom prst="line">
-            <a:avLst/>
-          </a:prstGeom>
-        </p:spPr>
-        <p:style>
-          <a:lnRef idx="1">
-            <a:schemeClr val="accent1"/>
-          </a:lnRef>
-          <a:fillRef idx="0">
-            <a:schemeClr val="accent1"/>
-          </a:fillRef>
-          <a:effectRef idx="0">
-            <a:schemeClr val="accent1"/>
-          </a:effectRef>
-          <a:fontRef idx="minor">
-            <a:schemeClr val="tx1"/>
-          </a:fontRef>
-        </p:style>
-      </p:cxnSp>
-      <p:cxnSp>
-        <p:nvCxnSpPr>
-          <p:cNvPr id="46" name="Straight Connector 45"/>
-          <p:cNvCxnSpPr>
-            <a:stCxn id="42" idx="0"/>
-            <a:endCxn id="42" idx="4"/>
-          </p:cNvCxnSpPr>
-          <p:nvPr/>
-        </p:nvCxnSpPr>
-        <p:spPr>
-          <a:xfrm>
-            <a:off x="2291177" y="129396"/>
-            <a:ext cx="0" cy="4320000"/>
-          </a:xfrm>
-          <a:prstGeom prst="line">
-            <a:avLst/>
-          </a:prstGeom>
-        </p:spPr>
-        <p:style>
-          <a:lnRef idx="1">
-            <a:schemeClr val="accent1"/>
-          </a:lnRef>
-          <a:fillRef idx="0">
-            <a:schemeClr val="accent1"/>
-          </a:fillRef>
-          <a:effectRef idx="0">
-            <a:schemeClr val="accent1"/>
-          </a:effectRef>
-          <a:fontRef idx="minor">
-            <a:schemeClr val="tx1"/>
-          </a:fontRef>
-        </p:style>
-      </p:cxnSp>
-      <p:sp>
-        <p:nvSpPr>
-          <p:cNvPr id="47" name="Oval 46"/>
-          <p:cNvSpPr/>
-          <p:nvPr/>
-        </p:nvSpPr>
-        <p:spPr>
-          <a:xfrm>
-            <a:off x="914331" y="917796"/>
-            <a:ext cx="2743200" cy="2743200"/>
-          </a:xfrm>
-          <a:prstGeom prst="ellipse">
-            <a:avLst/>
-          </a:prstGeom>
-          <a:noFill/>
-          <a:ln>
-            <a:solidFill>
-              <a:schemeClr val="accent6">
-                <a:lumMod val="75000"/>
-              </a:schemeClr>
-            </a:solidFill>
-          </a:ln>
-        </p:spPr>
-        <p:style>
-          <a:lnRef idx="2">
-            <a:schemeClr val="accent1">
-              <a:shade val="50000"/>
-            </a:schemeClr>
-          </a:lnRef>
-          <a:fillRef idx="1">
-            <a:schemeClr val="accent1"/>
-          </a:fillRef>
-          <a:effectRef idx="0">
-            <a:schemeClr val="accent1"/>
-          </a:effectRef>
-          <a:fontRef idx="minor">
-            <a:schemeClr val="lt1"/>
-          </a:fontRef>
-        </p:style>
-        <p:txBody>
-          <a:bodyPr rtlCol="0" anchor="ctr"/>
-          <a:lstStyle/>
-          <a:p>
-            <a:pPr algn="ctr"/>
-            <a:endParaRPr lang="en-US"/>
-          </a:p>
-        </p:txBody>
-      </p:sp>
-      <p:sp>
-        <p:nvSpPr>
-          <p:cNvPr id="48" name="Oval 47"/>
-          <p:cNvSpPr/>
-          <p:nvPr/>
-        </p:nvSpPr>
-        <p:spPr>
-          <a:xfrm>
-            <a:off x="3456059" y="2106516"/>
-            <a:ext cx="365760" cy="365760"/>
-          </a:xfrm>
-          <a:prstGeom prst="ellipse">
-            <a:avLst/>
-          </a:prstGeom>
-          <a:solidFill>
-            <a:schemeClr val="tx1"/>
-          </a:solidFill>
-          <a:ln>
-            <a:noFill/>
-          </a:ln>
-        </p:spPr>
-        <p:style>
-          <a:lnRef idx="2">
-            <a:schemeClr val="accent1">
-              <a:shade val="50000"/>
-            </a:schemeClr>
-          </a:lnRef>
-          <a:fillRef idx="1">
-            <a:schemeClr val="accent1"/>
-          </a:fillRef>
-          <a:effectRef idx="0">
-            <a:schemeClr val="accent1"/>
-          </a:effectRef>
-          <a:fontRef idx="minor">
-            <a:schemeClr val="lt1"/>
-          </a:fontRef>
-        </p:style>
-        <p:txBody>
-          <a:bodyPr rtlCol="0" anchor="ctr"/>
-          <a:lstStyle/>
-          <a:p>
-            <a:pPr algn="ctr"/>
-            <a:endParaRPr lang="en-US"/>
-          </a:p>
-        </p:txBody>
-      </p:sp>
-      <p:sp>
-        <p:nvSpPr>
-          <p:cNvPr id="49" name="Oval 48"/>
-          <p:cNvSpPr/>
-          <p:nvPr/>
-        </p:nvSpPr>
-        <p:spPr>
-          <a:xfrm>
-            <a:off x="764211" y="2106516"/>
-            <a:ext cx="365760" cy="365760"/>
-          </a:xfrm>
-          <a:prstGeom prst="ellipse">
-            <a:avLst/>
-          </a:prstGeom>
-          <a:solidFill>
-            <a:schemeClr val="tx1"/>
-          </a:solidFill>
-          <a:ln>
-            <a:noFill/>
-          </a:ln>
-        </p:spPr>
-        <p:style>
-          <a:lnRef idx="2">
-            <a:schemeClr val="accent1">
-              <a:shade val="50000"/>
-            </a:schemeClr>
-          </a:lnRef>
-          <a:fillRef idx="1">
-            <a:schemeClr val="accent1"/>
-          </a:fillRef>
-          <a:effectRef idx="0">
-            <a:schemeClr val="accent1"/>
-          </a:effectRef>
-          <a:fontRef idx="minor">
-            <a:schemeClr val="lt1"/>
-          </a:fontRef>
-        </p:style>
-        <p:txBody>
-          <a:bodyPr rtlCol="0" anchor="ctr"/>
-          <a:lstStyle/>
-          <a:p>
-            <a:pPr algn="ctr"/>
-            <a:endParaRPr lang="en-US"/>
-          </a:p>
-        </p:txBody>
-      </p:sp>
+            </a:lnRef>
+            <a:fillRef idx="1">
+              <a:schemeClr val="accent1"/>
+            </a:fillRef>
+            <a:effectRef idx="0">
+              <a:schemeClr val="accent1"/>
+            </a:effectRef>
+            <a:fontRef idx="minor">
+              <a:schemeClr val="lt1"/>
+            </a:fontRef>
+          </p:style>
+          <p:txBody>
+            <a:bodyPr rtlCol="0" anchor="ctr"/>
+            <a:lstStyle/>
+            <a:p>
+              <a:pPr algn="ctr"/>
+              <a:endParaRPr lang="en-US"/>
+            </a:p>
+          </p:txBody>
+        </p:sp>
+        <p:cxnSp>
+          <p:nvCxnSpPr>
+            <p:cNvPr id="4" name="Straight Connector 3"/>
+            <p:cNvCxnSpPr>
+              <a:stCxn id="2" idx="0"/>
+              <a:endCxn id="2" idx="2"/>
+            </p:cNvCxnSpPr>
+            <p:nvPr/>
+          </p:nvCxnSpPr>
+          <p:spPr>
+            <a:xfrm>
+              <a:off x="3278989" y="2424023"/>
+              <a:ext cx="0" cy="2124000"/>
+            </a:xfrm>
+            <a:prstGeom prst="line">
+              <a:avLst/>
+            </a:prstGeom>
+            <a:ln>
+              <a:solidFill>
+                <a:srgbClr val="FF0000"/>
+              </a:solidFill>
+            </a:ln>
+          </p:spPr>
+          <p:style>
+            <a:lnRef idx="1">
+              <a:schemeClr val="accent1"/>
+            </a:lnRef>
+            <a:fillRef idx="0">
+              <a:schemeClr val="accent1"/>
+            </a:fillRef>
+            <a:effectRef idx="0">
+              <a:schemeClr val="accent1"/>
+            </a:effectRef>
+            <a:fontRef idx="minor">
+              <a:schemeClr val="tx1"/>
+            </a:fontRef>
+          </p:style>
+        </p:cxnSp>
+        <p:cxnSp>
+          <p:nvCxnSpPr>
+            <p:cNvPr id="6" name="Straight Connector 5"/>
+            <p:cNvCxnSpPr>
+              <a:stCxn id="2" idx="1"/>
+              <a:endCxn id="2" idx="3"/>
+            </p:cNvCxnSpPr>
+            <p:nvPr/>
+          </p:nvCxnSpPr>
+          <p:spPr>
+            <a:xfrm>
+              <a:off x="2216989" y="3486023"/>
+              <a:ext cx="2124000" cy="0"/>
+            </a:xfrm>
+            <a:prstGeom prst="line">
+              <a:avLst/>
+            </a:prstGeom>
+            <a:ln>
+              <a:solidFill>
+                <a:srgbClr val="FF0000"/>
+              </a:solidFill>
+            </a:ln>
+          </p:spPr>
+          <p:style>
+            <a:lnRef idx="1">
+              <a:schemeClr val="accent1"/>
+            </a:lnRef>
+            <a:fillRef idx="0">
+              <a:schemeClr val="accent1"/>
+            </a:fillRef>
+            <a:effectRef idx="0">
+              <a:schemeClr val="accent1"/>
+            </a:effectRef>
+            <a:fontRef idx="minor">
+              <a:schemeClr val="tx1"/>
+            </a:fontRef>
+          </p:style>
+        </p:cxnSp>
+      </p:grpSp>
     </p:spTree>
     <p:extLst>
       <p:ext uri="{BB962C8B-B14F-4D97-AF65-F5344CB8AC3E}">
-        <p14:creationId xmlns:p14="http://schemas.microsoft.com/office/powerpoint/2010/main" val="1140870023"/>
+        <p14:creationId xmlns:p14="http://schemas.microsoft.com/office/powerpoint/2010/main" val="2437357586"/>
       </p:ext>
     </p:extLst>
   </p:cSld>
@@ -5197,14 +4677,14 @@
       </p:sp>
       <p:sp>
         <p:nvSpPr>
-          <p:cNvPr id="18" name="Oval 17"/>
-          <p:cNvSpPr/>
-          <p:nvPr/>
-        </p:nvSpPr>
-        <p:spPr>
-          <a:xfrm>
-            <a:off x="6151353" y="3767812"/>
-            <a:ext cx="731520" cy="731520"/>
+          <p:cNvPr id="39" name="Oval 38"/>
+          <p:cNvSpPr/>
+          <p:nvPr/>
+        </p:nvSpPr>
+        <p:spPr>
+          <a:xfrm>
+            <a:off x="1987838" y="1832196"/>
+            <a:ext cx="914400" cy="914400"/>
           </a:xfrm>
           <a:prstGeom prst="ellipse">
             <a:avLst/>
@@ -5243,14 +4723,169 @@
       </p:sp>
       <p:sp>
         <p:nvSpPr>
-          <p:cNvPr id="19" name="Oval 18"/>
-          <p:cNvSpPr/>
-          <p:nvPr/>
-        </p:nvSpPr>
-        <p:spPr>
-          <a:xfrm>
-            <a:off x="6392957" y="2366894"/>
-            <a:ext cx="274320" cy="822960"/>
+          <p:cNvPr id="42" name="Oval 41"/>
+          <p:cNvSpPr/>
+          <p:nvPr/>
+        </p:nvSpPr>
+        <p:spPr>
+          <a:xfrm>
+            <a:off x="271692" y="129396"/>
+            <a:ext cx="4320000" cy="4320000"/>
+          </a:xfrm>
+          <a:prstGeom prst="ellipse">
+            <a:avLst/>
+          </a:prstGeom>
+          <a:noFill/>
+        </p:spPr>
+        <p:style>
+          <a:lnRef idx="2">
+            <a:schemeClr val="accent1">
+              <a:shade val="50000"/>
+            </a:schemeClr>
+          </a:lnRef>
+          <a:fillRef idx="1">
+            <a:schemeClr val="accent1"/>
+          </a:fillRef>
+          <a:effectRef idx="0">
+            <a:schemeClr val="accent1"/>
+          </a:effectRef>
+          <a:fontRef idx="minor">
+            <a:schemeClr val="lt1"/>
+          </a:fontRef>
+        </p:style>
+        <p:txBody>
+          <a:bodyPr rtlCol="0" anchor="ctr"/>
+          <a:lstStyle/>
+          <a:p>
+            <a:pPr algn="ctr"/>
+            <a:endParaRPr lang="en-US"/>
+          </a:p>
+        </p:txBody>
+      </p:sp>
+      <p:cxnSp>
+        <p:nvCxnSpPr>
+          <p:cNvPr id="45" name="Straight Connector 44"/>
+          <p:cNvCxnSpPr>
+            <a:stCxn id="42" idx="2"/>
+            <a:endCxn id="42" idx="6"/>
+          </p:cNvCxnSpPr>
+          <p:nvPr/>
+        </p:nvCxnSpPr>
+        <p:spPr>
+          <a:xfrm>
+            <a:off x="271692" y="2289396"/>
+            <a:ext cx="4320000" cy="0"/>
+          </a:xfrm>
+          <a:prstGeom prst="line">
+            <a:avLst/>
+          </a:prstGeom>
+        </p:spPr>
+        <p:style>
+          <a:lnRef idx="1">
+            <a:schemeClr val="accent1"/>
+          </a:lnRef>
+          <a:fillRef idx="0">
+            <a:schemeClr val="accent1"/>
+          </a:fillRef>
+          <a:effectRef idx="0">
+            <a:schemeClr val="accent1"/>
+          </a:effectRef>
+          <a:fontRef idx="minor">
+            <a:schemeClr val="tx1"/>
+          </a:fontRef>
+        </p:style>
+      </p:cxnSp>
+      <p:cxnSp>
+        <p:nvCxnSpPr>
+          <p:cNvPr id="46" name="Straight Connector 45"/>
+          <p:cNvCxnSpPr>
+            <a:stCxn id="42" idx="0"/>
+            <a:endCxn id="42" idx="4"/>
+          </p:cNvCxnSpPr>
+          <p:nvPr/>
+        </p:nvCxnSpPr>
+        <p:spPr>
+          <a:xfrm>
+            <a:off x="2431692" y="129396"/>
+            <a:ext cx="0" cy="4320000"/>
+          </a:xfrm>
+          <a:prstGeom prst="line">
+            <a:avLst/>
+          </a:prstGeom>
+        </p:spPr>
+        <p:style>
+          <a:lnRef idx="1">
+            <a:schemeClr val="accent1"/>
+          </a:lnRef>
+          <a:fillRef idx="0">
+            <a:schemeClr val="accent1"/>
+          </a:fillRef>
+          <a:effectRef idx="0">
+            <a:schemeClr val="accent1"/>
+          </a:effectRef>
+          <a:fontRef idx="minor">
+            <a:schemeClr val="tx1"/>
+          </a:fontRef>
+        </p:style>
+      </p:cxnSp>
+      <p:sp>
+        <p:nvSpPr>
+          <p:cNvPr id="47" name="Oval 46"/>
+          <p:cNvSpPr/>
+          <p:nvPr/>
+        </p:nvSpPr>
+        <p:spPr>
+          <a:xfrm>
+            <a:off x="1054846" y="917796"/>
+            <a:ext cx="2743200" cy="2743200"/>
+          </a:xfrm>
+          <a:prstGeom prst="ellipse">
+            <a:avLst/>
+          </a:prstGeom>
+          <a:noFill/>
+          <a:ln>
+            <a:solidFill>
+              <a:schemeClr val="accent6">
+                <a:lumMod val="75000"/>
+              </a:schemeClr>
+            </a:solidFill>
+          </a:ln>
+        </p:spPr>
+        <p:style>
+          <a:lnRef idx="2">
+            <a:schemeClr val="accent1">
+              <a:shade val="50000"/>
+            </a:schemeClr>
+          </a:lnRef>
+          <a:fillRef idx="1">
+            <a:schemeClr val="accent1"/>
+          </a:fillRef>
+          <a:effectRef idx="0">
+            <a:schemeClr val="accent1"/>
+          </a:effectRef>
+          <a:fontRef idx="minor">
+            <a:schemeClr val="lt1"/>
+          </a:fontRef>
+        </p:style>
+        <p:txBody>
+          <a:bodyPr rtlCol="0" anchor="ctr"/>
+          <a:lstStyle/>
+          <a:p>
+            <a:pPr algn="ctr"/>
+            <a:endParaRPr lang="en-US"/>
+          </a:p>
+        </p:txBody>
+      </p:sp>
+      <p:sp>
+        <p:nvSpPr>
+          <p:cNvPr id="48" name="Oval 47"/>
+          <p:cNvSpPr/>
+          <p:nvPr/>
+        </p:nvSpPr>
+        <p:spPr>
+          <a:xfrm>
+            <a:off x="3560150" y="2066640"/>
+            <a:ext cx="457200" cy="457200"/>
           </a:xfrm>
           <a:prstGeom prst="ellipse">
             <a:avLst/>
@@ -5289,14 +4924,599 @@
       </p:sp>
       <p:sp>
         <p:nvSpPr>
-          <p:cNvPr id="22" name="Oval 21"/>
-          <p:cNvSpPr/>
-          <p:nvPr/>
-        </p:nvSpPr>
-        <p:spPr>
-          <a:xfrm>
-            <a:off x="4362359" y="1973572"/>
+          <p:cNvPr id="28" name="Oval 27"/>
+          <p:cNvSpPr/>
+          <p:nvPr/>
+        </p:nvSpPr>
+        <p:spPr>
+          <a:xfrm>
+            <a:off x="863430" y="2066640"/>
+            <a:ext cx="457200" cy="457200"/>
+          </a:xfrm>
+          <a:prstGeom prst="ellipse">
+            <a:avLst/>
+          </a:prstGeom>
+          <a:solidFill>
+            <a:schemeClr val="tx1"/>
+          </a:solidFill>
+          <a:ln>
+            <a:noFill/>
+          </a:ln>
+        </p:spPr>
+        <p:style>
+          <a:lnRef idx="2">
+            <a:schemeClr val="accent1">
+              <a:shade val="50000"/>
+            </a:schemeClr>
+          </a:lnRef>
+          <a:fillRef idx="1">
+            <a:schemeClr val="accent1"/>
+          </a:fillRef>
+          <a:effectRef idx="0">
+            <a:schemeClr val="accent1"/>
+          </a:effectRef>
+          <a:fontRef idx="minor">
+            <a:schemeClr val="lt1"/>
+          </a:fontRef>
+        </p:style>
+        <p:txBody>
+          <a:bodyPr rtlCol="0" anchor="ctr"/>
+          <a:lstStyle/>
+          <a:p>
+            <a:pPr algn="ctr"/>
+            <a:endParaRPr lang="en-US"/>
+          </a:p>
+        </p:txBody>
+      </p:sp>
+      <p:sp>
+        <p:nvSpPr>
+          <p:cNvPr id="31" name="Oval 30"/>
+          <p:cNvSpPr/>
+          <p:nvPr/>
+        </p:nvSpPr>
+        <p:spPr>
+          <a:xfrm>
+            <a:off x="2251186" y="469842"/>
+            <a:ext cx="365760" cy="914400"/>
+          </a:xfrm>
+          <a:prstGeom prst="ellipse">
+            <a:avLst/>
+          </a:prstGeom>
+          <a:solidFill>
+            <a:schemeClr val="tx1"/>
+          </a:solidFill>
+          <a:ln>
+            <a:noFill/>
+          </a:ln>
+        </p:spPr>
+        <p:style>
+          <a:lnRef idx="2">
+            <a:schemeClr val="accent1">
+              <a:shade val="50000"/>
+            </a:schemeClr>
+          </a:lnRef>
+          <a:fillRef idx="1">
+            <a:schemeClr val="accent1"/>
+          </a:fillRef>
+          <a:effectRef idx="0">
+            <a:schemeClr val="accent1"/>
+          </a:effectRef>
+          <a:fontRef idx="minor">
+            <a:schemeClr val="lt1"/>
+          </a:fontRef>
+        </p:style>
+        <p:txBody>
+          <a:bodyPr rtlCol="0" anchor="ctr"/>
+          <a:lstStyle/>
+          <a:p>
+            <a:pPr algn="ctr"/>
+            <a:endParaRPr lang="en-US"/>
+          </a:p>
+        </p:txBody>
+      </p:sp>
+      <p:grpSp>
+        <p:nvGrpSpPr>
+          <p:cNvPr id="8" name="Group 7"/>
+          <p:cNvGrpSpPr/>
+          <p:nvPr/>
+        </p:nvGrpSpPr>
+        <p:grpSpPr>
+          <a:xfrm>
+            <a:off x="1294278" y="1241494"/>
+            <a:ext cx="147955" cy="147955"/>
+            <a:chOff x="1320800" y="2968942"/>
+            <a:chExt cx="147955" cy="147955"/>
+          </a:xfrm>
+        </p:grpSpPr>
+        <p:cxnSp>
+          <p:nvCxnSpPr>
+            <p:cNvPr id="5" name="Straight Connector 4"/>
+            <p:cNvCxnSpPr/>
+            <p:nvPr/>
+          </p:nvCxnSpPr>
+          <p:spPr>
+            <a:xfrm>
+              <a:off x="1320800" y="3042920"/>
+              <a:ext cx="147955" cy="0"/>
+            </a:xfrm>
+            <a:prstGeom prst="line">
+              <a:avLst/>
+            </a:prstGeom>
+            <a:ln w="9525">
+              <a:solidFill>
+                <a:srgbClr val="FF0000"/>
+              </a:solidFill>
+            </a:ln>
+          </p:spPr>
+          <p:style>
+            <a:lnRef idx="1">
+              <a:schemeClr val="accent1"/>
+            </a:lnRef>
+            <a:fillRef idx="0">
+              <a:schemeClr val="accent1"/>
+            </a:fillRef>
+            <a:effectRef idx="0">
+              <a:schemeClr val="accent1"/>
+            </a:effectRef>
+            <a:fontRef idx="minor">
+              <a:schemeClr val="tx1"/>
+            </a:fontRef>
+          </p:style>
+        </p:cxnSp>
+        <p:cxnSp>
+          <p:nvCxnSpPr>
+            <p:cNvPr id="40" name="Straight Connector 39"/>
+            <p:cNvCxnSpPr/>
+            <p:nvPr/>
+          </p:nvCxnSpPr>
+          <p:spPr>
+            <a:xfrm rot="5400000">
+              <a:off x="1320800" y="3042920"/>
+              <a:ext cx="147955" cy="0"/>
+            </a:xfrm>
+            <a:prstGeom prst="line">
+              <a:avLst/>
+            </a:prstGeom>
+            <a:ln w="9525">
+              <a:solidFill>
+                <a:srgbClr val="FF0000"/>
+              </a:solidFill>
+            </a:ln>
+          </p:spPr>
+          <p:style>
+            <a:lnRef idx="1">
+              <a:schemeClr val="accent1"/>
+            </a:lnRef>
+            <a:fillRef idx="0">
+              <a:schemeClr val="accent1"/>
+            </a:fillRef>
+            <a:effectRef idx="0">
+              <a:schemeClr val="accent1"/>
+            </a:effectRef>
+            <a:fontRef idx="minor">
+              <a:schemeClr val="tx1"/>
+            </a:fontRef>
+          </p:style>
+        </p:cxnSp>
+      </p:grpSp>
+      <p:grpSp>
+        <p:nvGrpSpPr>
+          <p:cNvPr id="43" name="Group 42"/>
+          <p:cNvGrpSpPr/>
+          <p:nvPr/>
+        </p:nvGrpSpPr>
+        <p:grpSpPr>
+          <a:xfrm>
+            <a:off x="3422656" y="1241494"/>
+            <a:ext cx="147955" cy="147955"/>
+            <a:chOff x="1320800" y="2968942"/>
+            <a:chExt cx="147955" cy="147955"/>
+          </a:xfrm>
+        </p:grpSpPr>
+        <p:cxnSp>
+          <p:nvCxnSpPr>
+            <p:cNvPr id="44" name="Straight Connector 43"/>
+            <p:cNvCxnSpPr/>
+            <p:nvPr/>
+          </p:nvCxnSpPr>
+          <p:spPr>
+            <a:xfrm>
+              <a:off x="1320800" y="3042920"/>
+              <a:ext cx="147955" cy="0"/>
+            </a:xfrm>
+            <a:prstGeom prst="line">
+              <a:avLst/>
+            </a:prstGeom>
+            <a:ln w="9525">
+              <a:solidFill>
+                <a:srgbClr val="FF0000"/>
+              </a:solidFill>
+            </a:ln>
+          </p:spPr>
+          <p:style>
+            <a:lnRef idx="1">
+              <a:schemeClr val="accent1"/>
+            </a:lnRef>
+            <a:fillRef idx="0">
+              <a:schemeClr val="accent1"/>
+            </a:fillRef>
+            <a:effectRef idx="0">
+              <a:schemeClr val="accent1"/>
+            </a:effectRef>
+            <a:fontRef idx="minor">
+              <a:schemeClr val="tx1"/>
+            </a:fontRef>
+          </p:style>
+        </p:cxnSp>
+        <p:cxnSp>
+          <p:nvCxnSpPr>
+            <p:cNvPr id="50" name="Straight Connector 49"/>
+            <p:cNvCxnSpPr/>
+            <p:nvPr/>
+          </p:nvCxnSpPr>
+          <p:spPr>
+            <a:xfrm rot="5400000">
+              <a:off x="1320800" y="3042920"/>
+              <a:ext cx="147955" cy="0"/>
+            </a:xfrm>
+            <a:prstGeom prst="line">
+              <a:avLst/>
+            </a:prstGeom>
+            <a:ln w="9525">
+              <a:solidFill>
+                <a:srgbClr val="FF0000"/>
+              </a:solidFill>
+            </a:ln>
+          </p:spPr>
+          <p:style>
+            <a:lnRef idx="1">
+              <a:schemeClr val="accent1"/>
+            </a:lnRef>
+            <a:fillRef idx="0">
+              <a:schemeClr val="accent1"/>
+            </a:fillRef>
+            <a:effectRef idx="0">
+              <a:schemeClr val="accent1"/>
+            </a:effectRef>
+            <a:fontRef idx="minor">
+              <a:schemeClr val="tx1"/>
+            </a:fontRef>
+          </p:style>
+        </p:cxnSp>
+      </p:grpSp>
+      <p:grpSp>
+        <p:nvGrpSpPr>
+          <p:cNvPr id="51" name="Group 50"/>
+          <p:cNvGrpSpPr/>
+          <p:nvPr/>
+        </p:nvGrpSpPr>
+        <p:grpSpPr>
+          <a:xfrm>
+            <a:off x="3420825" y="3365494"/>
+            <a:ext cx="147955" cy="147955"/>
+            <a:chOff x="1320800" y="2968942"/>
+            <a:chExt cx="147955" cy="147955"/>
+          </a:xfrm>
+        </p:grpSpPr>
+        <p:cxnSp>
+          <p:nvCxnSpPr>
+            <p:cNvPr id="52" name="Straight Connector 51"/>
+            <p:cNvCxnSpPr/>
+            <p:nvPr/>
+          </p:nvCxnSpPr>
+          <p:spPr>
+            <a:xfrm>
+              <a:off x="1320800" y="3042920"/>
+              <a:ext cx="147955" cy="0"/>
+            </a:xfrm>
+            <a:prstGeom prst="line">
+              <a:avLst/>
+            </a:prstGeom>
+            <a:ln w="9525">
+              <a:solidFill>
+                <a:srgbClr val="FF0000"/>
+              </a:solidFill>
+            </a:ln>
+          </p:spPr>
+          <p:style>
+            <a:lnRef idx="1">
+              <a:schemeClr val="accent1"/>
+            </a:lnRef>
+            <a:fillRef idx="0">
+              <a:schemeClr val="accent1"/>
+            </a:fillRef>
+            <a:effectRef idx="0">
+              <a:schemeClr val="accent1"/>
+            </a:effectRef>
+            <a:fontRef idx="minor">
+              <a:schemeClr val="tx1"/>
+            </a:fontRef>
+          </p:style>
+        </p:cxnSp>
+        <p:cxnSp>
+          <p:nvCxnSpPr>
+            <p:cNvPr id="53" name="Straight Connector 52"/>
+            <p:cNvCxnSpPr/>
+            <p:nvPr/>
+          </p:nvCxnSpPr>
+          <p:spPr>
+            <a:xfrm rot="5400000">
+              <a:off x="1320800" y="3042920"/>
+              <a:ext cx="147955" cy="0"/>
+            </a:xfrm>
+            <a:prstGeom prst="line">
+              <a:avLst/>
+            </a:prstGeom>
+            <a:ln w="9525">
+              <a:solidFill>
+                <a:srgbClr val="FF0000"/>
+              </a:solidFill>
+            </a:ln>
+          </p:spPr>
+          <p:style>
+            <a:lnRef idx="1">
+              <a:schemeClr val="accent1"/>
+            </a:lnRef>
+            <a:fillRef idx="0">
+              <a:schemeClr val="accent1"/>
+            </a:fillRef>
+            <a:effectRef idx="0">
+              <a:schemeClr val="accent1"/>
+            </a:effectRef>
+            <a:fontRef idx="minor">
+              <a:schemeClr val="tx1"/>
+            </a:fontRef>
+          </p:style>
+        </p:cxnSp>
+      </p:grpSp>
+      <p:grpSp>
+        <p:nvGrpSpPr>
+          <p:cNvPr id="54" name="Group 53"/>
+          <p:cNvGrpSpPr/>
+          <p:nvPr/>
+        </p:nvGrpSpPr>
+        <p:grpSpPr>
+          <a:xfrm>
+            <a:off x="1293169" y="3365494"/>
+            <a:ext cx="147955" cy="147955"/>
+            <a:chOff x="1320800" y="2968942"/>
+            <a:chExt cx="147955" cy="147955"/>
+          </a:xfrm>
+        </p:grpSpPr>
+        <p:cxnSp>
+          <p:nvCxnSpPr>
+            <p:cNvPr id="55" name="Straight Connector 54"/>
+            <p:cNvCxnSpPr/>
+            <p:nvPr/>
+          </p:nvCxnSpPr>
+          <p:spPr>
+            <a:xfrm>
+              <a:off x="1320800" y="3042920"/>
+              <a:ext cx="147955" cy="0"/>
+            </a:xfrm>
+            <a:prstGeom prst="line">
+              <a:avLst/>
+            </a:prstGeom>
+            <a:ln w="9525">
+              <a:solidFill>
+                <a:srgbClr val="FF0000"/>
+              </a:solidFill>
+            </a:ln>
+          </p:spPr>
+          <p:style>
+            <a:lnRef idx="1">
+              <a:schemeClr val="accent1"/>
+            </a:lnRef>
+            <a:fillRef idx="0">
+              <a:schemeClr val="accent1"/>
+            </a:fillRef>
+            <a:effectRef idx="0">
+              <a:schemeClr val="accent1"/>
+            </a:effectRef>
+            <a:fontRef idx="minor">
+              <a:schemeClr val="tx1"/>
+            </a:fontRef>
+          </p:style>
+        </p:cxnSp>
+        <p:cxnSp>
+          <p:nvCxnSpPr>
+            <p:cNvPr id="56" name="Straight Connector 55"/>
+            <p:cNvCxnSpPr/>
+            <p:nvPr/>
+          </p:nvCxnSpPr>
+          <p:spPr>
+            <a:xfrm rot="5400000">
+              <a:off x="1320800" y="3042920"/>
+              <a:ext cx="147955" cy="0"/>
+            </a:xfrm>
+            <a:prstGeom prst="line">
+              <a:avLst/>
+            </a:prstGeom>
+            <a:ln w="9525">
+              <a:solidFill>
+                <a:srgbClr val="FF0000"/>
+              </a:solidFill>
+            </a:ln>
+          </p:spPr>
+          <p:style>
+            <a:lnRef idx="1">
+              <a:schemeClr val="accent1"/>
+            </a:lnRef>
+            <a:fillRef idx="0">
+              <a:schemeClr val="accent1"/>
+            </a:fillRef>
+            <a:effectRef idx="0">
+              <a:schemeClr val="accent1"/>
+            </a:effectRef>
+            <a:fontRef idx="minor">
+              <a:schemeClr val="tx1"/>
+            </a:fontRef>
+          </p:style>
+        </p:cxnSp>
+      </p:grpSp>
+      <p:sp>
+        <p:nvSpPr>
+          <p:cNvPr id="77" name="Oval 76"/>
+          <p:cNvSpPr/>
+          <p:nvPr/>
+        </p:nvSpPr>
+        <p:spPr>
+          <a:xfrm>
+            <a:off x="6944264" y="3992196"/>
+            <a:ext cx="914400" cy="914400"/>
+          </a:xfrm>
+          <a:prstGeom prst="ellipse">
+            <a:avLst/>
+          </a:prstGeom>
+          <a:solidFill>
+            <a:schemeClr val="tx1"/>
+          </a:solidFill>
+          <a:ln>
+            <a:noFill/>
+          </a:ln>
+        </p:spPr>
+        <p:style>
+          <a:lnRef idx="2">
+            <a:schemeClr val="accent1">
+              <a:shade val="50000"/>
+            </a:schemeClr>
+          </a:lnRef>
+          <a:fillRef idx="1">
+            <a:schemeClr val="accent1"/>
+          </a:fillRef>
+          <a:effectRef idx="0">
+            <a:schemeClr val="accent1"/>
+          </a:effectRef>
+          <a:fontRef idx="minor">
+            <a:schemeClr val="lt1"/>
+          </a:fontRef>
+        </p:style>
+        <p:txBody>
+          <a:bodyPr rtlCol="0" anchor="ctr"/>
+          <a:lstStyle/>
+          <a:p>
+            <a:pPr algn="ctr"/>
+            <a:endParaRPr lang="en-US"/>
+          </a:p>
+        </p:txBody>
+      </p:sp>
+      <p:sp>
+        <p:nvSpPr>
+          <p:cNvPr id="78" name="Oval 77"/>
+          <p:cNvSpPr/>
+          <p:nvPr/>
+        </p:nvSpPr>
+        <p:spPr>
+          <a:xfrm>
+            <a:off x="5228118" y="2289396"/>
             <a:ext cx="4320000" cy="4320000"/>
+          </a:xfrm>
+          <a:prstGeom prst="ellipse">
+            <a:avLst/>
+          </a:prstGeom>
+          <a:noFill/>
+        </p:spPr>
+        <p:style>
+          <a:lnRef idx="2">
+            <a:schemeClr val="accent1">
+              <a:shade val="50000"/>
+            </a:schemeClr>
+          </a:lnRef>
+          <a:fillRef idx="1">
+            <a:schemeClr val="accent1"/>
+          </a:fillRef>
+          <a:effectRef idx="0">
+            <a:schemeClr val="accent1"/>
+          </a:effectRef>
+          <a:fontRef idx="minor">
+            <a:schemeClr val="lt1"/>
+          </a:fontRef>
+        </p:style>
+        <p:txBody>
+          <a:bodyPr rtlCol="0" anchor="ctr"/>
+          <a:lstStyle/>
+          <a:p>
+            <a:pPr algn="ctr"/>
+            <a:endParaRPr lang="en-US"/>
+          </a:p>
+        </p:txBody>
+      </p:sp>
+      <p:cxnSp>
+        <p:nvCxnSpPr>
+          <p:cNvPr id="79" name="Straight Connector 78"/>
+          <p:cNvCxnSpPr>
+            <a:stCxn id="78" idx="2"/>
+            <a:endCxn id="78" idx="6"/>
+          </p:cNvCxnSpPr>
+          <p:nvPr/>
+        </p:nvCxnSpPr>
+        <p:spPr>
+          <a:xfrm>
+            <a:off x="5228118" y="4449396"/>
+            <a:ext cx="4320000" cy="0"/>
+          </a:xfrm>
+          <a:prstGeom prst="line">
+            <a:avLst/>
+          </a:prstGeom>
+        </p:spPr>
+        <p:style>
+          <a:lnRef idx="1">
+            <a:schemeClr val="accent1"/>
+          </a:lnRef>
+          <a:fillRef idx="0">
+            <a:schemeClr val="accent1"/>
+          </a:fillRef>
+          <a:effectRef idx="0">
+            <a:schemeClr val="accent1"/>
+          </a:effectRef>
+          <a:fontRef idx="minor">
+            <a:schemeClr val="tx1"/>
+          </a:fontRef>
+        </p:style>
+      </p:cxnSp>
+      <p:cxnSp>
+        <p:nvCxnSpPr>
+          <p:cNvPr id="80" name="Straight Connector 79"/>
+          <p:cNvCxnSpPr>
+            <a:stCxn id="78" idx="0"/>
+            <a:endCxn id="78" idx="4"/>
+          </p:cNvCxnSpPr>
+          <p:nvPr/>
+        </p:nvCxnSpPr>
+        <p:spPr>
+          <a:xfrm>
+            <a:off x="7388118" y="2289396"/>
+            <a:ext cx="0" cy="4320000"/>
+          </a:xfrm>
+          <a:prstGeom prst="line">
+            <a:avLst/>
+          </a:prstGeom>
+        </p:spPr>
+        <p:style>
+          <a:lnRef idx="1">
+            <a:schemeClr val="accent1"/>
+          </a:lnRef>
+          <a:fillRef idx="0">
+            <a:schemeClr val="accent1"/>
+          </a:fillRef>
+          <a:effectRef idx="0">
+            <a:schemeClr val="accent1"/>
+          </a:effectRef>
+          <a:fontRef idx="minor">
+            <a:schemeClr val="tx1"/>
+          </a:fontRef>
+        </p:style>
+      </p:cxnSp>
+      <p:sp>
+        <p:nvSpPr>
+          <p:cNvPr id="81" name="Oval 80"/>
+          <p:cNvSpPr/>
+          <p:nvPr/>
+        </p:nvSpPr>
+        <p:spPr>
+          <a:xfrm>
+            <a:off x="6011272" y="3077796"/>
+            <a:ext cx="2743200" cy="2743200"/>
           </a:xfrm>
           <a:prstGeom prst="ellipse">
             <a:avLst/>
@@ -5304,8 +5524,8 @@
           <a:noFill/>
           <a:ln>
             <a:solidFill>
-              <a:schemeClr val="bg1">
-                <a:lumMod val="85000"/>
+              <a:schemeClr val="accent6">
+                <a:lumMod val="75000"/>
               </a:schemeClr>
             </a:solidFill>
           </a:ln>
@@ -5337,14 +5557,14 @@
       </p:sp>
       <p:sp>
         <p:nvSpPr>
-          <p:cNvPr id="36" name="Oval 35"/>
-          <p:cNvSpPr/>
-          <p:nvPr/>
-        </p:nvSpPr>
-        <p:spPr>
-          <a:xfrm>
-            <a:off x="6334233" y="5322292"/>
-            <a:ext cx="365760" cy="365760"/>
+          <p:cNvPr id="83" name="Oval 82"/>
+          <p:cNvSpPr/>
+          <p:nvPr/>
+        </p:nvSpPr>
+        <p:spPr>
+          <a:xfrm>
+            <a:off x="7161892" y="5577942"/>
+            <a:ext cx="457200" cy="457200"/>
           </a:xfrm>
           <a:prstGeom prst="ellipse">
             <a:avLst/>
@@ -5383,14 +5603,14 @@
       </p:sp>
       <p:sp>
         <p:nvSpPr>
-          <p:cNvPr id="39" name="Oval 38"/>
-          <p:cNvSpPr/>
-          <p:nvPr/>
-        </p:nvSpPr>
-        <p:spPr>
-          <a:xfrm>
-            <a:off x="1920171" y="1923636"/>
-            <a:ext cx="731520" cy="731520"/>
+          <p:cNvPr id="84" name="Oval 83"/>
+          <p:cNvSpPr/>
+          <p:nvPr/>
+        </p:nvSpPr>
+        <p:spPr>
+          <a:xfrm>
+            <a:off x="7207612" y="2629842"/>
+            <a:ext cx="365760" cy="914400"/>
           </a:xfrm>
           <a:prstGeom prst="ellipse">
             <a:avLst/>
@@ -5427,16 +5647,416 @@
           </a:p>
         </p:txBody>
       </p:sp>
-      <p:sp>
-        <p:nvSpPr>
-          <p:cNvPr id="41" name="Oval 40"/>
-          <p:cNvSpPr/>
-          <p:nvPr/>
-        </p:nvSpPr>
-        <p:spPr>
-          <a:xfrm>
-            <a:off x="2161775" y="522718"/>
-            <a:ext cx="274320" cy="822960"/>
+      <p:grpSp>
+        <p:nvGrpSpPr>
+          <p:cNvPr id="85" name="Group 84"/>
+          <p:cNvGrpSpPr/>
+          <p:nvPr/>
+        </p:nvGrpSpPr>
+        <p:grpSpPr>
+          <a:xfrm>
+            <a:off x="6250704" y="3401494"/>
+            <a:ext cx="147955" cy="147955"/>
+            <a:chOff x="1320800" y="2968942"/>
+            <a:chExt cx="147955" cy="147955"/>
+          </a:xfrm>
+        </p:grpSpPr>
+        <p:cxnSp>
+          <p:nvCxnSpPr>
+            <p:cNvPr id="86" name="Straight Connector 85"/>
+            <p:cNvCxnSpPr/>
+            <p:nvPr/>
+          </p:nvCxnSpPr>
+          <p:spPr>
+            <a:xfrm>
+              <a:off x="1320800" y="3042920"/>
+              <a:ext cx="147955" cy="0"/>
+            </a:xfrm>
+            <a:prstGeom prst="line">
+              <a:avLst/>
+            </a:prstGeom>
+            <a:ln w="9525">
+              <a:solidFill>
+                <a:srgbClr val="FF0000"/>
+              </a:solidFill>
+            </a:ln>
+          </p:spPr>
+          <p:style>
+            <a:lnRef idx="1">
+              <a:schemeClr val="accent1"/>
+            </a:lnRef>
+            <a:fillRef idx="0">
+              <a:schemeClr val="accent1"/>
+            </a:fillRef>
+            <a:effectRef idx="0">
+              <a:schemeClr val="accent1"/>
+            </a:effectRef>
+            <a:fontRef idx="minor">
+              <a:schemeClr val="tx1"/>
+            </a:fontRef>
+          </p:style>
+        </p:cxnSp>
+        <p:cxnSp>
+          <p:nvCxnSpPr>
+            <p:cNvPr id="87" name="Straight Connector 86"/>
+            <p:cNvCxnSpPr/>
+            <p:nvPr/>
+          </p:nvCxnSpPr>
+          <p:spPr>
+            <a:xfrm rot="5400000">
+              <a:off x="1320800" y="3042920"/>
+              <a:ext cx="147955" cy="0"/>
+            </a:xfrm>
+            <a:prstGeom prst="line">
+              <a:avLst/>
+            </a:prstGeom>
+            <a:ln w="9525">
+              <a:solidFill>
+                <a:srgbClr val="FF0000"/>
+              </a:solidFill>
+            </a:ln>
+          </p:spPr>
+          <p:style>
+            <a:lnRef idx="1">
+              <a:schemeClr val="accent1"/>
+            </a:lnRef>
+            <a:fillRef idx="0">
+              <a:schemeClr val="accent1"/>
+            </a:fillRef>
+            <a:effectRef idx="0">
+              <a:schemeClr val="accent1"/>
+            </a:effectRef>
+            <a:fontRef idx="minor">
+              <a:schemeClr val="tx1"/>
+            </a:fontRef>
+          </p:style>
+        </p:cxnSp>
+      </p:grpSp>
+      <p:grpSp>
+        <p:nvGrpSpPr>
+          <p:cNvPr id="88" name="Group 87"/>
+          <p:cNvGrpSpPr/>
+          <p:nvPr/>
+        </p:nvGrpSpPr>
+        <p:grpSpPr>
+          <a:xfrm>
+            <a:off x="8379082" y="3401494"/>
+            <a:ext cx="147955" cy="147955"/>
+            <a:chOff x="1320800" y="2968942"/>
+            <a:chExt cx="147955" cy="147955"/>
+          </a:xfrm>
+        </p:grpSpPr>
+        <p:cxnSp>
+          <p:nvCxnSpPr>
+            <p:cNvPr id="89" name="Straight Connector 88"/>
+            <p:cNvCxnSpPr/>
+            <p:nvPr/>
+          </p:nvCxnSpPr>
+          <p:spPr>
+            <a:xfrm>
+              <a:off x="1320800" y="3042920"/>
+              <a:ext cx="147955" cy="0"/>
+            </a:xfrm>
+            <a:prstGeom prst="line">
+              <a:avLst/>
+            </a:prstGeom>
+            <a:ln w="9525">
+              <a:solidFill>
+                <a:srgbClr val="FF0000"/>
+              </a:solidFill>
+            </a:ln>
+          </p:spPr>
+          <p:style>
+            <a:lnRef idx="1">
+              <a:schemeClr val="accent1"/>
+            </a:lnRef>
+            <a:fillRef idx="0">
+              <a:schemeClr val="accent1"/>
+            </a:fillRef>
+            <a:effectRef idx="0">
+              <a:schemeClr val="accent1"/>
+            </a:effectRef>
+            <a:fontRef idx="minor">
+              <a:schemeClr val="tx1"/>
+            </a:fontRef>
+          </p:style>
+        </p:cxnSp>
+        <p:cxnSp>
+          <p:nvCxnSpPr>
+            <p:cNvPr id="90" name="Straight Connector 89"/>
+            <p:cNvCxnSpPr/>
+            <p:nvPr/>
+          </p:nvCxnSpPr>
+          <p:spPr>
+            <a:xfrm rot="5400000">
+              <a:off x="1320800" y="3042920"/>
+              <a:ext cx="147955" cy="0"/>
+            </a:xfrm>
+            <a:prstGeom prst="line">
+              <a:avLst/>
+            </a:prstGeom>
+            <a:ln w="9525">
+              <a:solidFill>
+                <a:srgbClr val="FF0000"/>
+              </a:solidFill>
+            </a:ln>
+          </p:spPr>
+          <p:style>
+            <a:lnRef idx="1">
+              <a:schemeClr val="accent1"/>
+            </a:lnRef>
+            <a:fillRef idx="0">
+              <a:schemeClr val="accent1"/>
+            </a:fillRef>
+            <a:effectRef idx="0">
+              <a:schemeClr val="accent1"/>
+            </a:effectRef>
+            <a:fontRef idx="minor">
+              <a:schemeClr val="tx1"/>
+            </a:fontRef>
+          </p:style>
+        </p:cxnSp>
+      </p:grpSp>
+      <p:grpSp>
+        <p:nvGrpSpPr>
+          <p:cNvPr id="91" name="Group 90"/>
+          <p:cNvGrpSpPr/>
+          <p:nvPr/>
+        </p:nvGrpSpPr>
+        <p:grpSpPr>
+          <a:xfrm>
+            <a:off x="8377251" y="5525494"/>
+            <a:ext cx="147955" cy="147955"/>
+            <a:chOff x="1320800" y="2968942"/>
+            <a:chExt cx="147955" cy="147955"/>
+          </a:xfrm>
+        </p:grpSpPr>
+        <p:cxnSp>
+          <p:nvCxnSpPr>
+            <p:cNvPr id="92" name="Straight Connector 91"/>
+            <p:cNvCxnSpPr/>
+            <p:nvPr/>
+          </p:nvCxnSpPr>
+          <p:spPr>
+            <a:xfrm>
+              <a:off x="1320800" y="3042920"/>
+              <a:ext cx="147955" cy="0"/>
+            </a:xfrm>
+            <a:prstGeom prst="line">
+              <a:avLst/>
+            </a:prstGeom>
+            <a:ln w="9525">
+              <a:solidFill>
+                <a:srgbClr val="FF0000"/>
+              </a:solidFill>
+            </a:ln>
+          </p:spPr>
+          <p:style>
+            <a:lnRef idx="1">
+              <a:schemeClr val="accent1"/>
+            </a:lnRef>
+            <a:fillRef idx="0">
+              <a:schemeClr val="accent1"/>
+            </a:fillRef>
+            <a:effectRef idx="0">
+              <a:schemeClr val="accent1"/>
+            </a:effectRef>
+            <a:fontRef idx="minor">
+              <a:schemeClr val="tx1"/>
+            </a:fontRef>
+          </p:style>
+        </p:cxnSp>
+        <p:cxnSp>
+          <p:nvCxnSpPr>
+            <p:cNvPr id="93" name="Straight Connector 92"/>
+            <p:cNvCxnSpPr/>
+            <p:nvPr/>
+          </p:nvCxnSpPr>
+          <p:spPr>
+            <a:xfrm rot="5400000">
+              <a:off x="1320800" y="3042920"/>
+              <a:ext cx="147955" cy="0"/>
+            </a:xfrm>
+            <a:prstGeom prst="line">
+              <a:avLst/>
+            </a:prstGeom>
+            <a:ln w="9525">
+              <a:solidFill>
+                <a:srgbClr val="FF0000"/>
+              </a:solidFill>
+            </a:ln>
+          </p:spPr>
+          <p:style>
+            <a:lnRef idx="1">
+              <a:schemeClr val="accent1"/>
+            </a:lnRef>
+            <a:fillRef idx="0">
+              <a:schemeClr val="accent1"/>
+            </a:fillRef>
+            <a:effectRef idx="0">
+              <a:schemeClr val="accent1"/>
+            </a:effectRef>
+            <a:fontRef idx="minor">
+              <a:schemeClr val="tx1"/>
+            </a:fontRef>
+          </p:style>
+        </p:cxnSp>
+      </p:grpSp>
+      <p:grpSp>
+        <p:nvGrpSpPr>
+          <p:cNvPr id="94" name="Group 93"/>
+          <p:cNvGrpSpPr/>
+          <p:nvPr/>
+        </p:nvGrpSpPr>
+        <p:grpSpPr>
+          <a:xfrm>
+            <a:off x="6249595" y="5525494"/>
+            <a:ext cx="147955" cy="147955"/>
+            <a:chOff x="1320800" y="2968942"/>
+            <a:chExt cx="147955" cy="147955"/>
+          </a:xfrm>
+        </p:grpSpPr>
+        <p:cxnSp>
+          <p:nvCxnSpPr>
+            <p:cNvPr id="95" name="Straight Connector 94"/>
+            <p:cNvCxnSpPr/>
+            <p:nvPr/>
+          </p:nvCxnSpPr>
+          <p:spPr>
+            <a:xfrm>
+              <a:off x="1320800" y="3042920"/>
+              <a:ext cx="147955" cy="0"/>
+            </a:xfrm>
+            <a:prstGeom prst="line">
+              <a:avLst/>
+            </a:prstGeom>
+            <a:ln w="9525">
+              <a:solidFill>
+                <a:srgbClr val="FF0000"/>
+              </a:solidFill>
+            </a:ln>
+          </p:spPr>
+          <p:style>
+            <a:lnRef idx="1">
+              <a:schemeClr val="accent1"/>
+            </a:lnRef>
+            <a:fillRef idx="0">
+              <a:schemeClr val="accent1"/>
+            </a:fillRef>
+            <a:effectRef idx="0">
+              <a:schemeClr val="accent1"/>
+            </a:effectRef>
+            <a:fontRef idx="minor">
+              <a:schemeClr val="tx1"/>
+            </a:fontRef>
+          </p:style>
+        </p:cxnSp>
+        <p:cxnSp>
+          <p:nvCxnSpPr>
+            <p:cNvPr id="96" name="Straight Connector 95"/>
+            <p:cNvCxnSpPr/>
+            <p:nvPr/>
+          </p:nvCxnSpPr>
+          <p:spPr>
+            <a:xfrm rot="5400000">
+              <a:off x="1320800" y="3042920"/>
+              <a:ext cx="147955" cy="0"/>
+            </a:xfrm>
+            <a:prstGeom prst="line">
+              <a:avLst/>
+            </a:prstGeom>
+            <a:ln w="9525">
+              <a:solidFill>
+                <a:srgbClr val="FF0000"/>
+              </a:solidFill>
+            </a:ln>
+          </p:spPr>
+          <p:style>
+            <a:lnRef idx="1">
+              <a:schemeClr val="accent1"/>
+            </a:lnRef>
+            <a:fillRef idx="0">
+              <a:schemeClr val="accent1"/>
+            </a:fillRef>
+            <a:effectRef idx="0">
+              <a:schemeClr val="accent1"/>
+            </a:effectRef>
+            <a:fontRef idx="minor">
+              <a:schemeClr val="tx1"/>
+            </a:fontRef>
+          </p:style>
+        </p:cxnSp>
+      </p:grpSp>
+    </p:spTree>
+    <p:extLst>
+      <p:ext uri="{BB962C8B-B14F-4D97-AF65-F5344CB8AC3E}">
+        <p14:creationId xmlns:p14="http://schemas.microsoft.com/office/powerpoint/2010/main" val="1140870023"/>
+      </p:ext>
+    </p:extLst>
+  </p:cSld>
+  <p:clrMapOvr>
+    <a:masterClrMapping/>
+  </p:clrMapOvr>
+</p:sld>
+</file>
+
+<file path=ppt/slides/slide12.xml><?xml version="1.0" encoding="utf-8"?>
+<p:sld xmlns:a="http://schemas.openxmlformats.org/drawingml/2006/main" xmlns:r="http://schemas.openxmlformats.org/officeDocument/2006/relationships" xmlns:p="http://schemas.openxmlformats.org/presentationml/2006/main">
+  <p:cSld>
+    <p:spTree>
+      <p:nvGrpSpPr>
+        <p:cNvPr id="1" name=""/>
+        <p:cNvGrpSpPr/>
+        <p:nvPr/>
+      </p:nvGrpSpPr>
+      <p:grpSpPr>
+        <a:xfrm>
+          <a:off x="0" y="0"/>
+          <a:ext cx="0" cy="0"/>
+          <a:chOff x="0" y="0"/>
+          <a:chExt cx="0" cy="0"/>
+        </a:xfrm>
+      </p:grpSpPr>
+      <p:sp>
+        <p:nvSpPr>
+          <p:cNvPr id="2" name="TextBox 1"/>
+          <p:cNvSpPr txBox="1"/>
+          <p:nvPr/>
+        </p:nvSpPr>
+        <p:spPr>
+          <a:xfrm>
+            <a:off x="7401464" y="129396"/>
+            <a:ext cx="974498" cy="369332"/>
+          </a:xfrm>
+          <a:prstGeom prst="rect">
+            <a:avLst/>
+          </a:prstGeom>
+          <a:noFill/>
+        </p:spPr>
+        <p:txBody>
+          <a:bodyPr wrap="none" rtlCol="0">
+            <a:spAutoFit/>
+          </a:bodyPr>
+          <a:lstStyle/>
+          <a:p>
+            <a:r>
+              <a:rPr lang="en-US" dirty="0" smtClean="0"/>
+              <a:t>FOR CDs</a:t>
+            </a:r>
+            <a:endParaRPr lang="en-US" dirty="0"/>
+          </a:p>
+        </p:txBody>
+      </p:sp>
+      <p:sp>
+        <p:nvSpPr>
+          <p:cNvPr id="39" name="Oval 38"/>
+          <p:cNvSpPr/>
+          <p:nvPr/>
+        </p:nvSpPr>
+        <p:spPr>
+          <a:xfrm>
+            <a:off x="1987838" y="1832196"/>
+            <a:ext cx="914400" cy="914400"/>
           </a:xfrm>
           <a:prstGeom prst="ellipse">
             <a:avLst/>
@@ -5481,8 +6101,1259 @@
         </p:nvSpPr>
         <p:spPr>
           <a:xfrm>
-            <a:off x="131177" y="129396"/>
+            <a:off x="271692" y="129396"/>
             <a:ext cx="4320000" cy="4320000"/>
+          </a:xfrm>
+          <a:prstGeom prst="ellipse">
+            <a:avLst/>
+          </a:prstGeom>
+          <a:noFill/>
+        </p:spPr>
+        <p:style>
+          <a:lnRef idx="2">
+            <a:schemeClr val="accent1">
+              <a:shade val="50000"/>
+            </a:schemeClr>
+          </a:lnRef>
+          <a:fillRef idx="1">
+            <a:schemeClr val="accent1"/>
+          </a:fillRef>
+          <a:effectRef idx="0">
+            <a:schemeClr val="accent1"/>
+          </a:effectRef>
+          <a:fontRef idx="minor">
+            <a:schemeClr val="lt1"/>
+          </a:fontRef>
+        </p:style>
+        <p:txBody>
+          <a:bodyPr rtlCol="0" anchor="ctr"/>
+          <a:lstStyle/>
+          <a:p>
+            <a:pPr algn="ctr"/>
+            <a:endParaRPr lang="en-US"/>
+          </a:p>
+        </p:txBody>
+      </p:sp>
+      <p:sp>
+        <p:nvSpPr>
+          <p:cNvPr id="48" name="Oval 47"/>
+          <p:cNvSpPr/>
+          <p:nvPr/>
+        </p:nvSpPr>
+        <p:spPr>
+          <a:xfrm>
+            <a:off x="3560150" y="2066640"/>
+            <a:ext cx="457200" cy="457200"/>
+          </a:xfrm>
+          <a:prstGeom prst="ellipse">
+            <a:avLst/>
+          </a:prstGeom>
+          <a:solidFill>
+            <a:schemeClr val="tx1"/>
+          </a:solidFill>
+          <a:ln>
+            <a:noFill/>
+          </a:ln>
+        </p:spPr>
+        <p:style>
+          <a:lnRef idx="2">
+            <a:schemeClr val="accent1">
+              <a:shade val="50000"/>
+            </a:schemeClr>
+          </a:lnRef>
+          <a:fillRef idx="1">
+            <a:schemeClr val="accent1"/>
+          </a:fillRef>
+          <a:effectRef idx="0">
+            <a:schemeClr val="accent1"/>
+          </a:effectRef>
+          <a:fontRef idx="minor">
+            <a:schemeClr val="lt1"/>
+          </a:fontRef>
+        </p:style>
+        <p:txBody>
+          <a:bodyPr rtlCol="0" anchor="ctr"/>
+          <a:lstStyle/>
+          <a:p>
+            <a:pPr algn="ctr"/>
+            <a:endParaRPr lang="en-US"/>
+          </a:p>
+        </p:txBody>
+      </p:sp>
+      <p:sp>
+        <p:nvSpPr>
+          <p:cNvPr id="28" name="Oval 27"/>
+          <p:cNvSpPr/>
+          <p:nvPr/>
+        </p:nvSpPr>
+        <p:spPr>
+          <a:xfrm>
+            <a:off x="863430" y="2066640"/>
+            <a:ext cx="457200" cy="457200"/>
+          </a:xfrm>
+          <a:prstGeom prst="ellipse">
+            <a:avLst/>
+          </a:prstGeom>
+          <a:solidFill>
+            <a:schemeClr val="tx1"/>
+          </a:solidFill>
+          <a:ln>
+            <a:noFill/>
+          </a:ln>
+        </p:spPr>
+        <p:style>
+          <a:lnRef idx="2">
+            <a:schemeClr val="accent1">
+              <a:shade val="50000"/>
+            </a:schemeClr>
+          </a:lnRef>
+          <a:fillRef idx="1">
+            <a:schemeClr val="accent1"/>
+          </a:fillRef>
+          <a:effectRef idx="0">
+            <a:schemeClr val="accent1"/>
+          </a:effectRef>
+          <a:fontRef idx="minor">
+            <a:schemeClr val="lt1"/>
+          </a:fontRef>
+        </p:style>
+        <p:txBody>
+          <a:bodyPr rtlCol="0" anchor="ctr"/>
+          <a:lstStyle/>
+          <a:p>
+            <a:pPr algn="ctr"/>
+            <a:endParaRPr lang="en-US"/>
+          </a:p>
+        </p:txBody>
+      </p:sp>
+      <p:sp>
+        <p:nvSpPr>
+          <p:cNvPr id="31" name="Oval 30"/>
+          <p:cNvSpPr/>
+          <p:nvPr/>
+        </p:nvSpPr>
+        <p:spPr>
+          <a:xfrm>
+            <a:off x="2251186" y="469842"/>
+            <a:ext cx="365760" cy="914400"/>
+          </a:xfrm>
+          <a:prstGeom prst="ellipse">
+            <a:avLst/>
+          </a:prstGeom>
+          <a:solidFill>
+            <a:schemeClr val="tx1"/>
+          </a:solidFill>
+          <a:ln>
+            <a:noFill/>
+          </a:ln>
+        </p:spPr>
+        <p:style>
+          <a:lnRef idx="2">
+            <a:schemeClr val="accent1">
+              <a:shade val="50000"/>
+            </a:schemeClr>
+          </a:lnRef>
+          <a:fillRef idx="1">
+            <a:schemeClr val="accent1"/>
+          </a:fillRef>
+          <a:effectRef idx="0">
+            <a:schemeClr val="accent1"/>
+          </a:effectRef>
+          <a:fontRef idx="minor">
+            <a:schemeClr val="lt1"/>
+          </a:fontRef>
+        </p:style>
+        <p:txBody>
+          <a:bodyPr rtlCol="0" anchor="ctr"/>
+          <a:lstStyle/>
+          <a:p>
+            <a:pPr algn="ctr"/>
+            <a:endParaRPr lang="en-US"/>
+          </a:p>
+        </p:txBody>
+      </p:sp>
+      <p:grpSp>
+        <p:nvGrpSpPr>
+          <p:cNvPr id="8" name="Group 7"/>
+          <p:cNvGrpSpPr/>
+          <p:nvPr/>
+        </p:nvGrpSpPr>
+        <p:grpSpPr>
+          <a:xfrm>
+            <a:off x="1294278" y="1241494"/>
+            <a:ext cx="147955" cy="147955"/>
+            <a:chOff x="1320800" y="2968942"/>
+            <a:chExt cx="147955" cy="147955"/>
+          </a:xfrm>
+        </p:grpSpPr>
+        <p:cxnSp>
+          <p:nvCxnSpPr>
+            <p:cNvPr id="5" name="Straight Connector 4"/>
+            <p:cNvCxnSpPr/>
+            <p:nvPr/>
+          </p:nvCxnSpPr>
+          <p:spPr>
+            <a:xfrm>
+              <a:off x="1320800" y="3042920"/>
+              <a:ext cx="147955" cy="0"/>
+            </a:xfrm>
+            <a:prstGeom prst="line">
+              <a:avLst/>
+            </a:prstGeom>
+            <a:ln w="9525">
+              <a:solidFill>
+                <a:srgbClr val="FF0000"/>
+              </a:solidFill>
+            </a:ln>
+          </p:spPr>
+          <p:style>
+            <a:lnRef idx="1">
+              <a:schemeClr val="accent1"/>
+            </a:lnRef>
+            <a:fillRef idx="0">
+              <a:schemeClr val="accent1"/>
+            </a:fillRef>
+            <a:effectRef idx="0">
+              <a:schemeClr val="accent1"/>
+            </a:effectRef>
+            <a:fontRef idx="minor">
+              <a:schemeClr val="tx1"/>
+            </a:fontRef>
+          </p:style>
+        </p:cxnSp>
+        <p:cxnSp>
+          <p:nvCxnSpPr>
+            <p:cNvPr id="40" name="Straight Connector 39"/>
+            <p:cNvCxnSpPr/>
+            <p:nvPr/>
+          </p:nvCxnSpPr>
+          <p:spPr>
+            <a:xfrm rot="5400000">
+              <a:off x="1320800" y="3042920"/>
+              <a:ext cx="147955" cy="0"/>
+            </a:xfrm>
+            <a:prstGeom prst="line">
+              <a:avLst/>
+            </a:prstGeom>
+            <a:ln w="9525">
+              <a:solidFill>
+                <a:srgbClr val="FF0000"/>
+              </a:solidFill>
+            </a:ln>
+          </p:spPr>
+          <p:style>
+            <a:lnRef idx="1">
+              <a:schemeClr val="accent1"/>
+            </a:lnRef>
+            <a:fillRef idx="0">
+              <a:schemeClr val="accent1"/>
+            </a:fillRef>
+            <a:effectRef idx="0">
+              <a:schemeClr val="accent1"/>
+            </a:effectRef>
+            <a:fontRef idx="minor">
+              <a:schemeClr val="tx1"/>
+            </a:fontRef>
+          </p:style>
+        </p:cxnSp>
+      </p:grpSp>
+      <p:grpSp>
+        <p:nvGrpSpPr>
+          <p:cNvPr id="43" name="Group 42"/>
+          <p:cNvGrpSpPr/>
+          <p:nvPr/>
+        </p:nvGrpSpPr>
+        <p:grpSpPr>
+          <a:xfrm>
+            <a:off x="3422656" y="1241494"/>
+            <a:ext cx="147955" cy="147955"/>
+            <a:chOff x="1320800" y="2968942"/>
+            <a:chExt cx="147955" cy="147955"/>
+          </a:xfrm>
+        </p:grpSpPr>
+        <p:cxnSp>
+          <p:nvCxnSpPr>
+            <p:cNvPr id="44" name="Straight Connector 43"/>
+            <p:cNvCxnSpPr/>
+            <p:nvPr/>
+          </p:nvCxnSpPr>
+          <p:spPr>
+            <a:xfrm>
+              <a:off x="1320800" y="3042920"/>
+              <a:ext cx="147955" cy="0"/>
+            </a:xfrm>
+            <a:prstGeom prst="line">
+              <a:avLst/>
+            </a:prstGeom>
+            <a:ln w="9525">
+              <a:solidFill>
+                <a:srgbClr val="FF0000"/>
+              </a:solidFill>
+            </a:ln>
+          </p:spPr>
+          <p:style>
+            <a:lnRef idx="1">
+              <a:schemeClr val="accent1"/>
+            </a:lnRef>
+            <a:fillRef idx="0">
+              <a:schemeClr val="accent1"/>
+            </a:fillRef>
+            <a:effectRef idx="0">
+              <a:schemeClr val="accent1"/>
+            </a:effectRef>
+            <a:fontRef idx="minor">
+              <a:schemeClr val="tx1"/>
+            </a:fontRef>
+          </p:style>
+        </p:cxnSp>
+        <p:cxnSp>
+          <p:nvCxnSpPr>
+            <p:cNvPr id="50" name="Straight Connector 49"/>
+            <p:cNvCxnSpPr/>
+            <p:nvPr/>
+          </p:nvCxnSpPr>
+          <p:spPr>
+            <a:xfrm rot="5400000">
+              <a:off x="1320800" y="3042920"/>
+              <a:ext cx="147955" cy="0"/>
+            </a:xfrm>
+            <a:prstGeom prst="line">
+              <a:avLst/>
+            </a:prstGeom>
+            <a:ln w="9525">
+              <a:solidFill>
+                <a:srgbClr val="FF0000"/>
+              </a:solidFill>
+            </a:ln>
+          </p:spPr>
+          <p:style>
+            <a:lnRef idx="1">
+              <a:schemeClr val="accent1"/>
+            </a:lnRef>
+            <a:fillRef idx="0">
+              <a:schemeClr val="accent1"/>
+            </a:fillRef>
+            <a:effectRef idx="0">
+              <a:schemeClr val="accent1"/>
+            </a:effectRef>
+            <a:fontRef idx="minor">
+              <a:schemeClr val="tx1"/>
+            </a:fontRef>
+          </p:style>
+        </p:cxnSp>
+      </p:grpSp>
+      <p:grpSp>
+        <p:nvGrpSpPr>
+          <p:cNvPr id="51" name="Group 50"/>
+          <p:cNvGrpSpPr/>
+          <p:nvPr/>
+        </p:nvGrpSpPr>
+        <p:grpSpPr>
+          <a:xfrm>
+            <a:off x="3420825" y="3365494"/>
+            <a:ext cx="147955" cy="147955"/>
+            <a:chOff x="1320800" y="2968942"/>
+            <a:chExt cx="147955" cy="147955"/>
+          </a:xfrm>
+        </p:grpSpPr>
+        <p:cxnSp>
+          <p:nvCxnSpPr>
+            <p:cNvPr id="52" name="Straight Connector 51"/>
+            <p:cNvCxnSpPr/>
+            <p:nvPr/>
+          </p:nvCxnSpPr>
+          <p:spPr>
+            <a:xfrm>
+              <a:off x="1320800" y="3042920"/>
+              <a:ext cx="147955" cy="0"/>
+            </a:xfrm>
+            <a:prstGeom prst="line">
+              <a:avLst/>
+            </a:prstGeom>
+            <a:ln w="9525">
+              <a:solidFill>
+                <a:srgbClr val="FF0000"/>
+              </a:solidFill>
+            </a:ln>
+          </p:spPr>
+          <p:style>
+            <a:lnRef idx="1">
+              <a:schemeClr val="accent1"/>
+            </a:lnRef>
+            <a:fillRef idx="0">
+              <a:schemeClr val="accent1"/>
+            </a:fillRef>
+            <a:effectRef idx="0">
+              <a:schemeClr val="accent1"/>
+            </a:effectRef>
+            <a:fontRef idx="minor">
+              <a:schemeClr val="tx1"/>
+            </a:fontRef>
+          </p:style>
+        </p:cxnSp>
+        <p:cxnSp>
+          <p:nvCxnSpPr>
+            <p:cNvPr id="53" name="Straight Connector 52"/>
+            <p:cNvCxnSpPr/>
+            <p:nvPr/>
+          </p:nvCxnSpPr>
+          <p:spPr>
+            <a:xfrm rot="5400000">
+              <a:off x="1320800" y="3042920"/>
+              <a:ext cx="147955" cy="0"/>
+            </a:xfrm>
+            <a:prstGeom prst="line">
+              <a:avLst/>
+            </a:prstGeom>
+            <a:ln w="9525">
+              <a:solidFill>
+                <a:srgbClr val="FF0000"/>
+              </a:solidFill>
+            </a:ln>
+          </p:spPr>
+          <p:style>
+            <a:lnRef idx="1">
+              <a:schemeClr val="accent1"/>
+            </a:lnRef>
+            <a:fillRef idx="0">
+              <a:schemeClr val="accent1"/>
+            </a:fillRef>
+            <a:effectRef idx="0">
+              <a:schemeClr val="accent1"/>
+            </a:effectRef>
+            <a:fontRef idx="minor">
+              <a:schemeClr val="tx1"/>
+            </a:fontRef>
+          </p:style>
+        </p:cxnSp>
+      </p:grpSp>
+      <p:grpSp>
+        <p:nvGrpSpPr>
+          <p:cNvPr id="54" name="Group 53"/>
+          <p:cNvGrpSpPr/>
+          <p:nvPr/>
+        </p:nvGrpSpPr>
+        <p:grpSpPr>
+          <a:xfrm>
+            <a:off x="1293169" y="3365494"/>
+            <a:ext cx="147955" cy="147955"/>
+            <a:chOff x="1320800" y="2968942"/>
+            <a:chExt cx="147955" cy="147955"/>
+          </a:xfrm>
+        </p:grpSpPr>
+        <p:cxnSp>
+          <p:nvCxnSpPr>
+            <p:cNvPr id="55" name="Straight Connector 54"/>
+            <p:cNvCxnSpPr/>
+            <p:nvPr/>
+          </p:nvCxnSpPr>
+          <p:spPr>
+            <a:xfrm>
+              <a:off x="1320800" y="3042920"/>
+              <a:ext cx="147955" cy="0"/>
+            </a:xfrm>
+            <a:prstGeom prst="line">
+              <a:avLst/>
+            </a:prstGeom>
+            <a:ln w="9525">
+              <a:solidFill>
+                <a:srgbClr val="FF0000"/>
+              </a:solidFill>
+            </a:ln>
+          </p:spPr>
+          <p:style>
+            <a:lnRef idx="1">
+              <a:schemeClr val="accent1"/>
+            </a:lnRef>
+            <a:fillRef idx="0">
+              <a:schemeClr val="accent1"/>
+            </a:fillRef>
+            <a:effectRef idx="0">
+              <a:schemeClr val="accent1"/>
+            </a:effectRef>
+            <a:fontRef idx="minor">
+              <a:schemeClr val="tx1"/>
+            </a:fontRef>
+          </p:style>
+        </p:cxnSp>
+        <p:cxnSp>
+          <p:nvCxnSpPr>
+            <p:cNvPr id="56" name="Straight Connector 55"/>
+            <p:cNvCxnSpPr/>
+            <p:nvPr/>
+          </p:nvCxnSpPr>
+          <p:spPr>
+            <a:xfrm rot="5400000">
+              <a:off x="1320800" y="3042920"/>
+              <a:ext cx="147955" cy="0"/>
+            </a:xfrm>
+            <a:prstGeom prst="line">
+              <a:avLst/>
+            </a:prstGeom>
+            <a:ln w="9525">
+              <a:solidFill>
+                <a:srgbClr val="FF0000"/>
+              </a:solidFill>
+            </a:ln>
+          </p:spPr>
+          <p:style>
+            <a:lnRef idx="1">
+              <a:schemeClr val="accent1"/>
+            </a:lnRef>
+            <a:fillRef idx="0">
+              <a:schemeClr val="accent1"/>
+            </a:fillRef>
+            <a:effectRef idx="0">
+              <a:schemeClr val="accent1"/>
+            </a:effectRef>
+            <a:fontRef idx="minor">
+              <a:schemeClr val="tx1"/>
+            </a:fontRef>
+          </p:style>
+        </p:cxnSp>
+      </p:grpSp>
+      <p:sp>
+        <p:nvSpPr>
+          <p:cNvPr id="77" name="Oval 76"/>
+          <p:cNvSpPr/>
+          <p:nvPr/>
+        </p:nvSpPr>
+        <p:spPr>
+          <a:xfrm>
+            <a:off x="6944264" y="3992196"/>
+            <a:ext cx="914400" cy="914400"/>
+          </a:xfrm>
+          <a:prstGeom prst="ellipse">
+            <a:avLst/>
+          </a:prstGeom>
+          <a:solidFill>
+            <a:schemeClr val="tx1"/>
+          </a:solidFill>
+          <a:ln>
+            <a:noFill/>
+          </a:ln>
+        </p:spPr>
+        <p:style>
+          <a:lnRef idx="2">
+            <a:schemeClr val="accent1">
+              <a:shade val="50000"/>
+            </a:schemeClr>
+          </a:lnRef>
+          <a:fillRef idx="1">
+            <a:schemeClr val="accent1"/>
+          </a:fillRef>
+          <a:effectRef idx="0">
+            <a:schemeClr val="accent1"/>
+          </a:effectRef>
+          <a:fontRef idx="minor">
+            <a:schemeClr val="lt1"/>
+          </a:fontRef>
+        </p:style>
+        <p:txBody>
+          <a:bodyPr rtlCol="0" anchor="ctr"/>
+          <a:lstStyle/>
+          <a:p>
+            <a:pPr algn="ctr"/>
+            <a:endParaRPr lang="en-US"/>
+          </a:p>
+        </p:txBody>
+      </p:sp>
+      <p:sp>
+        <p:nvSpPr>
+          <p:cNvPr id="78" name="Oval 77"/>
+          <p:cNvSpPr/>
+          <p:nvPr/>
+        </p:nvSpPr>
+        <p:spPr>
+          <a:xfrm>
+            <a:off x="5228118" y="2289396"/>
+            <a:ext cx="4320000" cy="4320000"/>
+          </a:xfrm>
+          <a:prstGeom prst="ellipse">
+            <a:avLst/>
+          </a:prstGeom>
+          <a:noFill/>
+        </p:spPr>
+        <p:style>
+          <a:lnRef idx="2">
+            <a:schemeClr val="accent1">
+              <a:shade val="50000"/>
+            </a:schemeClr>
+          </a:lnRef>
+          <a:fillRef idx="1">
+            <a:schemeClr val="accent1"/>
+          </a:fillRef>
+          <a:effectRef idx="0">
+            <a:schemeClr val="accent1"/>
+          </a:effectRef>
+          <a:fontRef idx="minor">
+            <a:schemeClr val="lt1"/>
+          </a:fontRef>
+        </p:style>
+        <p:txBody>
+          <a:bodyPr rtlCol="0" anchor="ctr"/>
+          <a:lstStyle/>
+          <a:p>
+            <a:pPr algn="ctr"/>
+            <a:endParaRPr lang="en-US"/>
+          </a:p>
+        </p:txBody>
+      </p:sp>
+      <p:sp>
+        <p:nvSpPr>
+          <p:cNvPr id="83" name="Oval 82"/>
+          <p:cNvSpPr/>
+          <p:nvPr/>
+        </p:nvSpPr>
+        <p:spPr>
+          <a:xfrm>
+            <a:off x="7161892" y="5577942"/>
+            <a:ext cx="457200" cy="457200"/>
+          </a:xfrm>
+          <a:prstGeom prst="ellipse">
+            <a:avLst/>
+          </a:prstGeom>
+          <a:solidFill>
+            <a:schemeClr val="tx1"/>
+          </a:solidFill>
+          <a:ln>
+            <a:noFill/>
+          </a:ln>
+        </p:spPr>
+        <p:style>
+          <a:lnRef idx="2">
+            <a:schemeClr val="accent1">
+              <a:shade val="50000"/>
+            </a:schemeClr>
+          </a:lnRef>
+          <a:fillRef idx="1">
+            <a:schemeClr val="accent1"/>
+          </a:fillRef>
+          <a:effectRef idx="0">
+            <a:schemeClr val="accent1"/>
+          </a:effectRef>
+          <a:fontRef idx="minor">
+            <a:schemeClr val="lt1"/>
+          </a:fontRef>
+        </p:style>
+        <p:txBody>
+          <a:bodyPr rtlCol="0" anchor="ctr"/>
+          <a:lstStyle/>
+          <a:p>
+            <a:pPr algn="ctr"/>
+            <a:endParaRPr lang="en-US"/>
+          </a:p>
+        </p:txBody>
+      </p:sp>
+      <p:sp>
+        <p:nvSpPr>
+          <p:cNvPr id="84" name="Oval 83"/>
+          <p:cNvSpPr/>
+          <p:nvPr/>
+        </p:nvSpPr>
+        <p:spPr>
+          <a:xfrm>
+            <a:off x="7207612" y="2629842"/>
+            <a:ext cx="365760" cy="914400"/>
+          </a:xfrm>
+          <a:prstGeom prst="ellipse">
+            <a:avLst/>
+          </a:prstGeom>
+          <a:solidFill>
+            <a:schemeClr val="tx1"/>
+          </a:solidFill>
+          <a:ln>
+            <a:noFill/>
+          </a:ln>
+        </p:spPr>
+        <p:style>
+          <a:lnRef idx="2">
+            <a:schemeClr val="accent1">
+              <a:shade val="50000"/>
+            </a:schemeClr>
+          </a:lnRef>
+          <a:fillRef idx="1">
+            <a:schemeClr val="accent1"/>
+          </a:fillRef>
+          <a:effectRef idx="0">
+            <a:schemeClr val="accent1"/>
+          </a:effectRef>
+          <a:fontRef idx="minor">
+            <a:schemeClr val="lt1"/>
+          </a:fontRef>
+        </p:style>
+        <p:txBody>
+          <a:bodyPr rtlCol="0" anchor="ctr"/>
+          <a:lstStyle/>
+          <a:p>
+            <a:pPr algn="ctr"/>
+            <a:endParaRPr lang="en-US"/>
+          </a:p>
+        </p:txBody>
+      </p:sp>
+      <p:grpSp>
+        <p:nvGrpSpPr>
+          <p:cNvPr id="85" name="Group 84"/>
+          <p:cNvGrpSpPr/>
+          <p:nvPr/>
+        </p:nvGrpSpPr>
+        <p:grpSpPr>
+          <a:xfrm>
+            <a:off x="6250704" y="3401494"/>
+            <a:ext cx="147955" cy="147955"/>
+            <a:chOff x="1320800" y="2968942"/>
+            <a:chExt cx="147955" cy="147955"/>
+          </a:xfrm>
+        </p:grpSpPr>
+        <p:cxnSp>
+          <p:nvCxnSpPr>
+            <p:cNvPr id="86" name="Straight Connector 85"/>
+            <p:cNvCxnSpPr/>
+            <p:nvPr/>
+          </p:nvCxnSpPr>
+          <p:spPr>
+            <a:xfrm>
+              <a:off x="1320800" y="3042920"/>
+              <a:ext cx="147955" cy="0"/>
+            </a:xfrm>
+            <a:prstGeom prst="line">
+              <a:avLst/>
+            </a:prstGeom>
+            <a:ln w="9525">
+              <a:solidFill>
+                <a:srgbClr val="FF0000"/>
+              </a:solidFill>
+            </a:ln>
+          </p:spPr>
+          <p:style>
+            <a:lnRef idx="1">
+              <a:schemeClr val="accent1"/>
+            </a:lnRef>
+            <a:fillRef idx="0">
+              <a:schemeClr val="accent1"/>
+            </a:fillRef>
+            <a:effectRef idx="0">
+              <a:schemeClr val="accent1"/>
+            </a:effectRef>
+            <a:fontRef idx="minor">
+              <a:schemeClr val="tx1"/>
+            </a:fontRef>
+          </p:style>
+        </p:cxnSp>
+        <p:cxnSp>
+          <p:nvCxnSpPr>
+            <p:cNvPr id="87" name="Straight Connector 86"/>
+            <p:cNvCxnSpPr/>
+            <p:nvPr/>
+          </p:nvCxnSpPr>
+          <p:spPr>
+            <a:xfrm rot="5400000">
+              <a:off x="1320800" y="3042920"/>
+              <a:ext cx="147955" cy="0"/>
+            </a:xfrm>
+            <a:prstGeom prst="line">
+              <a:avLst/>
+            </a:prstGeom>
+            <a:ln w="9525">
+              <a:solidFill>
+                <a:srgbClr val="FF0000"/>
+              </a:solidFill>
+            </a:ln>
+          </p:spPr>
+          <p:style>
+            <a:lnRef idx="1">
+              <a:schemeClr val="accent1"/>
+            </a:lnRef>
+            <a:fillRef idx="0">
+              <a:schemeClr val="accent1"/>
+            </a:fillRef>
+            <a:effectRef idx="0">
+              <a:schemeClr val="accent1"/>
+            </a:effectRef>
+            <a:fontRef idx="minor">
+              <a:schemeClr val="tx1"/>
+            </a:fontRef>
+          </p:style>
+        </p:cxnSp>
+      </p:grpSp>
+      <p:grpSp>
+        <p:nvGrpSpPr>
+          <p:cNvPr id="88" name="Group 87"/>
+          <p:cNvGrpSpPr/>
+          <p:nvPr/>
+        </p:nvGrpSpPr>
+        <p:grpSpPr>
+          <a:xfrm>
+            <a:off x="8379082" y="3401494"/>
+            <a:ext cx="147955" cy="147955"/>
+            <a:chOff x="1320800" y="2968942"/>
+            <a:chExt cx="147955" cy="147955"/>
+          </a:xfrm>
+        </p:grpSpPr>
+        <p:cxnSp>
+          <p:nvCxnSpPr>
+            <p:cNvPr id="89" name="Straight Connector 88"/>
+            <p:cNvCxnSpPr/>
+            <p:nvPr/>
+          </p:nvCxnSpPr>
+          <p:spPr>
+            <a:xfrm>
+              <a:off x="1320800" y="3042920"/>
+              <a:ext cx="147955" cy="0"/>
+            </a:xfrm>
+            <a:prstGeom prst="line">
+              <a:avLst/>
+            </a:prstGeom>
+            <a:ln w="9525">
+              <a:solidFill>
+                <a:srgbClr val="FF0000"/>
+              </a:solidFill>
+            </a:ln>
+          </p:spPr>
+          <p:style>
+            <a:lnRef idx="1">
+              <a:schemeClr val="accent1"/>
+            </a:lnRef>
+            <a:fillRef idx="0">
+              <a:schemeClr val="accent1"/>
+            </a:fillRef>
+            <a:effectRef idx="0">
+              <a:schemeClr val="accent1"/>
+            </a:effectRef>
+            <a:fontRef idx="minor">
+              <a:schemeClr val="tx1"/>
+            </a:fontRef>
+          </p:style>
+        </p:cxnSp>
+        <p:cxnSp>
+          <p:nvCxnSpPr>
+            <p:cNvPr id="90" name="Straight Connector 89"/>
+            <p:cNvCxnSpPr/>
+            <p:nvPr/>
+          </p:nvCxnSpPr>
+          <p:spPr>
+            <a:xfrm rot="5400000">
+              <a:off x="1320800" y="3042920"/>
+              <a:ext cx="147955" cy="0"/>
+            </a:xfrm>
+            <a:prstGeom prst="line">
+              <a:avLst/>
+            </a:prstGeom>
+            <a:ln w="9525">
+              <a:solidFill>
+                <a:srgbClr val="FF0000"/>
+              </a:solidFill>
+            </a:ln>
+          </p:spPr>
+          <p:style>
+            <a:lnRef idx="1">
+              <a:schemeClr val="accent1"/>
+            </a:lnRef>
+            <a:fillRef idx="0">
+              <a:schemeClr val="accent1"/>
+            </a:fillRef>
+            <a:effectRef idx="0">
+              <a:schemeClr val="accent1"/>
+            </a:effectRef>
+            <a:fontRef idx="minor">
+              <a:schemeClr val="tx1"/>
+            </a:fontRef>
+          </p:style>
+        </p:cxnSp>
+      </p:grpSp>
+      <p:grpSp>
+        <p:nvGrpSpPr>
+          <p:cNvPr id="91" name="Group 90"/>
+          <p:cNvGrpSpPr/>
+          <p:nvPr/>
+        </p:nvGrpSpPr>
+        <p:grpSpPr>
+          <a:xfrm>
+            <a:off x="8377251" y="5525494"/>
+            <a:ext cx="147955" cy="147955"/>
+            <a:chOff x="1320800" y="2968942"/>
+            <a:chExt cx="147955" cy="147955"/>
+          </a:xfrm>
+        </p:grpSpPr>
+        <p:cxnSp>
+          <p:nvCxnSpPr>
+            <p:cNvPr id="92" name="Straight Connector 91"/>
+            <p:cNvCxnSpPr/>
+            <p:nvPr/>
+          </p:nvCxnSpPr>
+          <p:spPr>
+            <a:xfrm>
+              <a:off x="1320800" y="3042920"/>
+              <a:ext cx="147955" cy="0"/>
+            </a:xfrm>
+            <a:prstGeom prst="line">
+              <a:avLst/>
+            </a:prstGeom>
+            <a:ln w="9525">
+              <a:solidFill>
+                <a:srgbClr val="FF0000"/>
+              </a:solidFill>
+            </a:ln>
+          </p:spPr>
+          <p:style>
+            <a:lnRef idx="1">
+              <a:schemeClr val="accent1"/>
+            </a:lnRef>
+            <a:fillRef idx="0">
+              <a:schemeClr val="accent1"/>
+            </a:fillRef>
+            <a:effectRef idx="0">
+              <a:schemeClr val="accent1"/>
+            </a:effectRef>
+            <a:fontRef idx="minor">
+              <a:schemeClr val="tx1"/>
+            </a:fontRef>
+          </p:style>
+        </p:cxnSp>
+        <p:cxnSp>
+          <p:nvCxnSpPr>
+            <p:cNvPr id="93" name="Straight Connector 92"/>
+            <p:cNvCxnSpPr/>
+            <p:nvPr/>
+          </p:nvCxnSpPr>
+          <p:spPr>
+            <a:xfrm rot="5400000">
+              <a:off x="1320800" y="3042920"/>
+              <a:ext cx="147955" cy="0"/>
+            </a:xfrm>
+            <a:prstGeom prst="line">
+              <a:avLst/>
+            </a:prstGeom>
+            <a:ln w="9525">
+              <a:solidFill>
+                <a:srgbClr val="FF0000"/>
+              </a:solidFill>
+            </a:ln>
+          </p:spPr>
+          <p:style>
+            <a:lnRef idx="1">
+              <a:schemeClr val="accent1"/>
+            </a:lnRef>
+            <a:fillRef idx="0">
+              <a:schemeClr val="accent1"/>
+            </a:fillRef>
+            <a:effectRef idx="0">
+              <a:schemeClr val="accent1"/>
+            </a:effectRef>
+            <a:fontRef idx="minor">
+              <a:schemeClr val="tx1"/>
+            </a:fontRef>
+          </p:style>
+        </p:cxnSp>
+      </p:grpSp>
+      <p:grpSp>
+        <p:nvGrpSpPr>
+          <p:cNvPr id="94" name="Group 93"/>
+          <p:cNvGrpSpPr/>
+          <p:nvPr/>
+        </p:nvGrpSpPr>
+        <p:grpSpPr>
+          <a:xfrm>
+            <a:off x="6249595" y="5525494"/>
+            <a:ext cx="147955" cy="147955"/>
+            <a:chOff x="1320800" y="2968942"/>
+            <a:chExt cx="147955" cy="147955"/>
+          </a:xfrm>
+        </p:grpSpPr>
+        <p:cxnSp>
+          <p:nvCxnSpPr>
+            <p:cNvPr id="95" name="Straight Connector 94"/>
+            <p:cNvCxnSpPr/>
+            <p:nvPr/>
+          </p:nvCxnSpPr>
+          <p:spPr>
+            <a:xfrm>
+              <a:off x="1320800" y="3042920"/>
+              <a:ext cx="147955" cy="0"/>
+            </a:xfrm>
+            <a:prstGeom prst="line">
+              <a:avLst/>
+            </a:prstGeom>
+            <a:ln w="9525">
+              <a:solidFill>
+                <a:srgbClr val="FF0000"/>
+              </a:solidFill>
+            </a:ln>
+          </p:spPr>
+          <p:style>
+            <a:lnRef idx="1">
+              <a:schemeClr val="accent1"/>
+            </a:lnRef>
+            <a:fillRef idx="0">
+              <a:schemeClr val="accent1"/>
+            </a:fillRef>
+            <a:effectRef idx="0">
+              <a:schemeClr val="accent1"/>
+            </a:effectRef>
+            <a:fontRef idx="minor">
+              <a:schemeClr val="tx1"/>
+            </a:fontRef>
+          </p:style>
+        </p:cxnSp>
+        <p:cxnSp>
+          <p:nvCxnSpPr>
+            <p:cNvPr id="96" name="Straight Connector 95"/>
+            <p:cNvCxnSpPr/>
+            <p:nvPr/>
+          </p:nvCxnSpPr>
+          <p:spPr>
+            <a:xfrm rot="5400000">
+              <a:off x="1320800" y="3042920"/>
+              <a:ext cx="147955" cy="0"/>
+            </a:xfrm>
+            <a:prstGeom prst="line">
+              <a:avLst/>
+            </a:prstGeom>
+            <a:ln w="9525">
+              <a:solidFill>
+                <a:srgbClr val="FF0000"/>
+              </a:solidFill>
+            </a:ln>
+          </p:spPr>
+          <p:style>
+            <a:lnRef idx="1">
+              <a:schemeClr val="accent1"/>
+            </a:lnRef>
+            <a:fillRef idx="0">
+              <a:schemeClr val="accent1"/>
+            </a:fillRef>
+            <a:effectRef idx="0">
+              <a:schemeClr val="accent1"/>
+            </a:effectRef>
+            <a:fontRef idx="minor">
+              <a:schemeClr val="tx1"/>
+            </a:fontRef>
+          </p:style>
+        </p:cxnSp>
+      </p:grpSp>
+    </p:spTree>
+    <p:extLst>
+      <p:ext uri="{BB962C8B-B14F-4D97-AF65-F5344CB8AC3E}">
+        <p14:creationId xmlns:p14="http://schemas.microsoft.com/office/powerpoint/2010/main" val="2152680479"/>
+      </p:ext>
+    </p:extLst>
+  </p:cSld>
+  <p:clrMapOvr>
+    <a:masterClrMapping/>
+  </p:clrMapOvr>
+</p:sld>
+</file>
+
+<file path=ppt/slides/slide13.xml><?xml version="1.0" encoding="utf-8"?>
+<p:sld xmlns:a="http://schemas.openxmlformats.org/drawingml/2006/main" xmlns:r="http://schemas.openxmlformats.org/officeDocument/2006/relationships" xmlns:p="http://schemas.openxmlformats.org/presentationml/2006/main">
+  <p:cSld>
+    <p:spTree>
+      <p:nvGrpSpPr>
+        <p:cNvPr id="1" name=""/>
+        <p:cNvGrpSpPr/>
+        <p:nvPr/>
+      </p:nvGrpSpPr>
+      <p:grpSpPr>
+        <a:xfrm>
+          <a:off x="0" y="0"/>
+          <a:ext cx="0" cy="0"/>
+          <a:chOff x="0" y="0"/>
+          <a:chExt cx="0" cy="0"/>
+        </a:xfrm>
+      </p:grpSpPr>
+      <p:sp>
+        <p:nvSpPr>
+          <p:cNvPr id="2" name="TextBox 1"/>
+          <p:cNvSpPr txBox="1"/>
+          <p:nvPr/>
+        </p:nvSpPr>
+        <p:spPr>
+          <a:xfrm>
+            <a:off x="7401464" y="129396"/>
+            <a:ext cx="974498" cy="369332"/>
+          </a:xfrm>
+          <a:prstGeom prst="rect">
+            <a:avLst/>
+          </a:prstGeom>
+          <a:noFill/>
+        </p:spPr>
+        <p:txBody>
+          <a:bodyPr wrap="none" rtlCol="0">
+            <a:spAutoFit/>
+          </a:bodyPr>
+          <a:lstStyle/>
+          <a:p>
+            <a:r>
+              <a:rPr lang="en-US" dirty="0" smtClean="0"/>
+              <a:t>FOR CDs</a:t>
+            </a:r>
+            <a:endParaRPr lang="en-US" dirty="0"/>
+          </a:p>
+        </p:txBody>
+      </p:sp>
+      <p:sp>
+        <p:nvSpPr>
+          <p:cNvPr id="39" name="Oval 38"/>
+          <p:cNvSpPr/>
+          <p:nvPr/>
+        </p:nvSpPr>
+        <p:spPr>
+          <a:xfrm>
+            <a:off x="1987838" y="1832196"/>
+            <a:ext cx="914400" cy="914400"/>
+          </a:xfrm>
+          <a:prstGeom prst="ellipse">
+            <a:avLst/>
+          </a:prstGeom>
+          <a:solidFill>
+            <a:schemeClr val="tx1"/>
+          </a:solidFill>
+          <a:ln>
+            <a:noFill/>
+          </a:ln>
+        </p:spPr>
+        <p:style>
+          <a:lnRef idx="2">
+            <a:schemeClr val="accent1">
+              <a:shade val="50000"/>
+            </a:schemeClr>
+          </a:lnRef>
+          <a:fillRef idx="1">
+            <a:schemeClr val="accent1"/>
+          </a:fillRef>
+          <a:effectRef idx="0">
+            <a:schemeClr val="accent1"/>
+          </a:effectRef>
+          <a:fontRef idx="minor">
+            <a:schemeClr val="lt1"/>
+          </a:fontRef>
+        </p:style>
+        <p:txBody>
+          <a:bodyPr rtlCol="0" anchor="ctr"/>
+          <a:lstStyle/>
+          <a:p>
+            <a:pPr algn="ctr"/>
+            <a:endParaRPr lang="en-US"/>
+          </a:p>
+        </p:txBody>
+      </p:sp>
+      <p:sp>
+        <p:nvSpPr>
+          <p:cNvPr id="42" name="Oval 41"/>
+          <p:cNvSpPr/>
+          <p:nvPr/>
+        </p:nvSpPr>
+        <p:spPr>
+          <a:xfrm>
+            <a:off x="271692" y="129396"/>
+            <a:ext cx="4320000" cy="4320000"/>
+          </a:xfrm>
+          <a:prstGeom prst="ellipse">
+            <a:avLst/>
+          </a:prstGeom>
+          <a:noFill/>
+        </p:spPr>
+        <p:style>
+          <a:lnRef idx="2">
+            <a:schemeClr val="accent1">
+              <a:shade val="50000"/>
+            </a:schemeClr>
+          </a:lnRef>
+          <a:fillRef idx="1">
+            <a:schemeClr val="accent1"/>
+          </a:fillRef>
+          <a:effectRef idx="0">
+            <a:schemeClr val="accent1"/>
+          </a:effectRef>
+          <a:fontRef idx="minor">
+            <a:schemeClr val="lt1"/>
+          </a:fontRef>
+        </p:style>
+        <p:txBody>
+          <a:bodyPr rtlCol="0" anchor="ctr"/>
+          <a:lstStyle/>
+          <a:p>
+            <a:pPr algn="ctr"/>
+            <a:endParaRPr lang="en-US"/>
+          </a:p>
+        </p:txBody>
+      </p:sp>
+      <p:cxnSp>
+        <p:nvCxnSpPr>
+          <p:cNvPr id="45" name="Straight Connector 44"/>
+          <p:cNvCxnSpPr>
+            <a:stCxn id="42" idx="2"/>
+            <a:endCxn id="42" idx="6"/>
+          </p:cNvCxnSpPr>
+          <p:nvPr/>
+        </p:nvCxnSpPr>
+        <p:spPr>
+          <a:xfrm>
+            <a:off x="271692" y="2289396"/>
+            <a:ext cx="4320000" cy="0"/>
+          </a:xfrm>
+          <a:prstGeom prst="line">
+            <a:avLst/>
+          </a:prstGeom>
+        </p:spPr>
+        <p:style>
+          <a:lnRef idx="1">
+            <a:schemeClr val="accent1"/>
+          </a:lnRef>
+          <a:fillRef idx="0">
+            <a:schemeClr val="accent1"/>
+          </a:fillRef>
+          <a:effectRef idx="0">
+            <a:schemeClr val="accent1"/>
+          </a:effectRef>
+          <a:fontRef idx="minor">
+            <a:schemeClr val="tx1"/>
+          </a:fontRef>
+        </p:style>
+      </p:cxnSp>
+      <p:cxnSp>
+        <p:nvCxnSpPr>
+          <p:cNvPr id="46" name="Straight Connector 45"/>
+          <p:cNvCxnSpPr>
+            <a:stCxn id="42" idx="0"/>
+            <a:endCxn id="42" idx="4"/>
+          </p:cNvCxnSpPr>
+          <p:nvPr/>
+        </p:nvCxnSpPr>
+        <p:spPr>
+          <a:xfrm>
+            <a:off x="2431692" y="129396"/>
+            <a:ext cx="0" cy="4320000"/>
+          </a:xfrm>
+          <a:prstGeom prst="line">
+            <a:avLst/>
+          </a:prstGeom>
+        </p:spPr>
+        <p:style>
+          <a:lnRef idx="1">
+            <a:schemeClr val="accent1"/>
+          </a:lnRef>
+          <a:fillRef idx="0">
+            <a:schemeClr val="accent1"/>
+          </a:fillRef>
+          <a:effectRef idx="0">
+            <a:schemeClr val="accent1"/>
+          </a:effectRef>
+          <a:fontRef idx="minor">
+            <a:schemeClr val="tx1"/>
+          </a:fontRef>
+        </p:style>
+      </p:cxnSp>
+      <p:sp>
+        <p:nvSpPr>
+          <p:cNvPr id="47" name="Oval 46"/>
+          <p:cNvSpPr/>
+          <p:nvPr/>
+        </p:nvSpPr>
+        <p:spPr>
+          <a:xfrm>
+            <a:off x="1054846" y="917796"/>
+            <a:ext cx="2743200" cy="2743200"/>
           </a:xfrm>
           <a:prstGeom prst="ellipse">
             <a:avLst/>
@@ -5490,8 +7361,8 @@
           <a:noFill/>
           <a:ln>
             <a:solidFill>
-              <a:schemeClr val="bg1">
-                <a:lumMod val="85000"/>
+              <a:schemeClr val="accent6">
+                <a:lumMod val="75000"/>
               </a:schemeClr>
             </a:solidFill>
           </a:ln>
@@ -5523,14 +7394,14 @@
       </p:sp>
       <p:sp>
         <p:nvSpPr>
-          <p:cNvPr id="17" name="Oval 16"/>
-          <p:cNvSpPr/>
-          <p:nvPr/>
-        </p:nvSpPr>
-        <p:spPr>
-          <a:xfrm>
-            <a:off x="3456059" y="2106516"/>
-            <a:ext cx="365760" cy="365760"/>
+          <p:cNvPr id="48" name="Oval 47"/>
+          <p:cNvSpPr/>
+          <p:nvPr/>
+        </p:nvSpPr>
+        <p:spPr>
+          <a:xfrm>
+            <a:off x="3441202" y="2632618"/>
+            <a:ext cx="457200" cy="457200"/>
           </a:xfrm>
           <a:prstGeom prst="ellipse">
             <a:avLst/>
@@ -5569,14 +7440,14 @@
       </p:sp>
       <p:sp>
         <p:nvSpPr>
-          <p:cNvPr id="20" name="Oval 19"/>
-          <p:cNvSpPr/>
-          <p:nvPr/>
-        </p:nvSpPr>
-        <p:spPr>
-          <a:xfrm>
-            <a:off x="764211" y="2106516"/>
-            <a:ext cx="365760" cy="365760"/>
+          <p:cNvPr id="31" name="Oval 30"/>
+          <p:cNvSpPr/>
+          <p:nvPr/>
+        </p:nvSpPr>
+        <p:spPr>
+          <a:xfrm>
+            <a:off x="2251186" y="469842"/>
+            <a:ext cx="365760" cy="914400"/>
           </a:xfrm>
           <a:prstGeom prst="ellipse">
             <a:avLst/>
@@ -5613,10 +7484,5793 @@
           </a:p>
         </p:txBody>
       </p:sp>
+      <p:grpSp>
+        <p:nvGrpSpPr>
+          <p:cNvPr id="8" name="Group 7"/>
+          <p:cNvGrpSpPr/>
+          <p:nvPr/>
+        </p:nvGrpSpPr>
+        <p:grpSpPr>
+          <a:xfrm>
+            <a:off x="1294278" y="1241494"/>
+            <a:ext cx="147955" cy="147955"/>
+            <a:chOff x="1320800" y="2968942"/>
+            <a:chExt cx="147955" cy="147955"/>
+          </a:xfrm>
+        </p:grpSpPr>
+        <p:cxnSp>
+          <p:nvCxnSpPr>
+            <p:cNvPr id="5" name="Straight Connector 4"/>
+            <p:cNvCxnSpPr/>
+            <p:nvPr/>
+          </p:nvCxnSpPr>
+          <p:spPr>
+            <a:xfrm>
+              <a:off x="1320800" y="3042920"/>
+              <a:ext cx="147955" cy="0"/>
+            </a:xfrm>
+            <a:prstGeom prst="line">
+              <a:avLst/>
+            </a:prstGeom>
+            <a:ln w="9525">
+              <a:solidFill>
+                <a:srgbClr val="FF0000"/>
+              </a:solidFill>
+            </a:ln>
+          </p:spPr>
+          <p:style>
+            <a:lnRef idx="1">
+              <a:schemeClr val="accent1"/>
+            </a:lnRef>
+            <a:fillRef idx="0">
+              <a:schemeClr val="accent1"/>
+            </a:fillRef>
+            <a:effectRef idx="0">
+              <a:schemeClr val="accent1"/>
+            </a:effectRef>
+            <a:fontRef idx="minor">
+              <a:schemeClr val="tx1"/>
+            </a:fontRef>
+          </p:style>
+        </p:cxnSp>
+        <p:cxnSp>
+          <p:nvCxnSpPr>
+            <p:cNvPr id="40" name="Straight Connector 39"/>
+            <p:cNvCxnSpPr/>
+            <p:nvPr/>
+          </p:nvCxnSpPr>
+          <p:spPr>
+            <a:xfrm rot="5400000">
+              <a:off x="1320800" y="3042920"/>
+              <a:ext cx="147955" cy="0"/>
+            </a:xfrm>
+            <a:prstGeom prst="line">
+              <a:avLst/>
+            </a:prstGeom>
+            <a:ln w="9525">
+              <a:solidFill>
+                <a:srgbClr val="FF0000"/>
+              </a:solidFill>
+            </a:ln>
+          </p:spPr>
+          <p:style>
+            <a:lnRef idx="1">
+              <a:schemeClr val="accent1"/>
+            </a:lnRef>
+            <a:fillRef idx="0">
+              <a:schemeClr val="accent1"/>
+            </a:fillRef>
+            <a:effectRef idx="0">
+              <a:schemeClr val="accent1"/>
+            </a:effectRef>
+            <a:fontRef idx="minor">
+              <a:schemeClr val="tx1"/>
+            </a:fontRef>
+          </p:style>
+        </p:cxnSp>
+      </p:grpSp>
+      <p:grpSp>
+        <p:nvGrpSpPr>
+          <p:cNvPr id="43" name="Group 42"/>
+          <p:cNvGrpSpPr/>
+          <p:nvPr/>
+        </p:nvGrpSpPr>
+        <p:grpSpPr>
+          <a:xfrm>
+            <a:off x="3422656" y="1241494"/>
+            <a:ext cx="147955" cy="147955"/>
+            <a:chOff x="1320800" y="2968942"/>
+            <a:chExt cx="147955" cy="147955"/>
+          </a:xfrm>
+        </p:grpSpPr>
+        <p:cxnSp>
+          <p:nvCxnSpPr>
+            <p:cNvPr id="44" name="Straight Connector 43"/>
+            <p:cNvCxnSpPr/>
+            <p:nvPr/>
+          </p:nvCxnSpPr>
+          <p:spPr>
+            <a:xfrm>
+              <a:off x="1320800" y="3042920"/>
+              <a:ext cx="147955" cy="0"/>
+            </a:xfrm>
+            <a:prstGeom prst="line">
+              <a:avLst/>
+            </a:prstGeom>
+            <a:ln w="9525">
+              <a:solidFill>
+                <a:srgbClr val="FF0000"/>
+              </a:solidFill>
+            </a:ln>
+          </p:spPr>
+          <p:style>
+            <a:lnRef idx="1">
+              <a:schemeClr val="accent1"/>
+            </a:lnRef>
+            <a:fillRef idx="0">
+              <a:schemeClr val="accent1"/>
+            </a:fillRef>
+            <a:effectRef idx="0">
+              <a:schemeClr val="accent1"/>
+            </a:effectRef>
+            <a:fontRef idx="minor">
+              <a:schemeClr val="tx1"/>
+            </a:fontRef>
+          </p:style>
+        </p:cxnSp>
+        <p:cxnSp>
+          <p:nvCxnSpPr>
+            <p:cNvPr id="50" name="Straight Connector 49"/>
+            <p:cNvCxnSpPr/>
+            <p:nvPr/>
+          </p:nvCxnSpPr>
+          <p:spPr>
+            <a:xfrm rot="5400000">
+              <a:off x="1320800" y="3042920"/>
+              <a:ext cx="147955" cy="0"/>
+            </a:xfrm>
+            <a:prstGeom prst="line">
+              <a:avLst/>
+            </a:prstGeom>
+            <a:ln w="9525">
+              <a:solidFill>
+                <a:srgbClr val="FF0000"/>
+              </a:solidFill>
+            </a:ln>
+          </p:spPr>
+          <p:style>
+            <a:lnRef idx="1">
+              <a:schemeClr val="accent1"/>
+            </a:lnRef>
+            <a:fillRef idx="0">
+              <a:schemeClr val="accent1"/>
+            </a:fillRef>
+            <a:effectRef idx="0">
+              <a:schemeClr val="accent1"/>
+            </a:effectRef>
+            <a:fontRef idx="minor">
+              <a:schemeClr val="tx1"/>
+            </a:fontRef>
+          </p:style>
+        </p:cxnSp>
+      </p:grpSp>
+      <p:grpSp>
+        <p:nvGrpSpPr>
+          <p:cNvPr id="51" name="Group 50"/>
+          <p:cNvGrpSpPr/>
+          <p:nvPr/>
+        </p:nvGrpSpPr>
+        <p:grpSpPr>
+          <a:xfrm>
+            <a:off x="3420825" y="3365494"/>
+            <a:ext cx="147955" cy="147955"/>
+            <a:chOff x="1320800" y="2968942"/>
+            <a:chExt cx="147955" cy="147955"/>
+          </a:xfrm>
+        </p:grpSpPr>
+        <p:cxnSp>
+          <p:nvCxnSpPr>
+            <p:cNvPr id="52" name="Straight Connector 51"/>
+            <p:cNvCxnSpPr/>
+            <p:nvPr/>
+          </p:nvCxnSpPr>
+          <p:spPr>
+            <a:xfrm>
+              <a:off x="1320800" y="3042920"/>
+              <a:ext cx="147955" cy="0"/>
+            </a:xfrm>
+            <a:prstGeom prst="line">
+              <a:avLst/>
+            </a:prstGeom>
+            <a:ln w="9525">
+              <a:solidFill>
+                <a:srgbClr val="FF0000"/>
+              </a:solidFill>
+            </a:ln>
+          </p:spPr>
+          <p:style>
+            <a:lnRef idx="1">
+              <a:schemeClr val="accent1"/>
+            </a:lnRef>
+            <a:fillRef idx="0">
+              <a:schemeClr val="accent1"/>
+            </a:fillRef>
+            <a:effectRef idx="0">
+              <a:schemeClr val="accent1"/>
+            </a:effectRef>
+            <a:fontRef idx="minor">
+              <a:schemeClr val="tx1"/>
+            </a:fontRef>
+          </p:style>
+        </p:cxnSp>
+        <p:cxnSp>
+          <p:nvCxnSpPr>
+            <p:cNvPr id="53" name="Straight Connector 52"/>
+            <p:cNvCxnSpPr/>
+            <p:nvPr/>
+          </p:nvCxnSpPr>
+          <p:spPr>
+            <a:xfrm rot="5400000">
+              <a:off x="1320800" y="3042920"/>
+              <a:ext cx="147955" cy="0"/>
+            </a:xfrm>
+            <a:prstGeom prst="line">
+              <a:avLst/>
+            </a:prstGeom>
+            <a:ln w="9525">
+              <a:solidFill>
+                <a:srgbClr val="FF0000"/>
+              </a:solidFill>
+            </a:ln>
+          </p:spPr>
+          <p:style>
+            <a:lnRef idx="1">
+              <a:schemeClr val="accent1"/>
+            </a:lnRef>
+            <a:fillRef idx="0">
+              <a:schemeClr val="accent1"/>
+            </a:fillRef>
+            <a:effectRef idx="0">
+              <a:schemeClr val="accent1"/>
+            </a:effectRef>
+            <a:fontRef idx="minor">
+              <a:schemeClr val="tx1"/>
+            </a:fontRef>
+          </p:style>
+        </p:cxnSp>
+      </p:grpSp>
+      <p:grpSp>
+        <p:nvGrpSpPr>
+          <p:cNvPr id="54" name="Group 53"/>
+          <p:cNvGrpSpPr/>
+          <p:nvPr/>
+        </p:nvGrpSpPr>
+        <p:grpSpPr>
+          <a:xfrm>
+            <a:off x="1293169" y="3365494"/>
+            <a:ext cx="147955" cy="147955"/>
+            <a:chOff x="1320800" y="2968942"/>
+            <a:chExt cx="147955" cy="147955"/>
+          </a:xfrm>
+        </p:grpSpPr>
+        <p:cxnSp>
+          <p:nvCxnSpPr>
+            <p:cNvPr id="55" name="Straight Connector 54"/>
+            <p:cNvCxnSpPr/>
+            <p:nvPr/>
+          </p:nvCxnSpPr>
+          <p:spPr>
+            <a:xfrm>
+              <a:off x="1320800" y="3042920"/>
+              <a:ext cx="147955" cy="0"/>
+            </a:xfrm>
+            <a:prstGeom prst="line">
+              <a:avLst/>
+            </a:prstGeom>
+            <a:ln w="9525">
+              <a:solidFill>
+                <a:srgbClr val="FF0000"/>
+              </a:solidFill>
+            </a:ln>
+          </p:spPr>
+          <p:style>
+            <a:lnRef idx="1">
+              <a:schemeClr val="accent1"/>
+            </a:lnRef>
+            <a:fillRef idx="0">
+              <a:schemeClr val="accent1"/>
+            </a:fillRef>
+            <a:effectRef idx="0">
+              <a:schemeClr val="accent1"/>
+            </a:effectRef>
+            <a:fontRef idx="minor">
+              <a:schemeClr val="tx1"/>
+            </a:fontRef>
+          </p:style>
+        </p:cxnSp>
+        <p:cxnSp>
+          <p:nvCxnSpPr>
+            <p:cNvPr id="56" name="Straight Connector 55"/>
+            <p:cNvCxnSpPr/>
+            <p:nvPr/>
+          </p:nvCxnSpPr>
+          <p:spPr>
+            <a:xfrm rot="5400000">
+              <a:off x="1320800" y="3042920"/>
+              <a:ext cx="147955" cy="0"/>
+            </a:xfrm>
+            <a:prstGeom prst="line">
+              <a:avLst/>
+            </a:prstGeom>
+            <a:ln w="9525">
+              <a:solidFill>
+                <a:srgbClr val="FF0000"/>
+              </a:solidFill>
+            </a:ln>
+          </p:spPr>
+          <p:style>
+            <a:lnRef idx="1">
+              <a:schemeClr val="accent1"/>
+            </a:lnRef>
+            <a:fillRef idx="0">
+              <a:schemeClr val="accent1"/>
+            </a:fillRef>
+            <a:effectRef idx="0">
+              <a:schemeClr val="accent1"/>
+            </a:effectRef>
+            <a:fontRef idx="minor">
+              <a:schemeClr val="tx1"/>
+            </a:fontRef>
+          </p:style>
+        </p:cxnSp>
+      </p:grpSp>
+      <p:sp>
+        <p:nvSpPr>
+          <p:cNvPr id="77" name="Oval 76"/>
+          <p:cNvSpPr/>
+          <p:nvPr/>
+        </p:nvSpPr>
+        <p:spPr>
+          <a:xfrm>
+            <a:off x="6944264" y="3992196"/>
+            <a:ext cx="914400" cy="914400"/>
+          </a:xfrm>
+          <a:prstGeom prst="ellipse">
+            <a:avLst/>
+          </a:prstGeom>
+          <a:solidFill>
+            <a:schemeClr val="tx1"/>
+          </a:solidFill>
+          <a:ln>
+            <a:noFill/>
+          </a:ln>
+        </p:spPr>
+        <p:style>
+          <a:lnRef idx="2">
+            <a:schemeClr val="accent1">
+              <a:shade val="50000"/>
+            </a:schemeClr>
+          </a:lnRef>
+          <a:fillRef idx="1">
+            <a:schemeClr val="accent1"/>
+          </a:fillRef>
+          <a:effectRef idx="0">
+            <a:schemeClr val="accent1"/>
+          </a:effectRef>
+          <a:fontRef idx="minor">
+            <a:schemeClr val="lt1"/>
+          </a:fontRef>
+        </p:style>
+        <p:txBody>
+          <a:bodyPr rtlCol="0" anchor="ctr"/>
+          <a:lstStyle/>
+          <a:p>
+            <a:pPr algn="ctr"/>
+            <a:endParaRPr lang="en-US"/>
+          </a:p>
+        </p:txBody>
+      </p:sp>
+      <p:sp>
+        <p:nvSpPr>
+          <p:cNvPr id="78" name="Oval 77"/>
+          <p:cNvSpPr/>
+          <p:nvPr/>
+        </p:nvSpPr>
+        <p:spPr>
+          <a:xfrm>
+            <a:off x="5228118" y="2289396"/>
+            <a:ext cx="4320000" cy="4320000"/>
+          </a:xfrm>
+          <a:prstGeom prst="ellipse">
+            <a:avLst/>
+          </a:prstGeom>
+          <a:noFill/>
+        </p:spPr>
+        <p:style>
+          <a:lnRef idx="2">
+            <a:schemeClr val="accent1">
+              <a:shade val="50000"/>
+            </a:schemeClr>
+          </a:lnRef>
+          <a:fillRef idx="1">
+            <a:schemeClr val="accent1"/>
+          </a:fillRef>
+          <a:effectRef idx="0">
+            <a:schemeClr val="accent1"/>
+          </a:effectRef>
+          <a:fontRef idx="minor">
+            <a:schemeClr val="lt1"/>
+          </a:fontRef>
+        </p:style>
+        <p:txBody>
+          <a:bodyPr rtlCol="0" anchor="ctr"/>
+          <a:lstStyle/>
+          <a:p>
+            <a:pPr algn="ctr"/>
+            <a:endParaRPr lang="en-US"/>
+          </a:p>
+        </p:txBody>
+      </p:sp>
+      <p:cxnSp>
+        <p:nvCxnSpPr>
+          <p:cNvPr id="79" name="Straight Connector 78"/>
+          <p:cNvCxnSpPr>
+            <a:stCxn id="78" idx="2"/>
+            <a:endCxn id="78" idx="6"/>
+          </p:cNvCxnSpPr>
+          <p:nvPr/>
+        </p:nvCxnSpPr>
+        <p:spPr>
+          <a:xfrm>
+            <a:off x="5228118" y="4449396"/>
+            <a:ext cx="4320000" cy="0"/>
+          </a:xfrm>
+          <a:prstGeom prst="line">
+            <a:avLst/>
+          </a:prstGeom>
+        </p:spPr>
+        <p:style>
+          <a:lnRef idx="1">
+            <a:schemeClr val="accent1"/>
+          </a:lnRef>
+          <a:fillRef idx="0">
+            <a:schemeClr val="accent1"/>
+          </a:fillRef>
+          <a:effectRef idx="0">
+            <a:schemeClr val="accent1"/>
+          </a:effectRef>
+          <a:fontRef idx="minor">
+            <a:schemeClr val="tx1"/>
+          </a:fontRef>
+        </p:style>
+      </p:cxnSp>
+      <p:cxnSp>
+        <p:nvCxnSpPr>
+          <p:cNvPr id="80" name="Straight Connector 79"/>
+          <p:cNvCxnSpPr>
+            <a:stCxn id="78" idx="0"/>
+            <a:endCxn id="78" idx="4"/>
+          </p:cNvCxnSpPr>
+          <p:nvPr/>
+        </p:nvCxnSpPr>
+        <p:spPr>
+          <a:xfrm>
+            <a:off x="7388118" y="2289396"/>
+            <a:ext cx="0" cy="4320000"/>
+          </a:xfrm>
+          <a:prstGeom prst="line">
+            <a:avLst/>
+          </a:prstGeom>
+        </p:spPr>
+        <p:style>
+          <a:lnRef idx="1">
+            <a:schemeClr val="accent1"/>
+          </a:lnRef>
+          <a:fillRef idx="0">
+            <a:schemeClr val="accent1"/>
+          </a:fillRef>
+          <a:effectRef idx="0">
+            <a:schemeClr val="accent1"/>
+          </a:effectRef>
+          <a:fontRef idx="minor">
+            <a:schemeClr val="tx1"/>
+          </a:fontRef>
+        </p:style>
+      </p:cxnSp>
+      <p:sp>
+        <p:nvSpPr>
+          <p:cNvPr id="81" name="Oval 80"/>
+          <p:cNvSpPr/>
+          <p:nvPr/>
+        </p:nvSpPr>
+        <p:spPr>
+          <a:xfrm>
+            <a:off x="6011272" y="3077796"/>
+            <a:ext cx="2743200" cy="2743200"/>
+          </a:xfrm>
+          <a:prstGeom prst="ellipse">
+            <a:avLst/>
+          </a:prstGeom>
+          <a:noFill/>
+          <a:ln>
+            <a:solidFill>
+              <a:schemeClr val="accent6">
+                <a:lumMod val="75000"/>
+              </a:schemeClr>
+            </a:solidFill>
+          </a:ln>
+        </p:spPr>
+        <p:style>
+          <a:lnRef idx="2">
+            <a:schemeClr val="accent1">
+              <a:shade val="50000"/>
+            </a:schemeClr>
+          </a:lnRef>
+          <a:fillRef idx="1">
+            <a:schemeClr val="accent1"/>
+          </a:fillRef>
+          <a:effectRef idx="0">
+            <a:schemeClr val="accent1"/>
+          </a:effectRef>
+          <a:fontRef idx="minor">
+            <a:schemeClr val="lt1"/>
+          </a:fontRef>
+        </p:style>
+        <p:txBody>
+          <a:bodyPr rtlCol="0" anchor="ctr"/>
+          <a:lstStyle/>
+          <a:p>
+            <a:pPr algn="ctr"/>
+            <a:endParaRPr lang="en-US"/>
+          </a:p>
+        </p:txBody>
+      </p:sp>
+      <p:sp>
+        <p:nvSpPr>
+          <p:cNvPr id="83" name="Oval 82"/>
+          <p:cNvSpPr/>
+          <p:nvPr/>
+        </p:nvSpPr>
+        <p:spPr>
+          <a:xfrm>
+            <a:off x="7161892" y="5577942"/>
+            <a:ext cx="457200" cy="457200"/>
+          </a:xfrm>
+          <a:prstGeom prst="ellipse">
+            <a:avLst/>
+          </a:prstGeom>
+          <a:solidFill>
+            <a:schemeClr val="tx1"/>
+          </a:solidFill>
+          <a:ln>
+            <a:noFill/>
+          </a:ln>
+        </p:spPr>
+        <p:style>
+          <a:lnRef idx="2">
+            <a:schemeClr val="accent1">
+              <a:shade val="50000"/>
+            </a:schemeClr>
+          </a:lnRef>
+          <a:fillRef idx="1">
+            <a:schemeClr val="accent1"/>
+          </a:fillRef>
+          <a:effectRef idx="0">
+            <a:schemeClr val="accent1"/>
+          </a:effectRef>
+          <a:fontRef idx="minor">
+            <a:schemeClr val="lt1"/>
+          </a:fontRef>
+        </p:style>
+        <p:txBody>
+          <a:bodyPr rtlCol="0" anchor="ctr"/>
+          <a:lstStyle/>
+          <a:p>
+            <a:pPr algn="ctr"/>
+            <a:endParaRPr lang="en-US"/>
+          </a:p>
+        </p:txBody>
+      </p:sp>
+      <p:sp>
+        <p:nvSpPr>
+          <p:cNvPr id="84" name="Oval 83"/>
+          <p:cNvSpPr/>
+          <p:nvPr/>
+        </p:nvSpPr>
+        <p:spPr>
+          <a:xfrm>
+            <a:off x="7207612" y="2629842"/>
+            <a:ext cx="365760" cy="914400"/>
+          </a:xfrm>
+          <a:prstGeom prst="ellipse">
+            <a:avLst/>
+          </a:prstGeom>
+          <a:solidFill>
+            <a:schemeClr val="tx1"/>
+          </a:solidFill>
+          <a:ln>
+            <a:noFill/>
+          </a:ln>
+        </p:spPr>
+        <p:style>
+          <a:lnRef idx="2">
+            <a:schemeClr val="accent1">
+              <a:shade val="50000"/>
+            </a:schemeClr>
+          </a:lnRef>
+          <a:fillRef idx="1">
+            <a:schemeClr val="accent1"/>
+          </a:fillRef>
+          <a:effectRef idx="0">
+            <a:schemeClr val="accent1"/>
+          </a:effectRef>
+          <a:fontRef idx="minor">
+            <a:schemeClr val="lt1"/>
+          </a:fontRef>
+        </p:style>
+        <p:txBody>
+          <a:bodyPr rtlCol="0" anchor="ctr"/>
+          <a:lstStyle/>
+          <a:p>
+            <a:pPr algn="ctr"/>
+            <a:endParaRPr lang="en-US"/>
+          </a:p>
+        </p:txBody>
+      </p:sp>
+      <p:grpSp>
+        <p:nvGrpSpPr>
+          <p:cNvPr id="85" name="Group 84"/>
+          <p:cNvGrpSpPr/>
+          <p:nvPr/>
+        </p:nvGrpSpPr>
+        <p:grpSpPr>
+          <a:xfrm>
+            <a:off x="6250704" y="3401494"/>
+            <a:ext cx="147955" cy="147955"/>
+            <a:chOff x="1320800" y="2968942"/>
+            <a:chExt cx="147955" cy="147955"/>
+          </a:xfrm>
+        </p:grpSpPr>
+        <p:cxnSp>
+          <p:nvCxnSpPr>
+            <p:cNvPr id="86" name="Straight Connector 85"/>
+            <p:cNvCxnSpPr/>
+            <p:nvPr/>
+          </p:nvCxnSpPr>
+          <p:spPr>
+            <a:xfrm>
+              <a:off x="1320800" y="3042920"/>
+              <a:ext cx="147955" cy="0"/>
+            </a:xfrm>
+            <a:prstGeom prst="line">
+              <a:avLst/>
+            </a:prstGeom>
+            <a:ln w="9525">
+              <a:solidFill>
+                <a:srgbClr val="FF0000"/>
+              </a:solidFill>
+            </a:ln>
+          </p:spPr>
+          <p:style>
+            <a:lnRef idx="1">
+              <a:schemeClr val="accent1"/>
+            </a:lnRef>
+            <a:fillRef idx="0">
+              <a:schemeClr val="accent1"/>
+            </a:fillRef>
+            <a:effectRef idx="0">
+              <a:schemeClr val="accent1"/>
+            </a:effectRef>
+            <a:fontRef idx="minor">
+              <a:schemeClr val="tx1"/>
+            </a:fontRef>
+          </p:style>
+        </p:cxnSp>
+        <p:cxnSp>
+          <p:nvCxnSpPr>
+            <p:cNvPr id="87" name="Straight Connector 86"/>
+            <p:cNvCxnSpPr/>
+            <p:nvPr/>
+          </p:nvCxnSpPr>
+          <p:spPr>
+            <a:xfrm rot="5400000">
+              <a:off x="1320800" y="3042920"/>
+              <a:ext cx="147955" cy="0"/>
+            </a:xfrm>
+            <a:prstGeom prst="line">
+              <a:avLst/>
+            </a:prstGeom>
+            <a:ln w="9525">
+              <a:solidFill>
+                <a:srgbClr val="FF0000"/>
+              </a:solidFill>
+            </a:ln>
+          </p:spPr>
+          <p:style>
+            <a:lnRef idx="1">
+              <a:schemeClr val="accent1"/>
+            </a:lnRef>
+            <a:fillRef idx="0">
+              <a:schemeClr val="accent1"/>
+            </a:fillRef>
+            <a:effectRef idx="0">
+              <a:schemeClr val="accent1"/>
+            </a:effectRef>
+            <a:fontRef idx="minor">
+              <a:schemeClr val="tx1"/>
+            </a:fontRef>
+          </p:style>
+        </p:cxnSp>
+      </p:grpSp>
+      <p:grpSp>
+        <p:nvGrpSpPr>
+          <p:cNvPr id="88" name="Group 87"/>
+          <p:cNvGrpSpPr/>
+          <p:nvPr/>
+        </p:nvGrpSpPr>
+        <p:grpSpPr>
+          <a:xfrm>
+            <a:off x="8379082" y="3401494"/>
+            <a:ext cx="147955" cy="147955"/>
+            <a:chOff x="1320800" y="2968942"/>
+            <a:chExt cx="147955" cy="147955"/>
+          </a:xfrm>
+        </p:grpSpPr>
+        <p:cxnSp>
+          <p:nvCxnSpPr>
+            <p:cNvPr id="89" name="Straight Connector 88"/>
+            <p:cNvCxnSpPr/>
+            <p:nvPr/>
+          </p:nvCxnSpPr>
+          <p:spPr>
+            <a:xfrm>
+              <a:off x="1320800" y="3042920"/>
+              <a:ext cx="147955" cy="0"/>
+            </a:xfrm>
+            <a:prstGeom prst="line">
+              <a:avLst/>
+            </a:prstGeom>
+            <a:ln w="9525">
+              <a:solidFill>
+                <a:srgbClr val="FF0000"/>
+              </a:solidFill>
+            </a:ln>
+          </p:spPr>
+          <p:style>
+            <a:lnRef idx="1">
+              <a:schemeClr val="accent1"/>
+            </a:lnRef>
+            <a:fillRef idx="0">
+              <a:schemeClr val="accent1"/>
+            </a:fillRef>
+            <a:effectRef idx="0">
+              <a:schemeClr val="accent1"/>
+            </a:effectRef>
+            <a:fontRef idx="minor">
+              <a:schemeClr val="tx1"/>
+            </a:fontRef>
+          </p:style>
+        </p:cxnSp>
+        <p:cxnSp>
+          <p:nvCxnSpPr>
+            <p:cNvPr id="90" name="Straight Connector 89"/>
+            <p:cNvCxnSpPr/>
+            <p:nvPr/>
+          </p:nvCxnSpPr>
+          <p:spPr>
+            <a:xfrm rot="5400000">
+              <a:off x="1320800" y="3042920"/>
+              <a:ext cx="147955" cy="0"/>
+            </a:xfrm>
+            <a:prstGeom prst="line">
+              <a:avLst/>
+            </a:prstGeom>
+            <a:ln w="9525">
+              <a:solidFill>
+                <a:srgbClr val="FF0000"/>
+              </a:solidFill>
+            </a:ln>
+          </p:spPr>
+          <p:style>
+            <a:lnRef idx="1">
+              <a:schemeClr val="accent1"/>
+            </a:lnRef>
+            <a:fillRef idx="0">
+              <a:schemeClr val="accent1"/>
+            </a:fillRef>
+            <a:effectRef idx="0">
+              <a:schemeClr val="accent1"/>
+            </a:effectRef>
+            <a:fontRef idx="minor">
+              <a:schemeClr val="tx1"/>
+            </a:fontRef>
+          </p:style>
+        </p:cxnSp>
+      </p:grpSp>
+      <p:grpSp>
+        <p:nvGrpSpPr>
+          <p:cNvPr id="91" name="Group 90"/>
+          <p:cNvGrpSpPr/>
+          <p:nvPr/>
+        </p:nvGrpSpPr>
+        <p:grpSpPr>
+          <a:xfrm>
+            <a:off x="8377251" y="5525494"/>
+            <a:ext cx="147955" cy="147955"/>
+            <a:chOff x="1320800" y="2968942"/>
+            <a:chExt cx="147955" cy="147955"/>
+          </a:xfrm>
+        </p:grpSpPr>
+        <p:cxnSp>
+          <p:nvCxnSpPr>
+            <p:cNvPr id="92" name="Straight Connector 91"/>
+            <p:cNvCxnSpPr/>
+            <p:nvPr/>
+          </p:nvCxnSpPr>
+          <p:spPr>
+            <a:xfrm>
+              <a:off x="1320800" y="3042920"/>
+              <a:ext cx="147955" cy="0"/>
+            </a:xfrm>
+            <a:prstGeom prst="line">
+              <a:avLst/>
+            </a:prstGeom>
+            <a:ln w="9525">
+              <a:solidFill>
+                <a:srgbClr val="FF0000"/>
+              </a:solidFill>
+            </a:ln>
+          </p:spPr>
+          <p:style>
+            <a:lnRef idx="1">
+              <a:schemeClr val="accent1"/>
+            </a:lnRef>
+            <a:fillRef idx="0">
+              <a:schemeClr val="accent1"/>
+            </a:fillRef>
+            <a:effectRef idx="0">
+              <a:schemeClr val="accent1"/>
+            </a:effectRef>
+            <a:fontRef idx="minor">
+              <a:schemeClr val="tx1"/>
+            </a:fontRef>
+          </p:style>
+        </p:cxnSp>
+        <p:cxnSp>
+          <p:nvCxnSpPr>
+            <p:cNvPr id="93" name="Straight Connector 92"/>
+            <p:cNvCxnSpPr/>
+            <p:nvPr/>
+          </p:nvCxnSpPr>
+          <p:spPr>
+            <a:xfrm rot="5400000">
+              <a:off x="1320800" y="3042920"/>
+              <a:ext cx="147955" cy="0"/>
+            </a:xfrm>
+            <a:prstGeom prst="line">
+              <a:avLst/>
+            </a:prstGeom>
+            <a:ln w="9525">
+              <a:solidFill>
+                <a:srgbClr val="FF0000"/>
+              </a:solidFill>
+            </a:ln>
+          </p:spPr>
+          <p:style>
+            <a:lnRef idx="1">
+              <a:schemeClr val="accent1"/>
+            </a:lnRef>
+            <a:fillRef idx="0">
+              <a:schemeClr val="accent1"/>
+            </a:fillRef>
+            <a:effectRef idx="0">
+              <a:schemeClr val="accent1"/>
+            </a:effectRef>
+            <a:fontRef idx="minor">
+              <a:schemeClr val="tx1"/>
+            </a:fontRef>
+          </p:style>
+        </p:cxnSp>
+      </p:grpSp>
+      <p:grpSp>
+        <p:nvGrpSpPr>
+          <p:cNvPr id="94" name="Group 93"/>
+          <p:cNvGrpSpPr/>
+          <p:nvPr/>
+        </p:nvGrpSpPr>
+        <p:grpSpPr>
+          <a:xfrm>
+            <a:off x="6249595" y="5525494"/>
+            <a:ext cx="147955" cy="147955"/>
+            <a:chOff x="1320800" y="2968942"/>
+            <a:chExt cx="147955" cy="147955"/>
+          </a:xfrm>
+        </p:grpSpPr>
+        <p:cxnSp>
+          <p:nvCxnSpPr>
+            <p:cNvPr id="95" name="Straight Connector 94"/>
+            <p:cNvCxnSpPr/>
+            <p:nvPr/>
+          </p:nvCxnSpPr>
+          <p:spPr>
+            <a:xfrm>
+              <a:off x="1320800" y="3042920"/>
+              <a:ext cx="147955" cy="0"/>
+            </a:xfrm>
+            <a:prstGeom prst="line">
+              <a:avLst/>
+            </a:prstGeom>
+            <a:ln w="9525">
+              <a:solidFill>
+                <a:srgbClr val="FF0000"/>
+              </a:solidFill>
+            </a:ln>
+          </p:spPr>
+          <p:style>
+            <a:lnRef idx="1">
+              <a:schemeClr val="accent1"/>
+            </a:lnRef>
+            <a:fillRef idx="0">
+              <a:schemeClr val="accent1"/>
+            </a:fillRef>
+            <a:effectRef idx="0">
+              <a:schemeClr val="accent1"/>
+            </a:effectRef>
+            <a:fontRef idx="minor">
+              <a:schemeClr val="tx1"/>
+            </a:fontRef>
+          </p:style>
+        </p:cxnSp>
+        <p:cxnSp>
+          <p:nvCxnSpPr>
+            <p:cNvPr id="96" name="Straight Connector 95"/>
+            <p:cNvCxnSpPr/>
+            <p:nvPr/>
+          </p:nvCxnSpPr>
+          <p:spPr>
+            <a:xfrm rot="5400000">
+              <a:off x="1320800" y="3042920"/>
+              <a:ext cx="147955" cy="0"/>
+            </a:xfrm>
+            <a:prstGeom prst="line">
+              <a:avLst/>
+            </a:prstGeom>
+            <a:ln w="9525">
+              <a:solidFill>
+                <a:srgbClr val="FF0000"/>
+              </a:solidFill>
+            </a:ln>
+          </p:spPr>
+          <p:style>
+            <a:lnRef idx="1">
+              <a:schemeClr val="accent1"/>
+            </a:lnRef>
+            <a:fillRef idx="0">
+              <a:schemeClr val="accent1"/>
+            </a:fillRef>
+            <a:effectRef idx="0">
+              <a:schemeClr val="accent1"/>
+            </a:effectRef>
+            <a:fontRef idx="minor">
+              <a:schemeClr val="tx1"/>
+            </a:fontRef>
+          </p:style>
+        </p:cxnSp>
+      </p:grpSp>
+      <p:sp>
+        <p:nvSpPr>
+          <p:cNvPr id="57" name="Oval 56"/>
+          <p:cNvSpPr/>
+          <p:nvPr/>
+        </p:nvSpPr>
+        <p:spPr>
+          <a:xfrm>
+            <a:off x="8516580" y="4237117"/>
+            <a:ext cx="457200" cy="457200"/>
+          </a:xfrm>
+          <a:prstGeom prst="ellipse">
+            <a:avLst/>
+          </a:prstGeom>
+          <a:solidFill>
+            <a:schemeClr val="tx1"/>
+          </a:solidFill>
+          <a:ln>
+            <a:noFill/>
+          </a:ln>
+        </p:spPr>
+        <p:style>
+          <a:lnRef idx="2">
+            <a:schemeClr val="accent1">
+              <a:shade val="50000"/>
+            </a:schemeClr>
+          </a:lnRef>
+          <a:fillRef idx="1">
+            <a:schemeClr val="accent1"/>
+          </a:fillRef>
+          <a:effectRef idx="0">
+            <a:schemeClr val="accent1"/>
+          </a:effectRef>
+          <a:fontRef idx="minor">
+            <a:schemeClr val="lt1"/>
+          </a:fontRef>
+        </p:style>
+        <p:txBody>
+          <a:bodyPr rtlCol="0" anchor="ctr"/>
+          <a:lstStyle/>
+          <a:p>
+            <a:pPr algn="ctr"/>
+            <a:endParaRPr lang="en-US"/>
+          </a:p>
+        </p:txBody>
+      </p:sp>
+      <p:sp>
+        <p:nvSpPr>
+          <p:cNvPr id="58" name="Oval 57"/>
+          <p:cNvSpPr/>
+          <p:nvPr/>
+        </p:nvSpPr>
+        <p:spPr>
+          <a:xfrm>
+            <a:off x="5819860" y="4237117"/>
+            <a:ext cx="457200" cy="457200"/>
+          </a:xfrm>
+          <a:prstGeom prst="ellipse">
+            <a:avLst/>
+          </a:prstGeom>
+          <a:solidFill>
+            <a:schemeClr val="tx1"/>
+          </a:solidFill>
+          <a:ln>
+            <a:noFill/>
+          </a:ln>
+        </p:spPr>
+        <p:style>
+          <a:lnRef idx="2">
+            <a:schemeClr val="accent1">
+              <a:shade val="50000"/>
+            </a:schemeClr>
+          </a:lnRef>
+          <a:fillRef idx="1">
+            <a:schemeClr val="accent1"/>
+          </a:fillRef>
+          <a:effectRef idx="0">
+            <a:schemeClr val="accent1"/>
+          </a:effectRef>
+          <a:fontRef idx="minor">
+            <a:schemeClr val="lt1"/>
+          </a:fontRef>
+        </p:style>
+        <p:txBody>
+          <a:bodyPr rtlCol="0" anchor="ctr"/>
+          <a:lstStyle/>
+          <a:p>
+            <a:pPr algn="ctr"/>
+            <a:endParaRPr lang="en-US"/>
+          </a:p>
+        </p:txBody>
+      </p:sp>
+      <p:sp>
+        <p:nvSpPr>
+          <p:cNvPr id="59" name="Oval 58"/>
+          <p:cNvSpPr/>
+          <p:nvPr/>
+        </p:nvSpPr>
+        <p:spPr>
+          <a:xfrm>
+            <a:off x="3441202" y="1522748"/>
+            <a:ext cx="457200" cy="457200"/>
+          </a:xfrm>
+          <a:prstGeom prst="ellipse">
+            <a:avLst/>
+          </a:prstGeom>
+          <a:solidFill>
+            <a:schemeClr val="tx1"/>
+          </a:solidFill>
+          <a:ln>
+            <a:noFill/>
+          </a:ln>
+        </p:spPr>
+        <p:style>
+          <a:lnRef idx="2">
+            <a:schemeClr val="accent1">
+              <a:shade val="50000"/>
+            </a:schemeClr>
+          </a:lnRef>
+          <a:fillRef idx="1">
+            <a:schemeClr val="accent1"/>
+          </a:fillRef>
+          <a:effectRef idx="0">
+            <a:schemeClr val="accent1"/>
+          </a:effectRef>
+          <a:fontRef idx="minor">
+            <a:schemeClr val="lt1"/>
+          </a:fontRef>
+        </p:style>
+        <p:txBody>
+          <a:bodyPr rtlCol="0" anchor="ctr"/>
+          <a:lstStyle/>
+          <a:p>
+            <a:pPr algn="ctr"/>
+            <a:endParaRPr lang="en-US"/>
+          </a:p>
+        </p:txBody>
+      </p:sp>
+      <p:sp>
+        <p:nvSpPr>
+          <p:cNvPr id="60" name="Oval 59"/>
+          <p:cNvSpPr/>
+          <p:nvPr/>
+        </p:nvSpPr>
+        <p:spPr>
+          <a:xfrm>
+            <a:off x="953528" y="2629842"/>
+            <a:ext cx="457200" cy="457200"/>
+          </a:xfrm>
+          <a:prstGeom prst="ellipse">
+            <a:avLst/>
+          </a:prstGeom>
+          <a:solidFill>
+            <a:schemeClr val="tx1"/>
+          </a:solidFill>
+          <a:ln>
+            <a:noFill/>
+          </a:ln>
+        </p:spPr>
+        <p:style>
+          <a:lnRef idx="2">
+            <a:schemeClr val="accent1">
+              <a:shade val="50000"/>
+            </a:schemeClr>
+          </a:lnRef>
+          <a:fillRef idx="1">
+            <a:schemeClr val="accent1"/>
+          </a:fillRef>
+          <a:effectRef idx="0">
+            <a:schemeClr val="accent1"/>
+          </a:effectRef>
+          <a:fontRef idx="minor">
+            <a:schemeClr val="lt1"/>
+          </a:fontRef>
+        </p:style>
+        <p:txBody>
+          <a:bodyPr rtlCol="0" anchor="ctr"/>
+          <a:lstStyle/>
+          <a:p>
+            <a:pPr algn="ctr"/>
+            <a:endParaRPr lang="en-US"/>
+          </a:p>
+        </p:txBody>
+      </p:sp>
+      <p:sp>
+        <p:nvSpPr>
+          <p:cNvPr id="61" name="Oval 60"/>
+          <p:cNvSpPr/>
+          <p:nvPr/>
+        </p:nvSpPr>
+        <p:spPr>
+          <a:xfrm>
+            <a:off x="953528" y="1519972"/>
+            <a:ext cx="457200" cy="457200"/>
+          </a:xfrm>
+          <a:prstGeom prst="ellipse">
+            <a:avLst/>
+          </a:prstGeom>
+          <a:solidFill>
+            <a:schemeClr val="tx1"/>
+          </a:solidFill>
+          <a:ln>
+            <a:noFill/>
+          </a:ln>
+        </p:spPr>
+        <p:style>
+          <a:lnRef idx="2">
+            <a:schemeClr val="accent1">
+              <a:shade val="50000"/>
+            </a:schemeClr>
+          </a:lnRef>
+          <a:fillRef idx="1">
+            <a:schemeClr val="accent1"/>
+          </a:fillRef>
+          <a:effectRef idx="0">
+            <a:schemeClr val="accent1"/>
+          </a:effectRef>
+          <a:fontRef idx="minor">
+            <a:schemeClr val="lt1"/>
+          </a:fontRef>
+        </p:style>
+        <p:txBody>
+          <a:bodyPr rtlCol="0" anchor="ctr"/>
+          <a:lstStyle/>
+          <a:p>
+            <a:pPr algn="ctr"/>
+            <a:endParaRPr lang="en-US"/>
+          </a:p>
+        </p:txBody>
+      </p:sp>
     </p:spTree>
     <p:extLst>
       <p:ext uri="{BB962C8B-B14F-4D97-AF65-F5344CB8AC3E}">
-        <p14:creationId xmlns:p14="http://schemas.microsoft.com/office/powerpoint/2010/main" val="2064107572"/>
+        <p14:creationId xmlns:p14="http://schemas.microsoft.com/office/powerpoint/2010/main" val="3886627049"/>
+      </p:ext>
+    </p:extLst>
+  </p:cSld>
+  <p:clrMapOvr>
+    <a:masterClrMapping/>
+  </p:clrMapOvr>
+</p:sld>
+</file>
+
+<file path=ppt/slides/slide14.xml><?xml version="1.0" encoding="utf-8"?>
+<p:sld xmlns:a="http://schemas.openxmlformats.org/drawingml/2006/main" xmlns:r="http://schemas.openxmlformats.org/officeDocument/2006/relationships" xmlns:p="http://schemas.openxmlformats.org/presentationml/2006/main">
+  <p:cSld>
+    <p:spTree>
+      <p:nvGrpSpPr>
+        <p:cNvPr id="1" name=""/>
+        <p:cNvGrpSpPr/>
+        <p:nvPr/>
+      </p:nvGrpSpPr>
+      <p:grpSpPr>
+        <a:xfrm>
+          <a:off x="0" y="0"/>
+          <a:ext cx="0" cy="0"/>
+          <a:chOff x="0" y="0"/>
+          <a:chExt cx="0" cy="0"/>
+        </a:xfrm>
+      </p:grpSpPr>
+      <p:sp>
+        <p:nvSpPr>
+          <p:cNvPr id="2" name="TextBox 1"/>
+          <p:cNvSpPr txBox="1"/>
+          <p:nvPr/>
+        </p:nvSpPr>
+        <p:spPr>
+          <a:xfrm>
+            <a:off x="7401464" y="129396"/>
+            <a:ext cx="974498" cy="369332"/>
+          </a:xfrm>
+          <a:prstGeom prst="rect">
+            <a:avLst/>
+          </a:prstGeom>
+          <a:noFill/>
+        </p:spPr>
+        <p:txBody>
+          <a:bodyPr wrap="none" rtlCol="0">
+            <a:spAutoFit/>
+          </a:bodyPr>
+          <a:lstStyle/>
+          <a:p>
+            <a:r>
+              <a:rPr lang="en-US" dirty="0" smtClean="0"/>
+              <a:t>FOR CDs</a:t>
+            </a:r>
+            <a:endParaRPr lang="en-US" dirty="0"/>
+          </a:p>
+        </p:txBody>
+      </p:sp>
+      <p:sp>
+        <p:nvSpPr>
+          <p:cNvPr id="39" name="Oval 38"/>
+          <p:cNvSpPr/>
+          <p:nvPr/>
+        </p:nvSpPr>
+        <p:spPr>
+          <a:xfrm>
+            <a:off x="1987838" y="1832196"/>
+            <a:ext cx="914400" cy="914400"/>
+          </a:xfrm>
+          <a:prstGeom prst="ellipse">
+            <a:avLst/>
+          </a:prstGeom>
+          <a:solidFill>
+            <a:schemeClr val="tx1"/>
+          </a:solidFill>
+          <a:ln>
+            <a:noFill/>
+          </a:ln>
+        </p:spPr>
+        <p:style>
+          <a:lnRef idx="2">
+            <a:schemeClr val="accent1">
+              <a:shade val="50000"/>
+            </a:schemeClr>
+          </a:lnRef>
+          <a:fillRef idx="1">
+            <a:schemeClr val="accent1"/>
+          </a:fillRef>
+          <a:effectRef idx="0">
+            <a:schemeClr val="accent1"/>
+          </a:effectRef>
+          <a:fontRef idx="minor">
+            <a:schemeClr val="lt1"/>
+          </a:fontRef>
+        </p:style>
+        <p:txBody>
+          <a:bodyPr rtlCol="0" anchor="ctr"/>
+          <a:lstStyle/>
+          <a:p>
+            <a:pPr algn="ctr"/>
+            <a:endParaRPr lang="en-US"/>
+          </a:p>
+        </p:txBody>
+      </p:sp>
+      <p:sp>
+        <p:nvSpPr>
+          <p:cNvPr id="42" name="Oval 41"/>
+          <p:cNvSpPr/>
+          <p:nvPr/>
+        </p:nvSpPr>
+        <p:spPr>
+          <a:xfrm>
+            <a:off x="271692" y="129396"/>
+            <a:ext cx="4320000" cy="4320000"/>
+          </a:xfrm>
+          <a:prstGeom prst="ellipse">
+            <a:avLst/>
+          </a:prstGeom>
+          <a:noFill/>
+        </p:spPr>
+        <p:style>
+          <a:lnRef idx="2">
+            <a:schemeClr val="accent1">
+              <a:shade val="50000"/>
+            </a:schemeClr>
+          </a:lnRef>
+          <a:fillRef idx="1">
+            <a:schemeClr val="accent1"/>
+          </a:fillRef>
+          <a:effectRef idx="0">
+            <a:schemeClr val="accent1"/>
+          </a:effectRef>
+          <a:fontRef idx="minor">
+            <a:schemeClr val="lt1"/>
+          </a:fontRef>
+        </p:style>
+        <p:txBody>
+          <a:bodyPr rtlCol="0" anchor="ctr"/>
+          <a:lstStyle/>
+          <a:p>
+            <a:pPr algn="ctr"/>
+            <a:endParaRPr lang="en-US"/>
+          </a:p>
+        </p:txBody>
+      </p:sp>
+      <p:sp>
+        <p:nvSpPr>
+          <p:cNvPr id="48" name="Oval 47"/>
+          <p:cNvSpPr/>
+          <p:nvPr/>
+        </p:nvSpPr>
+        <p:spPr>
+          <a:xfrm>
+            <a:off x="3441202" y="2632618"/>
+            <a:ext cx="457200" cy="457200"/>
+          </a:xfrm>
+          <a:prstGeom prst="ellipse">
+            <a:avLst/>
+          </a:prstGeom>
+          <a:solidFill>
+            <a:schemeClr val="tx1"/>
+          </a:solidFill>
+          <a:ln>
+            <a:noFill/>
+          </a:ln>
+        </p:spPr>
+        <p:style>
+          <a:lnRef idx="2">
+            <a:schemeClr val="accent1">
+              <a:shade val="50000"/>
+            </a:schemeClr>
+          </a:lnRef>
+          <a:fillRef idx="1">
+            <a:schemeClr val="accent1"/>
+          </a:fillRef>
+          <a:effectRef idx="0">
+            <a:schemeClr val="accent1"/>
+          </a:effectRef>
+          <a:fontRef idx="minor">
+            <a:schemeClr val="lt1"/>
+          </a:fontRef>
+        </p:style>
+        <p:txBody>
+          <a:bodyPr rtlCol="0" anchor="ctr"/>
+          <a:lstStyle/>
+          <a:p>
+            <a:pPr algn="ctr"/>
+            <a:endParaRPr lang="en-US"/>
+          </a:p>
+        </p:txBody>
+      </p:sp>
+      <p:sp>
+        <p:nvSpPr>
+          <p:cNvPr id="31" name="Oval 30"/>
+          <p:cNvSpPr/>
+          <p:nvPr/>
+        </p:nvSpPr>
+        <p:spPr>
+          <a:xfrm>
+            <a:off x="2251186" y="469842"/>
+            <a:ext cx="365760" cy="914400"/>
+          </a:xfrm>
+          <a:prstGeom prst="ellipse">
+            <a:avLst/>
+          </a:prstGeom>
+          <a:solidFill>
+            <a:schemeClr val="tx1"/>
+          </a:solidFill>
+          <a:ln>
+            <a:noFill/>
+          </a:ln>
+        </p:spPr>
+        <p:style>
+          <a:lnRef idx="2">
+            <a:schemeClr val="accent1">
+              <a:shade val="50000"/>
+            </a:schemeClr>
+          </a:lnRef>
+          <a:fillRef idx="1">
+            <a:schemeClr val="accent1"/>
+          </a:fillRef>
+          <a:effectRef idx="0">
+            <a:schemeClr val="accent1"/>
+          </a:effectRef>
+          <a:fontRef idx="minor">
+            <a:schemeClr val="lt1"/>
+          </a:fontRef>
+        </p:style>
+        <p:txBody>
+          <a:bodyPr rtlCol="0" anchor="ctr"/>
+          <a:lstStyle/>
+          <a:p>
+            <a:pPr algn="ctr"/>
+            <a:endParaRPr lang="en-US"/>
+          </a:p>
+        </p:txBody>
+      </p:sp>
+      <p:grpSp>
+        <p:nvGrpSpPr>
+          <p:cNvPr id="8" name="Group 7"/>
+          <p:cNvGrpSpPr/>
+          <p:nvPr/>
+        </p:nvGrpSpPr>
+        <p:grpSpPr>
+          <a:xfrm>
+            <a:off x="1294278" y="1241494"/>
+            <a:ext cx="147955" cy="147955"/>
+            <a:chOff x="1320800" y="2968942"/>
+            <a:chExt cx="147955" cy="147955"/>
+          </a:xfrm>
+        </p:grpSpPr>
+        <p:cxnSp>
+          <p:nvCxnSpPr>
+            <p:cNvPr id="5" name="Straight Connector 4"/>
+            <p:cNvCxnSpPr/>
+            <p:nvPr/>
+          </p:nvCxnSpPr>
+          <p:spPr>
+            <a:xfrm>
+              <a:off x="1320800" y="3042920"/>
+              <a:ext cx="147955" cy="0"/>
+            </a:xfrm>
+            <a:prstGeom prst="line">
+              <a:avLst/>
+            </a:prstGeom>
+            <a:ln w="9525">
+              <a:solidFill>
+                <a:srgbClr val="FF0000"/>
+              </a:solidFill>
+            </a:ln>
+          </p:spPr>
+          <p:style>
+            <a:lnRef idx="1">
+              <a:schemeClr val="accent1"/>
+            </a:lnRef>
+            <a:fillRef idx="0">
+              <a:schemeClr val="accent1"/>
+            </a:fillRef>
+            <a:effectRef idx="0">
+              <a:schemeClr val="accent1"/>
+            </a:effectRef>
+            <a:fontRef idx="minor">
+              <a:schemeClr val="tx1"/>
+            </a:fontRef>
+          </p:style>
+        </p:cxnSp>
+        <p:cxnSp>
+          <p:nvCxnSpPr>
+            <p:cNvPr id="40" name="Straight Connector 39"/>
+            <p:cNvCxnSpPr/>
+            <p:nvPr/>
+          </p:nvCxnSpPr>
+          <p:spPr>
+            <a:xfrm rot="5400000">
+              <a:off x="1320800" y="3042920"/>
+              <a:ext cx="147955" cy="0"/>
+            </a:xfrm>
+            <a:prstGeom prst="line">
+              <a:avLst/>
+            </a:prstGeom>
+            <a:ln w="9525">
+              <a:solidFill>
+                <a:srgbClr val="FF0000"/>
+              </a:solidFill>
+            </a:ln>
+          </p:spPr>
+          <p:style>
+            <a:lnRef idx="1">
+              <a:schemeClr val="accent1"/>
+            </a:lnRef>
+            <a:fillRef idx="0">
+              <a:schemeClr val="accent1"/>
+            </a:fillRef>
+            <a:effectRef idx="0">
+              <a:schemeClr val="accent1"/>
+            </a:effectRef>
+            <a:fontRef idx="minor">
+              <a:schemeClr val="tx1"/>
+            </a:fontRef>
+          </p:style>
+        </p:cxnSp>
+      </p:grpSp>
+      <p:grpSp>
+        <p:nvGrpSpPr>
+          <p:cNvPr id="43" name="Group 42"/>
+          <p:cNvGrpSpPr/>
+          <p:nvPr/>
+        </p:nvGrpSpPr>
+        <p:grpSpPr>
+          <a:xfrm>
+            <a:off x="3422656" y="1241494"/>
+            <a:ext cx="147955" cy="147955"/>
+            <a:chOff x="1320800" y="2968942"/>
+            <a:chExt cx="147955" cy="147955"/>
+          </a:xfrm>
+        </p:grpSpPr>
+        <p:cxnSp>
+          <p:nvCxnSpPr>
+            <p:cNvPr id="44" name="Straight Connector 43"/>
+            <p:cNvCxnSpPr/>
+            <p:nvPr/>
+          </p:nvCxnSpPr>
+          <p:spPr>
+            <a:xfrm>
+              <a:off x="1320800" y="3042920"/>
+              <a:ext cx="147955" cy="0"/>
+            </a:xfrm>
+            <a:prstGeom prst="line">
+              <a:avLst/>
+            </a:prstGeom>
+            <a:ln w="9525">
+              <a:solidFill>
+                <a:srgbClr val="FF0000"/>
+              </a:solidFill>
+            </a:ln>
+          </p:spPr>
+          <p:style>
+            <a:lnRef idx="1">
+              <a:schemeClr val="accent1"/>
+            </a:lnRef>
+            <a:fillRef idx="0">
+              <a:schemeClr val="accent1"/>
+            </a:fillRef>
+            <a:effectRef idx="0">
+              <a:schemeClr val="accent1"/>
+            </a:effectRef>
+            <a:fontRef idx="minor">
+              <a:schemeClr val="tx1"/>
+            </a:fontRef>
+          </p:style>
+        </p:cxnSp>
+        <p:cxnSp>
+          <p:nvCxnSpPr>
+            <p:cNvPr id="50" name="Straight Connector 49"/>
+            <p:cNvCxnSpPr/>
+            <p:nvPr/>
+          </p:nvCxnSpPr>
+          <p:spPr>
+            <a:xfrm rot="5400000">
+              <a:off x="1320800" y="3042920"/>
+              <a:ext cx="147955" cy="0"/>
+            </a:xfrm>
+            <a:prstGeom prst="line">
+              <a:avLst/>
+            </a:prstGeom>
+            <a:ln w="9525">
+              <a:solidFill>
+                <a:srgbClr val="FF0000"/>
+              </a:solidFill>
+            </a:ln>
+          </p:spPr>
+          <p:style>
+            <a:lnRef idx="1">
+              <a:schemeClr val="accent1"/>
+            </a:lnRef>
+            <a:fillRef idx="0">
+              <a:schemeClr val="accent1"/>
+            </a:fillRef>
+            <a:effectRef idx="0">
+              <a:schemeClr val="accent1"/>
+            </a:effectRef>
+            <a:fontRef idx="minor">
+              <a:schemeClr val="tx1"/>
+            </a:fontRef>
+          </p:style>
+        </p:cxnSp>
+      </p:grpSp>
+      <p:grpSp>
+        <p:nvGrpSpPr>
+          <p:cNvPr id="51" name="Group 50"/>
+          <p:cNvGrpSpPr/>
+          <p:nvPr/>
+        </p:nvGrpSpPr>
+        <p:grpSpPr>
+          <a:xfrm>
+            <a:off x="3420825" y="3365494"/>
+            <a:ext cx="147955" cy="147955"/>
+            <a:chOff x="1320800" y="2968942"/>
+            <a:chExt cx="147955" cy="147955"/>
+          </a:xfrm>
+        </p:grpSpPr>
+        <p:cxnSp>
+          <p:nvCxnSpPr>
+            <p:cNvPr id="52" name="Straight Connector 51"/>
+            <p:cNvCxnSpPr/>
+            <p:nvPr/>
+          </p:nvCxnSpPr>
+          <p:spPr>
+            <a:xfrm>
+              <a:off x="1320800" y="3042920"/>
+              <a:ext cx="147955" cy="0"/>
+            </a:xfrm>
+            <a:prstGeom prst="line">
+              <a:avLst/>
+            </a:prstGeom>
+            <a:ln w="9525">
+              <a:solidFill>
+                <a:srgbClr val="FF0000"/>
+              </a:solidFill>
+            </a:ln>
+          </p:spPr>
+          <p:style>
+            <a:lnRef idx="1">
+              <a:schemeClr val="accent1"/>
+            </a:lnRef>
+            <a:fillRef idx="0">
+              <a:schemeClr val="accent1"/>
+            </a:fillRef>
+            <a:effectRef idx="0">
+              <a:schemeClr val="accent1"/>
+            </a:effectRef>
+            <a:fontRef idx="minor">
+              <a:schemeClr val="tx1"/>
+            </a:fontRef>
+          </p:style>
+        </p:cxnSp>
+        <p:cxnSp>
+          <p:nvCxnSpPr>
+            <p:cNvPr id="53" name="Straight Connector 52"/>
+            <p:cNvCxnSpPr/>
+            <p:nvPr/>
+          </p:nvCxnSpPr>
+          <p:spPr>
+            <a:xfrm rot="5400000">
+              <a:off x="1320800" y="3042920"/>
+              <a:ext cx="147955" cy="0"/>
+            </a:xfrm>
+            <a:prstGeom prst="line">
+              <a:avLst/>
+            </a:prstGeom>
+            <a:ln w="9525">
+              <a:solidFill>
+                <a:srgbClr val="FF0000"/>
+              </a:solidFill>
+            </a:ln>
+          </p:spPr>
+          <p:style>
+            <a:lnRef idx="1">
+              <a:schemeClr val="accent1"/>
+            </a:lnRef>
+            <a:fillRef idx="0">
+              <a:schemeClr val="accent1"/>
+            </a:fillRef>
+            <a:effectRef idx="0">
+              <a:schemeClr val="accent1"/>
+            </a:effectRef>
+            <a:fontRef idx="minor">
+              <a:schemeClr val="tx1"/>
+            </a:fontRef>
+          </p:style>
+        </p:cxnSp>
+      </p:grpSp>
+      <p:grpSp>
+        <p:nvGrpSpPr>
+          <p:cNvPr id="54" name="Group 53"/>
+          <p:cNvGrpSpPr/>
+          <p:nvPr/>
+        </p:nvGrpSpPr>
+        <p:grpSpPr>
+          <a:xfrm>
+            <a:off x="1293169" y="3365494"/>
+            <a:ext cx="147955" cy="147955"/>
+            <a:chOff x="1320800" y="2968942"/>
+            <a:chExt cx="147955" cy="147955"/>
+          </a:xfrm>
+        </p:grpSpPr>
+        <p:cxnSp>
+          <p:nvCxnSpPr>
+            <p:cNvPr id="55" name="Straight Connector 54"/>
+            <p:cNvCxnSpPr/>
+            <p:nvPr/>
+          </p:nvCxnSpPr>
+          <p:spPr>
+            <a:xfrm>
+              <a:off x="1320800" y="3042920"/>
+              <a:ext cx="147955" cy="0"/>
+            </a:xfrm>
+            <a:prstGeom prst="line">
+              <a:avLst/>
+            </a:prstGeom>
+            <a:ln w="9525">
+              <a:solidFill>
+                <a:srgbClr val="FF0000"/>
+              </a:solidFill>
+            </a:ln>
+          </p:spPr>
+          <p:style>
+            <a:lnRef idx="1">
+              <a:schemeClr val="accent1"/>
+            </a:lnRef>
+            <a:fillRef idx="0">
+              <a:schemeClr val="accent1"/>
+            </a:fillRef>
+            <a:effectRef idx="0">
+              <a:schemeClr val="accent1"/>
+            </a:effectRef>
+            <a:fontRef idx="minor">
+              <a:schemeClr val="tx1"/>
+            </a:fontRef>
+          </p:style>
+        </p:cxnSp>
+        <p:cxnSp>
+          <p:nvCxnSpPr>
+            <p:cNvPr id="56" name="Straight Connector 55"/>
+            <p:cNvCxnSpPr/>
+            <p:nvPr/>
+          </p:nvCxnSpPr>
+          <p:spPr>
+            <a:xfrm rot="5400000">
+              <a:off x="1320800" y="3042920"/>
+              <a:ext cx="147955" cy="0"/>
+            </a:xfrm>
+            <a:prstGeom prst="line">
+              <a:avLst/>
+            </a:prstGeom>
+            <a:ln w="9525">
+              <a:solidFill>
+                <a:srgbClr val="FF0000"/>
+              </a:solidFill>
+            </a:ln>
+          </p:spPr>
+          <p:style>
+            <a:lnRef idx="1">
+              <a:schemeClr val="accent1"/>
+            </a:lnRef>
+            <a:fillRef idx="0">
+              <a:schemeClr val="accent1"/>
+            </a:fillRef>
+            <a:effectRef idx="0">
+              <a:schemeClr val="accent1"/>
+            </a:effectRef>
+            <a:fontRef idx="minor">
+              <a:schemeClr val="tx1"/>
+            </a:fontRef>
+          </p:style>
+        </p:cxnSp>
+      </p:grpSp>
+      <p:sp>
+        <p:nvSpPr>
+          <p:cNvPr id="77" name="Oval 76"/>
+          <p:cNvSpPr/>
+          <p:nvPr/>
+        </p:nvSpPr>
+        <p:spPr>
+          <a:xfrm>
+            <a:off x="6944264" y="3992196"/>
+            <a:ext cx="914400" cy="914400"/>
+          </a:xfrm>
+          <a:prstGeom prst="ellipse">
+            <a:avLst/>
+          </a:prstGeom>
+          <a:solidFill>
+            <a:schemeClr val="tx1"/>
+          </a:solidFill>
+          <a:ln>
+            <a:noFill/>
+          </a:ln>
+        </p:spPr>
+        <p:style>
+          <a:lnRef idx="2">
+            <a:schemeClr val="accent1">
+              <a:shade val="50000"/>
+            </a:schemeClr>
+          </a:lnRef>
+          <a:fillRef idx="1">
+            <a:schemeClr val="accent1"/>
+          </a:fillRef>
+          <a:effectRef idx="0">
+            <a:schemeClr val="accent1"/>
+          </a:effectRef>
+          <a:fontRef idx="minor">
+            <a:schemeClr val="lt1"/>
+          </a:fontRef>
+        </p:style>
+        <p:txBody>
+          <a:bodyPr rtlCol="0" anchor="ctr"/>
+          <a:lstStyle/>
+          <a:p>
+            <a:pPr algn="ctr"/>
+            <a:endParaRPr lang="en-US"/>
+          </a:p>
+        </p:txBody>
+      </p:sp>
+      <p:sp>
+        <p:nvSpPr>
+          <p:cNvPr id="78" name="Oval 77"/>
+          <p:cNvSpPr/>
+          <p:nvPr/>
+        </p:nvSpPr>
+        <p:spPr>
+          <a:xfrm>
+            <a:off x="5228118" y="2289396"/>
+            <a:ext cx="4320000" cy="4320000"/>
+          </a:xfrm>
+          <a:prstGeom prst="ellipse">
+            <a:avLst/>
+          </a:prstGeom>
+          <a:noFill/>
+        </p:spPr>
+        <p:style>
+          <a:lnRef idx="2">
+            <a:schemeClr val="accent1">
+              <a:shade val="50000"/>
+            </a:schemeClr>
+          </a:lnRef>
+          <a:fillRef idx="1">
+            <a:schemeClr val="accent1"/>
+          </a:fillRef>
+          <a:effectRef idx="0">
+            <a:schemeClr val="accent1"/>
+          </a:effectRef>
+          <a:fontRef idx="minor">
+            <a:schemeClr val="lt1"/>
+          </a:fontRef>
+        </p:style>
+        <p:txBody>
+          <a:bodyPr rtlCol="0" anchor="ctr"/>
+          <a:lstStyle/>
+          <a:p>
+            <a:pPr algn="ctr"/>
+            <a:endParaRPr lang="en-US"/>
+          </a:p>
+        </p:txBody>
+      </p:sp>
+      <p:sp>
+        <p:nvSpPr>
+          <p:cNvPr id="83" name="Oval 82"/>
+          <p:cNvSpPr/>
+          <p:nvPr/>
+        </p:nvSpPr>
+        <p:spPr>
+          <a:xfrm>
+            <a:off x="7161892" y="5577942"/>
+            <a:ext cx="457200" cy="457200"/>
+          </a:xfrm>
+          <a:prstGeom prst="ellipse">
+            <a:avLst/>
+          </a:prstGeom>
+          <a:solidFill>
+            <a:schemeClr val="tx1"/>
+          </a:solidFill>
+          <a:ln>
+            <a:noFill/>
+          </a:ln>
+        </p:spPr>
+        <p:style>
+          <a:lnRef idx="2">
+            <a:schemeClr val="accent1">
+              <a:shade val="50000"/>
+            </a:schemeClr>
+          </a:lnRef>
+          <a:fillRef idx="1">
+            <a:schemeClr val="accent1"/>
+          </a:fillRef>
+          <a:effectRef idx="0">
+            <a:schemeClr val="accent1"/>
+          </a:effectRef>
+          <a:fontRef idx="minor">
+            <a:schemeClr val="lt1"/>
+          </a:fontRef>
+        </p:style>
+        <p:txBody>
+          <a:bodyPr rtlCol="0" anchor="ctr"/>
+          <a:lstStyle/>
+          <a:p>
+            <a:pPr algn="ctr"/>
+            <a:endParaRPr lang="en-US"/>
+          </a:p>
+        </p:txBody>
+      </p:sp>
+      <p:sp>
+        <p:nvSpPr>
+          <p:cNvPr id="84" name="Oval 83"/>
+          <p:cNvSpPr/>
+          <p:nvPr/>
+        </p:nvSpPr>
+        <p:spPr>
+          <a:xfrm>
+            <a:off x="7207612" y="2629842"/>
+            <a:ext cx="365760" cy="914400"/>
+          </a:xfrm>
+          <a:prstGeom prst="ellipse">
+            <a:avLst/>
+          </a:prstGeom>
+          <a:solidFill>
+            <a:schemeClr val="tx1"/>
+          </a:solidFill>
+          <a:ln>
+            <a:noFill/>
+          </a:ln>
+        </p:spPr>
+        <p:style>
+          <a:lnRef idx="2">
+            <a:schemeClr val="accent1">
+              <a:shade val="50000"/>
+            </a:schemeClr>
+          </a:lnRef>
+          <a:fillRef idx="1">
+            <a:schemeClr val="accent1"/>
+          </a:fillRef>
+          <a:effectRef idx="0">
+            <a:schemeClr val="accent1"/>
+          </a:effectRef>
+          <a:fontRef idx="minor">
+            <a:schemeClr val="lt1"/>
+          </a:fontRef>
+        </p:style>
+        <p:txBody>
+          <a:bodyPr rtlCol="0" anchor="ctr"/>
+          <a:lstStyle/>
+          <a:p>
+            <a:pPr algn="ctr"/>
+            <a:endParaRPr lang="en-US"/>
+          </a:p>
+        </p:txBody>
+      </p:sp>
+      <p:grpSp>
+        <p:nvGrpSpPr>
+          <p:cNvPr id="85" name="Group 84"/>
+          <p:cNvGrpSpPr/>
+          <p:nvPr/>
+        </p:nvGrpSpPr>
+        <p:grpSpPr>
+          <a:xfrm>
+            <a:off x="6250704" y="3401494"/>
+            <a:ext cx="147955" cy="147955"/>
+            <a:chOff x="1320800" y="2968942"/>
+            <a:chExt cx="147955" cy="147955"/>
+          </a:xfrm>
+        </p:grpSpPr>
+        <p:cxnSp>
+          <p:nvCxnSpPr>
+            <p:cNvPr id="86" name="Straight Connector 85"/>
+            <p:cNvCxnSpPr/>
+            <p:nvPr/>
+          </p:nvCxnSpPr>
+          <p:spPr>
+            <a:xfrm>
+              <a:off x="1320800" y="3042920"/>
+              <a:ext cx="147955" cy="0"/>
+            </a:xfrm>
+            <a:prstGeom prst="line">
+              <a:avLst/>
+            </a:prstGeom>
+            <a:ln w="9525">
+              <a:solidFill>
+                <a:srgbClr val="FF0000"/>
+              </a:solidFill>
+            </a:ln>
+          </p:spPr>
+          <p:style>
+            <a:lnRef idx="1">
+              <a:schemeClr val="accent1"/>
+            </a:lnRef>
+            <a:fillRef idx="0">
+              <a:schemeClr val="accent1"/>
+            </a:fillRef>
+            <a:effectRef idx="0">
+              <a:schemeClr val="accent1"/>
+            </a:effectRef>
+            <a:fontRef idx="minor">
+              <a:schemeClr val="tx1"/>
+            </a:fontRef>
+          </p:style>
+        </p:cxnSp>
+        <p:cxnSp>
+          <p:nvCxnSpPr>
+            <p:cNvPr id="87" name="Straight Connector 86"/>
+            <p:cNvCxnSpPr/>
+            <p:nvPr/>
+          </p:nvCxnSpPr>
+          <p:spPr>
+            <a:xfrm rot="5400000">
+              <a:off x="1320800" y="3042920"/>
+              <a:ext cx="147955" cy="0"/>
+            </a:xfrm>
+            <a:prstGeom prst="line">
+              <a:avLst/>
+            </a:prstGeom>
+            <a:ln w="9525">
+              <a:solidFill>
+                <a:srgbClr val="FF0000"/>
+              </a:solidFill>
+            </a:ln>
+          </p:spPr>
+          <p:style>
+            <a:lnRef idx="1">
+              <a:schemeClr val="accent1"/>
+            </a:lnRef>
+            <a:fillRef idx="0">
+              <a:schemeClr val="accent1"/>
+            </a:fillRef>
+            <a:effectRef idx="0">
+              <a:schemeClr val="accent1"/>
+            </a:effectRef>
+            <a:fontRef idx="minor">
+              <a:schemeClr val="tx1"/>
+            </a:fontRef>
+          </p:style>
+        </p:cxnSp>
+      </p:grpSp>
+      <p:grpSp>
+        <p:nvGrpSpPr>
+          <p:cNvPr id="88" name="Group 87"/>
+          <p:cNvGrpSpPr/>
+          <p:nvPr/>
+        </p:nvGrpSpPr>
+        <p:grpSpPr>
+          <a:xfrm>
+            <a:off x="8379082" y="3401494"/>
+            <a:ext cx="147955" cy="147955"/>
+            <a:chOff x="1320800" y="2968942"/>
+            <a:chExt cx="147955" cy="147955"/>
+          </a:xfrm>
+        </p:grpSpPr>
+        <p:cxnSp>
+          <p:nvCxnSpPr>
+            <p:cNvPr id="89" name="Straight Connector 88"/>
+            <p:cNvCxnSpPr/>
+            <p:nvPr/>
+          </p:nvCxnSpPr>
+          <p:spPr>
+            <a:xfrm>
+              <a:off x="1320800" y="3042920"/>
+              <a:ext cx="147955" cy="0"/>
+            </a:xfrm>
+            <a:prstGeom prst="line">
+              <a:avLst/>
+            </a:prstGeom>
+            <a:ln w="9525">
+              <a:solidFill>
+                <a:srgbClr val="FF0000"/>
+              </a:solidFill>
+            </a:ln>
+          </p:spPr>
+          <p:style>
+            <a:lnRef idx="1">
+              <a:schemeClr val="accent1"/>
+            </a:lnRef>
+            <a:fillRef idx="0">
+              <a:schemeClr val="accent1"/>
+            </a:fillRef>
+            <a:effectRef idx="0">
+              <a:schemeClr val="accent1"/>
+            </a:effectRef>
+            <a:fontRef idx="minor">
+              <a:schemeClr val="tx1"/>
+            </a:fontRef>
+          </p:style>
+        </p:cxnSp>
+        <p:cxnSp>
+          <p:nvCxnSpPr>
+            <p:cNvPr id="90" name="Straight Connector 89"/>
+            <p:cNvCxnSpPr/>
+            <p:nvPr/>
+          </p:nvCxnSpPr>
+          <p:spPr>
+            <a:xfrm rot="5400000">
+              <a:off x="1320800" y="3042920"/>
+              <a:ext cx="147955" cy="0"/>
+            </a:xfrm>
+            <a:prstGeom prst="line">
+              <a:avLst/>
+            </a:prstGeom>
+            <a:ln w="9525">
+              <a:solidFill>
+                <a:srgbClr val="FF0000"/>
+              </a:solidFill>
+            </a:ln>
+          </p:spPr>
+          <p:style>
+            <a:lnRef idx="1">
+              <a:schemeClr val="accent1"/>
+            </a:lnRef>
+            <a:fillRef idx="0">
+              <a:schemeClr val="accent1"/>
+            </a:fillRef>
+            <a:effectRef idx="0">
+              <a:schemeClr val="accent1"/>
+            </a:effectRef>
+            <a:fontRef idx="minor">
+              <a:schemeClr val="tx1"/>
+            </a:fontRef>
+          </p:style>
+        </p:cxnSp>
+      </p:grpSp>
+      <p:grpSp>
+        <p:nvGrpSpPr>
+          <p:cNvPr id="91" name="Group 90"/>
+          <p:cNvGrpSpPr/>
+          <p:nvPr/>
+        </p:nvGrpSpPr>
+        <p:grpSpPr>
+          <a:xfrm>
+            <a:off x="8377251" y="5525494"/>
+            <a:ext cx="147955" cy="147955"/>
+            <a:chOff x="1320800" y="2968942"/>
+            <a:chExt cx="147955" cy="147955"/>
+          </a:xfrm>
+        </p:grpSpPr>
+        <p:cxnSp>
+          <p:nvCxnSpPr>
+            <p:cNvPr id="92" name="Straight Connector 91"/>
+            <p:cNvCxnSpPr/>
+            <p:nvPr/>
+          </p:nvCxnSpPr>
+          <p:spPr>
+            <a:xfrm>
+              <a:off x="1320800" y="3042920"/>
+              <a:ext cx="147955" cy="0"/>
+            </a:xfrm>
+            <a:prstGeom prst="line">
+              <a:avLst/>
+            </a:prstGeom>
+            <a:ln w="9525">
+              <a:solidFill>
+                <a:srgbClr val="FF0000"/>
+              </a:solidFill>
+            </a:ln>
+          </p:spPr>
+          <p:style>
+            <a:lnRef idx="1">
+              <a:schemeClr val="accent1"/>
+            </a:lnRef>
+            <a:fillRef idx="0">
+              <a:schemeClr val="accent1"/>
+            </a:fillRef>
+            <a:effectRef idx="0">
+              <a:schemeClr val="accent1"/>
+            </a:effectRef>
+            <a:fontRef idx="minor">
+              <a:schemeClr val="tx1"/>
+            </a:fontRef>
+          </p:style>
+        </p:cxnSp>
+        <p:cxnSp>
+          <p:nvCxnSpPr>
+            <p:cNvPr id="93" name="Straight Connector 92"/>
+            <p:cNvCxnSpPr/>
+            <p:nvPr/>
+          </p:nvCxnSpPr>
+          <p:spPr>
+            <a:xfrm rot="5400000">
+              <a:off x="1320800" y="3042920"/>
+              <a:ext cx="147955" cy="0"/>
+            </a:xfrm>
+            <a:prstGeom prst="line">
+              <a:avLst/>
+            </a:prstGeom>
+            <a:ln w="9525">
+              <a:solidFill>
+                <a:srgbClr val="FF0000"/>
+              </a:solidFill>
+            </a:ln>
+          </p:spPr>
+          <p:style>
+            <a:lnRef idx="1">
+              <a:schemeClr val="accent1"/>
+            </a:lnRef>
+            <a:fillRef idx="0">
+              <a:schemeClr val="accent1"/>
+            </a:fillRef>
+            <a:effectRef idx="0">
+              <a:schemeClr val="accent1"/>
+            </a:effectRef>
+            <a:fontRef idx="minor">
+              <a:schemeClr val="tx1"/>
+            </a:fontRef>
+          </p:style>
+        </p:cxnSp>
+      </p:grpSp>
+      <p:grpSp>
+        <p:nvGrpSpPr>
+          <p:cNvPr id="94" name="Group 93"/>
+          <p:cNvGrpSpPr/>
+          <p:nvPr/>
+        </p:nvGrpSpPr>
+        <p:grpSpPr>
+          <a:xfrm>
+            <a:off x="6249595" y="5525494"/>
+            <a:ext cx="147955" cy="147955"/>
+            <a:chOff x="1320800" y="2968942"/>
+            <a:chExt cx="147955" cy="147955"/>
+          </a:xfrm>
+        </p:grpSpPr>
+        <p:cxnSp>
+          <p:nvCxnSpPr>
+            <p:cNvPr id="95" name="Straight Connector 94"/>
+            <p:cNvCxnSpPr/>
+            <p:nvPr/>
+          </p:nvCxnSpPr>
+          <p:spPr>
+            <a:xfrm>
+              <a:off x="1320800" y="3042920"/>
+              <a:ext cx="147955" cy="0"/>
+            </a:xfrm>
+            <a:prstGeom prst="line">
+              <a:avLst/>
+            </a:prstGeom>
+            <a:ln w="9525">
+              <a:solidFill>
+                <a:srgbClr val="FF0000"/>
+              </a:solidFill>
+            </a:ln>
+          </p:spPr>
+          <p:style>
+            <a:lnRef idx="1">
+              <a:schemeClr val="accent1"/>
+            </a:lnRef>
+            <a:fillRef idx="0">
+              <a:schemeClr val="accent1"/>
+            </a:fillRef>
+            <a:effectRef idx="0">
+              <a:schemeClr val="accent1"/>
+            </a:effectRef>
+            <a:fontRef idx="minor">
+              <a:schemeClr val="tx1"/>
+            </a:fontRef>
+          </p:style>
+        </p:cxnSp>
+        <p:cxnSp>
+          <p:nvCxnSpPr>
+            <p:cNvPr id="96" name="Straight Connector 95"/>
+            <p:cNvCxnSpPr/>
+            <p:nvPr/>
+          </p:nvCxnSpPr>
+          <p:spPr>
+            <a:xfrm rot="5400000">
+              <a:off x="1320800" y="3042920"/>
+              <a:ext cx="147955" cy="0"/>
+            </a:xfrm>
+            <a:prstGeom prst="line">
+              <a:avLst/>
+            </a:prstGeom>
+            <a:ln w="9525">
+              <a:solidFill>
+                <a:srgbClr val="FF0000"/>
+              </a:solidFill>
+            </a:ln>
+          </p:spPr>
+          <p:style>
+            <a:lnRef idx="1">
+              <a:schemeClr val="accent1"/>
+            </a:lnRef>
+            <a:fillRef idx="0">
+              <a:schemeClr val="accent1"/>
+            </a:fillRef>
+            <a:effectRef idx="0">
+              <a:schemeClr val="accent1"/>
+            </a:effectRef>
+            <a:fontRef idx="minor">
+              <a:schemeClr val="tx1"/>
+            </a:fontRef>
+          </p:style>
+        </p:cxnSp>
+      </p:grpSp>
+      <p:sp>
+        <p:nvSpPr>
+          <p:cNvPr id="57" name="Oval 56"/>
+          <p:cNvSpPr/>
+          <p:nvPr/>
+        </p:nvSpPr>
+        <p:spPr>
+          <a:xfrm>
+            <a:off x="8516580" y="4237117"/>
+            <a:ext cx="457200" cy="457200"/>
+          </a:xfrm>
+          <a:prstGeom prst="ellipse">
+            <a:avLst/>
+          </a:prstGeom>
+          <a:solidFill>
+            <a:schemeClr val="tx1"/>
+          </a:solidFill>
+          <a:ln>
+            <a:noFill/>
+          </a:ln>
+        </p:spPr>
+        <p:style>
+          <a:lnRef idx="2">
+            <a:schemeClr val="accent1">
+              <a:shade val="50000"/>
+            </a:schemeClr>
+          </a:lnRef>
+          <a:fillRef idx="1">
+            <a:schemeClr val="accent1"/>
+          </a:fillRef>
+          <a:effectRef idx="0">
+            <a:schemeClr val="accent1"/>
+          </a:effectRef>
+          <a:fontRef idx="minor">
+            <a:schemeClr val="lt1"/>
+          </a:fontRef>
+        </p:style>
+        <p:txBody>
+          <a:bodyPr rtlCol="0" anchor="ctr"/>
+          <a:lstStyle/>
+          <a:p>
+            <a:pPr algn="ctr"/>
+            <a:endParaRPr lang="en-US"/>
+          </a:p>
+        </p:txBody>
+      </p:sp>
+      <p:sp>
+        <p:nvSpPr>
+          <p:cNvPr id="58" name="Oval 57"/>
+          <p:cNvSpPr/>
+          <p:nvPr/>
+        </p:nvSpPr>
+        <p:spPr>
+          <a:xfrm>
+            <a:off x="5819860" y="4237117"/>
+            <a:ext cx="457200" cy="457200"/>
+          </a:xfrm>
+          <a:prstGeom prst="ellipse">
+            <a:avLst/>
+          </a:prstGeom>
+          <a:solidFill>
+            <a:schemeClr val="tx1"/>
+          </a:solidFill>
+          <a:ln>
+            <a:noFill/>
+          </a:ln>
+        </p:spPr>
+        <p:style>
+          <a:lnRef idx="2">
+            <a:schemeClr val="accent1">
+              <a:shade val="50000"/>
+            </a:schemeClr>
+          </a:lnRef>
+          <a:fillRef idx="1">
+            <a:schemeClr val="accent1"/>
+          </a:fillRef>
+          <a:effectRef idx="0">
+            <a:schemeClr val="accent1"/>
+          </a:effectRef>
+          <a:fontRef idx="minor">
+            <a:schemeClr val="lt1"/>
+          </a:fontRef>
+        </p:style>
+        <p:txBody>
+          <a:bodyPr rtlCol="0" anchor="ctr"/>
+          <a:lstStyle/>
+          <a:p>
+            <a:pPr algn="ctr"/>
+            <a:endParaRPr lang="en-US"/>
+          </a:p>
+        </p:txBody>
+      </p:sp>
+      <p:sp>
+        <p:nvSpPr>
+          <p:cNvPr id="59" name="Oval 58"/>
+          <p:cNvSpPr/>
+          <p:nvPr/>
+        </p:nvSpPr>
+        <p:spPr>
+          <a:xfrm>
+            <a:off x="3441202" y="1522748"/>
+            <a:ext cx="457200" cy="457200"/>
+          </a:xfrm>
+          <a:prstGeom prst="ellipse">
+            <a:avLst/>
+          </a:prstGeom>
+          <a:solidFill>
+            <a:schemeClr val="tx1"/>
+          </a:solidFill>
+          <a:ln>
+            <a:noFill/>
+          </a:ln>
+        </p:spPr>
+        <p:style>
+          <a:lnRef idx="2">
+            <a:schemeClr val="accent1">
+              <a:shade val="50000"/>
+            </a:schemeClr>
+          </a:lnRef>
+          <a:fillRef idx="1">
+            <a:schemeClr val="accent1"/>
+          </a:fillRef>
+          <a:effectRef idx="0">
+            <a:schemeClr val="accent1"/>
+          </a:effectRef>
+          <a:fontRef idx="minor">
+            <a:schemeClr val="lt1"/>
+          </a:fontRef>
+        </p:style>
+        <p:txBody>
+          <a:bodyPr rtlCol="0" anchor="ctr"/>
+          <a:lstStyle/>
+          <a:p>
+            <a:pPr algn="ctr"/>
+            <a:endParaRPr lang="en-US"/>
+          </a:p>
+        </p:txBody>
+      </p:sp>
+      <p:sp>
+        <p:nvSpPr>
+          <p:cNvPr id="60" name="Oval 59"/>
+          <p:cNvSpPr/>
+          <p:nvPr/>
+        </p:nvSpPr>
+        <p:spPr>
+          <a:xfrm>
+            <a:off x="953528" y="2629842"/>
+            <a:ext cx="457200" cy="457200"/>
+          </a:xfrm>
+          <a:prstGeom prst="ellipse">
+            <a:avLst/>
+          </a:prstGeom>
+          <a:solidFill>
+            <a:schemeClr val="tx1"/>
+          </a:solidFill>
+          <a:ln>
+            <a:noFill/>
+          </a:ln>
+        </p:spPr>
+        <p:style>
+          <a:lnRef idx="2">
+            <a:schemeClr val="accent1">
+              <a:shade val="50000"/>
+            </a:schemeClr>
+          </a:lnRef>
+          <a:fillRef idx="1">
+            <a:schemeClr val="accent1"/>
+          </a:fillRef>
+          <a:effectRef idx="0">
+            <a:schemeClr val="accent1"/>
+          </a:effectRef>
+          <a:fontRef idx="minor">
+            <a:schemeClr val="lt1"/>
+          </a:fontRef>
+        </p:style>
+        <p:txBody>
+          <a:bodyPr rtlCol="0" anchor="ctr"/>
+          <a:lstStyle/>
+          <a:p>
+            <a:pPr algn="ctr"/>
+            <a:endParaRPr lang="en-US"/>
+          </a:p>
+        </p:txBody>
+      </p:sp>
+      <p:sp>
+        <p:nvSpPr>
+          <p:cNvPr id="61" name="Oval 60"/>
+          <p:cNvSpPr/>
+          <p:nvPr/>
+        </p:nvSpPr>
+        <p:spPr>
+          <a:xfrm>
+            <a:off x="953528" y="1519972"/>
+            <a:ext cx="457200" cy="457200"/>
+          </a:xfrm>
+          <a:prstGeom prst="ellipse">
+            <a:avLst/>
+          </a:prstGeom>
+          <a:solidFill>
+            <a:schemeClr val="tx1"/>
+          </a:solidFill>
+          <a:ln>
+            <a:noFill/>
+          </a:ln>
+        </p:spPr>
+        <p:style>
+          <a:lnRef idx="2">
+            <a:schemeClr val="accent1">
+              <a:shade val="50000"/>
+            </a:schemeClr>
+          </a:lnRef>
+          <a:fillRef idx="1">
+            <a:schemeClr val="accent1"/>
+          </a:fillRef>
+          <a:effectRef idx="0">
+            <a:schemeClr val="accent1"/>
+          </a:effectRef>
+          <a:fontRef idx="minor">
+            <a:schemeClr val="lt1"/>
+          </a:fontRef>
+        </p:style>
+        <p:txBody>
+          <a:bodyPr rtlCol="0" anchor="ctr"/>
+          <a:lstStyle/>
+          <a:p>
+            <a:pPr algn="ctr"/>
+            <a:endParaRPr lang="en-US"/>
+          </a:p>
+        </p:txBody>
+      </p:sp>
+    </p:spTree>
+    <p:extLst>
+      <p:ext uri="{BB962C8B-B14F-4D97-AF65-F5344CB8AC3E}">
+        <p14:creationId xmlns:p14="http://schemas.microsoft.com/office/powerpoint/2010/main" val="3461634709"/>
+      </p:ext>
+    </p:extLst>
+  </p:cSld>
+  <p:clrMapOvr>
+    <a:masterClrMapping/>
+  </p:clrMapOvr>
+</p:sld>
+</file>
+
+<file path=ppt/slides/slide15.xml><?xml version="1.0" encoding="utf-8"?>
+<p:sld xmlns:a="http://schemas.openxmlformats.org/drawingml/2006/main" xmlns:r="http://schemas.openxmlformats.org/officeDocument/2006/relationships" xmlns:p="http://schemas.openxmlformats.org/presentationml/2006/main">
+  <p:cSld>
+    <p:spTree>
+      <p:nvGrpSpPr>
+        <p:cNvPr id="1" name=""/>
+        <p:cNvGrpSpPr/>
+        <p:nvPr/>
+      </p:nvGrpSpPr>
+      <p:grpSpPr>
+        <a:xfrm>
+          <a:off x="0" y="0"/>
+          <a:ext cx="0" cy="0"/>
+          <a:chOff x="0" y="0"/>
+          <a:chExt cx="0" cy="0"/>
+        </a:xfrm>
+      </p:grpSpPr>
+      <p:sp>
+        <p:nvSpPr>
+          <p:cNvPr id="2" name="TextBox 1"/>
+          <p:cNvSpPr txBox="1"/>
+          <p:nvPr/>
+        </p:nvSpPr>
+        <p:spPr>
+          <a:xfrm>
+            <a:off x="7401464" y="129396"/>
+            <a:ext cx="974498" cy="369332"/>
+          </a:xfrm>
+          <a:prstGeom prst="rect">
+            <a:avLst/>
+          </a:prstGeom>
+          <a:noFill/>
+        </p:spPr>
+        <p:txBody>
+          <a:bodyPr wrap="none" rtlCol="0">
+            <a:spAutoFit/>
+          </a:bodyPr>
+          <a:lstStyle/>
+          <a:p>
+            <a:r>
+              <a:rPr lang="en-US" dirty="0" smtClean="0"/>
+              <a:t>FOR CDs</a:t>
+            </a:r>
+            <a:endParaRPr lang="en-US" dirty="0"/>
+          </a:p>
+        </p:txBody>
+      </p:sp>
+      <p:sp>
+        <p:nvSpPr>
+          <p:cNvPr id="39" name="Oval 38"/>
+          <p:cNvSpPr/>
+          <p:nvPr/>
+        </p:nvSpPr>
+        <p:spPr>
+          <a:xfrm>
+            <a:off x="1987838" y="1832196"/>
+            <a:ext cx="914400" cy="914400"/>
+          </a:xfrm>
+          <a:prstGeom prst="ellipse">
+            <a:avLst/>
+          </a:prstGeom>
+          <a:solidFill>
+            <a:schemeClr val="tx1"/>
+          </a:solidFill>
+          <a:ln>
+            <a:noFill/>
+          </a:ln>
+        </p:spPr>
+        <p:style>
+          <a:lnRef idx="2">
+            <a:schemeClr val="accent1">
+              <a:shade val="50000"/>
+            </a:schemeClr>
+          </a:lnRef>
+          <a:fillRef idx="1">
+            <a:schemeClr val="accent1"/>
+          </a:fillRef>
+          <a:effectRef idx="0">
+            <a:schemeClr val="accent1"/>
+          </a:effectRef>
+          <a:fontRef idx="minor">
+            <a:schemeClr val="lt1"/>
+          </a:fontRef>
+        </p:style>
+        <p:txBody>
+          <a:bodyPr rtlCol="0" anchor="ctr"/>
+          <a:lstStyle/>
+          <a:p>
+            <a:pPr algn="ctr"/>
+            <a:endParaRPr lang="en-US"/>
+          </a:p>
+        </p:txBody>
+      </p:sp>
+      <p:sp>
+        <p:nvSpPr>
+          <p:cNvPr id="42" name="Oval 41"/>
+          <p:cNvSpPr/>
+          <p:nvPr/>
+        </p:nvSpPr>
+        <p:spPr>
+          <a:xfrm>
+            <a:off x="271692" y="129396"/>
+            <a:ext cx="4320000" cy="4320000"/>
+          </a:xfrm>
+          <a:prstGeom prst="ellipse">
+            <a:avLst/>
+          </a:prstGeom>
+          <a:noFill/>
+        </p:spPr>
+        <p:style>
+          <a:lnRef idx="2">
+            <a:schemeClr val="accent1">
+              <a:shade val="50000"/>
+            </a:schemeClr>
+          </a:lnRef>
+          <a:fillRef idx="1">
+            <a:schemeClr val="accent1"/>
+          </a:fillRef>
+          <a:effectRef idx="0">
+            <a:schemeClr val="accent1"/>
+          </a:effectRef>
+          <a:fontRef idx="minor">
+            <a:schemeClr val="lt1"/>
+          </a:fontRef>
+        </p:style>
+        <p:txBody>
+          <a:bodyPr rtlCol="0" anchor="ctr"/>
+          <a:lstStyle/>
+          <a:p>
+            <a:pPr algn="ctr"/>
+            <a:endParaRPr lang="en-US"/>
+          </a:p>
+        </p:txBody>
+      </p:sp>
+      <p:cxnSp>
+        <p:nvCxnSpPr>
+          <p:cNvPr id="45" name="Straight Connector 44"/>
+          <p:cNvCxnSpPr>
+            <a:stCxn id="42" idx="2"/>
+            <a:endCxn id="42" idx="6"/>
+          </p:cNvCxnSpPr>
+          <p:nvPr/>
+        </p:nvCxnSpPr>
+        <p:spPr>
+          <a:xfrm>
+            <a:off x="271692" y="2289396"/>
+            <a:ext cx="4320000" cy="0"/>
+          </a:xfrm>
+          <a:prstGeom prst="line">
+            <a:avLst/>
+          </a:prstGeom>
+        </p:spPr>
+        <p:style>
+          <a:lnRef idx="1">
+            <a:schemeClr val="accent1"/>
+          </a:lnRef>
+          <a:fillRef idx="0">
+            <a:schemeClr val="accent1"/>
+          </a:fillRef>
+          <a:effectRef idx="0">
+            <a:schemeClr val="accent1"/>
+          </a:effectRef>
+          <a:fontRef idx="minor">
+            <a:schemeClr val="tx1"/>
+          </a:fontRef>
+        </p:style>
+      </p:cxnSp>
+      <p:cxnSp>
+        <p:nvCxnSpPr>
+          <p:cNvPr id="46" name="Straight Connector 45"/>
+          <p:cNvCxnSpPr>
+            <a:stCxn id="42" idx="0"/>
+            <a:endCxn id="42" idx="4"/>
+          </p:cNvCxnSpPr>
+          <p:nvPr/>
+        </p:nvCxnSpPr>
+        <p:spPr>
+          <a:xfrm>
+            <a:off x="2431692" y="129396"/>
+            <a:ext cx="0" cy="4320000"/>
+          </a:xfrm>
+          <a:prstGeom prst="line">
+            <a:avLst/>
+          </a:prstGeom>
+        </p:spPr>
+        <p:style>
+          <a:lnRef idx="1">
+            <a:schemeClr val="accent1"/>
+          </a:lnRef>
+          <a:fillRef idx="0">
+            <a:schemeClr val="accent1"/>
+          </a:fillRef>
+          <a:effectRef idx="0">
+            <a:schemeClr val="accent1"/>
+          </a:effectRef>
+          <a:fontRef idx="minor">
+            <a:schemeClr val="tx1"/>
+          </a:fontRef>
+        </p:style>
+      </p:cxnSp>
+      <p:sp>
+        <p:nvSpPr>
+          <p:cNvPr id="47" name="Oval 46"/>
+          <p:cNvSpPr/>
+          <p:nvPr/>
+        </p:nvSpPr>
+        <p:spPr>
+          <a:xfrm>
+            <a:off x="1054846" y="917796"/>
+            <a:ext cx="2743200" cy="2743200"/>
+          </a:xfrm>
+          <a:prstGeom prst="ellipse">
+            <a:avLst/>
+          </a:prstGeom>
+          <a:noFill/>
+          <a:ln>
+            <a:solidFill>
+              <a:schemeClr val="accent6">
+                <a:lumMod val="75000"/>
+              </a:schemeClr>
+            </a:solidFill>
+          </a:ln>
+        </p:spPr>
+        <p:style>
+          <a:lnRef idx="2">
+            <a:schemeClr val="accent1">
+              <a:shade val="50000"/>
+            </a:schemeClr>
+          </a:lnRef>
+          <a:fillRef idx="1">
+            <a:schemeClr val="accent1"/>
+          </a:fillRef>
+          <a:effectRef idx="0">
+            <a:schemeClr val="accent1"/>
+          </a:effectRef>
+          <a:fontRef idx="minor">
+            <a:schemeClr val="lt1"/>
+          </a:fontRef>
+        </p:style>
+        <p:txBody>
+          <a:bodyPr rtlCol="0" anchor="ctr"/>
+          <a:lstStyle/>
+          <a:p>
+            <a:pPr algn="ctr"/>
+            <a:endParaRPr lang="en-US"/>
+          </a:p>
+        </p:txBody>
+      </p:sp>
+      <p:sp>
+        <p:nvSpPr>
+          <p:cNvPr id="48" name="Oval 47"/>
+          <p:cNvSpPr/>
+          <p:nvPr/>
+        </p:nvSpPr>
+        <p:spPr>
+          <a:xfrm>
+            <a:off x="3441202" y="2632618"/>
+            <a:ext cx="457200" cy="457200"/>
+          </a:xfrm>
+          <a:prstGeom prst="ellipse">
+            <a:avLst/>
+          </a:prstGeom>
+          <a:solidFill>
+            <a:schemeClr val="tx1"/>
+          </a:solidFill>
+          <a:ln>
+            <a:noFill/>
+          </a:ln>
+        </p:spPr>
+        <p:style>
+          <a:lnRef idx="2">
+            <a:schemeClr val="accent1">
+              <a:shade val="50000"/>
+            </a:schemeClr>
+          </a:lnRef>
+          <a:fillRef idx="1">
+            <a:schemeClr val="accent1"/>
+          </a:fillRef>
+          <a:effectRef idx="0">
+            <a:schemeClr val="accent1"/>
+          </a:effectRef>
+          <a:fontRef idx="minor">
+            <a:schemeClr val="lt1"/>
+          </a:fontRef>
+        </p:style>
+        <p:txBody>
+          <a:bodyPr rtlCol="0" anchor="ctr"/>
+          <a:lstStyle/>
+          <a:p>
+            <a:pPr algn="ctr"/>
+            <a:endParaRPr lang="en-US"/>
+          </a:p>
+        </p:txBody>
+      </p:sp>
+      <p:sp>
+        <p:nvSpPr>
+          <p:cNvPr id="31" name="Oval 30"/>
+          <p:cNvSpPr/>
+          <p:nvPr/>
+        </p:nvSpPr>
+        <p:spPr>
+          <a:xfrm>
+            <a:off x="2251186" y="469842"/>
+            <a:ext cx="365760" cy="914400"/>
+          </a:xfrm>
+          <a:prstGeom prst="ellipse">
+            <a:avLst/>
+          </a:prstGeom>
+          <a:solidFill>
+            <a:schemeClr val="tx1"/>
+          </a:solidFill>
+          <a:ln>
+            <a:noFill/>
+          </a:ln>
+        </p:spPr>
+        <p:style>
+          <a:lnRef idx="2">
+            <a:schemeClr val="accent1">
+              <a:shade val="50000"/>
+            </a:schemeClr>
+          </a:lnRef>
+          <a:fillRef idx="1">
+            <a:schemeClr val="accent1"/>
+          </a:fillRef>
+          <a:effectRef idx="0">
+            <a:schemeClr val="accent1"/>
+          </a:effectRef>
+          <a:fontRef idx="minor">
+            <a:schemeClr val="lt1"/>
+          </a:fontRef>
+        </p:style>
+        <p:txBody>
+          <a:bodyPr rtlCol="0" anchor="ctr"/>
+          <a:lstStyle/>
+          <a:p>
+            <a:pPr algn="ctr"/>
+            <a:endParaRPr lang="en-US"/>
+          </a:p>
+        </p:txBody>
+      </p:sp>
+      <p:grpSp>
+        <p:nvGrpSpPr>
+          <p:cNvPr id="8" name="Group 7"/>
+          <p:cNvGrpSpPr/>
+          <p:nvPr/>
+        </p:nvGrpSpPr>
+        <p:grpSpPr>
+          <a:xfrm>
+            <a:off x="1294278" y="1241494"/>
+            <a:ext cx="147955" cy="147955"/>
+            <a:chOff x="1320800" y="2968942"/>
+            <a:chExt cx="147955" cy="147955"/>
+          </a:xfrm>
+        </p:grpSpPr>
+        <p:cxnSp>
+          <p:nvCxnSpPr>
+            <p:cNvPr id="5" name="Straight Connector 4"/>
+            <p:cNvCxnSpPr/>
+            <p:nvPr/>
+          </p:nvCxnSpPr>
+          <p:spPr>
+            <a:xfrm>
+              <a:off x="1320800" y="3042920"/>
+              <a:ext cx="147955" cy="0"/>
+            </a:xfrm>
+            <a:prstGeom prst="line">
+              <a:avLst/>
+            </a:prstGeom>
+            <a:ln w="9525">
+              <a:solidFill>
+                <a:srgbClr val="FF0000"/>
+              </a:solidFill>
+            </a:ln>
+          </p:spPr>
+          <p:style>
+            <a:lnRef idx="1">
+              <a:schemeClr val="accent1"/>
+            </a:lnRef>
+            <a:fillRef idx="0">
+              <a:schemeClr val="accent1"/>
+            </a:fillRef>
+            <a:effectRef idx="0">
+              <a:schemeClr val="accent1"/>
+            </a:effectRef>
+            <a:fontRef idx="minor">
+              <a:schemeClr val="tx1"/>
+            </a:fontRef>
+          </p:style>
+        </p:cxnSp>
+        <p:cxnSp>
+          <p:nvCxnSpPr>
+            <p:cNvPr id="40" name="Straight Connector 39"/>
+            <p:cNvCxnSpPr/>
+            <p:nvPr/>
+          </p:nvCxnSpPr>
+          <p:spPr>
+            <a:xfrm rot="5400000">
+              <a:off x="1320800" y="3042920"/>
+              <a:ext cx="147955" cy="0"/>
+            </a:xfrm>
+            <a:prstGeom prst="line">
+              <a:avLst/>
+            </a:prstGeom>
+            <a:ln w="9525">
+              <a:solidFill>
+                <a:srgbClr val="FF0000"/>
+              </a:solidFill>
+            </a:ln>
+          </p:spPr>
+          <p:style>
+            <a:lnRef idx="1">
+              <a:schemeClr val="accent1"/>
+            </a:lnRef>
+            <a:fillRef idx="0">
+              <a:schemeClr val="accent1"/>
+            </a:fillRef>
+            <a:effectRef idx="0">
+              <a:schemeClr val="accent1"/>
+            </a:effectRef>
+            <a:fontRef idx="minor">
+              <a:schemeClr val="tx1"/>
+            </a:fontRef>
+          </p:style>
+        </p:cxnSp>
+      </p:grpSp>
+      <p:grpSp>
+        <p:nvGrpSpPr>
+          <p:cNvPr id="43" name="Group 42"/>
+          <p:cNvGrpSpPr/>
+          <p:nvPr/>
+        </p:nvGrpSpPr>
+        <p:grpSpPr>
+          <a:xfrm>
+            <a:off x="3422656" y="1241494"/>
+            <a:ext cx="147955" cy="147955"/>
+            <a:chOff x="1320800" y="2968942"/>
+            <a:chExt cx="147955" cy="147955"/>
+          </a:xfrm>
+        </p:grpSpPr>
+        <p:cxnSp>
+          <p:nvCxnSpPr>
+            <p:cNvPr id="44" name="Straight Connector 43"/>
+            <p:cNvCxnSpPr/>
+            <p:nvPr/>
+          </p:nvCxnSpPr>
+          <p:spPr>
+            <a:xfrm>
+              <a:off x="1320800" y="3042920"/>
+              <a:ext cx="147955" cy="0"/>
+            </a:xfrm>
+            <a:prstGeom prst="line">
+              <a:avLst/>
+            </a:prstGeom>
+            <a:ln w="9525">
+              <a:solidFill>
+                <a:srgbClr val="FF0000"/>
+              </a:solidFill>
+            </a:ln>
+          </p:spPr>
+          <p:style>
+            <a:lnRef idx="1">
+              <a:schemeClr val="accent1"/>
+            </a:lnRef>
+            <a:fillRef idx="0">
+              <a:schemeClr val="accent1"/>
+            </a:fillRef>
+            <a:effectRef idx="0">
+              <a:schemeClr val="accent1"/>
+            </a:effectRef>
+            <a:fontRef idx="minor">
+              <a:schemeClr val="tx1"/>
+            </a:fontRef>
+          </p:style>
+        </p:cxnSp>
+        <p:cxnSp>
+          <p:nvCxnSpPr>
+            <p:cNvPr id="50" name="Straight Connector 49"/>
+            <p:cNvCxnSpPr/>
+            <p:nvPr/>
+          </p:nvCxnSpPr>
+          <p:spPr>
+            <a:xfrm rot="5400000">
+              <a:off x="1320800" y="3042920"/>
+              <a:ext cx="147955" cy="0"/>
+            </a:xfrm>
+            <a:prstGeom prst="line">
+              <a:avLst/>
+            </a:prstGeom>
+            <a:ln w="9525">
+              <a:solidFill>
+                <a:srgbClr val="FF0000"/>
+              </a:solidFill>
+            </a:ln>
+          </p:spPr>
+          <p:style>
+            <a:lnRef idx="1">
+              <a:schemeClr val="accent1"/>
+            </a:lnRef>
+            <a:fillRef idx="0">
+              <a:schemeClr val="accent1"/>
+            </a:fillRef>
+            <a:effectRef idx="0">
+              <a:schemeClr val="accent1"/>
+            </a:effectRef>
+            <a:fontRef idx="minor">
+              <a:schemeClr val="tx1"/>
+            </a:fontRef>
+          </p:style>
+        </p:cxnSp>
+      </p:grpSp>
+      <p:grpSp>
+        <p:nvGrpSpPr>
+          <p:cNvPr id="51" name="Group 50"/>
+          <p:cNvGrpSpPr/>
+          <p:nvPr/>
+        </p:nvGrpSpPr>
+        <p:grpSpPr>
+          <a:xfrm>
+            <a:off x="3420825" y="3365494"/>
+            <a:ext cx="147955" cy="147955"/>
+            <a:chOff x="1320800" y="2968942"/>
+            <a:chExt cx="147955" cy="147955"/>
+          </a:xfrm>
+        </p:grpSpPr>
+        <p:cxnSp>
+          <p:nvCxnSpPr>
+            <p:cNvPr id="52" name="Straight Connector 51"/>
+            <p:cNvCxnSpPr/>
+            <p:nvPr/>
+          </p:nvCxnSpPr>
+          <p:spPr>
+            <a:xfrm>
+              <a:off x="1320800" y="3042920"/>
+              <a:ext cx="147955" cy="0"/>
+            </a:xfrm>
+            <a:prstGeom prst="line">
+              <a:avLst/>
+            </a:prstGeom>
+            <a:ln w="9525">
+              <a:solidFill>
+                <a:srgbClr val="FF0000"/>
+              </a:solidFill>
+            </a:ln>
+          </p:spPr>
+          <p:style>
+            <a:lnRef idx="1">
+              <a:schemeClr val="accent1"/>
+            </a:lnRef>
+            <a:fillRef idx="0">
+              <a:schemeClr val="accent1"/>
+            </a:fillRef>
+            <a:effectRef idx="0">
+              <a:schemeClr val="accent1"/>
+            </a:effectRef>
+            <a:fontRef idx="minor">
+              <a:schemeClr val="tx1"/>
+            </a:fontRef>
+          </p:style>
+        </p:cxnSp>
+        <p:cxnSp>
+          <p:nvCxnSpPr>
+            <p:cNvPr id="53" name="Straight Connector 52"/>
+            <p:cNvCxnSpPr/>
+            <p:nvPr/>
+          </p:nvCxnSpPr>
+          <p:spPr>
+            <a:xfrm rot="5400000">
+              <a:off x="1320800" y="3042920"/>
+              <a:ext cx="147955" cy="0"/>
+            </a:xfrm>
+            <a:prstGeom prst="line">
+              <a:avLst/>
+            </a:prstGeom>
+            <a:ln w="9525">
+              <a:solidFill>
+                <a:srgbClr val="FF0000"/>
+              </a:solidFill>
+            </a:ln>
+          </p:spPr>
+          <p:style>
+            <a:lnRef idx="1">
+              <a:schemeClr val="accent1"/>
+            </a:lnRef>
+            <a:fillRef idx="0">
+              <a:schemeClr val="accent1"/>
+            </a:fillRef>
+            <a:effectRef idx="0">
+              <a:schemeClr val="accent1"/>
+            </a:effectRef>
+            <a:fontRef idx="minor">
+              <a:schemeClr val="tx1"/>
+            </a:fontRef>
+          </p:style>
+        </p:cxnSp>
+      </p:grpSp>
+      <p:grpSp>
+        <p:nvGrpSpPr>
+          <p:cNvPr id="54" name="Group 53"/>
+          <p:cNvGrpSpPr/>
+          <p:nvPr/>
+        </p:nvGrpSpPr>
+        <p:grpSpPr>
+          <a:xfrm>
+            <a:off x="1293169" y="3365494"/>
+            <a:ext cx="147955" cy="147955"/>
+            <a:chOff x="1320800" y="2968942"/>
+            <a:chExt cx="147955" cy="147955"/>
+          </a:xfrm>
+        </p:grpSpPr>
+        <p:cxnSp>
+          <p:nvCxnSpPr>
+            <p:cNvPr id="55" name="Straight Connector 54"/>
+            <p:cNvCxnSpPr/>
+            <p:nvPr/>
+          </p:nvCxnSpPr>
+          <p:spPr>
+            <a:xfrm>
+              <a:off x="1320800" y="3042920"/>
+              <a:ext cx="147955" cy="0"/>
+            </a:xfrm>
+            <a:prstGeom prst="line">
+              <a:avLst/>
+            </a:prstGeom>
+            <a:ln w="9525">
+              <a:solidFill>
+                <a:srgbClr val="FF0000"/>
+              </a:solidFill>
+            </a:ln>
+          </p:spPr>
+          <p:style>
+            <a:lnRef idx="1">
+              <a:schemeClr val="accent1"/>
+            </a:lnRef>
+            <a:fillRef idx="0">
+              <a:schemeClr val="accent1"/>
+            </a:fillRef>
+            <a:effectRef idx="0">
+              <a:schemeClr val="accent1"/>
+            </a:effectRef>
+            <a:fontRef idx="minor">
+              <a:schemeClr val="tx1"/>
+            </a:fontRef>
+          </p:style>
+        </p:cxnSp>
+        <p:cxnSp>
+          <p:nvCxnSpPr>
+            <p:cNvPr id="56" name="Straight Connector 55"/>
+            <p:cNvCxnSpPr/>
+            <p:nvPr/>
+          </p:nvCxnSpPr>
+          <p:spPr>
+            <a:xfrm rot="5400000">
+              <a:off x="1320800" y="3042920"/>
+              <a:ext cx="147955" cy="0"/>
+            </a:xfrm>
+            <a:prstGeom prst="line">
+              <a:avLst/>
+            </a:prstGeom>
+            <a:ln w="9525">
+              <a:solidFill>
+                <a:srgbClr val="FF0000"/>
+              </a:solidFill>
+            </a:ln>
+          </p:spPr>
+          <p:style>
+            <a:lnRef idx="1">
+              <a:schemeClr val="accent1"/>
+            </a:lnRef>
+            <a:fillRef idx="0">
+              <a:schemeClr val="accent1"/>
+            </a:fillRef>
+            <a:effectRef idx="0">
+              <a:schemeClr val="accent1"/>
+            </a:effectRef>
+            <a:fontRef idx="minor">
+              <a:schemeClr val="tx1"/>
+            </a:fontRef>
+          </p:style>
+        </p:cxnSp>
+      </p:grpSp>
+      <p:sp>
+        <p:nvSpPr>
+          <p:cNvPr id="77" name="Oval 76"/>
+          <p:cNvSpPr/>
+          <p:nvPr/>
+        </p:nvSpPr>
+        <p:spPr>
+          <a:xfrm>
+            <a:off x="6944264" y="3992196"/>
+            <a:ext cx="914400" cy="914400"/>
+          </a:xfrm>
+          <a:prstGeom prst="ellipse">
+            <a:avLst/>
+          </a:prstGeom>
+          <a:solidFill>
+            <a:schemeClr val="tx1"/>
+          </a:solidFill>
+          <a:ln>
+            <a:noFill/>
+          </a:ln>
+        </p:spPr>
+        <p:style>
+          <a:lnRef idx="2">
+            <a:schemeClr val="accent1">
+              <a:shade val="50000"/>
+            </a:schemeClr>
+          </a:lnRef>
+          <a:fillRef idx="1">
+            <a:schemeClr val="accent1"/>
+          </a:fillRef>
+          <a:effectRef idx="0">
+            <a:schemeClr val="accent1"/>
+          </a:effectRef>
+          <a:fontRef idx="minor">
+            <a:schemeClr val="lt1"/>
+          </a:fontRef>
+        </p:style>
+        <p:txBody>
+          <a:bodyPr rtlCol="0" anchor="ctr"/>
+          <a:lstStyle/>
+          <a:p>
+            <a:pPr algn="ctr"/>
+            <a:endParaRPr lang="en-US"/>
+          </a:p>
+        </p:txBody>
+      </p:sp>
+      <p:sp>
+        <p:nvSpPr>
+          <p:cNvPr id="78" name="Oval 77"/>
+          <p:cNvSpPr/>
+          <p:nvPr/>
+        </p:nvSpPr>
+        <p:spPr>
+          <a:xfrm>
+            <a:off x="5228118" y="2289396"/>
+            <a:ext cx="4320000" cy="4320000"/>
+          </a:xfrm>
+          <a:prstGeom prst="ellipse">
+            <a:avLst/>
+          </a:prstGeom>
+          <a:noFill/>
+        </p:spPr>
+        <p:style>
+          <a:lnRef idx="2">
+            <a:schemeClr val="accent1">
+              <a:shade val="50000"/>
+            </a:schemeClr>
+          </a:lnRef>
+          <a:fillRef idx="1">
+            <a:schemeClr val="accent1"/>
+          </a:fillRef>
+          <a:effectRef idx="0">
+            <a:schemeClr val="accent1"/>
+          </a:effectRef>
+          <a:fontRef idx="minor">
+            <a:schemeClr val="lt1"/>
+          </a:fontRef>
+        </p:style>
+        <p:txBody>
+          <a:bodyPr rtlCol="0" anchor="ctr"/>
+          <a:lstStyle/>
+          <a:p>
+            <a:pPr algn="ctr"/>
+            <a:endParaRPr lang="en-US"/>
+          </a:p>
+        </p:txBody>
+      </p:sp>
+      <p:cxnSp>
+        <p:nvCxnSpPr>
+          <p:cNvPr id="79" name="Straight Connector 78"/>
+          <p:cNvCxnSpPr>
+            <a:stCxn id="78" idx="2"/>
+            <a:endCxn id="78" idx="6"/>
+          </p:cNvCxnSpPr>
+          <p:nvPr/>
+        </p:nvCxnSpPr>
+        <p:spPr>
+          <a:xfrm>
+            <a:off x="5228118" y="4449396"/>
+            <a:ext cx="4320000" cy="0"/>
+          </a:xfrm>
+          <a:prstGeom prst="line">
+            <a:avLst/>
+          </a:prstGeom>
+        </p:spPr>
+        <p:style>
+          <a:lnRef idx="1">
+            <a:schemeClr val="accent1"/>
+          </a:lnRef>
+          <a:fillRef idx="0">
+            <a:schemeClr val="accent1"/>
+          </a:fillRef>
+          <a:effectRef idx="0">
+            <a:schemeClr val="accent1"/>
+          </a:effectRef>
+          <a:fontRef idx="minor">
+            <a:schemeClr val="tx1"/>
+          </a:fontRef>
+        </p:style>
+      </p:cxnSp>
+      <p:cxnSp>
+        <p:nvCxnSpPr>
+          <p:cNvPr id="80" name="Straight Connector 79"/>
+          <p:cNvCxnSpPr>
+            <a:stCxn id="78" idx="0"/>
+            <a:endCxn id="78" idx="4"/>
+          </p:cNvCxnSpPr>
+          <p:nvPr/>
+        </p:nvCxnSpPr>
+        <p:spPr>
+          <a:xfrm>
+            <a:off x="7388118" y="2289396"/>
+            <a:ext cx="0" cy="4320000"/>
+          </a:xfrm>
+          <a:prstGeom prst="line">
+            <a:avLst/>
+          </a:prstGeom>
+        </p:spPr>
+        <p:style>
+          <a:lnRef idx="1">
+            <a:schemeClr val="accent1"/>
+          </a:lnRef>
+          <a:fillRef idx="0">
+            <a:schemeClr val="accent1"/>
+          </a:fillRef>
+          <a:effectRef idx="0">
+            <a:schemeClr val="accent1"/>
+          </a:effectRef>
+          <a:fontRef idx="minor">
+            <a:schemeClr val="tx1"/>
+          </a:fontRef>
+        </p:style>
+      </p:cxnSp>
+      <p:sp>
+        <p:nvSpPr>
+          <p:cNvPr id="81" name="Oval 80"/>
+          <p:cNvSpPr/>
+          <p:nvPr/>
+        </p:nvSpPr>
+        <p:spPr>
+          <a:xfrm>
+            <a:off x="6011272" y="3077796"/>
+            <a:ext cx="2743200" cy="2743200"/>
+          </a:xfrm>
+          <a:prstGeom prst="ellipse">
+            <a:avLst/>
+          </a:prstGeom>
+          <a:noFill/>
+          <a:ln>
+            <a:solidFill>
+              <a:schemeClr val="accent6">
+                <a:lumMod val="75000"/>
+              </a:schemeClr>
+            </a:solidFill>
+          </a:ln>
+        </p:spPr>
+        <p:style>
+          <a:lnRef idx="2">
+            <a:schemeClr val="accent1">
+              <a:shade val="50000"/>
+            </a:schemeClr>
+          </a:lnRef>
+          <a:fillRef idx="1">
+            <a:schemeClr val="accent1"/>
+          </a:fillRef>
+          <a:effectRef idx="0">
+            <a:schemeClr val="accent1"/>
+          </a:effectRef>
+          <a:fontRef idx="minor">
+            <a:schemeClr val="lt1"/>
+          </a:fontRef>
+        </p:style>
+        <p:txBody>
+          <a:bodyPr rtlCol="0" anchor="ctr"/>
+          <a:lstStyle/>
+          <a:p>
+            <a:pPr algn="ctr"/>
+            <a:endParaRPr lang="en-US"/>
+          </a:p>
+        </p:txBody>
+      </p:sp>
+      <p:sp>
+        <p:nvSpPr>
+          <p:cNvPr id="84" name="Oval 83"/>
+          <p:cNvSpPr/>
+          <p:nvPr/>
+        </p:nvSpPr>
+        <p:spPr>
+          <a:xfrm>
+            <a:off x="7207612" y="2629842"/>
+            <a:ext cx="365760" cy="914400"/>
+          </a:xfrm>
+          <a:prstGeom prst="ellipse">
+            <a:avLst/>
+          </a:prstGeom>
+          <a:solidFill>
+            <a:schemeClr val="tx1"/>
+          </a:solidFill>
+          <a:ln>
+            <a:noFill/>
+          </a:ln>
+        </p:spPr>
+        <p:style>
+          <a:lnRef idx="2">
+            <a:schemeClr val="accent1">
+              <a:shade val="50000"/>
+            </a:schemeClr>
+          </a:lnRef>
+          <a:fillRef idx="1">
+            <a:schemeClr val="accent1"/>
+          </a:fillRef>
+          <a:effectRef idx="0">
+            <a:schemeClr val="accent1"/>
+          </a:effectRef>
+          <a:fontRef idx="minor">
+            <a:schemeClr val="lt1"/>
+          </a:fontRef>
+        </p:style>
+        <p:txBody>
+          <a:bodyPr rtlCol="0" anchor="ctr"/>
+          <a:lstStyle/>
+          <a:p>
+            <a:pPr algn="ctr"/>
+            <a:endParaRPr lang="en-US"/>
+          </a:p>
+        </p:txBody>
+      </p:sp>
+      <p:grpSp>
+        <p:nvGrpSpPr>
+          <p:cNvPr id="85" name="Group 84"/>
+          <p:cNvGrpSpPr/>
+          <p:nvPr/>
+        </p:nvGrpSpPr>
+        <p:grpSpPr>
+          <a:xfrm>
+            <a:off x="6250704" y="3401494"/>
+            <a:ext cx="147955" cy="147955"/>
+            <a:chOff x="1320800" y="2968942"/>
+            <a:chExt cx="147955" cy="147955"/>
+          </a:xfrm>
+        </p:grpSpPr>
+        <p:cxnSp>
+          <p:nvCxnSpPr>
+            <p:cNvPr id="86" name="Straight Connector 85"/>
+            <p:cNvCxnSpPr/>
+            <p:nvPr/>
+          </p:nvCxnSpPr>
+          <p:spPr>
+            <a:xfrm>
+              <a:off x="1320800" y="3042920"/>
+              <a:ext cx="147955" cy="0"/>
+            </a:xfrm>
+            <a:prstGeom prst="line">
+              <a:avLst/>
+            </a:prstGeom>
+            <a:ln w="9525">
+              <a:solidFill>
+                <a:srgbClr val="FF0000"/>
+              </a:solidFill>
+            </a:ln>
+          </p:spPr>
+          <p:style>
+            <a:lnRef idx="1">
+              <a:schemeClr val="accent1"/>
+            </a:lnRef>
+            <a:fillRef idx="0">
+              <a:schemeClr val="accent1"/>
+            </a:fillRef>
+            <a:effectRef idx="0">
+              <a:schemeClr val="accent1"/>
+            </a:effectRef>
+            <a:fontRef idx="minor">
+              <a:schemeClr val="tx1"/>
+            </a:fontRef>
+          </p:style>
+        </p:cxnSp>
+        <p:cxnSp>
+          <p:nvCxnSpPr>
+            <p:cNvPr id="87" name="Straight Connector 86"/>
+            <p:cNvCxnSpPr/>
+            <p:nvPr/>
+          </p:nvCxnSpPr>
+          <p:spPr>
+            <a:xfrm rot="5400000">
+              <a:off x="1320800" y="3042920"/>
+              <a:ext cx="147955" cy="0"/>
+            </a:xfrm>
+            <a:prstGeom prst="line">
+              <a:avLst/>
+            </a:prstGeom>
+            <a:ln w="9525">
+              <a:solidFill>
+                <a:srgbClr val="FF0000"/>
+              </a:solidFill>
+            </a:ln>
+          </p:spPr>
+          <p:style>
+            <a:lnRef idx="1">
+              <a:schemeClr val="accent1"/>
+            </a:lnRef>
+            <a:fillRef idx="0">
+              <a:schemeClr val="accent1"/>
+            </a:fillRef>
+            <a:effectRef idx="0">
+              <a:schemeClr val="accent1"/>
+            </a:effectRef>
+            <a:fontRef idx="minor">
+              <a:schemeClr val="tx1"/>
+            </a:fontRef>
+          </p:style>
+        </p:cxnSp>
+      </p:grpSp>
+      <p:grpSp>
+        <p:nvGrpSpPr>
+          <p:cNvPr id="88" name="Group 87"/>
+          <p:cNvGrpSpPr/>
+          <p:nvPr/>
+        </p:nvGrpSpPr>
+        <p:grpSpPr>
+          <a:xfrm>
+            <a:off x="8379082" y="3401494"/>
+            <a:ext cx="147955" cy="147955"/>
+            <a:chOff x="1320800" y="2968942"/>
+            <a:chExt cx="147955" cy="147955"/>
+          </a:xfrm>
+        </p:grpSpPr>
+        <p:cxnSp>
+          <p:nvCxnSpPr>
+            <p:cNvPr id="89" name="Straight Connector 88"/>
+            <p:cNvCxnSpPr/>
+            <p:nvPr/>
+          </p:nvCxnSpPr>
+          <p:spPr>
+            <a:xfrm>
+              <a:off x="1320800" y="3042920"/>
+              <a:ext cx="147955" cy="0"/>
+            </a:xfrm>
+            <a:prstGeom prst="line">
+              <a:avLst/>
+            </a:prstGeom>
+            <a:ln w="9525">
+              <a:solidFill>
+                <a:srgbClr val="FF0000"/>
+              </a:solidFill>
+            </a:ln>
+          </p:spPr>
+          <p:style>
+            <a:lnRef idx="1">
+              <a:schemeClr val="accent1"/>
+            </a:lnRef>
+            <a:fillRef idx="0">
+              <a:schemeClr val="accent1"/>
+            </a:fillRef>
+            <a:effectRef idx="0">
+              <a:schemeClr val="accent1"/>
+            </a:effectRef>
+            <a:fontRef idx="minor">
+              <a:schemeClr val="tx1"/>
+            </a:fontRef>
+          </p:style>
+        </p:cxnSp>
+        <p:cxnSp>
+          <p:nvCxnSpPr>
+            <p:cNvPr id="90" name="Straight Connector 89"/>
+            <p:cNvCxnSpPr/>
+            <p:nvPr/>
+          </p:nvCxnSpPr>
+          <p:spPr>
+            <a:xfrm rot="5400000">
+              <a:off x="1320800" y="3042920"/>
+              <a:ext cx="147955" cy="0"/>
+            </a:xfrm>
+            <a:prstGeom prst="line">
+              <a:avLst/>
+            </a:prstGeom>
+            <a:ln w="9525">
+              <a:solidFill>
+                <a:srgbClr val="FF0000"/>
+              </a:solidFill>
+            </a:ln>
+          </p:spPr>
+          <p:style>
+            <a:lnRef idx="1">
+              <a:schemeClr val="accent1"/>
+            </a:lnRef>
+            <a:fillRef idx="0">
+              <a:schemeClr val="accent1"/>
+            </a:fillRef>
+            <a:effectRef idx="0">
+              <a:schemeClr val="accent1"/>
+            </a:effectRef>
+            <a:fontRef idx="minor">
+              <a:schemeClr val="tx1"/>
+            </a:fontRef>
+          </p:style>
+        </p:cxnSp>
+      </p:grpSp>
+      <p:grpSp>
+        <p:nvGrpSpPr>
+          <p:cNvPr id="91" name="Group 90"/>
+          <p:cNvGrpSpPr/>
+          <p:nvPr/>
+        </p:nvGrpSpPr>
+        <p:grpSpPr>
+          <a:xfrm>
+            <a:off x="8377251" y="5525494"/>
+            <a:ext cx="147955" cy="147955"/>
+            <a:chOff x="1320800" y="2968942"/>
+            <a:chExt cx="147955" cy="147955"/>
+          </a:xfrm>
+        </p:grpSpPr>
+        <p:cxnSp>
+          <p:nvCxnSpPr>
+            <p:cNvPr id="92" name="Straight Connector 91"/>
+            <p:cNvCxnSpPr/>
+            <p:nvPr/>
+          </p:nvCxnSpPr>
+          <p:spPr>
+            <a:xfrm>
+              <a:off x="1320800" y="3042920"/>
+              <a:ext cx="147955" cy="0"/>
+            </a:xfrm>
+            <a:prstGeom prst="line">
+              <a:avLst/>
+            </a:prstGeom>
+            <a:ln w="9525">
+              <a:solidFill>
+                <a:srgbClr val="FF0000"/>
+              </a:solidFill>
+            </a:ln>
+          </p:spPr>
+          <p:style>
+            <a:lnRef idx="1">
+              <a:schemeClr val="accent1"/>
+            </a:lnRef>
+            <a:fillRef idx="0">
+              <a:schemeClr val="accent1"/>
+            </a:fillRef>
+            <a:effectRef idx="0">
+              <a:schemeClr val="accent1"/>
+            </a:effectRef>
+            <a:fontRef idx="minor">
+              <a:schemeClr val="tx1"/>
+            </a:fontRef>
+          </p:style>
+        </p:cxnSp>
+        <p:cxnSp>
+          <p:nvCxnSpPr>
+            <p:cNvPr id="93" name="Straight Connector 92"/>
+            <p:cNvCxnSpPr/>
+            <p:nvPr/>
+          </p:nvCxnSpPr>
+          <p:spPr>
+            <a:xfrm rot="5400000">
+              <a:off x="1320800" y="3042920"/>
+              <a:ext cx="147955" cy="0"/>
+            </a:xfrm>
+            <a:prstGeom prst="line">
+              <a:avLst/>
+            </a:prstGeom>
+            <a:ln w="9525">
+              <a:solidFill>
+                <a:srgbClr val="FF0000"/>
+              </a:solidFill>
+            </a:ln>
+          </p:spPr>
+          <p:style>
+            <a:lnRef idx="1">
+              <a:schemeClr val="accent1"/>
+            </a:lnRef>
+            <a:fillRef idx="0">
+              <a:schemeClr val="accent1"/>
+            </a:fillRef>
+            <a:effectRef idx="0">
+              <a:schemeClr val="accent1"/>
+            </a:effectRef>
+            <a:fontRef idx="minor">
+              <a:schemeClr val="tx1"/>
+            </a:fontRef>
+          </p:style>
+        </p:cxnSp>
+      </p:grpSp>
+      <p:grpSp>
+        <p:nvGrpSpPr>
+          <p:cNvPr id="94" name="Group 93"/>
+          <p:cNvGrpSpPr/>
+          <p:nvPr/>
+        </p:nvGrpSpPr>
+        <p:grpSpPr>
+          <a:xfrm>
+            <a:off x="6249595" y="5525494"/>
+            <a:ext cx="147955" cy="147955"/>
+            <a:chOff x="1320800" y="2968942"/>
+            <a:chExt cx="147955" cy="147955"/>
+          </a:xfrm>
+        </p:grpSpPr>
+        <p:cxnSp>
+          <p:nvCxnSpPr>
+            <p:cNvPr id="95" name="Straight Connector 94"/>
+            <p:cNvCxnSpPr/>
+            <p:nvPr/>
+          </p:nvCxnSpPr>
+          <p:spPr>
+            <a:xfrm>
+              <a:off x="1320800" y="3042920"/>
+              <a:ext cx="147955" cy="0"/>
+            </a:xfrm>
+            <a:prstGeom prst="line">
+              <a:avLst/>
+            </a:prstGeom>
+            <a:ln w="9525">
+              <a:solidFill>
+                <a:srgbClr val="FF0000"/>
+              </a:solidFill>
+            </a:ln>
+          </p:spPr>
+          <p:style>
+            <a:lnRef idx="1">
+              <a:schemeClr val="accent1"/>
+            </a:lnRef>
+            <a:fillRef idx="0">
+              <a:schemeClr val="accent1"/>
+            </a:fillRef>
+            <a:effectRef idx="0">
+              <a:schemeClr val="accent1"/>
+            </a:effectRef>
+            <a:fontRef idx="minor">
+              <a:schemeClr val="tx1"/>
+            </a:fontRef>
+          </p:style>
+        </p:cxnSp>
+        <p:cxnSp>
+          <p:nvCxnSpPr>
+            <p:cNvPr id="96" name="Straight Connector 95"/>
+            <p:cNvCxnSpPr/>
+            <p:nvPr/>
+          </p:nvCxnSpPr>
+          <p:spPr>
+            <a:xfrm rot="5400000">
+              <a:off x="1320800" y="3042920"/>
+              <a:ext cx="147955" cy="0"/>
+            </a:xfrm>
+            <a:prstGeom prst="line">
+              <a:avLst/>
+            </a:prstGeom>
+            <a:ln w="9525">
+              <a:solidFill>
+                <a:srgbClr val="FF0000"/>
+              </a:solidFill>
+            </a:ln>
+          </p:spPr>
+          <p:style>
+            <a:lnRef idx="1">
+              <a:schemeClr val="accent1"/>
+            </a:lnRef>
+            <a:fillRef idx="0">
+              <a:schemeClr val="accent1"/>
+            </a:fillRef>
+            <a:effectRef idx="0">
+              <a:schemeClr val="accent1"/>
+            </a:effectRef>
+            <a:fontRef idx="minor">
+              <a:schemeClr val="tx1"/>
+            </a:fontRef>
+          </p:style>
+        </p:cxnSp>
+      </p:grpSp>
+      <p:sp>
+        <p:nvSpPr>
+          <p:cNvPr id="57" name="Oval 56"/>
+          <p:cNvSpPr/>
+          <p:nvPr/>
+        </p:nvSpPr>
+        <p:spPr>
+          <a:xfrm>
+            <a:off x="8464163" y="4654200"/>
+            <a:ext cx="457200" cy="457200"/>
+          </a:xfrm>
+          <a:prstGeom prst="ellipse">
+            <a:avLst/>
+          </a:prstGeom>
+          <a:solidFill>
+            <a:schemeClr val="tx1"/>
+          </a:solidFill>
+          <a:ln>
+            <a:noFill/>
+          </a:ln>
+        </p:spPr>
+        <p:style>
+          <a:lnRef idx="2">
+            <a:schemeClr val="accent1">
+              <a:shade val="50000"/>
+            </a:schemeClr>
+          </a:lnRef>
+          <a:fillRef idx="1">
+            <a:schemeClr val="accent1"/>
+          </a:fillRef>
+          <a:effectRef idx="0">
+            <a:schemeClr val="accent1"/>
+          </a:effectRef>
+          <a:fontRef idx="minor">
+            <a:schemeClr val="lt1"/>
+          </a:fontRef>
+        </p:style>
+        <p:txBody>
+          <a:bodyPr rtlCol="0" anchor="ctr"/>
+          <a:lstStyle/>
+          <a:p>
+            <a:pPr algn="ctr"/>
+            <a:endParaRPr lang="en-US"/>
+          </a:p>
+        </p:txBody>
+      </p:sp>
+      <p:sp>
+        <p:nvSpPr>
+          <p:cNvPr id="58" name="Oval 57"/>
+          <p:cNvSpPr/>
+          <p:nvPr/>
+        </p:nvSpPr>
+        <p:spPr>
+          <a:xfrm>
+            <a:off x="6612705" y="5486256"/>
+            <a:ext cx="457200" cy="457200"/>
+          </a:xfrm>
+          <a:prstGeom prst="ellipse">
+            <a:avLst/>
+          </a:prstGeom>
+          <a:solidFill>
+            <a:schemeClr val="tx1"/>
+          </a:solidFill>
+          <a:ln>
+            <a:noFill/>
+          </a:ln>
+        </p:spPr>
+        <p:style>
+          <a:lnRef idx="2">
+            <a:schemeClr val="accent1">
+              <a:shade val="50000"/>
+            </a:schemeClr>
+          </a:lnRef>
+          <a:fillRef idx="1">
+            <a:schemeClr val="accent1"/>
+          </a:fillRef>
+          <a:effectRef idx="0">
+            <a:schemeClr val="accent1"/>
+          </a:effectRef>
+          <a:fontRef idx="minor">
+            <a:schemeClr val="lt1"/>
+          </a:fontRef>
+        </p:style>
+        <p:txBody>
+          <a:bodyPr rtlCol="0" anchor="ctr"/>
+          <a:lstStyle/>
+          <a:p>
+            <a:pPr algn="ctr"/>
+            <a:endParaRPr lang="en-US"/>
+          </a:p>
+        </p:txBody>
+      </p:sp>
+      <p:sp>
+        <p:nvSpPr>
+          <p:cNvPr id="59" name="Oval 58"/>
+          <p:cNvSpPr/>
+          <p:nvPr/>
+        </p:nvSpPr>
+        <p:spPr>
+          <a:xfrm>
+            <a:off x="3441202" y="1522748"/>
+            <a:ext cx="457200" cy="457200"/>
+          </a:xfrm>
+          <a:prstGeom prst="ellipse">
+            <a:avLst/>
+          </a:prstGeom>
+          <a:solidFill>
+            <a:schemeClr val="tx1"/>
+          </a:solidFill>
+          <a:ln>
+            <a:noFill/>
+          </a:ln>
+        </p:spPr>
+        <p:style>
+          <a:lnRef idx="2">
+            <a:schemeClr val="accent1">
+              <a:shade val="50000"/>
+            </a:schemeClr>
+          </a:lnRef>
+          <a:fillRef idx="1">
+            <a:schemeClr val="accent1"/>
+          </a:fillRef>
+          <a:effectRef idx="0">
+            <a:schemeClr val="accent1"/>
+          </a:effectRef>
+          <a:fontRef idx="minor">
+            <a:schemeClr val="lt1"/>
+          </a:fontRef>
+        </p:style>
+        <p:txBody>
+          <a:bodyPr rtlCol="0" anchor="ctr"/>
+          <a:lstStyle/>
+          <a:p>
+            <a:pPr algn="ctr"/>
+            <a:endParaRPr lang="en-US"/>
+          </a:p>
+        </p:txBody>
+      </p:sp>
+      <p:sp>
+        <p:nvSpPr>
+          <p:cNvPr id="60" name="Oval 59"/>
+          <p:cNvSpPr/>
+          <p:nvPr/>
+        </p:nvSpPr>
+        <p:spPr>
+          <a:xfrm>
+            <a:off x="953528" y="2629842"/>
+            <a:ext cx="457200" cy="457200"/>
+          </a:xfrm>
+          <a:prstGeom prst="ellipse">
+            <a:avLst/>
+          </a:prstGeom>
+          <a:solidFill>
+            <a:schemeClr val="tx1"/>
+          </a:solidFill>
+          <a:ln>
+            <a:noFill/>
+          </a:ln>
+        </p:spPr>
+        <p:style>
+          <a:lnRef idx="2">
+            <a:schemeClr val="accent1">
+              <a:shade val="50000"/>
+            </a:schemeClr>
+          </a:lnRef>
+          <a:fillRef idx="1">
+            <a:schemeClr val="accent1"/>
+          </a:fillRef>
+          <a:effectRef idx="0">
+            <a:schemeClr val="accent1"/>
+          </a:effectRef>
+          <a:fontRef idx="minor">
+            <a:schemeClr val="lt1"/>
+          </a:fontRef>
+        </p:style>
+        <p:txBody>
+          <a:bodyPr rtlCol="0" anchor="ctr"/>
+          <a:lstStyle/>
+          <a:p>
+            <a:pPr algn="ctr"/>
+            <a:endParaRPr lang="en-US"/>
+          </a:p>
+        </p:txBody>
+      </p:sp>
+      <p:sp>
+        <p:nvSpPr>
+          <p:cNvPr id="61" name="Oval 60"/>
+          <p:cNvSpPr/>
+          <p:nvPr/>
+        </p:nvSpPr>
+        <p:spPr>
+          <a:xfrm>
+            <a:off x="953528" y="1519972"/>
+            <a:ext cx="457200" cy="457200"/>
+          </a:xfrm>
+          <a:prstGeom prst="ellipse">
+            <a:avLst/>
+          </a:prstGeom>
+          <a:solidFill>
+            <a:schemeClr val="tx1"/>
+          </a:solidFill>
+          <a:ln>
+            <a:noFill/>
+          </a:ln>
+        </p:spPr>
+        <p:style>
+          <a:lnRef idx="2">
+            <a:schemeClr val="accent1">
+              <a:shade val="50000"/>
+            </a:schemeClr>
+          </a:lnRef>
+          <a:fillRef idx="1">
+            <a:schemeClr val="accent1"/>
+          </a:fillRef>
+          <a:effectRef idx="0">
+            <a:schemeClr val="accent1"/>
+          </a:effectRef>
+          <a:fontRef idx="minor">
+            <a:schemeClr val="lt1"/>
+          </a:fontRef>
+        </p:style>
+        <p:txBody>
+          <a:bodyPr rtlCol="0" anchor="ctr"/>
+          <a:lstStyle/>
+          <a:p>
+            <a:pPr algn="ctr"/>
+            <a:endParaRPr lang="en-US"/>
+          </a:p>
+        </p:txBody>
+      </p:sp>
+      <p:sp>
+        <p:nvSpPr>
+          <p:cNvPr id="65" name="Oval 64"/>
+          <p:cNvSpPr/>
+          <p:nvPr/>
+        </p:nvSpPr>
+        <p:spPr>
+          <a:xfrm>
+            <a:off x="2186202" y="3439472"/>
+            <a:ext cx="457200" cy="457200"/>
+          </a:xfrm>
+          <a:prstGeom prst="ellipse">
+            <a:avLst/>
+          </a:prstGeom>
+          <a:solidFill>
+            <a:schemeClr val="tx1"/>
+          </a:solidFill>
+          <a:ln>
+            <a:noFill/>
+          </a:ln>
+        </p:spPr>
+        <p:style>
+          <a:lnRef idx="2">
+            <a:schemeClr val="accent1">
+              <a:shade val="50000"/>
+            </a:schemeClr>
+          </a:lnRef>
+          <a:fillRef idx="1">
+            <a:schemeClr val="accent1"/>
+          </a:fillRef>
+          <a:effectRef idx="0">
+            <a:schemeClr val="accent1"/>
+          </a:effectRef>
+          <a:fontRef idx="minor">
+            <a:schemeClr val="lt1"/>
+          </a:fontRef>
+        </p:style>
+        <p:txBody>
+          <a:bodyPr rtlCol="0" anchor="ctr"/>
+          <a:lstStyle/>
+          <a:p>
+            <a:pPr algn="ctr"/>
+            <a:endParaRPr lang="en-US"/>
+          </a:p>
+        </p:txBody>
+      </p:sp>
+      <p:sp>
+        <p:nvSpPr>
+          <p:cNvPr id="66" name="Oval 65"/>
+          <p:cNvSpPr/>
+          <p:nvPr/>
+        </p:nvSpPr>
+        <p:spPr>
+          <a:xfrm>
+            <a:off x="5868219" y="4654200"/>
+            <a:ext cx="457200" cy="457200"/>
+          </a:xfrm>
+          <a:prstGeom prst="ellipse">
+            <a:avLst/>
+          </a:prstGeom>
+          <a:solidFill>
+            <a:schemeClr val="tx1"/>
+          </a:solidFill>
+          <a:ln>
+            <a:noFill/>
+          </a:ln>
+        </p:spPr>
+        <p:style>
+          <a:lnRef idx="2">
+            <a:schemeClr val="accent1">
+              <a:shade val="50000"/>
+            </a:schemeClr>
+          </a:lnRef>
+          <a:fillRef idx="1">
+            <a:schemeClr val="accent1"/>
+          </a:fillRef>
+          <a:effectRef idx="0">
+            <a:schemeClr val="accent1"/>
+          </a:effectRef>
+          <a:fontRef idx="minor">
+            <a:schemeClr val="lt1"/>
+          </a:fontRef>
+        </p:style>
+        <p:txBody>
+          <a:bodyPr rtlCol="0" anchor="ctr"/>
+          <a:lstStyle/>
+          <a:p>
+            <a:pPr algn="ctr"/>
+            <a:endParaRPr lang="en-US"/>
+          </a:p>
+        </p:txBody>
+      </p:sp>
+      <p:sp>
+        <p:nvSpPr>
+          <p:cNvPr id="67" name="Oval 66"/>
+          <p:cNvSpPr/>
+          <p:nvPr/>
+        </p:nvSpPr>
+        <p:spPr>
+          <a:xfrm>
+            <a:off x="7705064" y="5486256"/>
+            <a:ext cx="457200" cy="457200"/>
+          </a:xfrm>
+          <a:prstGeom prst="ellipse">
+            <a:avLst/>
+          </a:prstGeom>
+          <a:solidFill>
+            <a:schemeClr val="tx1"/>
+          </a:solidFill>
+          <a:ln>
+            <a:noFill/>
+          </a:ln>
+        </p:spPr>
+        <p:style>
+          <a:lnRef idx="2">
+            <a:schemeClr val="accent1">
+              <a:shade val="50000"/>
+            </a:schemeClr>
+          </a:lnRef>
+          <a:fillRef idx="1">
+            <a:schemeClr val="accent1"/>
+          </a:fillRef>
+          <a:effectRef idx="0">
+            <a:schemeClr val="accent1"/>
+          </a:effectRef>
+          <a:fontRef idx="minor">
+            <a:schemeClr val="lt1"/>
+          </a:fontRef>
+        </p:style>
+        <p:txBody>
+          <a:bodyPr rtlCol="0" anchor="ctr"/>
+          <a:lstStyle/>
+          <a:p>
+            <a:pPr algn="ctr"/>
+            <a:endParaRPr lang="en-US"/>
+          </a:p>
+        </p:txBody>
+      </p:sp>
+      <p:sp>
+        <p:nvSpPr>
+          <p:cNvPr id="68" name="Oval 67"/>
+          <p:cNvSpPr/>
+          <p:nvPr/>
+        </p:nvSpPr>
+        <p:spPr>
+          <a:xfrm>
+            <a:off x="8389899" y="3668072"/>
+            <a:ext cx="457200" cy="457200"/>
+          </a:xfrm>
+          <a:prstGeom prst="ellipse">
+            <a:avLst/>
+          </a:prstGeom>
+          <a:solidFill>
+            <a:schemeClr val="tx1"/>
+          </a:solidFill>
+          <a:ln>
+            <a:noFill/>
+          </a:ln>
+        </p:spPr>
+        <p:style>
+          <a:lnRef idx="2">
+            <a:schemeClr val="accent1">
+              <a:shade val="50000"/>
+            </a:schemeClr>
+          </a:lnRef>
+          <a:fillRef idx="1">
+            <a:schemeClr val="accent1"/>
+          </a:fillRef>
+          <a:effectRef idx="0">
+            <a:schemeClr val="accent1"/>
+          </a:effectRef>
+          <a:fontRef idx="minor">
+            <a:schemeClr val="lt1"/>
+          </a:fontRef>
+        </p:style>
+        <p:txBody>
+          <a:bodyPr rtlCol="0" anchor="ctr"/>
+          <a:lstStyle/>
+          <a:p>
+            <a:pPr algn="ctr"/>
+            <a:endParaRPr lang="en-US"/>
+          </a:p>
+        </p:txBody>
+      </p:sp>
+      <p:sp>
+        <p:nvSpPr>
+          <p:cNvPr id="69" name="Oval 68"/>
+          <p:cNvSpPr/>
+          <p:nvPr/>
+        </p:nvSpPr>
+        <p:spPr>
+          <a:xfrm>
+            <a:off x="5929138" y="3668072"/>
+            <a:ext cx="457200" cy="457200"/>
+          </a:xfrm>
+          <a:prstGeom prst="ellipse">
+            <a:avLst/>
+          </a:prstGeom>
+          <a:solidFill>
+            <a:schemeClr val="tx1"/>
+          </a:solidFill>
+          <a:ln>
+            <a:noFill/>
+          </a:ln>
+        </p:spPr>
+        <p:style>
+          <a:lnRef idx="2">
+            <a:schemeClr val="accent1">
+              <a:shade val="50000"/>
+            </a:schemeClr>
+          </a:lnRef>
+          <a:fillRef idx="1">
+            <a:schemeClr val="accent1"/>
+          </a:fillRef>
+          <a:effectRef idx="0">
+            <a:schemeClr val="accent1"/>
+          </a:effectRef>
+          <a:fontRef idx="minor">
+            <a:schemeClr val="lt1"/>
+          </a:fontRef>
+        </p:style>
+        <p:txBody>
+          <a:bodyPr rtlCol="0" anchor="ctr"/>
+          <a:lstStyle/>
+          <a:p>
+            <a:pPr algn="ctr"/>
+            <a:endParaRPr lang="en-US"/>
+          </a:p>
+        </p:txBody>
+      </p:sp>
+    </p:spTree>
+    <p:extLst>
+      <p:ext uri="{BB962C8B-B14F-4D97-AF65-F5344CB8AC3E}">
+        <p14:creationId xmlns:p14="http://schemas.microsoft.com/office/powerpoint/2010/main" val="1974563472"/>
+      </p:ext>
+    </p:extLst>
+  </p:cSld>
+  <p:clrMapOvr>
+    <a:masterClrMapping/>
+  </p:clrMapOvr>
+</p:sld>
+</file>
+
+<file path=ppt/slides/slide16.xml><?xml version="1.0" encoding="utf-8"?>
+<p:sld xmlns:a="http://schemas.openxmlformats.org/drawingml/2006/main" xmlns:r="http://schemas.openxmlformats.org/officeDocument/2006/relationships" xmlns:p="http://schemas.openxmlformats.org/presentationml/2006/main">
+  <p:cSld>
+    <p:spTree>
+      <p:nvGrpSpPr>
+        <p:cNvPr id="1" name=""/>
+        <p:cNvGrpSpPr/>
+        <p:nvPr/>
+      </p:nvGrpSpPr>
+      <p:grpSpPr>
+        <a:xfrm>
+          <a:off x="0" y="0"/>
+          <a:ext cx="0" cy="0"/>
+          <a:chOff x="0" y="0"/>
+          <a:chExt cx="0" cy="0"/>
+        </a:xfrm>
+      </p:grpSpPr>
+      <p:sp>
+        <p:nvSpPr>
+          <p:cNvPr id="2" name="TextBox 1"/>
+          <p:cNvSpPr txBox="1"/>
+          <p:nvPr/>
+        </p:nvSpPr>
+        <p:spPr>
+          <a:xfrm>
+            <a:off x="7401464" y="129396"/>
+            <a:ext cx="974498" cy="369332"/>
+          </a:xfrm>
+          <a:prstGeom prst="rect">
+            <a:avLst/>
+          </a:prstGeom>
+          <a:noFill/>
+        </p:spPr>
+        <p:txBody>
+          <a:bodyPr wrap="none" rtlCol="0">
+            <a:spAutoFit/>
+          </a:bodyPr>
+          <a:lstStyle/>
+          <a:p>
+            <a:r>
+              <a:rPr lang="en-US" dirty="0" smtClean="0"/>
+              <a:t>FOR CDs</a:t>
+            </a:r>
+            <a:endParaRPr lang="en-US" dirty="0"/>
+          </a:p>
+        </p:txBody>
+      </p:sp>
+      <p:sp>
+        <p:nvSpPr>
+          <p:cNvPr id="39" name="Oval 38"/>
+          <p:cNvSpPr/>
+          <p:nvPr/>
+        </p:nvSpPr>
+        <p:spPr>
+          <a:xfrm>
+            <a:off x="1987838" y="1832196"/>
+            <a:ext cx="914400" cy="914400"/>
+          </a:xfrm>
+          <a:prstGeom prst="ellipse">
+            <a:avLst/>
+          </a:prstGeom>
+          <a:solidFill>
+            <a:schemeClr val="tx1"/>
+          </a:solidFill>
+          <a:ln>
+            <a:noFill/>
+          </a:ln>
+        </p:spPr>
+        <p:style>
+          <a:lnRef idx="2">
+            <a:schemeClr val="accent1">
+              <a:shade val="50000"/>
+            </a:schemeClr>
+          </a:lnRef>
+          <a:fillRef idx="1">
+            <a:schemeClr val="accent1"/>
+          </a:fillRef>
+          <a:effectRef idx="0">
+            <a:schemeClr val="accent1"/>
+          </a:effectRef>
+          <a:fontRef idx="minor">
+            <a:schemeClr val="lt1"/>
+          </a:fontRef>
+        </p:style>
+        <p:txBody>
+          <a:bodyPr rtlCol="0" anchor="ctr"/>
+          <a:lstStyle/>
+          <a:p>
+            <a:pPr algn="ctr"/>
+            <a:endParaRPr lang="en-US"/>
+          </a:p>
+        </p:txBody>
+      </p:sp>
+      <p:sp>
+        <p:nvSpPr>
+          <p:cNvPr id="42" name="Oval 41"/>
+          <p:cNvSpPr/>
+          <p:nvPr/>
+        </p:nvSpPr>
+        <p:spPr>
+          <a:xfrm>
+            <a:off x="271692" y="129396"/>
+            <a:ext cx="4320000" cy="4320000"/>
+          </a:xfrm>
+          <a:prstGeom prst="ellipse">
+            <a:avLst/>
+          </a:prstGeom>
+          <a:noFill/>
+        </p:spPr>
+        <p:style>
+          <a:lnRef idx="2">
+            <a:schemeClr val="accent1">
+              <a:shade val="50000"/>
+            </a:schemeClr>
+          </a:lnRef>
+          <a:fillRef idx="1">
+            <a:schemeClr val="accent1"/>
+          </a:fillRef>
+          <a:effectRef idx="0">
+            <a:schemeClr val="accent1"/>
+          </a:effectRef>
+          <a:fontRef idx="minor">
+            <a:schemeClr val="lt1"/>
+          </a:fontRef>
+        </p:style>
+        <p:txBody>
+          <a:bodyPr rtlCol="0" anchor="ctr"/>
+          <a:lstStyle/>
+          <a:p>
+            <a:pPr algn="ctr"/>
+            <a:endParaRPr lang="en-US"/>
+          </a:p>
+        </p:txBody>
+      </p:sp>
+      <p:sp>
+        <p:nvSpPr>
+          <p:cNvPr id="48" name="Oval 47"/>
+          <p:cNvSpPr/>
+          <p:nvPr/>
+        </p:nvSpPr>
+        <p:spPr>
+          <a:xfrm>
+            <a:off x="3441202" y="2632618"/>
+            <a:ext cx="457200" cy="457200"/>
+          </a:xfrm>
+          <a:prstGeom prst="ellipse">
+            <a:avLst/>
+          </a:prstGeom>
+          <a:solidFill>
+            <a:schemeClr val="tx1"/>
+          </a:solidFill>
+          <a:ln>
+            <a:noFill/>
+          </a:ln>
+        </p:spPr>
+        <p:style>
+          <a:lnRef idx="2">
+            <a:schemeClr val="accent1">
+              <a:shade val="50000"/>
+            </a:schemeClr>
+          </a:lnRef>
+          <a:fillRef idx="1">
+            <a:schemeClr val="accent1"/>
+          </a:fillRef>
+          <a:effectRef idx="0">
+            <a:schemeClr val="accent1"/>
+          </a:effectRef>
+          <a:fontRef idx="minor">
+            <a:schemeClr val="lt1"/>
+          </a:fontRef>
+        </p:style>
+        <p:txBody>
+          <a:bodyPr rtlCol="0" anchor="ctr"/>
+          <a:lstStyle/>
+          <a:p>
+            <a:pPr algn="ctr"/>
+            <a:endParaRPr lang="en-US"/>
+          </a:p>
+        </p:txBody>
+      </p:sp>
+      <p:sp>
+        <p:nvSpPr>
+          <p:cNvPr id="31" name="Oval 30"/>
+          <p:cNvSpPr/>
+          <p:nvPr/>
+        </p:nvSpPr>
+        <p:spPr>
+          <a:xfrm>
+            <a:off x="2251186" y="469842"/>
+            <a:ext cx="365760" cy="914400"/>
+          </a:xfrm>
+          <a:prstGeom prst="ellipse">
+            <a:avLst/>
+          </a:prstGeom>
+          <a:solidFill>
+            <a:schemeClr val="tx1"/>
+          </a:solidFill>
+          <a:ln>
+            <a:noFill/>
+          </a:ln>
+        </p:spPr>
+        <p:style>
+          <a:lnRef idx="2">
+            <a:schemeClr val="accent1">
+              <a:shade val="50000"/>
+            </a:schemeClr>
+          </a:lnRef>
+          <a:fillRef idx="1">
+            <a:schemeClr val="accent1"/>
+          </a:fillRef>
+          <a:effectRef idx="0">
+            <a:schemeClr val="accent1"/>
+          </a:effectRef>
+          <a:fontRef idx="minor">
+            <a:schemeClr val="lt1"/>
+          </a:fontRef>
+        </p:style>
+        <p:txBody>
+          <a:bodyPr rtlCol="0" anchor="ctr"/>
+          <a:lstStyle/>
+          <a:p>
+            <a:pPr algn="ctr"/>
+            <a:endParaRPr lang="en-US"/>
+          </a:p>
+        </p:txBody>
+      </p:sp>
+      <p:grpSp>
+        <p:nvGrpSpPr>
+          <p:cNvPr id="8" name="Group 7"/>
+          <p:cNvGrpSpPr/>
+          <p:nvPr/>
+        </p:nvGrpSpPr>
+        <p:grpSpPr>
+          <a:xfrm>
+            <a:off x="1294278" y="1241494"/>
+            <a:ext cx="147955" cy="147955"/>
+            <a:chOff x="1320800" y="2968942"/>
+            <a:chExt cx="147955" cy="147955"/>
+          </a:xfrm>
+        </p:grpSpPr>
+        <p:cxnSp>
+          <p:nvCxnSpPr>
+            <p:cNvPr id="5" name="Straight Connector 4"/>
+            <p:cNvCxnSpPr/>
+            <p:nvPr/>
+          </p:nvCxnSpPr>
+          <p:spPr>
+            <a:xfrm>
+              <a:off x="1320800" y="3042920"/>
+              <a:ext cx="147955" cy="0"/>
+            </a:xfrm>
+            <a:prstGeom prst="line">
+              <a:avLst/>
+            </a:prstGeom>
+            <a:ln w="9525">
+              <a:solidFill>
+                <a:srgbClr val="FF0000"/>
+              </a:solidFill>
+            </a:ln>
+          </p:spPr>
+          <p:style>
+            <a:lnRef idx="1">
+              <a:schemeClr val="accent1"/>
+            </a:lnRef>
+            <a:fillRef idx="0">
+              <a:schemeClr val="accent1"/>
+            </a:fillRef>
+            <a:effectRef idx="0">
+              <a:schemeClr val="accent1"/>
+            </a:effectRef>
+            <a:fontRef idx="minor">
+              <a:schemeClr val="tx1"/>
+            </a:fontRef>
+          </p:style>
+        </p:cxnSp>
+        <p:cxnSp>
+          <p:nvCxnSpPr>
+            <p:cNvPr id="40" name="Straight Connector 39"/>
+            <p:cNvCxnSpPr/>
+            <p:nvPr/>
+          </p:nvCxnSpPr>
+          <p:spPr>
+            <a:xfrm rot="5400000">
+              <a:off x="1320800" y="3042920"/>
+              <a:ext cx="147955" cy="0"/>
+            </a:xfrm>
+            <a:prstGeom prst="line">
+              <a:avLst/>
+            </a:prstGeom>
+            <a:ln w="9525">
+              <a:solidFill>
+                <a:srgbClr val="FF0000"/>
+              </a:solidFill>
+            </a:ln>
+          </p:spPr>
+          <p:style>
+            <a:lnRef idx="1">
+              <a:schemeClr val="accent1"/>
+            </a:lnRef>
+            <a:fillRef idx="0">
+              <a:schemeClr val="accent1"/>
+            </a:fillRef>
+            <a:effectRef idx="0">
+              <a:schemeClr val="accent1"/>
+            </a:effectRef>
+            <a:fontRef idx="minor">
+              <a:schemeClr val="tx1"/>
+            </a:fontRef>
+          </p:style>
+        </p:cxnSp>
+      </p:grpSp>
+      <p:grpSp>
+        <p:nvGrpSpPr>
+          <p:cNvPr id="43" name="Group 42"/>
+          <p:cNvGrpSpPr/>
+          <p:nvPr/>
+        </p:nvGrpSpPr>
+        <p:grpSpPr>
+          <a:xfrm>
+            <a:off x="3422656" y="1241494"/>
+            <a:ext cx="147955" cy="147955"/>
+            <a:chOff x="1320800" y="2968942"/>
+            <a:chExt cx="147955" cy="147955"/>
+          </a:xfrm>
+        </p:grpSpPr>
+        <p:cxnSp>
+          <p:nvCxnSpPr>
+            <p:cNvPr id="44" name="Straight Connector 43"/>
+            <p:cNvCxnSpPr/>
+            <p:nvPr/>
+          </p:nvCxnSpPr>
+          <p:spPr>
+            <a:xfrm>
+              <a:off x="1320800" y="3042920"/>
+              <a:ext cx="147955" cy="0"/>
+            </a:xfrm>
+            <a:prstGeom prst="line">
+              <a:avLst/>
+            </a:prstGeom>
+            <a:ln w="9525">
+              <a:solidFill>
+                <a:srgbClr val="FF0000"/>
+              </a:solidFill>
+            </a:ln>
+          </p:spPr>
+          <p:style>
+            <a:lnRef idx="1">
+              <a:schemeClr val="accent1"/>
+            </a:lnRef>
+            <a:fillRef idx="0">
+              <a:schemeClr val="accent1"/>
+            </a:fillRef>
+            <a:effectRef idx="0">
+              <a:schemeClr val="accent1"/>
+            </a:effectRef>
+            <a:fontRef idx="minor">
+              <a:schemeClr val="tx1"/>
+            </a:fontRef>
+          </p:style>
+        </p:cxnSp>
+        <p:cxnSp>
+          <p:nvCxnSpPr>
+            <p:cNvPr id="50" name="Straight Connector 49"/>
+            <p:cNvCxnSpPr/>
+            <p:nvPr/>
+          </p:nvCxnSpPr>
+          <p:spPr>
+            <a:xfrm rot="5400000">
+              <a:off x="1320800" y="3042920"/>
+              <a:ext cx="147955" cy="0"/>
+            </a:xfrm>
+            <a:prstGeom prst="line">
+              <a:avLst/>
+            </a:prstGeom>
+            <a:ln w="9525">
+              <a:solidFill>
+                <a:srgbClr val="FF0000"/>
+              </a:solidFill>
+            </a:ln>
+          </p:spPr>
+          <p:style>
+            <a:lnRef idx="1">
+              <a:schemeClr val="accent1"/>
+            </a:lnRef>
+            <a:fillRef idx="0">
+              <a:schemeClr val="accent1"/>
+            </a:fillRef>
+            <a:effectRef idx="0">
+              <a:schemeClr val="accent1"/>
+            </a:effectRef>
+            <a:fontRef idx="minor">
+              <a:schemeClr val="tx1"/>
+            </a:fontRef>
+          </p:style>
+        </p:cxnSp>
+      </p:grpSp>
+      <p:grpSp>
+        <p:nvGrpSpPr>
+          <p:cNvPr id="51" name="Group 50"/>
+          <p:cNvGrpSpPr/>
+          <p:nvPr/>
+        </p:nvGrpSpPr>
+        <p:grpSpPr>
+          <a:xfrm>
+            <a:off x="3420825" y="3365494"/>
+            <a:ext cx="147955" cy="147955"/>
+            <a:chOff x="1320800" y="2968942"/>
+            <a:chExt cx="147955" cy="147955"/>
+          </a:xfrm>
+        </p:grpSpPr>
+        <p:cxnSp>
+          <p:nvCxnSpPr>
+            <p:cNvPr id="52" name="Straight Connector 51"/>
+            <p:cNvCxnSpPr/>
+            <p:nvPr/>
+          </p:nvCxnSpPr>
+          <p:spPr>
+            <a:xfrm>
+              <a:off x="1320800" y="3042920"/>
+              <a:ext cx="147955" cy="0"/>
+            </a:xfrm>
+            <a:prstGeom prst="line">
+              <a:avLst/>
+            </a:prstGeom>
+            <a:ln w="9525">
+              <a:solidFill>
+                <a:srgbClr val="FF0000"/>
+              </a:solidFill>
+            </a:ln>
+          </p:spPr>
+          <p:style>
+            <a:lnRef idx="1">
+              <a:schemeClr val="accent1"/>
+            </a:lnRef>
+            <a:fillRef idx="0">
+              <a:schemeClr val="accent1"/>
+            </a:fillRef>
+            <a:effectRef idx="0">
+              <a:schemeClr val="accent1"/>
+            </a:effectRef>
+            <a:fontRef idx="minor">
+              <a:schemeClr val="tx1"/>
+            </a:fontRef>
+          </p:style>
+        </p:cxnSp>
+        <p:cxnSp>
+          <p:nvCxnSpPr>
+            <p:cNvPr id="53" name="Straight Connector 52"/>
+            <p:cNvCxnSpPr/>
+            <p:nvPr/>
+          </p:nvCxnSpPr>
+          <p:spPr>
+            <a:xfrm rot="5400000">
+              <a:off x="1320800" y="3042920"/>
+              <a:ext cx="147955" cy="0"/>
+            </a:xfrm>
+            <a:prstGeom prst="line">
+              <a:avLst/>
+            </a:prstGeom>
+            <a:ln w="9525">
+              <a:solidFill>
+                <a:srgbClr val="FF0000"/>
+              </a:solidFill>
+            </a:ln>
+          </p:spPr>
+          <p:style>
+            <a:lnRef idx="1">
+              <a:schemeClr val="accent1"/>
+            </a:lnRef>
+            <a:fillRef idx="0">
+              <a:schemeClr val="accent1"/>
+            </a:fillRef>
+            <a:effectRef idx="0">
+              <a:schemeClr val="accent1"/>
+            </a:effectRef>
+            <a:fontRef idx="minor">
+              <a:schemeClr val="tx1"/>
+            </a:fontRef>
+          </p:style>
+        </p:cxnSp>
+      </p:grpSp>
+      <p:grpSp>
+        <p:nvGrpSpPr>
+          <p:cNvPr id="54" name="Group 53"/>
+          <p:cNvGrpSpPr/>
+          <p:nvPr/>
+        </p:nvGrpSpPr>
+        <p:grpSpPr>
+          <a:xfrm>
+            <a:off x="1293169" y="3365494"/>
+            <a:ext cx="147955" cy="147955"/>
+            <a:chOff x="1320800" y="2968942"/>
+            <a:chExt cx="147955" cy="147955"/>
+          </a:xfrm>
+        </p:grpSpPr>
+        <p:cxnSp>
+          <p:nvCxnSpPr>
+            <p:cNvPr id="55" name="Straight Connector 54"/>
+            <p:cNvCxnSpPr/>
+            <p:nvPr/>
+          </p:nvCxnSpPr>
+          <p:spPr>
+            <a:xfrm>
+              <a:off x="1320800" y="3042920"/>
+              <a:ext cx="147955" cy="0"/>
+            </a:xfrm>
+            <a:prstGeom prst="line">
+              <a:avLst/>
+            </a:prstGeom>
+            <a:ln w="9525">
+              <a:solidFill>
+                <a:srgbClr val="FF0000"/>
+              </a:solidFill>
+            </a:ln>
+          </p:spPr>
+          <p:style>
+            <a:lnRef idx="1">
+              <a:schemeClr val="accent1"/>
+            </a:lnRef>
+            <a:fillRef idx="0">
+              <a:schemeClr val="accent1"/>
+            </a:fillRef>
+            <a:effectRef idx="0">
+              <a:schemeClr val="accent1"/>
+            </a:effectRef>
+            <a:fontRef idx="minor">
+              <a:schemeClr val="tx1"/>
+            </a:fontRef>
+          </p:style>
+        </p:cxnSp>
+        <p:cxnSp>
+          <p:nvCxnSpPr>
+            <p:cNvPr id="56" name="Straight Connector 55"/>
+            <p:cNvCxnSpPr/>
+            <p:nvPr/>
+          </p:nvCxnSpPr>
+          <p:spPr>
+            <a:xfrm rot="5400000">
+              <a:off x="1320800" y="3042920"/>
+              <a:ext cx="147955" cy="0"/>
+            </a:xfrm>
+            <a:prstGeom prst="line">
+              <a:avLst/>
+            </a:prstGeom>
+            <a:ln w="9525">
+              <a:solidFill>
+                <a:srgbClr val="FF0000"/>
+              </a:solidFill>
+            </a:ln>
+          </p:spPr>
+          <p:style>
+            <a:lnRef idx="1">
+              <a:schemeClr val="accent1"/>
+            </a:lnRef>
+            <a:fillRef idx="0">
+              <a:schemeClr val="accent1"/>
+            </a:fillRef>
+            <a:effectRef idx="0">
+              <a:schemeClr val="accent1"/>
+            </a:effectRef>
+            <a:fontRef idx="minor">
+              <a:schemeClr val="tx1"/>
+            </a:fontRef>
+          </p:style>
+        </p:cxnSp>
+      </p:grpSp>
+      <p:sp>
+        <p:nvSpPr>
+          <p:cNvPr id="77" name="Oval 76"/>
+          <p:cNvSpPr/>
+          <p:nvPr/>
+        </p:nvSpPr>
+        <p:spPr>
+          <a:xfrm>
+            <a:off x="6944264" y="3992196"/>
+            <a:ext cx="914400" cy="914400"/>
+          </a:xfrm>
+          <a:prstGeom prst="ellipse">
+            <a:avLst/>
+          </a:prstGeom>
+          <a:solidFill>
+            <a:schemeClr val="tx1"/>
+          </a:solidFill>
+          <a:ln>
+            <a:noFill/>
+          </a:ln>
+        </p:spPr>
+        <p:style>
+          <a:lnRef idx="2">
+            <a:schemeClr val="accent1">
+              <a:shade val="50000"/>
+            </a:schemeClr>
+          </a:lnRef>
+          <a:fillRef idx="1">
+            <a:schemeClr val="accent1"/>
+          </a:fillRef>
+          <a:effectRef idx="0">
+            <a:schemeClr val="accent1"/>
+          </a:effectRef>
+          <a:fontRef idx="minor">
+            <a:schemeClr val="lt1"/>
+          </a:fontRef>
+        </p:style>
+        <p:txBody>
+          <a:bodyPr rtlCol="0" anchor="ctr"/>
+          <a:lstStyle/>
+          <a:p>
+            <a:pPr algn="ctr"/>
+            <a:endParaRPr lang="en-US"/>
+          </a:p>
+        </p:txBody>
+      </p:sp>
+      <p:sp>
+        <p:nvSpPr>
+          <p:cNvPr id="78" name="Oval 77"/>
+          <p:cNvSpPr/>
+          <p:nvPr/>
+        </p:nvSpPr>
+        <p:spPr>
+          <a:xfrm>
+            <a:off x="5228118" y="2289396"/>
+            <a:ext cx="4320000" cy="4320000"/>
+          </a:xfrm>
+          <a:prstGeom prst="ellipse">
+            <a:avLst/>
+          </a:prstGeom>
+          <a:noFill/>
+        </p:spPr>
+        <p:style>
+          <a:lnRef idx="2">
+            <a:schemeClr val="accent1">
+              <a:shade val="50000"/>
+            </a:schemeClr>
+          </a:lnRef>
+          <a:fillRef idx="1">
+            <a:schemeClr val="accent1"/>
+          </a:fillRef>
+          <a:effectRef idx="0">
+            <a:schemeClr val="accent1"/>
+          </a:effectRef>
+          <a:fontRef idx="minor">
+            <a:schemeClr val="lt1"/>
+          </a:fontRef>
+        </p:style>
+        <p:txBody>
+          <a:bodyPr rtlCol="0" anchor="ctr"/>
+          <a:lstStyle/>
+          <a:p>
+            <a:pPr algn="ctr"/>
+            <a:endParaRPr lang="en-US"/>
+          </a:p>
+        </p:txBody>
+      </p:sp>
+      <p:sp>
+        <p:nvSpPr>
+          <p:cNvPr id="84" name="Oval 83"/>
+          <p:cNvSpPr/>
+          <p:nvPr/>
+        </p:nvSpPr>
+        <p:spPr>
+          <a:xfrm>
+            <a:off x="7207612" y="2629842"/>
+            <a:ext cx="365760" cy="914400"/>
+          </a:xfrm>
+          <a:prstGeom prst="ellipse">
+            <a:avLst/>
+          </a:prstGeom>
+          <a:solidFill>
+            <a:schemeClr val="tx1"/>
+          </a:solidFill>
+          <a:ln>
+            <a:noFill/>
+          </a:ln>
+        </p:spPr>
+        <p:style>
+          <a:lnRef idx="2">
+            <a:schemeClr val="accent1">
+              <a:shade val="50000"/>
+            </a:schemeClr>
+          </a:lnRef>
+          <a:fillRef idx="1">
+            <a:schemeClr val="accent1"/>
+          </a:fillRef>
+          <a:effectRef idx="0">
+            <a:schemeClr val="accent1"/>
+          </a:effectRef>
+          <a:fontRef idx="minor">
+            <a:schemeClr val="lt1"/>
+          </a:fontRef>
+        </p:style>
+        <p:txBody>
+          <a:bodyPr rtlCol="0" anchor="ctr"/>
+          <a:lstStyle/>
+          <a:p>
+            <a:pPr algn="ctr"/>
+            <a:endParaRPr lang="en-US"/>
+          </a:p>
+        </p:txBody>
+      </p:sp>
+      <p:grpSp>
+        <p:nvGrpSpPr>
+          <p:cNvPr id="85" name="Group 84"/>
+          <p:cNvGrpSpPr/>
+          <p:nvPr/>
+        </p:nvGrpSpPr>
+        <p:grpSpPr>
+          <a:xfrm>
+            <a:off x="6250704" y="3401494"/>
+            <a:ext cx="147955" cy="147955"/>
+            <a:chOff x="1320800" y="2968942"/>
+            <a:chExt cx="147955" cy="147955"/>
+          </a:xfrm>
+        </p:grpSpPr>
+        <p:cxnSp>
+          <p:nvCxnSpPr>
+            <p:cNvPr id="86" name="Straight Connector 85"/>
+            <p:cNvCxnSpPr/>
+            <p:nvPr/>
+          </p:nvCxnSpPr>
+          <p:spPr>
+            <a:xfrm>
+              <a:off x="1320800" y="3042920"/>
+              <a:ext cx="147955" cy="0"/>
+            </a:xfrm>
+            <a:prstGeom prst="line">
+              <a:avLst/>
+            </a:prstGeom>
+            <a:ln w="9525">
+              <a:solidFill>
+                <a:srgbClr val="FF0000"/>
+              </a:solidFill>
+            </a:ln>
+          </p:spPr>
+          <p:style>
+            <a:lnRef idx="1">
+              <a:schemeClr val="accent1"/>
+            </a:lnRef>
+            <a:fillRef idx="0">
+              <a:schemeClr val="accent1"/>
+            </a:fillRef>
+            <a:effectRef idx="0">
+              <a:schemeClr val="accent1"/>
+            </a:effectRef>
+            <a:fontRef idx="minor">
+              <a:schemeClr val="tx1"/>
+            </a:fontRef>
+          </p:style>
+        </p:cxnSp>
+        <p:cxnSp>
+          <p:nvCxnSpPr>
+            <p:cNvPr id="87" name="Straight Connector 86"/>
+            <p:cNvCxnSpPr/>
+            <p:nvPr/>
+          </p:nvCxnSpPr>
+          <p:spPr>
+            <a:xfrm rot="5400000">
+              <a:off x="1320800" y="3042920"/>
+              <a:ext cx="147955" cy="0"/>
+            </a:xfrm>
+            <a:prstGeom prst="line">
+              <a:avLst/>
+            </a:prstGeom>
+            <a:ln w="9525">
+              <a:solidFill>
+                <a:srgbClr val="FF0000"/>
+              </a:solidFill>
+            </a:ln>
+          </p:spPr>
+          <p:style>
+            <a:lnRef idx="1">
+              <a:schemeClr val="accent1"/>
+            </a:lnRef>
+            <a:fillRef idx="0">
+              <a:schemeClr val="accent1"/>
+            </a:fillRef>
+            <a:effectRef idx="0">
+              <a:schemeClr val="accent1"/>
+            </a:effectRef>
+            <a:fontRef idx="minor">
+              <a:schemeClr val="tx1"/>
+            </a:fontRef>
+          </p:style>
+        </p:cxnSp>
+      </p:grpSp>
+      <p:grpSp>
+        <p:nvGrpSpPr>
+          <p:cNvPr id="88" name="Group 87"/>
+          <p:cNvGrpSpPr/>
+          <p:nvPr/>
+        </p:nvGrpSpPr>
+        <p:grpSpPr>
+          <a:xfrm>
+            <a:off x="8379082" y="3401494"/>
+            <a:ext cx="147955" cy="147955"/>
+            <a:chOff x="1320800" y="2968942"/>
+            <a:chExt cx="147955" cy="147955"/>
+          </a:xfrm>
+        </p:grpSpPr>
+        <p:cxnSp>
+          <p:nvCxnSpPr>
+            <p:cNvPr id="89" name="Straight Connector 88"/>
+            <p:cNvCxnSpPr/>
+            <p:nvPr/>
+          </p:nvCxnSpPr>
+          <p:spPr>
+            <a:xfrm>
+              <a:off x="1320800" y="3042920"/>
+              <a:ext cx="147955" cy="0"/>
+            </a:xfrm>
+            <a:prstGeom prst="line">
+              <a:avLst/>
+            </a:prstGeom>
+            <a:ln w="9525">
+              <a:solidFill>
+                <a:srgbClr val="FF0000"/>
+              </a:solidFill>
+            </a:ln>
+          </p:spPr>
+          <p:style>
+            <a:lnRef idx="1">
+              <a:schemeClr val="accent1"/>
+            </a:lnRef>
+            <a:fillRef idx="0">
+              <a:schemeClr val="accent1"/>
+            </a:fillRef>
+            <a:effectRef idx="0">
+              <a:schemeClr val="accent1"/>
+            </a:effectRef>
+            <a:fontRef idx="minor">
+              <a:schemeClr val="tx1"/>
+            </a:fontRef>
+          </p:style>
+        </p:cxnSp>
+        <p:cxnSp>
+          <p:nvCxnSpPr>
+            <p:cNvPr id="90" name="Straight Connector 89"/>
+            <p:cNvCxnSpPr/>
+            <p:nvPr/>
+          </p:nvCxnSpPr>
+          <p:spPr>
+            <a:xfrm rot="5400000">
+              <a:off x="1320800" y="3042920"/>
+              <a:ext cx="147955" cy="0"/>
+            </a:xfrm>
+            <a:prstGeom prst="line">
+              <a:avLst/>
+            </a:prstGeom>
+            <a:ln w="9525">
+              <a:solidFill>
+                <a:srgbClr val="FF0000"/>
+              </a:solidFill>
+            </a:ln>
+          </p:spPr>
+          <p:style>
+            <a:lnRef idx="1">
+              <a:schemeClr val="accent1"/>
+            </a:lnRef>
+            <a:fillRef idx="0">
+              <a:schemeClr val="accent1"/>
+            </a:fillRef>
+            <a:effectRef idx="0">
+              <a:schemeClr val="accent1"/>
+            </a:effectRef>
+            <a:fontRef idx="minor">
+              <a:schemeClr val="tx1"/>
+            </a:fontRef>
+          </p:style>
+        </p:cxnSp>
+      </p:grpSp>
+      <p:grpSp>
+        <p:nvGrpSpPr>
+          <p:cNvPr id="91" name="Group 90"/>
+          <p:cNvGrpSpPr/>
+          <p:nvPr/>
+        </p:nvGrpSpPr>
+        <p:grpSpPr>
+          <a:xfrm>
+            <a:off x="8377251" y="5525494"/>
+            <a:ext cx="147955" cy="147955"/>
+            <a:chOff x="1320800" y="2968942"/>
+            <a:chExt cx="147955" cy="147955"/>
+          </a:xfrm>
+        </p:grpSpPr>
+        <p:cxnSp>
+          <p:nvCxnSpPr>
+            <p:cNvPr id="92" name="Straight Connector 91"/>
+            <p:cNvCxnSpPr/>
+            <p:nvPr/>
+          </p:nvCxnSpPr>
+          <p:spPr>
+            <a:xfrm>
+              <a:off x="1320800" y="3042920"/>
+              <a:ext cx="147955" cy="0"/>
+            </a:xfrm>
+            <a:prstGeom prst="line">
+              <a:avLst/>
+            </a:prstGeom>
+            <a:ln w="9525">
+              <a:solidFill>
+                <a:srgbClr val="FF0000"/>
+              </a:solidFill>
+            </a:ln>
+          </p:spPr>
+          <p:style>
+            <a:lnRef idx="1">
+              <a:schemeClr val="accent1"/>
+            </a:lnRef>
+            <a:fillRef idx="0">
+              <a:schemeClr val="accent1"/>
+            </a:fillRef>
+            <a:effectRef idx="0">
+              <a:schemeClr val="accent1"/>
+            </a:effectRef>
+            <a:fontRef idx="minor">
+              <a:schemeClr val="tx1"/>
+            </a:fontRef>
+          </p:style>
+        </p:cxnSp>
+        <p:cxnSp>
+          <p:nvCxnSpPr>
+            <p:cNvPr id="93" name="Straight Connector 92"/>
+            <p:cNvCxnSpPr/>
+            <p:nvPr/>
+          </p:nvCxnSpPr>
+          <p:spPr>
+            <a:xfrm rot="5400000">
+              <a:off x="1320800" y="3042920"/>
+              <a:ext cx="147955" cy="0"/>
+            </a:xfrm>
+            <a:prstGeom prst="line">
+              <a:avLst/>
+            </a:prstGeom>
+            <a:ln w="9525">
+              <a:solidFill>
+                <a:srgbClr val="FF0000"/>
+              </a:solidFill>
+            </a:ln>
+          </p:spPr>
+          <p:style>
+            <a:lnRef idx="1">
+              <a:schemeClr val="accent1"/>
+            </a:lnRef>
+            <a:fillRef idx="0">
+              <a:schemeClr val="accent1"/>
+            </a:fillRef>
+            <a:effectRef idx="0">
+              <a:schemeClr val="accent1"/>
+            </a:effectRef>
+            <a:fontRef idx="minor">
+              <a:schemeClr val="tx1"/>
+            </a:fontRef>
+          </p:style>
+        </p:cxnSp>
+      </p:grpSp>
+      <p:grpSp>
+        <p:nvGrpSpPr>
+          <p:cNvPr id="94" name="Group 93"/>
+          <p:cNvGrpSpPr/>
+          <p:nvPr/>
+        </p:nvGrpSpPr>
+        <p:grpSpPr>
+          <a:xfrm>
+            <a:off x="6249595" y="5525494"/>
+            <a:ext cx="147955" cy="147955"/>
+            <a:chOff x="1320800" y="2968942"/>
+            <a:chExt cx="147955" cy="147955"/>
+          </a:xfrm>
+        </p:grpSpPr>
+        <p:cxnSp>
+          <p:nvCxnSpPr>
+            <p:cNvPr id="95" name="Straight Connector 94"/>
+            <p:cNvCxnSpPr/>
+            <p:nvPr/>
+          </p:nvCxnSpPr>
+          <p:spPr>
+            <a:xfrm>
+              <a:off x="1320800" y="3042920"/>
+              <a:ext cx="147955" cy="0"/>
+            </a:xfrm>
+            <a:prstGeom prst="line">
+              <a:avLst/>
+            </a:prstGeom>
+            <a:ln w="9525">
+              <a:solidFill>
+                <a:srgbClr val="FF0000"/>
+              </a:solidFill>
+            </a:ln>
+          </p:spPr>
+          <p:style>
+            <a:lnRef idx="1">
+              <a:schemeClr val="accent1"/>
+            </a:lnRef>
+            <a:fillRef idx="0">
+              <a:schemeClr val="accent1"/>
+            </a:fillRef>
+            <a:effectRef idx="0">
+              <a:schemeClr val="accent1"/>
+            </a:effectRef>
+            <a:fontRef idx="minor">
+              <a:schemeClr val="tx1"/>
+            </a:fontRef>
+          </p:style>
+        </p:cxnSp>
+        <p:cxnSp>
+          <p:nvCxnSpPr>
+            <p:cNvPr id="96" name="Straight Connector 95"/>
+            <p:cNvCxnSpPr/>
+            <p:nvPr/>
+          </p:nvCxnSpPr>
+          <p:spPr>
+            <a:xfrm rot="5400000">
+              <a:off x="1320800" y="3042920"/>
+              <a:ext cx="147955" cy="0"/>
+            </a:xfrm>
+            <a:prstGeom prst="line">
+              <a:avLst/>
+            </a:prstGeom>
+            <a:ln w="9525">
+              <a:solidFill>
+                <a:srgbClr val="FF0000"/>
+              </a:solidFill>
+            </a:ln>
+          </p:spPr>
+          <p:style>
+            <a:lnRef idx="1">
+              <a:schemeClr val="accent1"/>
+            </a:lnRef>
+            <a:fillRef idx="0">
+              <a:schemeClr val="accent1"/>
+            </a:fillRef>
+            <a:effectRef idx="0">
+              <a:schemeClr val="accent1"/>
+            </a:effectRef>
+            <a:fontRef idx="minor">
+              <a:schemeClr val="tx1"/>
+            </a:fontRef>
+          </p:style>
+        </p:cxnSp>
+      </p:grpSp>
+      <p:sp>
+        <p:nvSpPr>
+          <p:cNvPr id="57" name="Oval 56"/>
+          <p:cNvSpPr/>
+          <p:nvPr/>
+        </p:nvSpPr>
+        <p:spPr>
+          <a:xfrm>
+            <a:off x="8464163" y="4654200"/>
+            <a:ext cx="457200" cy="457200"/>
+          </a:xfrm>
+          <a:prstGeom prst="ellipse">
+            <a:avLst/>
+          </a:prstGeom>
+          <a:solidFill>
+            <a:schemeClr val="tx1"/>
+          </a:solidFill>
+          <a:ln>
+            <a:noFill/>
+          </a:ln>
+        </p:spPr>
+        <p:style>
+          <a:lnRef idx="2">
+            <a:schemeClr val="accent1">
+              <a:shade val="50000"/>
+            </a:schemeClr>
+          </a:lnRef>
+          <a:fillRef idx="1">
+            <a:schemeClr val="accent1"/>
+          </a:fillRef>
+          <a:effectRef idx="0">
+            <a:schemeClr val="accent1"/>
+          </a:effectRef>
+          <a:fontRef idx="minor">
+            <a:schemeClr val="lt1"/>
+          </a:fontRef>
+        </p:style>
+        <p:txBody>
+          <a:bodyPr rtlCol="0" anchor="ctr"/>
+          <a:lstStyle/>
+          <a:p>
+            <a:pPr algn="ctr"/>
+            <a:endParaRPr lang="en-US"/>
+          </a:p>
+        </p:txBody>
+      </p:sp>
+      <p:sp>
+        <p:nvSpPr>
+          <p:cNvPr id="58" name="Oval 57"/>
+          <p:cNvSpPr/>
+          <p:nvPr/>
+        </p:nvSpPr>
+        <p:spPr>
+          <a:xfrm>
+            <a:off x="6612705" y="5486256"/>
+            <a:ext cx="457200" cy="457200"/>
+          </a:xfrm>
+          <a:prstGeom prst="ellipse">
+            <a:avLst/>
+          </a:prstGeom>
+          <a:solidFill>
+            <a:schemeClr val="tx1"/>
+          </a:solidFill>
+          <a:ln>
+            <a:noFill/>
+          </a:ln>
+        </p:spPr>
+        <p:style>
+          <a:lnRef idx="2">
+            <a:schemeClr val="accent1">
+              <a:shade val="50000"/>
+            </a:schemeClr>
+          </a:lnRef>
+          <a:fillRef idx="1">
+            <a:schemeClr val="accent1"/>
+          </a:fillRef>
+          <a:effectRef idx="0">
+            <a:schemeClr val="accent1"/>
+          </a:effectRef>
+          <a:fontRef idx="minor">
+            <a:schemeClr val="lt1"/>
+          </a:fontRef>
+        </p:style>
+        <p:txBody>
+          <a:bodyPr rtlCol="0" anchor="ctr"/>
+          <a:lstStyle/>
+          <a:p>
+            <a:pPr algn="ctr"/>
+            <a:endParaRPr lang="en-US"/>
+          </a:p>
+        </p:txBody>
+      </p:sp>
+      <p:sp>
+        <p:nvSpPr>
+          <p:cNvPr id="59" name="Oval 58"/>
+          <p:cNvSpPr/>
+          <p:nvPr/>
+        </p:nvSpPr>
+        <p:spPr>
+          <a:xfrm>
+            <a:off x="3441202" y="1522748"/>
+            <a:ext cx="457200" cy="457200"/>
+          </a:xfrm>
+          <a:prstGeom prst="ellipse">
+            <a:avLst/>
+          </a:prstGeom>
+          <a:solidFill>
+            <a:schemeClr val="tx1"/>
+          </a:solidFill>
+          <a:ln>
+            <a:noFill/>
+          </a:ln>
+        </p:spPr>
+        <p:style>
+          <a:lnRef idx="2">
+            <a:schemeClr val="accent1">
+              <a:shade val="50000"/>
+            </a:schemeClr>
+          </a:lnRef>
+          <a:fillRef idx="1">
+            <a:schemeClr val="accent1"/>
+          </a:fillRef>
+          <a:effectRef idx="0">
+            <a:schemeClr val="accent1"/>
+          </a:effectRef>
+          <a:fontRef idx="minor">
+            <a:schemeClr val="lt1"/>
+          </a:fontRef>
+        </p:style>
+        <p:txBody>
+          <a:bodyPr rtlCol="0" anchor="ctr"/>
+          <a:lstStyle/>
+          <a:p>
+            <a:pPr algn="ctr"/>
+            <a:endParaRPr lang="en-US"/>
+          </a:p>
+        </p:txBody>
+      </p:sp>
+      <p:sp>
+        <p:nvSpPr>
+          <p:cNvPr id="60" name="Oval 59"/>
+          <p:cNvSpPr/>
+          <p:nvPr/>
+        </p:nvSpPr>
+        <p:spPr>
+          <a:xfrm>
+            <a:off x="953528" y="2629842"/>
+            <a:ext cx="457200" cy="457200"/>
+          </a:xfrm>
+          <a:prstGeom prst="ellipse">
+            <a:avLst/>
+          </a:prstGeom>
+          <a:solidFill>
+            <a:schemeClr val="tx1"/>
+          </a:solidFill>
+          <a:ln>
+            <a:noFill/>
+          </a:ln>
+        </p:spPr>
+        <p:style>
+          <a:lnRef idx="2">
+            <a:schemeClr val="accent1">
+              <a:shade val="50000"/>
+            </a:schemeClr>
+          </a:lnRef>
+          <a:fillRef idx="1">
+            <a:schemeClr val="accent1"/>
+          </a:fillRef>
+          <a:effectRef idx="0">
+            <a:schemeClr val="accent1"/>
+          </a:effectRef>
+          <a:fontRef idx="minor">
+            <a:schemeClr val="lt1"/>
+          </a:fontRef>
+        </p:style>
+        <p:txBody>
+          <a:bodyPr rtlCol="0" anchor="ctr"/>
+          <a:lstStyle/>
+          <a:p>
+            <a:pPr algn="ctr"/>
+            <a:endParaRPr lang="en-US"/>
+          </a:p>
+        </p:txBody>
+      </p:sp>
+      <p:sp>
+        <p:nvSpPr>
+          <p:cNvPr id="61" name="Oval 60"/>
+          <p:cNvSpPr/>
+          <p:nvPr/>
+        </p:nvSpPr>
+        <p:spPr>
+          <a:xfrm>
+            <a:off x="953528" y="1519972"/>
+            <a:ext cx="457200" cy="457200"/>
+          </a:xfrm>
+          <a:prstGeom prst="ellipse">
+            <a:avLst/>
+          </a:prstGeom>
+          <a:solidFill>
+            <a:schemeClr val="tx1"/>
+          </a:solidFill>
+          <a:ln>
+            <a:noFill/>
+          </a:ln>
+        </p:spPr>
+        <p:style>
+          <a:lnRef idx="2">
+            <a:schemeClr val="accent1">
+              <a:shade val="50000"/>
+            </a:schemeClr>
+          </a:lnRef>
+          <a:fillRef idx="1">
+            <a:schemeClr val="accent1"/>
+          </a:fillRef>
+          <a:effectRef idx="0">
+            <a:schemeClr val="accent1"/>
+          </a:effectRef>
+          <a:fontRef idx="minor">
+            <a:schemeClr val="lt1"/>
+          </a:fontRef>
+        </p:style>
+        <p:txBody>
+          <a:bodyPr rtlCol="0" anchor="ctr"/>
+          <a:lstStyle/>
+          <a:p>
+            <a:pPr algn="ctr"/>
+            <a:endParaRPr lang="en-US"/>
+          </a:p>
+        </p:txBody>
+      </p:sp>
+      <p:sp>
+        <p:nvSpPr>
+          <p:cNvPr id="65" name="Oval 64"/>
+          <p:cNvSpPr/>
+          <p:nvPr/>
+        </p:nvSpPr>
+        <p:spPr>
+          <a:xfrm>
+            <a:off x="2186202" y="3439472"/>
+            <a:ext cx="457200" cy="457200"/>
+          </a:xfrm>
+          <a:prstGeom prst="ellipse">
+            <a:avLst/>
+          </a:prstGeom>
+          <a:solidFill>
+            <a:schemeClr val="tx1"/>
+          </a:solidFill>
+          <a:ln>
+            <a:noFill/>
+          </a:ln>
+        </p:spPr>
+        <p:style>
+          <a:lnRef idx="2">
+            <a:schemeClr val="accent1">
+              <a:shade val="50000"/>
+            </a:schemeClr>
+          </a:lnRef>
+          <a:fillRef idx="1">
+            <a:schemeClr val="accent1"/>
+          </a:fillRef>
+          <a:effectRef idx="0">
+            <a:schemeClr val="accent1"/>
+          </a:effectRef>
+          <a:fontRef idx="minor">
+            <a:schemeClr val="lt1"/>
+          </a:fontRef>
+        </p:style>
+        <p:txBody>
+          <a:bodyPr rtlCol="0" anchor="ctr"/>
+          <a:lstStyle/>
+          <a:p>
+            <a:pPr algn="ctr"/>
+            <a:endParaRPr lang="en-US"/>
+          </a:p>
+        </p:txBody>
+      </p:sp>
+      <p:sp>
+        <p:nvSpPr>
+          <p:cNvPr id="66" name="Oval 65"/>
+          <p:cNvSpPr/>
+          <p:nvPr/>
+        </p:nvSpPr>
+        <p:spPr>
+          <a:xfrm>
+            <a:off x="5868219" y="4654200"/>
+            <a:ext cx="457200" cy="457200"/>
+          </a:xfrm>
+          <a:prstGeom prst="ellipse">
+            <a:avLst/>
+          </a:prstGeom>
+          <a:solidFill>
+            <a:schemeClr val="tx1"/>
+          </a:solidFill>
+          <a:ln>
+            <a:noFill/>
+          </a:ln>
+        </p:spPr>
+        <p:style>
+          <a:lnRef idx="2">
+            <a:schemeClr val="accent1">
+              <a:shade val="50000"/>
+            </a:schemeClr>
+          </a:lnRef>
+          <a:fillRef idx="1">
+            <a:schemeClr val="accent1"/>
+          </a:fillRef>
+          <a:effectRef idx="0">
+            <a:schemeClr val="accent1"/>
+          </a:effectRef>
+          <a:fontRef idx="minor">
+            <a:schemeClr val="lt1"/>
+          </a:fontRef>
+        </p:style>
+        <p:txBody>
+          <a:bodyPr rtlCol="0" anchor="ctr"/>
+          <a:lstStyle/>
+          <a:p>
+            <a:pPr algn="ctr"/>
+            <a:endParaRPr lang="en-US"/>
+          </a:p>
+        </p:txBody>
+      </p:sp>
+      <p:sp>
+        <p:nvSpPr>
+          <p:cNvPr id="67" name="Oval 66"/>
+          <p:cNvSpPr/>
+          <p:nvPr/>
+        </p:nvSpPr>
+        <p:spPr>
+          <a:xfrm>
+            <a:off x="7705064" y="5486256"/>
+            <a:ext cx="457200" cy="457200"/>
+          </a:xfrm>
+          <a:prstGeom prst="ellipse">
+            <a:avLst/>
+          </a:prstGeom>
+          <a:solidFill>
+            <a:schemeClr val="tx1"/>
+          </a:solidFill>
+          <a:ln>
+            <a:noFill/>
+          </a:ln>
+        </p:spPr>
+        <p:style>
+          <a:lnRef idx="2">
+            <a:schemeClr val="accent1">
+              <a:shade val="50000"/>
+            </a:schemeClr>
+          </a:lnRef>
+          <a:fillRef idx="1">
+            <a:schemeClr val="accent1"/>
+          </a:fillRef>
+          <a:effectRef idx="0">
+            <a:schemeClr val="accent1"/>
+          </a:effectRef>
+          <a:fontRef idx="minor">
+            <a:schemeClr val="lt1"/>
+          </a:fontRef>
+        </p:style>
+        <p:txBody>
+          <a:bodyPr rtlCol="0" anchor="ctr"/>
+          <a:lstStyle/>
+          <a:p>
+            <a:pPr algn="ctr"/>
+            <a:endParaRPr lang="en-US"/>
+          </a:p>
+        </p:txBody>
+      </p:sp>
+      <p:sp>
+        <p:nvSpPr>
+          <p:cNvPr id="68" name="Oval 67"/>
+          <p:cNvSpPr/>
+          <p:nvPr/>
+        </p:nvSpPr>
+        <p:spPr>
+          <a:xfrm>
+            <a:off x="8389899" y="3668072"/>
+            <a:ext cx="457200" cy="457200"/>
+          </a:xfrm>
+          <a:prstGeom prst="ellipse">
+            <a:avLst/>
+          </a:prstGeom>
+          <a:solidFill>
+            <a:schemeClr val="tx1"/>
+          </a:solidFill>
+          <a:ln>
+            <a:noFill/>
+          </a:ln>
+        </p:spPr>
+        <p:style>
+          <a:lnRef idx="2">
+            <a:schemeClr val="accent1">
+              <a:shade val="50000"/>
+            </a:schemeClr>
+          </a:lnRef>
+          <a:fillRef idx="1">
+            <a:schemeClr val="accent1"/>
+          </a:fillRef>
+          <a:effectRef idx="0">
+            <a:schemeClr val="accent1"/>
+          </a:effectRef>
+          <a:fontRef idx="minor">
+            <a:schemeClr val="lt1"/>
+          </a:fontRef>
+        </p:style>
+        <p:txBody>
+          <a:bodyPr rtlCol="0" anchor="ctr"/>
+          <a:lstStyle/>
+          <a:p>
+            <a:pPr algn="ctr"/>
+            <a:endParaRPr lang="en-US"/>
+          </a:p>
+        </p:txBody>
+      </p:sp>
+      <p:sp>
+        <p:nvSpPr>
+          <p:cNvPr id="69" name="Oval 68"/>
+          <p:cNvSpPr/>
+          <p:nvPr/>
+        </p:nvSpPr>
+        <p:spPr>
+          <a:xfrm>
+            <a:off x="5929138" y="3668072"/>
+            <a:ext cx="457200" cy="457200"/>
+          </a:xfrm>
+          <a:prstGeom prst="ellipse">
+            <a:avLst/>
+          </a:prstGeom>
+          <a:solidFill>
+            <a:schemeClr val="tx1"/>
+          </a:solidFill>
+          <a:ln>
+            <a:noFill/>
+          </a:ln>
+        </p:spPr>
+        <p:style>
+          <a:lnRef idx="2">
+            <a:schemeClr val="accent1">
+              <a:shade val="50000"/>
+            </a:schemeClr>
+          </a:lnRef>
+          <a:fillRef idx="1">
+            <a:schemeClr val="accent1"/>
+          </a:fillRef>
+          <a:effectRef idx="0">
+            <a:schemeClr val="accent1"/>
+          </a:effectRef>
+          <a:fontRef idx="minor">
+            <a:schemeClr val="lt1"/>
+          </a:fontRef>
+        </p:style>
+        <p:txBody>
+          <a:bodyPr rtlCol="0" anchor="ctr"/>
+          <a:lstStyle/>
+          <a:p>
+            <a:pPr algn="ctr"/>
+            <a:endParaRPr lang="en-US"/>
+          </a:p>
+        </p:txBody>
+      </p:sp>
+    </p:spTree>
+    <p:extLst>
+      <p:ext uri="{BB962C8B-B14F-4D97-AF65-F5344CB8AC3E}">
+        <p14:creationId xmlns:p14="http://schemas.microsoft.com/office/powerpoint/2010/main" val="4179741739"/>
       </p:ext>
     </p:extLst>
   </p:cSld>
